--- a/ppt_TMA.pptx
+++ b/ppt_TMA.pptx
@@ -5,7 +5,7 @@
     <p:sldMasterId id="2147483661" r:id="rId1"/>
   </p:sldMasterIdLst>
   <p:notesMasterIdLst>
-    <p:notesMasterId r:id="rId19"/>
+    <p:notesMasterId r:id="rId20"/>
   </p:notesMasterIdLst>
   <p:sldIdLst>
     <p:sldId id="264" r:id="rId2"/>
@@ -25,6 +25,7 @@
     <p:sldId id="309" r:id="rId16"/>
     <p:sldId id="310" r:id="rId17"/>
     <p:sldId id="311" r:id="rId18"/>
+    <p:sldId id="314" r:id="rId19"/>
   </p:sldIdLst>
   <p:sldSz cx="12192000" cy="6858000"/>
   <p:notesSz cx="6858000" cy="9144000"/>
@@ -123,6 +124,36 @@
       </a:defRPr>
     </a:lvl9pPr>
   </p:defaultTextStyle>
+  <p:extLst>
+    <p:ext uri="{EFAFB233-063F-42B5-8137-9DF3F51BA10A}">
+      <p15:sldGuideLst xmlns:p15="http://schemas.microsoft.com/office/powerpoint/2012/main">
+        <p15:guide id="1" orient="horz" pos="2160">
+          <p15:clr>
+            <a:srgbClr val="A4A3A4"/>
+          </p15:clr>
+        </p15:guide>
+        <p15:guide id="2" pos="3840">
+          <p15:clr>
+            <a:srgbClr val="A4A3A4"/>
+          </p15:clr>
+        </p15:guide>
+      </p15:sldGuideLst>
+    </p:ext>
+    <p:ext uri="{2D200454-40CA-4A62-9FC3-DE9A4176ACB9}">
+      <p15:notesGuideLst xmlns:p15="http://schemas.microsoft.com/office/powerpoint/2012/main">
+        <p15:guide id="1" orient="horz" pos="2880">
+          <p15:clr>
+            <a:srgbClr val="A4A3A4"/>
+          </p15:clr>
+        </p15:guide>
+        <p15:guide id="2" pos="2160">
+          <p15:clr>
+            <a:srgbClr val="A4A3A4"/>
+          </p15:clr>
+        </p15:guide>
+      </p15:notesGuideLst>
+    </p:ext>
+  </p:extLst>
 </p:presentation>
 </file>
 
@@ -209,7 +240,7 @@
             <a:fld id="{855ACD08-2315-4808-BCD4-FAC96D5952C2}" type="datetimeFigureOut">
               <a:rPr lang="en-IN" smtClean="0"/>
               <a:pPr/>
-              <a:t>03-02-2025</a:t>
+              <a:t>11-02-2025</a:t>
             </a:fld>
             <a:endParaRPr lang="en-IN"/>
           </a:p>
@@ -378,7 +409,7 @@
     </p:spTree>
     <p:extLst>
       <p:ext uri="{BB962C8B-B14F-4D97-AF65-F5344CB8AC3E}">
-        <p14:creationId xmlns:p14="http://schemas.microsoft.com/office/powerpoint/2010/main" xmlns="" val="1191525615"/>
+        <p14:creationId xmlns:p14="http://schemas.microsoft.com/office/powerpoint/2010/main" val="1191525615"/>
       </p:ext>
     </p:extLst>
   </p:cSld>
@@ -582,7 +613,7 @@
           <p:cNvPr id="12" name="Rectangle 11">
             <a:extLst>
               <a:ext uri="{FF2B5EF4-FFF2-40B4-BE49-F238E27FC236}">
-                <a16:creationId xmlns:a16="http://schemas.microsoft.com/office/drawing/2014/main" xmlns="" id="{AF68666B-80B7-5FA5-FC9F-2F928A26B010}"/>
+                <a16:creationId xmlns:a16="http://schemas.microsoft.com/office/drawing/2014/main" id="{AF68666B-80B7-5FA5-FC9F-2F928A26B010}"/>
               </a:ext>
             </a:extLst>
           </p:cNvPr>
@@ -637,7 +668,7 @@
           <p:cNvPr id="2" name="Title 1">
             <a:extLst>
               <a:ext uri="{FF2B5EF4-FFF2-40B4-BE49-F238E27FC236}">
-                <a16:creationId xmlns:a16="http://schemas.microsoft.com/office/drawing/2014/main" xmlns="" id="{44C9E92B-FE67-1F3D-DCA0-195195A4AB6A}"/>
+                <a16:creationId xmlns:a16="http://schemas.microsoft.com/office/drawing/2014/main" id="{44C9E92B-FE67-1F3D-DCA0-195195A4AB6A}"/>
               </a:ext>
             </a:extLst>
           </p:cNvPr>
@@ -679,7 +710,7 @@
           <p:cNvPr id="9" name="Picture Placeholder 8">
             <a:extLst>
               <a:ext uri="{FF2B5EF4-FFF2-40B4-BE49-F238E27FC236}">
-                <a16:creationId xmlns:a16="http://schemas.microsoft.com/office/drawing/2014/main" xmlns="" id="{BA87BAAC-9384-2363-2089-821720F16DD3}"/>
+                <a16:creationId xmlns:a16="http://schemas.microsoft.com/office/drawing/2014/main" id="{BA87BAAC-9384-2363-2089-821720F16DD3}"/>
               </a:ext>
             </a:extLst>
           </p:cNvPr>
@@ -709,7 +740,7 @@
           <p:cNvPr id="11" name="Straight Connector 10">
             <a:extLst>
               <a:ext uri="{FF2B5EF4-FFF2-40B4-BE49-F238E27FC236}">
-                <a16:creationId xmlns:a16="http://schemas.microsoft.com/office/drawing/2014/main" xmlns="" id="{0CA0C2D1-06AD-3620-044D-2EAE71AC87AC}"/>
+                <a16:creationId xmlns:a16="http://schemas.microsoft.com/office/drawing/2014/main" id="{0CA0C2D1-06AD-3620-044D-2EAE71AC87AC}"/>
               </a:ext>
             </a:extLst>
           </p:cNvPr>
@@ -753,7 +784,7 @@
           <p:cNvPr id="13" name="Straight Connector 12">
             <a:extLst>
               <a:ext uri="{FF2B5EF4-FFF2-40B4-BE49-F238E27FC236}">
-                <a16:creationId xmlns:a16="http://schemas.microsoft.com/office/drawing/2014/main" xmlns="" id="{60C99D5D-5452-4897-02A9-A1B32F0BE968}"/>
+                <a16:creationId xmlns:a16="http://schemas.microsoft.com/office/drawing/2014/main" id="{60C99D5D-5452-4897-02A9-A1B32F0BE968}"/>
               </a:ext>
             </a:extLst>
           </p:cNvPr>
@@ -797,7 +828,7 @@
           <p:cNvPr id="10" name="Straight Connector 9">
             <a:extLst>
               <a:ext uri="{FF2B5EF4-FFF2-40B4-BE49-F238E27FC236}">
-                <a16:creationId xmlns:a16="http://schemas.microsoft.com/office/drawing/2014/main" xmlns="" id="{3FB318F3-41C4-0F1C-1CBD-D5A32280E575}"/>
+                <a16:creationId xmlns:a16="http://schemas.microsoft.com/office/drawing/2014/main" id="{3FB318F3-41C4-0F1C-1CBD-D5A32280E575}"/>
               </a:ext>
             </a:extLst>
           </p:cNvPr>
@@ -843,7 +874,7 @@
           <p:cNvPr id="14" name="Straight Connector 13">
             <a:extLst>
               <a:ext uri="{FF2B5EF4-FFF2-40B4-BE49-F238E27FC236}">
-                <a16:creationId xmlns:a16="http://schemas.microsoft.com/office/drawing/2014/main" xmlns="" id="{0C43CC35-4750-6912-E49F-E917DF9AB637}"/>
+                <a16:creationId xmlns:a16="http://schemas.microsoft.com/office/drawing/2014/main" id="{0C43CC35-4750-6912-E49F-E917DF9AB637}"/>
               </a:ext>
             </a:extLst>
           </p:cNvPr>
@@ -889,7 +920,7 @@
           <p:cNvPr id="17" name="Text Placeholder 16">
             <a:extLst>
               <a:ext uri="{FF2B5EF4-FFF2-40B4-BE49-F238E27FC236}">
-                <a16:creationId xmlns:a16="http://schemas.microsoft.com/office/drawing/2014/main" xmlns="" id="{003331A5-D35A-E699-E3EA-6035EB0DCD16}"/>
+                <a16:creationId xmlns:a16="http://schemas.microsoft.com/office/drawing/2014/main" id="{003331A5-D35A-E699-E3EA-6035EB0DCD16}"/>
               </a:ext>
             </a:extLst>
           </p:cNvPr>
@@ -953,7 +984,7 @@
           <p:cNvPr id="18" name="Text Placeholder 16">
             <a:extLst>
               <a:ext uri="{FF2B5EF4-FFF2-40B4-BE49-F238E27FC236}">
-                <a16:creationId xmlns:a16="http://schemas.microsoft.com/office/drawing/2014/main" xmlns="" id="{442CA476-8654-0542-5C0B-4F439516AF31}"/>
+                <a16:creationId xmlns:a16="http://schemas.microsoft.com/office/drawing/2014/main" id="{442CA476-8654-0542-5C0B-4F439516AF31}"/>
               </a:ext>
             </a:extLst>
           </p:cNvPr>
@@ -1015,7 +1046,7 @@
     </p:spTree>
     <p:extLst>
       <p:ext uri="{BB962C8B-B14F-4D97-AF65-F5344CB8AC3E}">
-        <p14:creationId xmlns:p14="http://schemas.microsoft.com/office/powerpoint/2010/main" xmlns="" val="4172760368"/>
+        <p14:creationId xmlns:p14="http://schemas.microsoft.com/office/powerpoint/2010/main" val="4172760368"/>
       </p:ext>
     </p:extLst>
   </p:cSld>
@@ -1024,7 +1055,7 @@
   </p:clrMapOvr>
   <p:extLst>
     <p:ext uri="{DCECCB84-F9BA-43D5-87BE-67443E8EF086}">
-      <p15:sldGuideLst xmlns:p15="http://schemas.microsoft.com/office/powerpoint/2012/main" xmlns="">
+      <p15:sldGuideLst xmlns:p15="http://schemas.microsoft.com/office/powerpoint/2012/main">
         <p15:guide id="1" orient="horz" pos="936">
           <p15:clr>
             <a:srgbClr val="FBAE40"/>
@@ -1108,7 +1139,7 @@
           <p:cNvPr id="2" name="Title 1">
             <a:extLst>
               <a:ext uri="{FF2B5EF4-FFF2-40B4-BE49-F238E27FC236}">
-                <a16:creationId xmlns:a16="http://schemas.microsoft.com/office/drawing/2014/main" xmlns="" id="{00FD960C-86A7-6728-9263-973B76A8FDB9}"/>
+                <a16:creationId xmlns:a16="http://schemas.microsoft.com/office/drawing/2014/main" id="{00FD960C-86A7-6728-9263-973B76A8FDB9}"/>
               </a:ext>
             </a:extLst>
           </p:cNvPr>
@@ -1134,7 +1165,7 @@
     </p:spTree>
     <p:extLst>
       <p:ext uri="{BB962C8B-B14F-4D97-AF65-F5344CB8AC3E}">
-        <p14:creationId xmlns:p14="http://schemas.microsoft.com/office/powerpoint/2010/main" xmlns="" val="1712659131"/>
+        <p14:creationId xmlns:p14="http://schemas.microsoft.com/office/powerpoint/2010/main" val="1712659131"/>
       </p:ext>
     </p:extLst>
   </p:cSld>
@@ -1164,7 +1195,7 @@
     </p:spTree>
     <p:extLst>
       <p:ext uri="{BB962C8B-B14F-4D97-AF65-F5344CB8AC3E}">
-        <p14:creationId xmlns:p14="http://schemas.microsoft.com/office/powerpoint/2010/main" xmlns="" val="1602002997"/>
+        <p14:creationId xmlns:p14="http://schemas.microsoft.com/office/powerpoint/2010/main" val="1602002997"/>
       </p:ext>
     </p:extLst>
   </p:cSld>
@@ -1196,7 +1227,7 @@
           <p:cNvPr id="12" name="Rectangle 11">
             <a:extLst>
               <a:ext uri="{FF2B5EF4-FFF2-40B4-BE49-F238E27FC236}">
-                <a16:creationId xmlns:a16="http://schemas.microsoft.com/office/drawing/2014/main" xmlns="" id="{AF68666B-80B7-5FA5-FC9F-2F928A26B010}"/>
+                <a16:creationId xmlns:a16="http://schemas.microsoft.com/office/drawing/2014/main" id="{AF68666B-80B7-5FA5-FC9F-2F928A26B010}"/>
               </a:ext>
             </a:extLst>
           </p:cNvPr>
@@ -1251,7 +1282,7 @@
           <p:cNvPr id="2" name="Title 1">
             <a:extLst>
               <a:ext uri="{FF2B5EF4-FFF2-40B4-BE49-F238E27FC236}">
-                <a16:creationId xmlns:a16="http://schemas.microsoft.com/office/drawing/2014/main" xmlns="" id="{44C9E92B-FE67-1F3D-DCA0-195195A4AB6A}"/>
+                <a16:creationId xmlns:a16="http://schemas.microsoft.com/office/drawing/2014/main" id="{44C9E92B-FE67-1F3D-DCA0-195195A4AB6A}"/>
               </a:ext>
             </a:extLst>
           </p:cNvPr>
@@ -1293,7 +1324,7 @@
           <p:cNvPr id="9" name="Picture Placeholder 8">
             <a:extLst>
               <a:ext uri="{FF2B5EF4-FFF2-40B4-BE49-F238E27FC236}">
-                <a16:creationId xmlns:a16="http://schemas.microsoft.com/office/drawing/2014/main" xmlns="" id="{BA87BAAC-9384-2363-2089-821720F16DD3}"/>
+                <a16:creationId xmlns:a16="http://schemas.microsoft.com/office/drawing/2014/main" id="{BA87BAAC-9384-2363-2089-821720F16DD3}"/>
               </a:ext>
             </a:extLst>
           </p:cNvPr>
@@ -1323,7 +1354,7 @@
           <p:cNvPr id="11" name="Straight Connector 10">
             <a:extLst>
               <a:ext uri="{FF2B5EF4-FFF2-40B4-BE49-F238E27FC236}">
-                <a16:creationId xmlns:a16="http://schemas.microsoft.com/office/drawing/2014/main" xmlns="" id="{0CA0C2D1-06AD-3620-044D-2EAE71AC87AC}"/>
+                <a16:creationId xmlns:a16="http://schemas.microsoft.com/office/drawing/2014/main" id="{0CA0C2D1-06AD-3620-044D-2EAE71AC87AC}"/>
               </a:ext>
             </a:extLst>
           </p:cNvPr>
@@ -1367,7 +1398,7 @@
           <p:cNvPr id="13" name="Straight Connector 12">
             <a:extLst>
               <a:ext uri="{FF2B5EF4-FFF2-40B4-BE49-F238E27FC236}">
-                <a16:creationId xmlns:a16="http://schemas.microsoft.com/office/drawing/2014/main" xmlns="" id="{60C99D5D-5452-4897-02A9-A1B32F0BE968}"/>
+                <a16:creationId xmlns:a16="http://schemas.microsoft.com/office/drawing/2014/main" id="{60C99D5D-5452-4897-02A9-A1B32F0BE968}"/>
               </a:ext>
             </a:extLst>
           </p:cNvPr>
@@ -1411,7 +1442,7 @@
           <p:cNvPr id="10" name="Straight Connector 9">
             <a:extLst>
               <a:ext uri="{FF2B5EF4-FFF2-40B4-BE49-F238E27FC236}">
-                <a16:creationId xmlns:a16="http://schemas.microsoft.com/office/drawing/2014/main" xmlns="" id="{3FB318F3-41C4-0F1C-1CBD-D5A32280E575}"/>
+                <a16:creationId xmlns:a16="http://schemas.microsoft.com/office/drawing/2014/main" id="{3FB318F3-41C4-0F1C-1CBD-D5A32280E575}"/>
               </a:ext>
             </a:extLst>
           </p:cNvPr>
@@ -1457,7 +1488,7 @@
           <p:cNvPr id="14" name="Straight Connector 13">
             <a:extLst>
               <a:ext uri="{FF2B5EF4-FFF2-40B4-BE49-F238E27FC236}">
-                <a16:creationId xmlns:a16="http://schemas.microsoft.com/office/drawing/2014/main" xmlns="" id="{0C43CC35-4750-6912-E49F-E917DF9AB637}"/>
+                <a16:creationId xmlns:a16="http://schemas.microsoft.com/office/drawing/2014/main" id="{0C43CC35-4750-6912-E49F-E917DF9AB637}"/>
               </a:ext>
             </a:extLst>
           </p:cNvPr>
@@ -1503,7 +1534,7 @@
           <p:cNvPr id="17" name="Text Placeholder 16">
             <a:extLst>
               <a:ext uri="{FF2B5EF4-FFF2-40B4-BE49-F238E27FC236}">
-                <a16:creationId xmlns:a16="http://schemas.microsoft.com/office/drawing/2014/main" xmlns="" id="{003331A5-D35A-E699-E3EA-6035EB0DCD16}"/>
+                <a16:creationId xmlns:a16="http://schemas.microsoft.com/office/drawing/2014/main" id="{003331A5-D35A-E699-E3EA-6035EB0DCD16}"/>
               </a:ext>
             </a:extLst>
           </p:cNvPr>
@@ -1567,7 +1598,7 @@
           <p:cNvPr id="18" name="Text Placeholder 16">
             <a:extLst>
               <a:ext uri="{FF2B5EF4-FFF2-40B4-BE49-F238E27FC236}">
-                <a16:creationId xmlns:a16="http://schemas.microsoft.com/office/drawing/2014/main" xmlns="" id="{442CA476-8654-0542-5C0B-4F439516AF31}"/>
+                <a16:creationId xmlns:a16="http://schemas.microsoft.com/office/drawing/2014/main" id="{442CA476-8654-0542-5C0B-4F439516AF31}"/>
               </a:ext>
             </a:extLst>
           </p:cNvPr>
@@ -1629,7 +1660,7 @@
     </p:spTree>
     <p:extLst>
       <p:ext uri="{BB962C8B-B14F-4D97-AF65-F5344CB8AC3E}">
-        <p14:creationId xmlns:p14="http://schemas.microsoft.com/office/powerpoint/2010/main" xmlns="" val="2824232365"/>
+        <p14:creationId xmlns:p14="http://schemas.microsoft.com/office/powerpoint/2010/main" val="2824232365"/>
       </p:ext>
     </p:extLst>
   </p:cSld>
@@ -1638,7 +1669,7 @@
   </p:clrMapOvr>
   <p:extLst>
     <p:ext uri="{DCECCB84-F9BA-43D5-87BE-67443E8EF086}">
-      <p15:sldGuideLst xmlns:p15="http://schemas.microsoft.com/office/powerpoint/2012/main" xmlns="">
+      <p15:sldGuideLst xmlns:p15="http://schemas.microsoft.com/office/powerpoint/2012/main">
         <p15:guide id="1" orient="horz" pos="936">
           <p15:clr>
             <a:srgbClr val="FBAE40"/>
@@ -1725,7 +1756,7 @@
     </p:spTree>
     <p:extLst>
       <p:ext uri="{BB962C8B-B14F-4D97-AF65-F5344CB8AC3E}">
-        <p14:creationId xmlns:p14="http://schemas.microsoft.com/office/powerpoint/2010/main" xmlns="" val="86716632"/>
+        <p14:creationId xmlns:p14="http://schemas.microsoft.com/office/powerpoint/2010/main" val="86716632"/>
       </p:ext>
     </p:extLst>
   </p:cSld>
@@ -1757,7 +1788,7 @@
           <p:cNvPr id="16" name="Rectangle 15">
             <a:extLst>
               <a:ext uri="{FF2B5EF4-FFF2-40B4-BE49-F238E27FC236}">
-                <a16:creationId xmlns:a16="http://schemas.microsoft.com/office/drawing/2014/main" xmlns="" id="{6B735EAF-8052-DDCD-6CEC-D825479BEFD3}"/>
+                <a16:creationId xmlns:a16="http://schemas.microsoft.com/office/drawing/2014/main" id="{6B735EAF-8052-DDCD-6CEC-D825479BEFD3}"/>
               </a:ext>
             </a:extLst>
           </p:cNvPr>
@@ -1812,7 +1843,7 @@
           <p:cNvPr id="2" name="Title 1">
             <a:extLst>
               <a:ext uri="{FF2B5EF4-FFF2-40B4-BE49-F238E27FC236}">
-                <a16:creationId xmlns:a16="http://schemas.microsoft.com/office/drawing/2014/main" xmlns="" id="{44C9E92B-FE67-1F3D-DCA0-195195A4AB6A}"/>
+                <a16:creationId xmlns:a16="http://schemas.microsoft.com/office/drawing/2014/main" id="{44C9E92B-FE67-1F3D-DCA0-195195A4AB6A}"/>
               </a:ext>
             </a:extLst>
           </p:cNvPr>
@@ -1854,7 +1885,7 @@
           <p:cNvPr id="10" name="Straight Connector 9">
             <a:extLst>
               <a:ext uri="{FF2B5EF4-FFF2-40B4-BE49-F238E27FC236}">
-                <a16:creationId xmlns:a16="http://schemas.microsoft.com/office/drawing/2014/main" xmlns="" id="{3FB318F3-41C4-0F1C-1CBD-D5A32280E575}"/>
+                <a16:creationId xmlns:a16="http://schemas.microsoft.com/office/drawing/2014/main" id="{3FB318F3-41C4-0F1C-1CBD-D5A32280E575}"/>
               </a:ext>
             </a:extLst>
           </p:cNvPr>
@@ -1900,7 +1931,7 @@
           <p:cNvPr id="14" name="Straight Connector 13">
             <a:extLst>
               <a:ext uri="{FF2B5EF4-FFF2-40B4-BE49-F238E27FC236}">
-                <a16:creationId xmlns:a16="http://schemas.microsoft.com/office/drawing/2014/main" xmlns="" id="{0C43CC35-4750-6912-E49F-E917DF9AB637}"/>
+                <a16:creationId xmlns:a16="http://schemas.microsoft.com/office/drawing/2014/main" id="{0C43CC35-4750-6912-E49F-E917DF9AB637}"/>
               </a:ext>
             </a:extLst>
           </p:cNvPr>
@@ -1946,7 +1977,7 @@
           <p:cNvPr id="7" name="Picture Placeholder 6">
             <a:extLst>
               <a:ext uri="{FF2B5EF4-FFF2-40B4-BE49-F238E27FC236}">
-                <a16:creationId xmlns:a16="http://schemas.microsoft.com/office/drawing/2014/main" xmlns="" id="{DCB9F921-8097-7740-47FD-1905F9FE448C}"/>
+                <a16:creationId xmlns:a16="http://schemas.microsoft.com/office/drawing/2014/main" id="{DCB9F921-8097-7740-47FD-1905F9FE448C}"/>
               </a:ext>
             </a:extLst>
           </p:cNvPr>
@@ -1976,7 +2007,7 @@
           <p:cNvPr id="9" name="Text Placeholder 7">
             <a:extLst>
               <a:ext uri="{FF2B5EF4-FFF2-40B4-BE49-F238E27FC236}">
-                <a16:creationId xmlns:a16="http://schemas.microsoft.com/office/drawing/2014/main" xmlns="" id="{DEBCBD63-480F-D96C-B0DF-94EF264BA08C}"/>
+                <a16:creationId xmlns:a16="http://schemas.microsoft.com/office/drawing/2014/main" id="{DEBCBD63-480F-D96C-B0DF-94EF264BA08C}"/>
               </a:ext>
             </a:extLst>
           </p:cNvPr>
@@ -2027,7 +2058,7 @@
           <p:cNvPr id="12" name="Text Placeholder 7">
             <a:extLst>
               <a:ext uri="{FF2B5EF4-FFF2-40B4-BE49-F238E27FC236}">
-                <a16:creationId xmlns:a16="http://schemas.microsoft.com/office/drawing/2014/main" xmlns="" id="{23F1D198-945D-C96D-60E9-C0AEC5E296ED}"/>
+                <a16:creationId xmlns:a16="http://schemas.microsoft.com/office/drawing/2014/main" id="{23F1D198-945D-C96D-60E9-C0AEC5E296ED}"/>
               </a:ext>
             </a:extLst>
           </p:cNvPr>
@@ -2078,7 +2109,7 @@
           <p:cNvPr id="13" name="Text Placeholder 7">
             <a:extLst>
               <a:ext uri="{FF2B5EF4-FFF2-40B4-BE49-F238E27FC236}">
-                <a16:creationId xmlns:a16="http://schemas.microsoft.com/office/drawing/2014/main" xmlns="" id="{BDCD9B2A-F0BB-F9DB-CC75-2EC1683475F8}"/>
+                <a16:creationId xmlns:a16="http://schemas.microsoft.com/office/drawing/2014/main" id="{BDCD9B2A-F0BB-F9DB-CC75-2EC1683475F8}"/>
               </a:ext>
             </a:extLst>
           </p:cNvPr>
@@ -2129,7 +2160,7 @@
           <p:cNvPr id="17" name="Text Placeholder 12">
             <a:extLst>
               <a:ext uri="{FF2B5EF4-FFF2-40B4-BE49-F238E27FC236}">
-                <a16:creationId xmlns:a16="http://schemas.microsoft.com/office/drawing/2014/main" xmlns="" id="{68651C4C-4AD1-19DA-CC78-BEC58707B5AD}"/>
+                <a16:creationId xmlns:a16="http://schemas.microsoft.com/office/drawing/2014/main" id="{68651C4C-4AD1-19DA-CC78-BEC58707B5AD}"/>
               </a:ext>
             </a:extLst>
           </p:cNvPr>
@@ -2193,7 +2224,7 @@
           <p:cNvPr id="3" name="Text Placeholder 7">
             <a:extLst>
               <a:ext uri="{FF2B5EF4-FFF2-40B4-BE49-F238E27FC236}">
-                <a16:creationId xmlns:a16="http://schemas.microsoft.com/office/drawing/2014/main" xmlns="" id="{12271BA1-38C2-A7FE-AC76-8EC49BFBBE35}"/>
+                <a16:creationId xmlns:a16="http://schemas.microsoft.com/office/drawing/2014/main" id="{12271BA1-38C2-A7FE-AC76-8EC49BFBBE35}"/>
               </a:ext>
             </a:extLst>
           </p:cNvPr>
@@ -2242,7 +2273,7 @@
     </p:spTree>
     <p:extLst>
       <p:ext uri="{BB962C8B-B14F-4D97-AF65-F5344CB8AC3E}">
-        <p14:creationId xmlns:p14="http://schemas.microsoft.com/office/powerpoint/2010/main" xmlns="" val="630785607"/>
+        <p14:creationId xmlns:p14="http://schemas.microsoft.com/office/powerpoint/2010/main" val="630785607"/>
       </p:ext>
     </p:extLst>
   </p:cSld>
@@ -2251,7 +2282,7 @@
   </p:clrMapOvr>
   <p:extLst>
     <p:ext uri="{DCECCB84-F9BA-43D5-87BE-67443E8EF086}">
-      <p15:sldGuideLst xmlns:p15="http://schemas.microsoft.com/office/powerpoint/2012/main" xmlns="">
+      <p15:sldGuideLst xmlns:p15="http://schemas.microsoft.com/office/powerpoint/2012/main">
         <p15:guide id="1" orient="horz" pos="840">
           <p15:clr>
             <a:srgbClr val="FBAE40"/>
@@ -2345,7 +2376,7 @@
           <p:cNvPr id="3" name="Rectangle 2">
             <a:extLst>
               <a:ext uri="{FF2B5EF4-FFF2-40B4-BE49-F238E27FC236}">
-                <a16:creationId xmlns:a16="http://schemas.microsoft.com/office/drawing/2014/main" xmlns="" id="{1E7C7D43-1CC3-3332-AEFC-59ABB023F7AC}"/>
+                <a16:creationId xmlns:a16="http://schemas.microsoft.com/office/drawing/2014/main" id="{1E7C7D43-1CC3-3332-AEFC-59ABB023F7AC}"/>
               </a:ext>
             </a:extLst>
           </p:cNvPr>
@@ -2400,7 +2431,7 @@
           <p:cNvPr id="2" name="Title 1">
             <a:extLst>
               <a:ext uri="{FF2B5EF4-FFF2-40B4-BE49-F238E27FC236}">
-                <a16:creationId xmlns:a16="http://schemas.microsoft.com/office/drawing/2014/main" xmlns="" id="{44C9E92B-FE67-1F3D-DCA0-195195A4AB6A}"/>
+                <a16:creationId xmlns:a16="http://schemas.microsoft.com/office/drawing/2014/main" id="{44C9E92B-FE67-1F3D-DCA0-195195A4AB6A}"/>
               </a:ext>
             </a:extLst>
           </p:cNvPr>
@@ -2442,7 +2473,7 @@
           <p:cNvPr id="10" name="Straight Connector 9">
             <a:extLst>
               <a:ext uri="{FF2B5EF4-FFF2-40B4-BE49-F238E27FC236}">
-                <a16:creationId xmlns:a16="http://schemas.microsoft.com/office/drawing/2014/main" xmlns="" id="{3FB318F3-41C4-0F1C-1CBD-D5A32280E575}"/>
+                <a16:creationId xmlns:a16="http://schemas.microsoft.com/office/drawing/2014/main" id="{3FB318F3-41C4-0F1C-1CBD-D5A32280E575}"/>
               </a:ext>
             </a:extLst>
           </p:cNvPr>
@@ -2488,7 +2519,7 @@
           <p:cNvPr id="14" name="Straight Connector 13">
             <a:extLst>
               <a:ext uri="{FF2B5EF4-FFF2-40B4-BE49-F238E27FC236}">
-                <a16:creationId xmlns:a16="http://schemas.microsoft.com/office/drawing/2014/main" xmlns="" id="{0C43CC35-4750-6912-E49F-E917DF9AB637}"/>
+                <a16:creationId xmlns:a16="http://schemas.microsoft.com/office/drawing/2014/main" id="{0C43CC35-4750-6912-E49F-E917DF9AB637}"/>
               </a:ext>
             </a:extLst>
           </p:cNvPr>
@@ -2534,7 +2565,7 @@
           <p:cNvPr id="8" name="Text Placeholder 7">
             <a:extLst>
               <a:ext uri="{FF2B5EF4-FFF2-40B4-BE49-F238E27FC236}">
-                <a16:creationId xmlns:a16="http://schemas.microsoft.com/office/drawing/2014/main" xmlns="" id="{CF06E8DC-A0CF-0798-ADF8-761E7E68BAC4}"/>
+                <a16:creationId xmlns:a16="http://schemas.microsoft.com/office/drawing/2014/main" id="{CF06E8DC-A0CF-0798-ADF8-761E7E68BAC4}"/>
               </a:ext>
             </a:extLst>
           </p:cNvPr>
@@ -2585,7 +2616,7 @@
           <p:cNvPr id="12" name="Text Placeholder 7">
             <a:extLst>
               <a:ext uri="{FF2B5EF4-FFF2-40B4-BE49-F238E27FC236}">
-                <a16:creationId xmlns:a16="http://schemas.microsoft.com/office/drawing/2014/main" xmlns="" id="{FCFA915D-63BE-A1E7-E7C6-A8B7F841C27B}"/>
+                <a16:creationId xmlns:a16="http://schemas.microsoft.com/office/drawing/2014/main" id="{FCFA915D-63BE-A1E7-E7C6-A8B7F841C27B}"/>
               </a:ext>
             </a:extLst>
           </p:cNvPr>
@@ -2636,7 +2667,7 @@
           <p:cNvPr id="15" name="Text Placeholder 7">
             <a:extLst>
               <a:ext uri="{FF2B5EF4-FFF2-40B4-BE49-F238E27FC236}">
-                <a16:creationId xmlns:a16="http://schemas.microsoft.com/office/drawing/2014/main" xmlns="" id="{2D2F8532-EAC1-4C87-C49E-5B099E83972D}"/>
+                <a16:creationId xmlns:a16="http://schemas.microsoft.com/office/drawing/2014/main" id="{2D2F8532-EAC1-4C87-C49E-5B099E83972D}"/>
               </a:ext>
             </a:extLst>
           </p:cNvPr>
@@ -2687,7 +2718,7 @@
           <p:cNvPr id="16" name="Text Placeholder 7">
             <a:extLst>
               <a:ext uri="{FF2B5EF4-FFF2-40B4-BE49-F238E27FC236}">
-                <a16:creationId xmlns:a16="http://schemas.microsoft.com/office/drawing/2014/main" xmlns="" id="{267078C8-F910-8FC3-7286-ADF1FB40862C}"/>
+                <a16:creationId xmlns:a16="http://schemas.microsoft.com/office/drawing/2014/main" id="{267078C8-F910-8FC3-7286-ADF1FB40862C}"/>
               </a:ext>
             </a:extLst>
           </p:cNvPr>
@@ -2738,7 +2769,7 @@
           <p:cNvPr id="17" name="Text Placeholder 7">
             <a:extLst>
               <a:ext uri="{FF2B5EF4-FFF2-40B4-BE49-F238E27FC236}">
-                <a16:creationId xmlns:a16="http://schemas.microsoft.com/office/drawing/2014/main" xmlns="" id="{2A8B99F6-09B0-9487-3A2A-0062188384B3}"/>
+                <a16:creationId xmlns:a16="http://schemas.microsoft.com/office/drawing/2014/main" id="{2A8B99F6-09B0-9487-3A2A-0062188384B3}"/>
               </a:ext>
             </a:extLst>
           </p:cNvPr>
@@ -2789,7 +2820,7 @@
           <p:cNvPr id="18" name="Text Placeholder 7">
             <a:extLst>
               <a:ext uri="{FF2B5EF4-FFF2-40B4-BE49-F238E27FC236}">
-                <a16:creationId xmlns:a16="http://schemas.microsoft.com/office/drawing/2014/main" xmlns="" id="{E2F86FE2-AC0C-C76C-B2BD-9A02FA2E0205}"/>
+                <a16:creationId xmlns:a16="http://schemas.microsoft.com/office/drawing/2014/main" id="{E2F86FE2-AC0C-C76C-B2BD-9A02FA2E0205}"/>
               </a:ext>
             </a:extLst>
           </p:cNvPr>
@@ -2838,7 +2869,7 @@
     </p:spTree>
     <p:extLst>
       <p:ext uri="{BB962C8B-B14F-4D97-AF65-F5344CB8AC3E}">
-        <p14:creationId xmlns:p14="http://schemas.microsoft.com/office/powerpoint/2010/main" xmlns="" val="1848048577"/>
+        <p14:creationId xmlns:p14="http://schemas.microsoft.com/office/powerpoint/2010/main" val="1848048577"/>
       </p:ext>
     </p:extLst>
   </p:cSld>
@@ -2847,7 +2878,7 @@
   </p:clrMapOvr>
   <p:extLst>
     <p:ext uri="{DCECCB84-F9BA-43D5-87BE-67443E8EF086}">
-      <p15:sldGuideLst xmlns:p15="http://schemas.microsoft.com/office/powerpoint/2012/main" xmlns="">
+      <p15:sldGuideLst xmlns:p15="http://schemas.microsoft.com/office/powerpoint/2012/main">
         <p15:guide id="1" orient="horz" pos="840">
           <p15:clr>
             <a:srgbClr val="FBAE40"/>
@@ -2946,7 +2977,7 @@
           <p:cNvPr id="2" name="Title 1">
             <a:extLst>
               <a:ext uri="{FF2B5EF4-FFF2-40B4-BE49-F238E27FC236}">
-                <a16:creationId xmlns:a16="http://schemas.microsoft.com/office/drawing/2014/main" xmlns="" id="{44C9E92B-FE67-1F3D-DCA0-195195A4AB6A}"/>
+                <a16:creationId xmlns:a16="http://schemas.microsoft.com/office/drawing/2014/main" id="{44C9E92B-FE67-1F3D-DCA0-195195A4AB6A}"/>
               </a:ext>
             </a:extLst>
           </p:cNvPr>
@@ -2988,7 +3019,7 @@
           <p:cNvPr id="10" name="Straight Connector 9">
             <a:extLst>
               <a:ext uri="{FF2B5EF4-FFF2-40B4-BE49-F238E27FC236}">
-                <a16:creationId xmlns:a16="http://schemas.microsoft.com/office/drawing/2014/main" xmlns="" id="{3FB318F3-41C4-0F1C-1CBD-D5A32280E575}"/>
+                <a16:creationId xmlns:a16="http://schemas.microsoft.com/office/drawing/2014/main" id="{3FB318F3-41C4-0F1C-1CBD-D5A32280E575}"/>
               </a:ext>
             </a:extLst>
           </p:cNvPr>
@@ -3034,7 +3065,7 @@
           <p:cNvPr id="14" name="Straight Connector 13">
             <a:extLst>
               <a:ext uri="{FF2B5EF4-FFF2-40B4-BE49-F238E27FC236}">
-                <a16:creationId xmlns:a16="http://schemas.microsoft.com/office/drawing/2014/main" xmlns="" id="{0C43CC35-4750-6912-E49F-E917DF9AB637}"/>
+                <a16:creationId xmlns:a16="http://schemas.microsoft.com/office/drawing/2014/main" id="{0C43CC35-4750-6912-E49F-E917DF9AB637}"/>
               </a:ext>
             </a:extLst>
           </p:cNvPr>
@@ -3080,7 +3111,7 @@
           <p:cNvPr id="8" name="Text Placeholder 7">
             <a:extLst>
               <a:ext uri="{FF2B5EF4-FFF2-40B4-BE49-F238E27FC236}">
-                <a16:creationId xmlns:a16="http://schemas.microsoft.com/office/drawing/2014/main" xmlns="" id="{CF06E8DC-A0CF-0798-ADF8-761E7E68BAC4}"/>
+                <a16:creationId xmlns:a16="http://schemas.microsoft.com/office/drawing/2014/main" id="{CF06E8DC-A0CF-0798-ADF8-761E7E68BAC4}"/>
               </a:ext>
             </a:extLst>
           </p:cNvPr>
@@ -3131,7 +3162,7 @@
           <p:cNvPr id="12" name="Text Placeholder 7">
             <a:extLst>
               <a:ext uri="{FF2B5EF4-FFF2-40B4-BE49-F238E27FC236}">
-                <a16:creationId xmlns:a16="http://schemas.microsoft.com/office/drawing/2014/main" xmlns="" id="{FCFA915D-63BE-A1E7-E7C6-A8B7F841C27B}"/>
+                <a16:creationId xmlns:a16="http://schemas.microsoft.com/office/drawing/2014/main" id="{FCFA915D-63BE-A1E7-E7C6-A8B7F841C27B}"/>
               </a:ext>
             </a:extLst>
           </p:cNvPr>
@@ -3182,7 +3213,7 @@
           <p:cNvPr id="16" name="Text Placeholder 7">
             <a:extLst>
               <a:ext uri="{FF2B5EF4-FFF2-40B4-BE49-F238E27FC236}">
-                <a16:creationId xmlns:a16="http://schemas.microsoft.com/office/drawing/2014/main" xmlns="" id="{267078C8-F910-8FC3-7286-ADF1FB40862C}"/>
+                <a16:creationId xmlns:a16="http://schemas.microsoft.com/office/drawing/2014/main" id="{267078C8-F910-8FC3-7286-ADF1FB40862C}"/>
               </a:ext>
             </a:extLst>
           </p:cNvPr>
@@ -3233,7 +3264,7 @@
           <p:cNvPr id="17" name="Text Placeholder 7">
             <a:extLst>
               <a:ext uri="{FF2B5EF4-FFF2-40B4-BE49-F238E27FC236}">
-                <a16:creationId xmlns:a16="http://schemas.microsoft.com/office/drawing/2014/main" xmlns="" id="{2A8B99F6-09B0-9487-3A2A-0062188384B3}"/>
+                <a16:creationId xmlns:a16="http://schemas.microsoft.com/office/drawing/2014/main" id="{2A8B99F6-09B0-9487-3A2A-0062188384B3}"/>
               </a:ext>
             </a:extLst>
           </p:cNvPr>
@@ -3284,7 +3315,7 @@
           <p:cNvPr id="7" name="Picture Placeholder 6">
             <a:extLst>
               <a:ext uri="{FF2B5EF4-FFF2-40B4-BE49-F238E27FC236}">
-                <a16:creationId xmlns:a16="http://schemas.microsoft.com/office/drawing/2014/main" xmlns="" id="{39F175D2-EEFE-E4BF-0E57-03025B8F8D64}"/>
+                <a16:creationId xmlns:a16="http://schemas.microsoft.com/office/drawing/2014/main" id="{39F175D2-EEFE-E4BF-0E57-03025B8F8D64}"/>
               </a:ext>
             </a:extLst>
           </p:cNvPr>
@@ -3314,7 +3345,7 @@
           <p:cNvPr id="15" name="Text Placeholder 12">
             <a:extLst>
               <a:ext uri="{FF2B5EF4-FFF2-40B4-BE49-F238E27FC236}">
-                <a16:creationId xmlns:a16="http://schemas.microsoft.com/office/drawing/2014/main" xmlns="" id="{273C4E42-511B-EB94-CA0A-051B1A4A918D}"/>
+                <a16:creationId xmlns:a16="http://schemas.microsoft.com/office/drawing/2014/main" id="{273C4E42-511B-EB94-CA0A-051B1A4A918D}"/>
               </a:ext>
             </a:extLst>
           </p:cNvPr>
@@ -3376,7 +3407,7 @@
     </p:spTree>
     <p:extLst>
       <p:ext uri="{BB962C8B-B14F-4D97-AF65-F5344CB8AC3E}">
-        <p14:creationId xmlns:p14="http://schemas.microsoft.com/office/powerpoint/2010/main" xmlns="" val="1245389909"/>
+        <p14:creationId xmlns:p14="http://schemas.microsoft.com/office/powerpoint/2010/main" val="1245389909"/>
       </p:ext>
     </p:extLst>
   </p:cSld>
@@ -3385,7 +3416,7 @@
   </p:clrMapOvr>
   <p:extLst>
     <p:ext uri="{DCECCB84-F9BA-43D5-87BE-67443E8EF086}">
-      <p15:sldGuideLst xmlns:p15="http://schemas.microsoft.com/office/powerpoint/2012/main" xmlns="">
+      <p15:sldGuideLst xmlns:p15="http://schemas.microsoft.com/office/powerpoint/2012/main">
         <p15:guide id="1" orient="horz" pos="840">
           <p15:clr>
             <a:srgbClr val="FBAE40"/>
@@ -3464,7 +3495,7 @@
           <p:cNvPr id="3" name="Rectangle 2">
             <a:extLst>
               <a:ext uri="{FF2B5EF4-FFF2-40B4-BE49-F238E27FC236}">
-                <a16:creationId xmlns:a16="http://schemas.microsoft.com/office/drawing/2014/main" xmlns="" id="{EE70AFB9-F87E-11AC-2B32-B5178FE34E78}"/>
+                <a16:creationId xmlns:a16="http://schemas.microsoft.com/office/drawing/2014/main" id="{EE70AFB9-F87E-11AC-2B32-B5178FE34E78}"/>
               </a:ext>
             </a:extLst>
           </p:cNvPr>
@@ -3516,7 +3547,7 @@
           <p:cNvPr id="2" name="Title 1">
             <a:extLst>
               <a:ext uri="{FF2B5EF4-FFF2-40B4-BE49-F238E27FC236}">
-                <a16:creationId xmlns:a16="http://schemas.microsoft.com/office/drawing/2014/main" xmlns="" id="{44C9E92B-FE67-1F3D-DCA0-195195A4AB6A}"/>
+                <a16:creationId xmlns:a16="http://schemas.microsoft.com/office/drawing/2014/main" id="{44C9E92B-FE67-1F3D-DCA0-195195A4AB6A}"/>
               </a:ext>
             </a:extLst>
           </p:cNvPr>
@@ -3558,7 +3589,7 @@
           <p:cNvPr id="10" name="Straight Connector 9">
             <a:extLst>
               <a:ext uri="{FF2B5EF4-FFF2-40B4-BE49-F238E27FC236}">
-                <a16:creationId xmlns:a16="http://schemas.microsoft.com/office/drawing/2014/main" xmlns="" id="{3FB318F3-41C4-0F1C-1CBD-D5A32280E575}"/>
+                <a16:creationId xmlns:a16="http://schemas.microsoft.com/office/drawing/2014/main" id="{3FB318F3-41C4-0F1C-1CBD-D5A32280E575}"/>
               </a:ext>
             </a:extLst>
           </p:cNvPr>
@@ -3604,7 +3635,7 @@
           <p:cNvPr id="14" name="Straight Connector 13">
             <a:extLst>
               <a:ext uri="{FF2B5EF4-FFF2-40B4-BE49-F238E27FC236}">
-                <a16:creationId xmlns:a16="http://schemas.microsoft.com/office/drawing/2014/main" xmlns="" id="{0C43CC35-4750-6912-E49F-E917DF9AB637}"/>
+                <a16:creationId xmlns:a16="http://schemas.microsoft.com/office/drawing/2014/main" id="{0C43CC35-4750-6912-E49F-E917DF9AB637}"/>
               </a:ext>
             </a:extLst>
           </p:cNvPr>
@@ -3650,7 +3681,7 @@
           <p:cNvPr id="8" name="Text Placeholder 7">
             <a:extLst>
               <a:ext uri="{FF2B5EF4-FFF2-40B4-BE49-F238E27FC236}">
-                <a16:creationId xmlns:a16="http://schemas.microsoft.com/office/drawing/2014/main" xmlns="" id="{CF06E8DC-A0CF-0798-ADF8-761E7E68BAC4}"/>
+                <a16:creationId xmlns:a16="http://schemas.microsoft.com/office/drawing/2014/main" id="{CF06E8DC-A0CF-0798-ADF8-761E7E68BAC4}"/>
               </a:ext>
             </a:extLst>
           </p:cNvPr>
@@ -3701,7 +3732,7 @@
           <p:cNvPr id="12" name="Text Placeholder 7">
             <a:extLst>
               <a:ext uri="{FF2B5EF4-FFF2-40B4-BE49-F238E27FC236}">
-                <a16:creationId xmlns:a16="http://schemas.microsoft.com/office/drawing/2014/main" xmlns="" id="{FCFA915D-63BE-A1E7-E7C6-A8B7F841C27B}"/>
+                <a16:creationId xmlns:a16="http://schemas.microsoft.com/office/drawing/2014/main" id="{FCFA915D-63BE-A1E7-E7C6-A8B7F841C27B}"/>
               </a:ext>
             </a:extLst>
           </p:cNvPr>
@@ -3752,7 +3783,7 @@
           <p:cNvPr id="15" name="Text Placeholder 7">
             <a:extLst>
               <a:ext uri="{FF2B5EF4-FFF2-40B4-BE49-F238E27FC236}">
-                <a16:creationId xmlns:a16="http://schemas.microsoft.com/office/drawing/2014/main" xmlns="" id="{2D2F8532-EAC1-4C87-C49E-5B099E83972D}"/>
+                <a16:creationId xmlns:a16="http://schemas.microsoft.com/office/drawing/2014/main" id="{2D2F8532-EAC1-4C87-C49E-5B099E83972D}"/>
               </a:ext>
             </a:extLst>
           </p:cNvPr>
@@ -3803,7 +3834,7 @@
           <p:cNvPr id="16" name="Text Placeholder 7">
             <a:extLst>
               <a:ext uri="{FF2B5EF4-FFF2-40B4-BE49-F238E27FC236}">
-                <a16:creationId xmlns:a16="http://schemas.microsoft.com/office/drawing/2014/main" xmlns="" id="{267078C8-F910-8FC3-7286-ADF1FB40862C}"/>
+                <a16:creationId xmlns:a16="http://schemas.microsoft.com/office/drawing/2014/main" id="{267078C8-F910-8FC3-7286-ADF1FB40862C}"/>
               </a:ext>
             </a:extLst>
           </p:cNvPr>
@@ -3854,7 +3885,7 @@
           <p:cNvPr id="17" name="Text Placeholder 7">
             <a:extLst>
               <a:ext uri="{FF2B5EF4-FFF2-40B4-BE49-F238E27FC236}">
-                <a16:creationId xmlns:a16="http://schemas.microsoft.com/office/drawing/2014/main" xmlns="" id="{2A8B99F6-09B0-9487-3A2A-0062188384B3}"/>
+                <a16:creationId xmlns:a16="http://schemas.microsoft.com/office/drawing/2014/main" id="{2A8B99F6-09B0-9487-3A2A-0062188384B3}"/>
               </a:ext>
             </a:extLst>
           </p:cNvPr>
@@ -3905,7 +3936,7 @@
           <p:cNvPr id="18" name="Text Placeholder 7">
             <a:extLst>
               <a:ext uri="{FF2B5EF4-FFF2-40B4-BE49-F238E27FC236}">
-                <a16:creationId xmlns:a16="http://schemas.microsoft.com/office/drawing/2014/main" xmlns="" id="{E2F86FE2-AC0C-C76C-B2BD-9A02FA2E0205}"/>
+                <a16:creationId xmlns:a16="http://schemas.microsoft.com/office/drawing/2014/main" id="{E2F86FE2-AC0C-C76C-B2BD-9A02FA2E0205}"/>
               </a:ext>
             </a:extLst>
           </p:cNvPr>
@@ -3954,7 +3985,7 @@
     </p:spTree>
     <p:extLst>
       <p:ext uri="{BB962C8B-B14F-4D97-AF65-F5344CB8AC3E}">
-        <p14:creationId xmlns:p14="http://schemas.microsoft.com/office/powerpoint/2010/main" xmlns="" val="919352225"/>
+        <p14:creationId xmlns:p14="http://schemas.microsoft.com/office/powerpoint/2010/main" val="919352225"/>
       </p:ext>
     </p:extLst>
   </p:cSld>
@@ -3963,7 +3994,7 @@
   </p:clrMapOvr>
   <p:extLst>
     <p:ext uri="{DCECCB84-F9BA-43D5-87BE-67443E8EF086}">
-      <p15:sldGuideLst xmlns:p15="http://schemas.microsoft.com/office/powerpoint/2012/main" xmlns="">
+      <p15:sldGuideLst xmlns:p15="http://schemas.microsoft.com/office/powerpoint/2012/main">
         <p15:guide id="1" orient="horz" pos="840">
           <p15:clr>
             <a:srgbClr val="FBAE40"/>
@@ -4062,7 +4093,7 @@
           <p:cNvPr id="4" name="Rectangle 3">
             <a:extLst>
               <a:ext uri="{FF2B5EF4-FFF2-40B4-BE49-F238E27FC236}">
-                <a16:creationId xmlns:a16="http://schemas.microsoft.com/office/drawing/2014/main" xmlns="" id="{9D414779-4CEE-EEAD-8A66-EE043E90B44F}"/>
+                <a16:creationId xmlns:a16="http://schemas.microsoft.com/office/drawing/2014/main" id="{9D414779-4CEE-EEAD-8A66-EE043E90B44F}"/>
               </a:ext>
             </a:extLst>
           </p:cNvPr>
@@ -4114,7 +4145,7 @@
           <p:cNvPr id="2" name="Title 1">
             <a:extLst>
               <a:ext uri="{FF2B5EF4-FFF2-40B4-BE49-F238E27FC236}">
-                <a16:creationId xmlns:a16="http://schemas.microsoft.com/office/drawing/2014/main" xmlns="" id="{44C9E92B-FE67-1F3D-DCA0-195195A4AB6A}"/>
+                <a16:creationId xmlns:a16="http://schemas.microsoft.com/office/drawing/2014/main" id="{44C9E92B-FE67-1F3D-DCA0-195195A4AB6A}"/>
               </a:ext>
             </a:extLst>
           </p:cNvPr>
@@ -4156,7 +4187,7 @@
           <p:cNvPr id="10" name="Straight Connector 9">
             <a:extLst>
               <a:ext uri="{FF2B5EF4-FFF2-40B4-BE49-F238E27FC236}">
-                <a16:creationId xmlns:a16="http://schemas.microsoft.com/office/drawing/2014/main" xmlns="" id="{3FB318F3-41C4-0F1C-1CBD-D5A32280E575}"/>
+                <a16:creationId xmlns:a16="http://schemas.microsoft.com/office/drawing/2014/main" id="{3FB318F3-41C4-0F1C-1CBD-D5A32280E575}"/>
               </a:ext>
             </a:extLst>
           </p:cNvPr>
@@ -4202,7 +4233,7 @@
           <p:cNvPr id="14" name="Straight Connector 13">
             <a:extLst>
               <a:ext uri="{FF2B5EF4-FFF2-40B4-BE49-F238E27FC236}">
-                <a16:creationId xmlns:a16="http://schemas.microsoft.com/office/drawing/2014/main" xmlns="" id="{0C43CC35-4750-6912-E49F-E917DF9AB637}"/>
+                <a16:creationId xmlns:a16="http://schemas.microsoft.com/office/drawing/2014/main" id="{0C43CC35-4750-6912-E49F-E917DF9AB637}"/>
               </a:ext>
             </a:extLst>
           </p:cNvPr>
@@ -4248,7 +4279,7 @@
           <p:cNvPr id="8" name="Text Placeholder 7">
             <a:extLst>
               <a:ext uri="{FF2B5EF4-FFF2-40B4-BE49-F238E27FC236}">
-                <a16:creationId xmlns:a16="http://schemas.microsoft.com/office/drawing/2014/main" xmlns="" id="{CF06E8DC-A0CF-0798-ADF8-761E7E68BAC4}"/>
+                <a16:creationId xmlns:a16="http://schemas.microsoft.com/office/drawing/2014/main" id="{CF06E8DC-A0CF-0798-ADF8-761E7E68BAC4}"/>
               </a:ext>
             </a:extLst>
           </p:cNvPr>
@@ -4299,7 +4330,7 @@
           <p:cNvPr id="15" name="Text Placeholder 7">
             <a:extLst>
               <a:ext uri="{FF2B5EF4-FFF2-40B4-BE49-F238E27FC236}">
-                <a16:creationId xmlns:a16="http://schemas.microsoft.com/office/drawing/2014/main" xmlns="" id="{2D2F8532-EAC1-4C87-C49E-5B099E83972D}"/>
+                <a16:creationId xmlns:a16="http://schemas.microsoft.com/office/drawing/2014/main" id="{2D2F8532-EAC1-4C87-C49E-5B099E83972D}"/>
               </a:ext>
             </a:extLst>
           </p:cNvPr>
@@ -4350,7 +4381,7 @@
           <p:cNvPr id="17" name="Text Placeholder 7">
             <a:extLst>
               <a:ext uri="{FF2B5EF4-FFF2-40B4-BE49-F238E27FC236}">
-                <a16:creationId xmlns:a16="http://schemas.microsoft.com/office/drawing/2014/main" xmlns="" id="{2A8B99F6-09B0-9487-3A2A-0062188384B3}"/>
+                <a16:creationId xmlns:a16="http://schemas.microsoft.com/office/drawing/2014/main" id="{2A8B99F6-09B0-9487-3A2A-0062188384B3}"/>
               </a:ext>
             </a:extLst>
           </p:cNvPr>
@@ -4401,7 +4432,7 @@
           <p:cNvPr id="18" name="Text Placeholder 7">
             <a:extLst>
               <a:ext uri="{FF2B5EF4-FFF2-40B4-BE49-F238E27FC236}">
-                <a16:creationId xmlns:a16="http://schemas.microsoft.com/office/drawing/2014/main" xmlns="" id="{E2F86FE2-AC0C-C76C-B2BD-9A02FA2E0205}"/>
+                <a16:creationId xmlns:a16="http://schemas.microsoft.com/office/drawing/2014/main" id="{E2F86FE2-AC0C-C76C-B2BD-9A02FA2E0205}"/>
               </a:ext>
             </a:extLst>
           </p:cNvPr>
@@ -4452,7 +4483,7 @@
           <p:cNvPr id="7" name="Picture Placeholder 6">
             <a:extLst>
               <a:ext uri="{FF2B5EF4-FFF2-40B4-BE49-F238E27FC236}">
-                <a16:creationId xmlns:a16="http://schemas.microsoft.com/office/drawing/2014/main" xmlns="" id="{34235A04-C2C9-A7DC-3FE5-1E7D27C0E13D}"/>
+                <a16:creationId xmlns:a16="http://schemas.microsoft.com/office/drawing/2014/main" id="{34235A04-C2C9-A7DC-3FE5-1E7D27C0E13D}"/>
               </a:ext>
             </a:extLst>
           </p:cNvPr>
@@ -4482,7 +4513,7 @@
           <p:cNvPr id="3" name="Text Placeholder 12">
             <a:extLst>
               <a:ext uri="{FF2B5EF4-FFF2-40B4-BE49-F238E27FC236}">
-                <a16:creationId xmlns:a16="http://schemas.microsoft.com/office/drawing/2014/main" xmlns="" id="{7104C814-4179-5378-738C-F0AEB2D153F3}"/>
+                <a16:creationId xmlns:a16="http://schemas.microsoft.com/office/drawing/2014/main" id="{7104C814-4179-5378-738C-F0AEB2D153F3}"/>
               </a:ext>
             </a:extLst>
           </p:cNvPr>
@@ -4544,7 +4575,7 @@
     </p:spTree>
     <p:extLst>
       <p:ext uri="{BB962C8B-B14F-4D97-AF65-F5344CB8AC3E}">
-        <p14:creationId xmlns:p14="http://schemas.microsoft.com/office/powerpoint/2010/main" xmlns="" val="1404326330"/>
+        <p14:creationId xmlns:p14="http://schemas.microsoft.com/office/powerpoint/2010/main" val="1404326330"/>
       </p:ext>
     </p:extLst>
   </p:cSld>
@@ -4553,7 +4584,7 @@
   </p:clrMapOvr>
   <p:extLst>
     <p:ext uri="{DCECCB84-F9BA-43D5-87BE-67443E8EF086}">
-      <p15:sldGuideLst xmlns:p15="http://schemas.microsoft.com/office/powerpoint/2012/main" xmlns="">
+      <p15:sldGuideLst xmlns:p15="http://schemas.microsoft.com/office/powerpoint/2012/main">
         <p15:guide id="1" orient="horz" pos="840">
           <p15:clr>
             <a:srgbClr val="FBAE40"/>
@@ -4652,7 +4683,7 @@
           <p:cNvPr id="8" name="Rectangle 7">
             <a:extLst>
               <a:ext uri="{FF2B5EF4-FFF2-40B4-BE49-F238E27FC236}">
-                <a16:creationId xmlns:a16="http://schemas.microsoft.com/office/drawing/2014/main" xmlns="" id="{3FB883CC-094E-7039-9807-58F11002611B}"/>
+                <a16:creationId xmlns:a16="http://schemas.microsoft.com/office/drawing/2014/main" id="{3FB883CC-094E-7039-9807-58F11002611B}"/>
               </a:ext>
             </a:extLst>
           </p:cNvPr>
@@ -4704,7 +4735,7 @@
           <p:cNvPr id="2" name="Title 1">
             <a:extLst>
               <a:ext uri="{FF2B5EF4-FFF2-40B4-BE49-F238E27FC236}">
-                <a16:creationId xmlns:a16="http://schemas.microsoft.com/office/drawing/2014/main" xmlns="" id="{44C9E92B-FE67-1F3D-DCA0-195195A4AB6A}"/>
+                <a16:creationId xmlns:a16="http://schemas.microsoft.com/office/drawing/2014/main" id="{44C9E92B-FE67-1F3D-DCA0-195195A4AB6A}"/>
               </a:ext>
             </a:extLst>
           </p:cNvPr>
@@ -4746,7 +4777,7 @@
           <p:cNvPr id="10" name="Straight Connector 9">
             <a:extLst>
               <a:ext uri="{FF2B5EF4-FFF2-40B4-BE49-F238E27FC236}">
-                <a16:creationId xmlns:a16="http://schemas.microsoft.com/office/drawing/2014/main" xmlns="" id="{3FB318F3-41C4-0F1C-1CBD-D5A32280E575}"/>
+                <a16:creationId xmlns:a16="http://schemas.microsoft.com/office/drawing/2014/main" id="{3FB318F3-41C4-0F1C-1CBD-D5A32280E575}"/>
               </a:ext>
             </a:extLst>
           </p:cNvPr>
@@ -4792,7 +4823,7 @@
           <p:cNvPr id="14" name="Straight Connector 13">
             <a:extLst>
               <a:ext uri="{FF2B5EF4-FFF2-40B4-BE49-F238E27FC236}">
-                <a16:creationId xmlns:a16="http://schemas.microsoft.com/office/drawing/2014/main" xmlns="" id="{0C43CC35-4750-6912-E49F-E917DF9AB637}"/>
+                <a16:creationId xmlns:a16="http://schemas.microsoft.com/office/drawing/2014/main" id="{0C43CC35-4750-6912-E49F-E917DF9AB637}"/>
               </a:ext>
             </a:extLst>
           </p:cNvPr>
@@ -4838,7 +4869,7 @@
           <p:cNvPr id="12" name="Text Placeholder 7">
             <a:extLst>
               <a:ext uri="{FF2B5EF4-FFF2-40B4-BE49-F238E27FC236}">
-                <a16:creationId xmlns:a16="http://schemas.microsoft.com/office/drawing/2014/main" xmlns="" id="{FCFA915D-63BE-A1E7-E7C6-A8B7F841C27B}"/>
+                <a16:creationId xmlns:a16="http://schemas.microsoft.com/office/drawing/2014/main" id="{FCFA915D-63BE-A1E7-E7C6-A8B7F841C27B}"/>
               </a:ext>
             </a:extLst>
           </p:cNvPr>
@@ -4889,7 +4920,7 @@
           <p:cNvPr id="15" name="Text Placeholder 7">
             <a:extLst>
               <a:ext uri="{FF2B5EF4-FFF2-40B4-BE49-F238E27FC236}">
-                <a16:creationId xmlns:a16="http://schemas.microsoft.com/office/drawing/2014/main" xmlns="" id="{2D2F8532-EAC1-4C87-C49E-5B099E83972D}"/>
+                <a16:creationId xmlns:a16="http://schemas.microsoft.com/office/drawing/2014/main" id="{2D2F8532-EAC1-4C87-C49E-5B099E83972D}"/>
               </a:ext>
             </a:extLst>
           </p:cNvPr>
@@ -4940,7 +4971,7 @@
           <p:cNvPr id="16" name="Text Placeholder 7">
             <a:extLst>
               <a:ext uri="{FF2B5EF4-FFF2-40B4-BE49-F238E27FC236}">
-                <a16:creationId xmlns:a16="http://schemas.microsoft.com/office/drawing/2014/main" xmlns="" id="{267078C8-F910-8FC3-7286-ADF1FB40862C}"/>
+                <a16:creationId xmlns:a16="http://schemas.microsoft.com/office/drawing/2014/main" id="{267078C8-F910-8FC3-7286-ADF1FB40862C}"/>
               </a:ext>
             </a:extLst>
           </p:cNvPr>
@@ -4991,7 +5022,7 @@
           <p:cNvPr id="18" name="Text Placeholder 7">
             <a:extLst>
               <a:ext uri="{FF2B5EF4-FFF2-40B4-BE49-F238E27FC236}">
-                <a16:creationId xmlns:a16="http://schemas.microsoft.com/office/drawing/2014/main" xmlns="" id="{E2F86FE2-AC0C-C76C-B2BD-9A02FA2E0205}"/>
+                <a16:creationId xmlns:a16="http://schemas.microsoft.com/office/drawing/2014/main" id="{E2F86FE2-AC0C-C76C-B2BD-9A02FA2E0205}"/>
               </a:ext>
             </a:extLst>
           </p:cNvPr>
@@ -5042,7 +5073,7 @@
           <p:cNvPr id="7" name="Picture Placeholder 6">
             <a:extLst>
               <a:ext uri="{FF2B5EF4-FFF2-40B4-BE49-F238E27FC236}">
-                <a16:creationId xmlns:a16="http://schemas.microsoft.com/office/drawing/2014/main" xmlns="" id="{8FDDBBAD-B928-4819-64F5-80A5AECD71CB}"/>
+                <a16:creationId xmlns:a16="http://schemas.microsoft.com/office/drawing/2014/main" id="{8FDDBBAD-B928-4819-64F5-80A5AECD71CB}"/>
               </a:ext>
             </a:extLst>
           </p:cNvPr>
@@ -5072,7 +5103,7 @@
           <p:cNvPr id="3" name="Text Placeholder 12">
             <a:extLst>
               <a:ext uri="{FF2B5EF4-FFF2-40B4-BE49-F238E27FC236}">
-                <a16:creationId xmlns:a16="http://schemas.microsoft.com/office/drawing/2014/main" xmlns="" id="{8B3586BE-78C6-E426-9F3C-F59381E5CD88}"/>
+                <a16:creationId xmlns:a16="http://schemas.microsoft.com/office/drawing/2014/main" id="{8B3586BE-78C6-E426-9F3C-F59381E5CD88}"/>
               </a:ext>
             </a:extLst>
           </p:cNvPr>
@@ -5134,7 +5165,7 @@
     </p:spTree>
     <p:extLst>
       <p:ext uri="{BB962C8B-B14F-4D97-AF65-F5344CB8AC3E}">
-        <p14:creationId xmlns:p14="http://schemas.microsoft.com/office/powerpoint/2010/main" xmlns="" val="464081889"/>
+        <p14:creationId xmlns:p14="http://schemas.microsoft.com/office/powerpoint/2010/main" val="464081889"/>
       </p:ext>
     </p:extLst>
   </p:cSld>
@@ -5143,7 +5174,7 @@
   </p:clrMapOvr>
   <p:extLst>
     <p:ext uri="{DCECCB84-F9BA-43D5-87BE-67443E8EF086}">
-      <p15:sldGuideLst xmlns:p15="http://schemas.microsoft.com/office/powerpoint/2012/main" xmlns="">
+      <p15:sldGuideLst xmlns:p15="http://schemas.microsoft.com/office/powerpoint/2012/main">
         <p15:guide id="1" orient="horz" pos="840">
           <p15:clr>
             <a:srgbClr val="FBAE40"/>
@@ -5227,7 +5258,7 @@
           <p:cNvPr id="3" name="Rectangle 2">
             <a:extLst>
               <a:ext uri="{FF2B5EF4-FFF2-40B4-BE49-F238E27FC236}">
-                <a16:creationId xmlns:a16="http://schemas.microsoft.com/office/drawing/2014/main" xmlns="" id="{25949CF9-AE80-D4A2-E0FC-126A4E8ECBCB}"/>
+                <a16:creationId xmlns:a16="http://schemas.microsoft.com/office/drawing/2014/main" id="{25949CF9-AE80-D4A2-E0FC-126A4E8ECBCB}"/>
               </a:ext>
             </a:extLst>
           </p:cNvPr>
@@ -5279,7 +5310,7 @@
           <p:cNvPr id="2" name="Title 1">
             <a:extLst>
               <a:ext uri="{FF2B5EF4-FFF2-40B4-BE49-F238E27FC236}">
-                <a16:creationId xmlns:a16="http://schemas.microsoft.com/office/drawing/2014/main" xmlns="" id="{44C9E92B-FE67-1F3D-DCA0-195195A4AB6A}"/>
+                <a16:creationId xmlns:a16="http://schemas.microsoft.com/office/drawing/2014/main" id="{44C9E92B-FE67-1F3D-DCA0-195195A4AB6A}"/>
               </a:ext>
             </a:extLst>
           </p:cNvPr>
@@ -5321,7 +5352,7 @@
           <p:cNvPr id="10" name="Straight Connector 9">
             <a:extLst>
               <a:ext uri="{FF2B5EF4-FFF2-40B4-BE49-F238E27FC236}">
-                <a16:creationId xmlns:a16="http://schemas.microsoft.com/office/drawing/2014/main" xmlns="" id="{3FB318F3-41C4-0F1C-1CBD-D5A32280E575}"/>
+                <a16:creationId xmlns:a16="http://schemas.microsoft.com/office/drawing/2014/main" id="{3FB318F3-41C4-0F1C-1CBD-D5A32280E575}"/>
               </a:ext>
             </a:extLst>
           </p:cNvPr>
@@ -5367,7 +5398,7 @@
           <p:cNvPr id="14" name="Straight Connector 13">
             <a:extLst>
               <a:ext uri="{FF2B5EF4-FFF2-40B4-BE49-F238E27FC236}">
-                <a16:creationId xmlns:a16="http://schemas.microsoft.com/office/drawing/2014/main" xmlns="" id="{0C43CC35-4750-6912-E49F-E917DF9AB637}"/>
+                <a16:creationId xmlns:a16="http://schemas.microsoft.com/office/drawing/2014/main" id="{0C43CC35-4750-6912-E49F-E917DF9AB637}"/>
               </a:ext>
             </a:extLst>
           </p:cNvPr>
@@ -5413,7 +5444,7 @@
           <p:cNvPr id="8" name="Text Placeholder 7">
             <a:extLst>
               <a:ext uri="{FF2B5EF4-FFF2-40B4-BE49-F238E27FC236}">
-                <a16:creationId xmlns:a16="http://schemas.microsoft.com/office/drawing/2014/main" xmlns="" id="{CF06E8DC-A0CF-0798-ADF8-761E7E68BAC4}"/>
+                <a16:creationId xmlns:a16="http://schemas.microsoft.com/office/drawing/2014/main" id="{CF06E8DC-A0CF-0798-ADF8-761E7E68BAC4}"/>
               </a:ext>
             </a:extLst>
           </p:cNvPr>
@@ -5464,7 +5495,7 @@
           <p:cNvPr id="12" name="Text Placeholder 7">
             <a:extLst>
               <a:ext uri="{FF2B5EF4-FFF2-40B4-BE49-F238E27FC236}">
-                <a16:creationId xmlns:a16="http://schemas.microsoft.com/office/drawing/2014/main" xmlns="" id="{FCFA915D-63BE-A1E7-E7C6-A8B7F841C27B}"/>
+                <a16:creationId xmlns:a16="http://schemas.microsoft.com/office/drawing/2014/main" id="{FCFA915D-63BE-A1E7-E7C6-A8B7F841C27B}"/>
               </a:ext>
             </a:extLst>
           </p:cNvPr>
@@ -5515,7 +5546,7 @@
           <p:cNvPr id="15" name="Text Placeholder 7">
             <a:extLst>
               <a:ext uri="{FF2B5EF4-FFF2-40B4-BE49-F238E27FC236}">
-                <a16:creationId xmlns:a16="http://schemas.microsoft.com/office/drawing/2014/main" xmlns="" id="{2D2F8532-EAC1-4C87-C49E-5B099E83972D}"/>
+                <a16:creationId xmlns:a16="http://schemas.microsoft.com/office/drawing/2014/main" id="{2D2F8532-EAC1-4C87-C49E-5B099E83972D}"/>
               </a:ext>
             </a:extLst>
           </p:cNvPr>
@@ -5566,7 +5597,7 @@
           <p:cNvPr id="16" name="Text Placeholder 7">
             <a:extLst>
               <a:ext uri="{FF2B5EF4-FFF2-40B4-BE49-F238E27FC236}">
-                <a16:creationId xmlns:a16="http://schemas.microsoft.com/office/drawing/2014/main" xmlns="" id="{267078C8-F910-8FC3-7286-ADF1FB40862C}"/>
+                <a16:creationId xmlns:a16="http://schemas.microsoft.com/office/drawing/2014/main" id="{267078C8-F910-8FC3-7286-ADF1FB40862C}"/>
               </a:ext>
             </a:extLst>
           </p:cNvPr>
@@ -5617,7 +5648,7 @@
           <p:cNvPr id="17" name="Text Placeholder 7">
             <a:extLst>
               <a:ext uri="{FF2B5EF4-FFF2-40B4-BE49-F238E27FC236}">
-                <a16:creationId xmlns:a16="http://schemas.microsoft.com/office/drawing/2014/main" xmlns="" id="{2A8B99F6-09B0-9487-3A2A-0062188384B3}"/>
+                <a16:creationId xmlns:a16="http://schemas.microsoft.com/office/drawing/2014/main" id="{2A8B99F6-09B0-9487-3A2A-0062188384B3}"/>
               </a:ext>
             </a:extLst>
           </p:cNvPr>
@@ -5668,7 +5699,7 @@
           <p:cNvPr id="18" name="Text Placeholder 7">
             <a:extLst>
               <a:ext uri="{FF2B5EF4-FFF2-40B4-BE49-F238E27FC236}">
-                <a16:creationId xmlns:a16="http://schemas.microsoft.com/office/drawing/2014/main" xmlns="" id="{E2F86FE2-AC0C-C76C-B2BD-9A02FA2E0205}"/>
+                <a16:creationId xmlns:a16="http://schemas.microsoft.com/office/drawing/2014/main" id="{E2F86FE2-AC0C-C76C-B2BD-9A02FA2E0205}"/>
               </a:ext>
             </a:extLst>
           </p:cNvPr>
@@ -5717,7 +5748,7 @@
     </p:spTree>
     <p:extLst>
       <p:ext uri="{BB962C8B-B14F-4D97-AF65-F5344CB8AC3E}">
-        <p14:creationId xmlns:p14="http://schemas.microsoft.com/office/powerpoint/2010/main" xmlns="" val="2461991912"/>
+        <p14:creationId xmlns:p14="http://schemas.microsoft.com/office/powerpoint/2010/main" val="2461991912"/>
       </p:ext>
     </p:extLst>
   </p:cSld>
@@ -5726,7 +5757,7 @@
   </p:clrMapOvr>
   <p:extLst>
     <p:ext uri="{DCECCB84-F9BA-43D5-87BE-67443E8EF086}">
-      <p15:sldGuideLst xmlns:p15="http://schemas.microsoft.com/office/powerpoint/2012/main" xmlns="">
+      <p15:sldGuideLst xmlns:p15="http://schemas.microsoft.com/office/powerpoint/2012/main">
         <p15:guide id="1" orient="horz" pos="840">
           <p15:clr>
             <a:srgbClr val="FBAE40"/>
@@ -5800,7 +5831,7 @@
           <p:cNvPr id="2" name="Title 1">
             <a:extLst>
               <a:ext uri="{FF2B5EF4-FFF2-40B4-BE49-F238E27FC236}">
-                <a16:creationId xmlns:a16="http://schemas.microsoft.com/office/drawing/2014/main" xmlns="" id="{44C9E92B-FE67-1F3D-DCA0-195195A4AB6A}"/>
+                <a16:creationId xmlns:a16="http://schemas.microsoft.com/office/drawing/2014/main" id="{44C9E92B-FE67-1F3D-DCA0-195195A4AB6A}"/>
               </a:ext>
             </a:extLst>
           </p:cNvPr>
@@ -5842,7 +5873,7 @@
           <p:cNvPr id="10" name="Straight Connector 9">
             <a:extLst>
               <a:ext uri="{FF2B5EF4-FFF2-40B4-BE49-F238E27FC236}">
-                <a16:creationId xmlns:a16="http://schemas.microsoft.com/office/drawing/2014/main" xmlns="" id="{3FB318F3-41C4-0F1C-1CBD-D5A32280E575}"/>
+                <a16:creationId xmlns:a16="http://schemas.microsoft.com/office/drawing/2014/main" id="{3FB318F3-41C4-0F1C-1CBD-D5A32280E575}"/>
               </a:ext>
             </a:extLst>
           </p:cNvPr>
@@ -5888,7 +5919,7 @@
           <p:cNvPr id="14" name="Straight Connector 13">
             <a:extLst>
               <a:ext uri="{FF2B5EF4-FFF2-40B4-BE49-F238E27FC236}">
-                <a16:creationId xmlns:a16="http://schemas.microsoft.com/office/drawing/2014/main" xmlns="" id="{0C43CC35-4750-6912-E49F-E917DF9AB637}"/>
+                <a16:creationId xmlns:a16="http://schemas.microsoft.com/office/drawing/2014/main" id="{0C43CC35-4750-6912-E49F-E917DF9AB637}"/>
               </a:ext>
             </a:extLst>
           </p:cNvPr>
@@ -5934,7 +5965,7 @@
           <p:cNvPr id="8" name="Text Placeholder 7">
             <a:extLst>
               <a:ext uri="{FF2B5EF4-FFF2-40B4-BE49-F238E27FC236}">
-                <a16:creationId xmlns:a16="http://schemas.microsoft.com/office/drawing/2014/main" xmlns="" id="{CF06E8DC-A0CF-0798-ADF8-761E7E68BAC4}"/>
+                <a16:creationId xmlns:a16="http://schemas.microsoft.com/office/drawing/2014/main" id="{CF06E8DC-A0CF-0798-ADF8-761E7E68BAC4}"/>
               </a:ext>
             </a:extLst>
           </p:cNvPr>
@@ -5985,7 +6016,7 @@
           <p:cNvPr id="16" name="Text Placeholder 7">
             <a:extLst>
               <a:ext uri="{FF2B5EF4-FFF2-40B4-BE49-F238E27FC236}">
-                <a16:creationId xmlns:a16="http://schemas.microsoft.com/office/drawing/2014/main" xmlns="" id="{267078C8-F910-8FC3-7286-ADF1FB40862C}"/>
+                <a16:creationId xmlns:a16="http://schemas.microsoft.com/office/drawing/2014/main" id="{267078C8-F910-8FC3-7286-ADF1FB40862C}"/>
               </a:ext>
             </a:extLst>
           </p:cNvPr>
@@ -6036,7 +6067,7 @@
           <p:cNvPr id="7" name="Picture Placeholder 6">
             <a:extLst>
               <a:ext uri="{FF2B5EF4-FFF2-40B4-BE49-F238E27FC236}">
-                <a16:creationId xmlns:a16="http://schemas.microsoft.com/office/drawing/2014/main" xmlns="" id="{39F175D2-EEFE-E4BF-0E57-03025B8F8D64}"/>
+                <a16:creationId xmlns:a16="http://schemas.microsoft.com/office/drawing/2014/main" id="{39F175D2-EEFE-E4BF-0E57-03025B8F8D64}"/>
               </a:ext>
             </a:extLst>
           </p:cNvPr>
@@ -6066,7 +6097,7 @@
           <p:cNvPr id="15" name="Text Placeholder 12">
             <a:extLst>
               <a:ext uri="{FF2B5EF4-FFF2-40B4-BE49-F238E27FC236}">
-                <a16:creationId xmlns:a16="http://schemas.microsoft.com/office/drawing/2014/main" xmlns="" id="{273C4E42-511B-EB94-CA0A-051B1A4A918D}"/>
+                <a16:creationId xmlns:a16="http://schemas.microsoft.com/office/drawing/2014/main" id="{273C4E42-511B-EB94-CA0A-051B1A4A918D}"/>
               </a:ext>
             </a:extLst>
           </p:cNvPr>
@@ -6128,7 +6159,7 @@
     </p:spTree>
     <p:extLst>
       <p:ext uri="{BB962C8B-B14F-4D97-AF65-F5344CB8AC3E}">
-        <p14:creationId xmlns:p14="http://schemas.microsoft.com/office/powerpoint/2010/main" xmlns="" val="1911048288"/>
+        <p14:creationId xmlns:p14="http://schemas.microsoft.com/office/powerpoint/2010/main" val="1911048288"/>
       </p:ext>
     </p:extLst>
   </p:cSld>
@@ -6137,7 +6168,7 @@
   </p:clrMapOvr>
   <p:extLst>
     <p:ext uri="{DCECCB84-F9BA-43D5-87BE-67443E8EF086}">
-      <p15:sldGuideLst xmlns:p15="http://schemas.microsoft.com/office/powerpoint/2012/main" xmlns="">
+      <p15:sldGuideLst xmlns:p15="http://schemas.microsoft.com/office/powerpoint/2012/main">
         <p15:guide id="1" orient="horz" pos="840">
           <p15:clr>
             <a:srgbClr val="FBAE40"/>
@@ -6221,7 +6252,7 @@
           <p:cNvPr id="2" name="Title Placeholder 1">
             <a:extLst>
               <a:ext uri="{FF2B5EF4-FFF2-40B4-BE49-F238E27FC236}">
-                <a16:creationId xmlns:a16="http://schemas.microsoft.com/office/drawing/2014/main" xmlns="" id="{F154C769-5B6E-5C22-9516-5D7BE462E358}"/>
+                <a16:creationId xmlns:a16="http://schemas.microsoft.com/office/drawing/2014/main" id="{F154C769-5B6E-5C22-9516-5D7BE462E358}"/>
               </a:ext>
             </a:extLst>
           </p:cNvPr>
@@ -6259,7 +6290,7 @@
           <p:cNvPr id="3" name="Text Placeholder 2">
             <a:extLst>
               <a:ext uri="{FF2B5EF4-FFF2-40B4-BE49-F238E27FC236}">
-                <a16:creationId xmlns:a16="http://schemas.microsoft.com/office/drawing/2014/main" xmlns="" id="{023190F5-D493-CE67-ED1B-D761BFA6998B}"/>
+                <a16:creationId xmlns:a16="http://schemas.microsoft.com/office/drawing/2014/main" id="{023190F5-D493-CE67-ED1B-D761BFA6998B}"/>
               </a:ext>
             </a:extLst>
           </p:cNvPr>
@@ -6326,7 +6357,7 @@
           <p:cNvPr id="4" name="Date Placeholder 3">
             <a:extLst>
               <a:ext uri="{FF2B5EF4-FFF2-40B4-BE49-F238E27FC236}">
-                <a16:creationId xmlns:a16="http://schemas.microsoft.com/office/drawing/2014/main" xmlns="" id="{5725225E-A593-BBE5-FA35-2952DE6D56A1}"/>
+                <a16:creationId xmlns:a16="http://schemas.microsoft.com/office/drawing/2014/main" id="{5725225E-A593-BBE5-FA35-2952DE6D56A1}"/>
               </a:ext>
             </a:extLst>
           </p:cNvPr>
@@ -6363,7 +6394,7 @@
             <a:fld id="{560812C0-D4F0-C345-96B4-1E8B918506AC}" type="datetimeFigureOut">
               <a:rPr lang="en-US" smtClean="0"/>
               <a:pPr/>
-              <a:t>2/3/2025</a:t>
+              <a:t>2/11/2025</a:t>
             </a:fld>
             <a:endParaRPr lang="en-US"/>
           </a:p>
@@ -6374,7 +6405,7 @@
           <p:cNvPr id="6" name="Slide Number Placeholder 5">
             <a:extLst>
               <a:ext uri="{FF2B5EF4-FFF2-40B4-BE49-F238E27FC236}">
-                <a16:creationId xmlns:a16="http://schemas.microsoft.com/office/drawing/2014/main" xmlns="" id="{BB730E95-9162-1956-4897-1AA052698F96}"/>
+                <a16:creationId xmlns:a16="http://schemas.microsoft.com/office/drawing/2014/main" id="{BB730E95-9162-1956-4897-1AA052698F96}"/>
               </a:ext>
             </a:extLst>
           </p:cNvPr>
@@ -6420,7 +6451,7 @@
     </p:spTree>
     <p:extLst>
       <p:ext uri="{BB962C8B-B14F-4D97-AF65-F5344CB8AC3E}">
-        <p14:creationId xmlns:p14="http://schemas.microsoft.com/office/powerpoint/2010/main" xmlns="" val="1679508059"/>
+        <p14:creationId xmlns:p14="http://schemas.microsoft.com/office/powerpoint/2010/main" val="1679508059"/>
       </p:ext>
     </p:extLst>
   </p:cSld>
@@ -6740,7 +6771,7 @@
   </p:txStyles>
   <p:extLst>
     <p:ext uri="{27BBF7A9-308A-43DC-89C8-2F10F3537804}">
-      <p15:sldGuideLst xmlns:p15="http://schemas.microsoft.com/office/powerpoint/2012/main" xmlns="">
+      <p15:sldGuideLst xmlns:p15="http://schemas.microsoft.com/office/powerpoint/2012/main">
         <p15:guide id="1" orient="horz" pos="2160">
           <p15:clr>
             <a:srgbClr val="F26B43"/>
@@ -6794,7 +6825,7 @@
           <p:cNvPr id="2" name="Title 1">
             <a:extLst>
               <a:ext uri="{FF2B5EF4-FFF2-40B4-BE49-F238E27FC236}">
-                <a16:creationId xmlns:a16="http://schemas.microsoft.com/office/drawing/2014/main" xmlns="" id="{B28536A1-1A23-FDCA-E791-278F673BA931}"/>
+                <a16:creationId xmlns:a16="http://schemas.microsoft.com/office/drawing/2014/main" id="{B28536A1-1A23-FDCA-E791-278F673BA931}"/>
               </a:ext>
             </a:extLst>
           </p:cNvPr>
@@ -6811,10 +6842,9 @@
           <a:lstStyle/>
           <a:p>
             <a:r>
-              <a:rPr lang="en-US" dirty="0" smtClean="0"/>
+              <a:rPr lang="en-US" dirty="0"/>
               <a:t>Time Modulated Antenna</a:t>
             </a:r>
-            <a:endParaRPr lang="en-US" dirty="0"/>
           </a:p>
         </p:txBody>
       </p:sp>
@@ -6823,7 +6853,7 @@
           <p:cNvPr id="5" name="Text Placeholder 4">
             <a:extLst>
               <a:ext uri="{FF2B5EF4-FFF2-40B4-BE49-F238E27FC236}">
-                <a16:creationId xmlns:a16="http://schemas.microsoft.com/office/drawing/2014/main" xmlns="" id="{DAC5B7BB-086A-0BEE-471F-DC71F427D321}"/>
+                <a16:creationId xmlns:a16="http://schemas.microsoft.com/office/drawing/2014/main" id="{DAC5B7BB-086A-0BEE-471F-DC71F427D321}"/>
               </a:ext>
             </a:extLst>
           </p:cNvPr>
@@ -6851,7 +6881,7 @@
           <p:cNvPr id="3" name="Picture Placeholder 2">
             <a:extLst>
               <a:ext uri="{FF2B5EF4-FFF2-40B4-BE49-F238E27FC236}">
-                <a16:creationId xmlns:a16="http://schemas.microsoft.com/office/drawing/2014/main" xmlns="" id="{543F27B1-D188-639B-7828-FED7081A75BB}"/>
+                <a16:creationId xmlns:a16="http://schemas.microsoft.com/office/drawing/2014/main" id="{543F27B1-D188-639B-7828-FED7081A75BB}"/>
               </a:ext>
             </a:extLst>
           </p:cNvPr>
@@ -6874,7 +6904,7 @@
     </p:spTree>
     <p:extLst>
       <p:ext uri="{BB962C8B-B14F-4D97-AF65-F5344CB8AC3E}">
-        <p14:creationId xmlns:p14="http://schemas.microsoft.com/office/powerpoint/2010/main" xmlns="" val="979534594"/>
+        <p14:creationId xmlns:p14="http://schemas.microsoft.com/office/powerpoint/2010/main" val="979534594"/>
       </p:ext>
     </p:extLst>
   </p:cSld>
@@ -6923,7 +6953,7 @@
           <a:lstStyle/>
           <a:p>
             <a:r>
-              <a:rPr lang="en-US" dirty="0" smtClean="0"/>
+              <a:rPr lang="en-US" dirty="0"/>
               <a:t>Uniform Array Factor:</a:t>
             </a:r>
             <a:endParaRPr lang="en-US" sz="1200" dirty="0"/>
@@ -7002,16 +7032,12 @@
           <a:p>
             <a:pPr algn="ctr"/>
             <a:r>
-              <a:rPr lang="en-US" sz="800" dirty="0" smtClean="0">
+              <a:rPr lang="en-US" sz="800" dirty="0">
                 <a:latin typeface="Arial" pitchFamily="34" charset="0"/>
                 <a:cs typeface="Arial" pitchFamily="34" charset="0"/>
               </a:rPr>
               <a:t>Fig: Array Factor for a Linear Array Antenna with 6 Elements (N = 6) and Element Spacing of Half Wavelength (d = λ/2)</a:t>
             </a:r>
-            <a:endParaRPr lang="en-US" sz="800" dirty="0">
-              <a:latin typeface="Arial" pitchFamily="34" charset="0"/>
-              <a:cs typeface="Arial" pitchFamily="34" charset="0"/>
-            </a:endParaRPr>
           </a:p>
         </p:txBody>
       </p:sp>
@@ -7038,16 +7064,12 @@
           <a:lstStyle/>
           <a:p>
             <a:r>
-              <a:rPr lang="en-US" sz="800" dirty="0" smtClean="0">
+              <a:rPr lang="en-US" sz="800" dirty="0">
                 <a:latin typeface="Arial" pitchFamily="34" charset="0"/>
                 <a:cs typeface="Arial" pitchFamily="34" charset="0"/>
               </a:rPr>
               <a:t>Fig: Comparison of Array Factor for a 2-element, 10-element and 8-element  Linear Array Antenna  </a:t>
             </a:r>
-            <a:endParaRPr lang="en-US" sz="800" dirty="0">
-              <a:latin typeface="Arial" pitchFamily="34" charset="0"/>
-              <a:cs typeface="Arial" pitchFamily="34" charset="0"/>
-            </a:endParaRPr>
           </a:p>
         </p:txBody>
       </p:sp>
@@ -7124,16 +7146,12 @@
           <a:p>
             <a:pPr algn="ctr"/>
             <a:r>
-              <a:rPr lang="en-US" sz="800" dirty="0" smtClean="0">
+              <a:rPr lang="en-US" sz="800" dirty="0">
                 <a:latin typeface="Arial" pitchFamily="34" charset="0"/>
                 <a:cs typeface="Arial" pitchFamily="34" charset="0"/>
               </a:rPr>
               <a:t>Fig: Array Factor for a Linear Array Antenna with 6 Elements (N = 6) and Element Spacing of Half Wavelength  of  d = λ/2 , d = λ/4 and d = λ respectively </a:t>
             </a:r>
-            <a:endParaRPr lang="en-US" sz="800" dirty="0">
-              <a:latin typeface="Arial" pitchFamily="34" charset="0"/>
-              <a:cs typeface="Arial" pitchFamily="34" charset="0"/>
-            </a:endParaRPr>
           </a:p>
         </p:txBody>
       </p:sp>
@@ -7186,16 +7204,12 @@
           <a:p>
             <a:pPr algn="ctr"/>
             <a:r>
-              <a:rPr lang="en-US" sz="800" dirty="0" smtClean="0">
+              <a:rPr lang="en-US" sz="800" dirty="0">
                 <a:latin typeface="Arial" pitchFamily="34" charset="0"/>
                 <a:cs typeface="Arial" pitchFamily="34" charset="0"/>
               </a:rPr>
               <a:t>Fig: Array factor comparison for N = 16 linear array with Taylor distribution </a:t>
             </a:r>
-            <a:endParaRPr lang="en-US" sz="800" dirty="0">
-              <a:latin typeface="Arial" pitchFamily="34" charset="0"/>
-              <a:cs typeface="Arial" pitchFamily="34" charset="0"/>
-            </a:endParaRPr>
           </a:p>
         </p:txBody>
       </p:sp>
@@ -7304,7 +7318,7 @@
           <a:lstStyle/>
           <a:p>
             <a:r>
-              <a:rPr lang="en-IN" sz="800" dirty="0" smtClean="0"/>
+              <a:rPr lang="en-IN" sz="800" dirty="0"/>
               <a:t>Fixed tau and fixed delay</a:t>
             </a:r>
             <a:endParaRPr lang="en-US" sz="800" dirty="0"/>
@@ -7382,7 +7396,7 @@
           <a:lstStyle/>
           <a:p>
             <a:r>
-              <a:rPr lang="en-IN" sz="800" dirty="0" smtClean="0"/>
+              <a:rPr lang="en-IN" sz="800" dirty="0"/>
               <a:t>Variable tau and fixed delay</a:t>
             </a:r>
             <a:endParaRPr lang="en-US" sz="800" dirty="0"/>
@@ -7412,7 +7426,7 @@
           <a:lstStyle/>
           <a:p>
             <a:r>
-              <a:rPr lang="en-IN" sz="800" dirty="0" smtClean="0"/>
+              <a:rPr lang="en-IN" sz="800" dirty="0"/>
               <a:t>Variable tau and fixed delay</a:t>
             </a:r>
             <a:endParaRPr lang="en-US" sz="800" dirty="0"/>
@@ -7563,7 +7577,7 @@
           <a:lstStyle/>
           <a:p>
             <a:r>
-              <a:rPr lang="en-IN" sz="800" dirty="0" smtClean="0"/>
+              <a:rPr lang="en-IN" sz="800" dirty="0"/>
               <a:t>Fix tau, vary delay</a:t>
             </a:r>
             <a:endParaRPr lang="en-US" sz="800" dirty="0"/>
@@ -7641,7 +7655,7 @@
           <a:lstStyle/>
           <a:p>
             <a:r>
-              <a:rPr lang="en-IN" sz="800" dirty="0" smtClean="0"/>
+              <a:rPr lang="en-IN" sz="800" dirty="0"/>
               <a:t>Vary tau, vary delay</a:t>
             </a:r>
             <a:endParaRPr lang="en-US" sz="800" dirty="0"/>
@@ -7743,10 +7757,9 @@
           <a:lstStyle/>
           <a:p>
             <a:r>
-              <a:rPr lang="en-US" sz="800" dirty="0" smtClean="0"/>
+              <a:rPr lang="en-US" sz="800" dirty="0"/>
               <a:t>Vary delay, fixed tau, even harmonic suppression</a:t>
             </a:r>
-            <a:endParaRPr lang="en-US" sz="800" dirty="0"/>
           </a:p>
         </p:txBody>
       </p:sp>
@@ -7772,10 +7785,9 @@
           <a:lstStyle/>
           <a:p>
             <a:r>
-              <a:rPr lang="en-US" sz="800" dirty="0" smtClean="0"/>
+              <a:rPr lang="en-US" sz="800" dirty="0"/>
               <a:t>Vary delay, fixed tau, multiple of 3 harmonic suppression</a:t>
             </a:r>
-            <a:endParaRPr lang="en-US" sz="800" dirty="0"/>
           </a:p>
         </p:txBody>
       </p:sp>
@@ -7875,7 +7887,7 @@
           <a:p>
             <a:pPr algn="ctr"/>
             <a:r>
-              <a:rPr lang="en-IN" sz="800" dirty="0" smtClean="0"/>
+              <a:rPr lang="en-IN" sz="800" dirty="0"/>
               <a:t>10 degree shift of first harmonics</a:t>
             </a:r>
             <a:endParaRPr lang="en-US" sz="800" dirty="0"/>
@@ -7977,15 +7989,15 @@
           <a:lstStyle/>
           <a:p>
             <a:r>
-              <a:rPr lang="en-IN" sz="800" dirty="0" smtClean="0"/>
+              <a:rPr lang="en-IN" sz="800" dirty="0"/>
               <a:t>Delay </a:t>
             </a:r>
             <a:r>
-              <a:rPr lang="en-IN" sz="800" dirty="0" err="1" smtClean="0"/>
+              <a:rPr lang="en-IN" sz="800" dirty="0" err="1"/>
               <a:t>vs</a:t>
             </a:r>
             <a:r>
-              <a:rPr lang="en-IN" sz="800" dirty="0" smtClean="0"/>
+              <a:rPr lang="en-IN" sz="800" dirty="0"/>
               <a:t> Efficiency plot with varying tau</a:t>
             </a:r>
             <a:endParaRPr lang="en-US" sz="800" dirty="0"/>
@@ -8014,15 +8026,15 @@
           <a:lstStyle/>
           <a:p>
             <a:r>
-              <a:rPr lang="en-IN" sz="800" dirty="0" smtClean="0"/>
+              <a:rPr lang="en-IN" sz="800" dirty="0"/>
               <a:t>Delay </a:t>
             </a:r>
             <a:r>
-              <a:rPr lang="en-IN" sz="800" dirty="0" err="1" smtClean="0"/>
+              <a:rPr lang="en-IN" sz="800" dirty="0" err="1"/>
               <a:t>vs</a:t>
             </a:r>
             <a:r>
-              <a:rPr lang="en-IN" sz="800" dirty="0" smtClean="0"/>
+              <a:rPr lang="en-IN" sz="800" dirty="0"/>
               <a:t> Efficiency plot with fix tau</a:t>
             </a:r>
             <a:endParaRPr lang="en-US" sz="800" dirty="0"/>
@@ -8030,6 +8042,72 @@
         </p:txBody>
       </p:sp>
     </p:spTree>
+  </p:cSld>
+  <p:clrMapOvr>
+    <a:masterClrMapping/>
+  </p:clrMapOvr>
+</p:sld>
+</file>
+
+<file path=ppt/slides/slide18.xml><?xml version="1.0" encoding="utf-8"?>
+<p:sld xmlns:a="http://schemas.openxmlformats.org/drawingml/2006/main" xmlns:r="http://schemas.openxmlformats.org/officeDocument/2006/relationships" xmlns:p="http://schemas.openxmlformats.org/presentationml/2006/main">
+  <p:cSld>
+    <p:spTree>
+      <p:nvGrpSpPr>
+        <p:cNvPr id="1" name=""/>
+        <p:cNvGrpSpPr/>
+        <p:nvPr/>
+      </p:nvGrpSpPr>
+      <p:grpSpPr>
+        <a:xfrm>
+          <a:off x="0" y="0"/>
+          <a:ext cx="0" cy="0"/>
+          <a:chOff x="0" y="0"/>
+          <a:chExt cx="0" cy="0"/>
+        </a:xfrm>
+      </p:grpSpPr>
+      <p:pic>
+        <p:nvPicPr>
+          <p:cNvPr id="10" name="Picture 9" descr="A grid with a spiral pattern&#10;&#10;AI-generated content may be incorrect.">
+            <a:extLst>
+              <a:ext uri="{FF2B5EF4-FFF2-40B4-BE49-F238E27FC236}">
+                <a16:creationId xmlns:a16="http://schemas.microsoft.com/office/drawing/2014/main" id="{DB168B4F-9671-A8F3-F428-3F35F03A8F97}"/>
+              </a:ext>
+            </a:extLst>
+          </p:cNvPr>
+          <p:cNvPicPr>
+            <a:picLocks noChangeAspect="1"/>
+          </p:cNvPicPr>
+          <p:nvPr/>
+        </p:nvPicPr>
+        <p:blipFill>
+          <a:blip r:embed="rId2">
+            <a:extLst>
+              <a:ext uri="{28A0092B-C50C-407E-A947-70E740481C1C}">
+                <a14:useLocalDpi xmlns:a14="http://schemas.microsoft.com/office/drawing/2010/main" val="0"/>
+              </a:ext>
+            </a:extLst>
+          </a:blip>
+          <a:stretch>
+            <a:fillRect/>
+          </a:stretch>
+        </p:blipFill>
+        <p:spPr>
+          <a:xfrm>
+            <a:off x="2280705" y="756864"/>
+            <a:ext cx="7630590" cy="5344271"/>
+          </a:xfrm>
+          <a:prstGeom prst="rect">
+            <a:avLst/>
+          </a:prstGeom>
+        </p:spPr>
+      </p:pic>
+    </p:spTree>
+    <p:extLst>
+      <p:ext uri="{BB962C8B-B14F-4D97-AF65-F5344CB8AC3E}">
+        <p14:creationId xmlns:p14="http://schemas.microsoft.com/office/powerpoint/2010/main" val="4114495748"/>
+      </p:ext>
+    </p:extLst>
   </p:cSld>
   <p:clrMapOvr>
     <a:masterClrMapping/>
@@ -8080,22 +8158,13 @@
               <a:buChar char="•"/>
             </a:pPr>
             <a:r>
-              <a:rPr lang="en-IN" sz="1400" dirty="0" smtClean="0"/>
-              <a:t> TMA  </a:t>
-            </a:r>
-            <a:r>
-              <a:rPr lang="en-IN" sz="1400" dirty="0" smtClean="0"/>
-              <a:t>approach allows </a:t>
-            </a:r>
-            <a:r>
-              <a:rPr lang="en-US" sz="1400" dirty="0" smtClean="0"/>
-              <a:t>the antenna elements to be controlled by a time-modulated circuit, which affects their radiation and frequency spectral characteristics</a:t>
-            </a:r>
-            <a:r>
-              <a:rPr lang="en-US" sz="1400" dirty="0" smtClean="0"/>
-              <a:t>.</a:t>
-            </a:r>
-            <a:endParaRPr lang="en-US" sz="1400" dirty="0" smtClean="0"/>
+              <a:rPr lang="en-IN" sz="1400" dirty="0"/>
+              <a:t> TMA  approach allows </a:t>
+            </a:r>
+            <a:r>
+              <a:rPr lang="en-US" sz="1400" dirty="0"/>
+              <a:t>the antenna elements to be controlled by a time-modulated circuit, which affects their radiation and frequency spectral characteristics.</a:t>
+            </a:r>
           </a:p>
           <a:p>
             <a:pPr>
@@ -8103,20 +8172,12 @@
               <a:buChar char="•"/>
             </a:pPr>
             <a:r>
-              <a:rPr lang="en-IN" sz="1400" dirty="0" smtClean="0"/>
+              <a:rPr lang="en-IN" sz="1400" dirty="0"/>
               <a:t> </a:t>
             </a:r>
             <a:r>
-              <a:rPr lang="en-US" sz="1400" dirty="0" smtClean="0"/>
-              <a:t>A</a:t>
-            </a:r>
-            <a:r>
-              <a:rPr lang="en-US" sz="1400" dirty="0" smtClean="0"/>
-              <a:t>djusting </a:t>
-            </a:r>
-            <a:r>
-              <a:rPr lang="en-US" sz="1400" dirty="0" smtClean="0"/>
-              <a:t>the time delay between elements or controlling the pulse duty cycle to manage amplitude weighting.</a:t>
+              <a:rPr lang="en-US" sz="1400" dirty="0"/>
+              <a:t>Adjusting the time delay between elements or controlling the pulse duty cycle to manage amplitude weighting.</a:t>
             </a:r>
           </a:p>
           <a:p>
@@ -8125,7 +8186,7 @@
               <a:buChar char="•"/>
             </a:pPr>
             <a:r>
-              <a:rPr lang="en-US" sz="1400" dirty="0" smtClean="0"/>
+              <a:rPr lang="en-US" sz="1400" dirty="0"/>
               <a:t> The normalized active time of antenna elements affects the radiation in fundamental frequency, and active time instants of each element affect the harmonic radiation of the TMAA.</a:t>
             </a:r>
           </a:p>
@@ -8135,14 +8196,9 @@
               <a:buChar char="•"/>
             </a:pPr>
             <a:r>
-              <a:rPr lang="en-US" sz="1400" dirty="0" smtClean="0"/>
-              <a:t>Therefore, optimizing the switch ON instants of array elements steers the harmonic radiation in any desired and optimized </a:t>
-            </a:r>
-            <a:r>
-              <a:rPr lang="en-US" sz="1400" dirty="0" smtClean="0"/>
-              <a:t>direction.</a:t>
-            </a:r>
-            <a:endParaRPr lang="en-US" sz="1400" dirty="0" smtClean="0"/>
+              <a:rPr lang="en-US" sz="1400" dirty="0"/>
+              <a:t>Therefore, optimizing the switch ON instants of array elements steers the harmonic radiation in any desired and optimized direction.</a:t>
+            </a:r>
           </a:p>
           <a:p>
             <a:pPr>
@@ -8150,11 +8206,11 @@
               <a:buChar char="•"/>
             </a:pPr>
             <a:r>
-              <a:rPr lang="en-IN" sz="1400" dirty="0" smtClean="0"/>
+              <a:rPr lang="en-IN" sz="1400" dirty="0"/>
               <a:t> Although lower SLL level is achieved but generation of undesired harmonics </a:t>
             </a:r>
             <a:r>
-              <a:rPr lang="en-US" sz="1400" dirty="0" smtClean="0"/>
+              <a:rPr lang="en-US" sz="1400" dirty="0"/>
               <a:t>generated by time modulation results in significant power loss and interference.</a:t>
             </a:r>
           </a:p>
@@ -8164,11 +8220,11 @@
               <a:buChar char="•"/>
             </a:pPr>
             <a:r>
-              <a:rPr lang="en-IN" sz="1400" dirty="0" smtClean="0"/>
+              <a:rPr lang="en-IN" sz="1400" dirty="0"/>
               <a:t> </a:t>
             </a:r>
             <a:r>
-              <a:rPr lang="en-US" sz="1400" dirty="0" smtClean="0"/>
+              <a:rPr lang="en-US" sz="1400" dirty="0"/>
               <a:t>The periodic modulation of antenna elements with periodic time sequences is responsible for harmonic operation in the frequency domain for the antenna array .</a:t>
             </a:r>
           </a:p>
@@ -8178,7 +8234,7 @@
               <a:buChar char="•"/>
             </a:pPr>
             <a:r>
-              <a:rPr lang="en-US" sz="1400" dirty="0" smtClean="0"/>
+              <a:rPr lang="en-US" sz="1400" dirty="0"/>
               <a:t> The harmonic radiation of the TMAA is known as sideband radiation, which radiates in frequency deviated from fundamental frequency by modulating frequency.</a:t>
             </a:r>
           </a:p>
@@ -8188,16 +8244,8 @@
               <a:buChar char="•"/>
             </a:pPr>
             <a:r>
-              <a:rPr lang="en-US" sz="1400" dirty="0" smtClean="0"/>
-              <a:t>O</a:t>
-            </a:r>
-            <a:r>
-              <a:rPr lang="en-US" sz="1400" dirty="0" smtClean="0"/>
-              <a:t>ptimization </a:t>
-            </a:r>
-            <a:r>
-              <a:rPr lang="en-US" sz="1400" dirty="0" smtClean="0"/>
-              <a:t>algorithms have been applied to TMAs:</a:t>
+              <a:rPr lang="en-US" sz="1400" dirty="0"/>
+              <a:t>Optimization algorithms have been applied to TMAs:</a:t>
             </a:r>
           </a:p>
           <a:p>
@@ -8206,10 +8254,10 @@
               <a:buChar char="•"/>
             </a:pPr>
             <a:r>
-              <a:rPr lang="en-IN" sz="1400" dirty="0" smtClean="0"/>
+              <a:rPr lang="en-IN" sz="1400" dirty="0"/>
               <a:t> Genetic Algorithm</a:t>
             </a:r>
-            <a:endParaRPr lang="en-US" sz="1400" dirty="0" smtClean="0"/>
+            <a:endParaRPr lang="en-US" sz="1400" dirty="0"/>
           </a:p>
           <a:p>
             <a:pPr lvl="1">
@@ -8217,7 +8265,7 @@
               <a:buChar char="•"/>
             </a:pPr>
             <a:r>
-              <a:rPr lang="en-IN" sz="1400" dirty="0" smtClean="0"/>
+              <a:rPr lang="en-IN" sz="1400" dirty="0"/>
               <a:t> differential evolution algorithms</a:t>
             </a:r>
           </a:p>
@@ -8227,7 +8275,7 @@
               <a:buChar char="•"/>
             </a:pPr>
             <a:r>
-              <a:rPr lang="en-IN" sz="1400" dirty="0" smtClean="0"/>
+              <a:rPr lang="en-IN" sz="1400" dirty="0"/>
               <a:t> simulated annealing algorithms</a:t>
             </a:r>
           </a:p>
@@ -8237,7 +8285,7 @@
               <a:buChar char="•"/>
             </a:pPr>
             <a:r>
-              <a:rPr lang="en-IN" sz="1400" dirty="0" smtClean="0"/>
+              <a:rPr lang="en-IN" sz="1400" dirty="0"/>
               <a:t> artificial bee colony algorithms</a:t>
             </a:r>
           </a:p>
@@ -8247,7 +8295,7 @@
               <a:buChar char="•"/>
             </a:pPr>
             <a:r>
-              <a:rPr lang="en-IN" sz="1400" dirty="0" smtClean="0"/>
+              <a:rPr lang="en-IN" sz="1400" dirty="0"/>
               <a:t> particle swarm optimization algorithms</a:t>
             </a:r>
           </a:p>
@@ -8257,7 +8305,7 @@
               <a:buChar char="•"/>
             </a:pPr>
             <a:r>
-              <a:rPr lang="en-IN" sz="1400" dirty="0" smtClean="0"/>
+              <a:rPr lang="en-IN" sz="1400" dirty="0"/>
               <a:t> Wavelet mutation</a:t>
             </a:r>
           </a:p>
@@ -8267,11 +8315,11 @@
               <a:buChar char="•"/>
             </a:pPr>
             <a:r>
-              <a:rPr lang="en-IN" sz="1400" dirty="0" smtClean="0"/>
+              <a:rPr lang="en-IN" sz="1400" dirty="0"/>
               <a:t> </a:t>
             </a:r>
             <a:r>
-              <a:rPr lang="en-US" sz="1400" dirty="0" smtClean="0"/>
+              <a:rPr lang="en-US" sz="1400" dirty="0"/>
               <a:t>Iterative Convex Algorithm </a:t>
             </a:r>
           </a:p>
@@ -8281,14 +8329,10 @@
               <a:buChar char="•"/>
             </a:pPr>
             <a:r>
-              <a:rPr lang="en-US" sz="1400" dirty="0" smtClean="0"/>
-              <a:t>Two-stage Convex </a:t>
-            </a:r>
-            <a:r>
-              <a:rPr lang="en-US" sz="1400" dirty="0" smtClean="0"/>
-              <a:t>Algorithm</a:t>
-            </a:r>
-            <a:endParaRPr lang="en-IN" sz="1400" dirty="0" smtClean="0"/>
+              <a:rPr lang="en-US" sz="1400" dirty="0"/>
+              <a:t>Two-stage Convex Algorithm</a:t>
+            </a:r>
+            <a:endParaRPr lang="en-IN" sz="1400" dirty="0"/>
           </a:p>
         </p:txBody>
       </p:sp>
@@ -8315,7 +8359,7 @@
           <a:lstStyle/>
           <a:p>
             <a:r>
-              <a:rPr lang="en-IN" sz="3200" dirty="0" smtClean="0"/>
+              <a:rPr lang="en-IN" sz="3200" dirty="0"/>
               <a:t>TMA - Overview</a:t>
             </a:r>
             <a:endParaRPr lang="en-US" sz="3200" dirty="0"/>
@@ -8373,7 +8417,7 @@
               <a:buChar char="•"/>
             </a:pPr>
             <a:r>
-              <a:rPr lang="en-US" sz="1400" dirty="0" smtClean="0"/>
+              <a:rPr lang="en-US" sz="1400" dirty="0"/>
               <a:t>TMA characteristics to reduce computational complexity:</a:t>
             </a:r>
           </a:p>
@@ -8383,7 +8427,7 @@
               <a:buChar char="•"/>
             </a:pPr>
             <a:r>
-              <a:rPr lang="en-IN" sz="1400" dirty="0" smtClean="0"/>
+              <a:rPr lang="en-IN" sz="1400" dirty="0"/>
               <a:t> moving phase centre modulation</a:t>
             </a:r>
           </a:p>
@@ -8393,7 +8437,7 @@
               <a:buChar char="•"/>
             </a:pPr>
             <a:r>
-              <a:rPr lang="en-IN" sz="1400" dirty="0" smtClean="0"/>
+              <a:rPr lang="en-IN" sz="1400" dirty="0"/>
               <a:t> sub-sectional optimized time steps</a:t>
             </a:r>
           </a:p>
@@ -8403,7 +8447,7 @@
               <a:buChar char="•"/>
             </a:pPr>
             <a:r>
-              <a:rPr lang="en-IN" sz="1400" dirty="0" smtClean="0"/>
+              <a:rPr lang="en-IN" sz="1400" dirty="0"/>
               <a:t> multi-frequency modulation</a:t>
             </a:r>
           </a:p>
@@ -8413,11 +8457,11 @@
               <a:buChar char="•"/>
             </a:pPr>
             <a:r>
-              <a:rPr lang="en-IN" sz="1400" dirty="0" smtClean="0"/>
+              <a:rPr lang="en-IN" sz="1400" dirty="0"/>
               <a:t> </a:t>
             </a:r>
             <a:r>
-              <a:rPr lang="en-US" sz="1400" dirty="0" smtClean="0"/>
+              <a:rPr lang="en-US" sz="1400" dirty="0"/>
               <a:t>Time modulation is not limited to a particular structure like linear.</a:t>
             </a:r>
           </a:p>
@@ -8427,11 +8471,11 @@
               <a:buChar char="•"/>
             </a:pPr>
             <a:r>
-              <a:rPr lang="en-IN" sz="1400" dirty="0" smtClean="0"/>
+              <a:rPr lang="en-IN" sz="1400" dirty="0"/>
               <a:t> In addition </a:t>
             </a:r>
             <a:r>
-              <a:rPr lang="en-US" sz="1400" dirty="0" smtClean="0"/>
+              <a:rPr lang="en-US" sz="1400" dirty="0"/>
               <a:t>further research has been conducted on time-modulated planar arrays , non-uniform arrays ,circular arrays , sparse arrays , and heterogeneous arrays.</a:t>
             </a:r>
           </a:p>
@@ -8441,14 +8485,14 @@
               <a:buChar char="•"/>
             </a:pPr>
             <a:r>
-              <a:rPr lang="en-IN" sz="1400" dirty="0" smtClean="0"/>
+              <a:rPr lang="en-IN" sz="1400" dirty="0"/>
               <a:t>  </a:t>
             </a:r>
             <a:r>
-              <a:rPr lang="en-US" sz="1400" dirty="0" smtClean="0"/>
+              <a:rPr lang="en-US" sz="1400" dirty="0"/>
               <a:t>Research on TMAs at this stage is primarily focused on improving rectangular time-modulated signals through optimization algorithms.</a:t>
             </a:r>
-            <a:endParaRPr lang="en-IN" sz="1400" dirty="0" smtClean="0"/>
+            <a:endParaRPr lang="en-IN" sz="1400" dirty="0"/>
           </a:p>
           <a:p>
             <a:pPr>
@@ -8456,16 +8500,8 @@
               <a:buChar char="•"/>
             </a:pPr>
             <a:r>
-              <a:rPr lang="en-IN" sz="1400" dirty="0" smtClean="0"/>
-              <a:t> </a:t>
-            </a:r>
-            <a:r>
-              <a:rPr lang="en-IN" sz="1400" dirty="0" smtClean="0"/>
-              <a:t> Application </a:t>
-            </a:r>
-            <a:r>
-              <a:rPr lang="en-IN" sz="1400" dirty="0" smtClean="0"/>
-              <a:t>scenarios of TMA:</a:t>
+              <a:rPr lang="en-IN" sz="1400" dirty="0"/>
+              <a:t>  Application scenarios of TMA:</a:t>
             </a:r>
           </a:p>
           <a:p>
@@ -8474,7 +8510,7 @@
               <a:buChar char="•"/>
             </a:pPr>
             <a:r>
-              <a:rPr lang="en-IN" sz="1400" dirty="0" smtClean="0"/>
+              <a:rPr lang="en-IN" sz="1400" dirty="0"/>
               <a:t> multiple-input multiple-output (MIMO) arrays</a:t>
             </a:r>
           </a:p>
@@ -8484,11 +8520,11 @@
               <a:buChar char="•"/>
             </a:pPr>
             <a:r>
-              <a:rPr lang="en-IN" sz="1400" dirty="0" smtClean="0"/>
+              <a:rPr lang="en-IN" sz="1400" dirty="0"/>
               <a:t> </a:t>
             </a:r>
             <a:r>
-              <a:rPr lang="pt-BR" sz="1400" dirty="0" smtClean="0"/>
+              <a:rPr lang="pt-BR" sz="1400" dirty="0"/>
               <a:t>orbital angular momentum (OAM) arrays</a:t>
             </a:r>
           </a:p>
@@ -8498,11 +8534,11 @@
               <a:buChar char="•"/>
             </a:pPr>
             <a:r>
-              <a:rPr lang="pt-BR" sz="1400" dirty="0" smtClean="0"/>
+              <a:rPr lang="pt-BR" sz="1400" dirty="0"/>
               <a:t> </a:t>
             </a:r>
             <a:r>
-              <a:rPr lang="en-US" sz="1400" dirty="0" smtClean="0"/>
+              <a:rPr lang="en-US" sz="1400" dirty="0"/>
               <a:t>direction of arrival (DOA) estimation</a:t>
             </a:r>
           </a:p>
@@ -8512,7 +8548,7 @@
               <a:buChar char="•"/>
             </a:pPr>
             <a:r>
-              <a:rPr lang="en-IN" sz="1400" dirty="0" smtClean="0"/>
+              <a:rPr lang="en-IN" sz="1400" dirty="0"/>
               <a:t> wireless power transmission (WPT)</a:t>
             </a:r>
           </a:p>
@@ -8522,7 +8558,7 @@
               <a:buChar char="•"/>
             </a:pPr>
             <a:r>
-              <a:rPr lang="en-IN" sz="1400" dirty="0" smtClean="0"/>
+              <a:rPr lang="en-IN" sz="1400" dirty="0"/>
               <a:t> secure communication</a:t>
             </a:r>
           </a:p>
@@ -8532,7 +8568,7 @@
               <a:buChar char="•"/>
             </a:pPr>
             <a:r>
-              <a:rPr lang="en-IN" sz="1400" dirty="0" smtClean="0"/>
+              <a:rPr lang="en-IN" sz="1400" dirty="0"/>
               <a:t> antenna array calibration</a:t>
             </a:r>
           </a:p>
@@ -8542,11 +8578,11 @@
               <a:buChar char="•"/>
             </a:pPr>
             <a:r>
-              <a:rPr lang="en-IN" sz="1200" dirty="0" smtClean="0"/>
+              <a:rPr lang="en-IN" sz="1200" dirty="0"/>
               <a:t> </a:t>
             </a:r>
             <a:r>
-              <a:rPr lang="en-US" sz="1400" dirty="0" smtClean="0"/>
+              <a:rPr lang="en-US" sz="1400" dirty="0"/>
               <a:t>recent research on TMAs has combined RF switches, phase shifters, and attenuators to form time modulators, which can produce discrete time-varying amplitudes or discrete time-varying phases.</a:t>
             </a:r>
           </a:p>
@@ -8556,11 +8592,11 @@
               <a:buChar char="•"/>
             </a:pPr>
             <a:r>
-              <a:rPr lang="en-IN" sz="1400" dirty="0" smtClean="0"/>
+              <a:rPr lang="en-IN" sz="1400" dirty="0"/>
               <a:t> </a:t>
             </a:r>
             <a:r>
-              <a:rPr lang="en-US" sz="1400" dirty="0" smtClean="0"/>
+              <a:rPr lang="en-US" sz="1400" dirty="0"/>
               <a:t>In 1983, Lewis et al. introduced  another technique to reduce the signal response  entering the antenna array sidelobes[5]. The essence of  Lewis’ idea is that, by moving the phase center of a  phased array antenna in the plane of the aperture,  signals radiated and received through the antenna  sidelobes can be shifted out of the pass-band of the  electronic system receiver, due to Doppler shift effect.</a:t>
             </a:r>
           </a:p>
@@ -8570,14 +8606,14 @@
               <a:buChar char="•"/>
             </a:pPr>
             <a:r>
-              <a:rPr lang="en-IN" sz="1400" dirty="0" smtClean="0"/>
+              <a:rPr lang="en-IN" sz="1400" dirty="0"/>
               <a:t> </a:t>
             </a:r>
             <a:r>
-              <a:rPr lang="en-US" sz="1400" dirty="0" smtClean="0"/>
+              <a:rPr lang="en-US" sz="1400" dirty="0"/>
               <a:t>The phase center motion is achieved by illuminating  only part of the total array elements and moving the  illuminated part across the entire array electronically,  which is apparently not convenient in practical  implementation. Moreover, there were no experimental  results to verify the theory.</a:t>
             </a:r>
-            <a:endParaRPr lang="en-IN" sz="1400" dirty="0" smtClean="0"/>
+            <a:endParaRPr lang="en-IN" sz="1400" dirty="0"/>
           </a:p>
         </p:txBody>
       </p:sp>
@@ -8664,7 +8700,7 @@
               <a:buChar char="•"/>
             </a:pPr>
             <a:r>
-              <a:rPr lang="en-US" sz="1400" dirty="0" smtClean="0">
+              <a:rPr lang="en-US" sz="1400" dirty="0">
                 <a:solidFill>
                   <a:schemeClr val="tx1"/>
                 </a:solidFill>
@@ -8678,7 +8714,7 @@
               <a:buChar char="•"/>
             </a:pPr>
             <a:r>
-              <a:rPr lang="en-US" sz="1400" dirty="0" smtClean="0">
+              <a:rPr lang="en-US" sz="1400" dirty="0">
                 <a:solidFill>
                   <a:schemeClr val="tx1"/>
                 </a:solidFill>
@@ -8691,7 +8727,7 @@
               <a:buFont typeface="Arial" pitchFamily="34" charset="0"/>
               <a:buChar char="•"/>
             </a:pPr>
-            <a:endParaRPr lang="en-IN" sz="1400" dirty="0" smtClean="0">
+            <a:endParaRPr lang="en-IN" sz="1400" dirty="0">
               <a:solidFill>
                 <a:schemeClr val="tx1"/>
               </a:solidFill>
@@ -8702,7 +8738,7 @@
               <a:buFont typeface="Arial" pitchFamily="34" charset="0"/>
               <a:buChar char="•"/>
             </a:pPr>
-            <a:endParaRPr lang="en-IN" sz="1400" dirty="0" smtClean="0">
+            <a:endParaRPr lang="en-IN" sz="1400" dirty="0">
               <a:solidFill>
                 <a:schemeClr val="tx1"/>
               </a:solidFill>
@@ -8713,7 +8749,7 @@
               <a:buFont typeface="Arial" pitchFamily="34" charset="0"/>
               <a:buChar char="•"/>
             </a:pPr>
-            <a:endParaRPr lang="en-IN" sz="1400" dirty="0" smtClean="0">
+            <a:endParaRPr lang="en-IN" sz="1400" dirty="0">
               <a:solidFill>
                 <a:schemeClr val="tx1"/>
               </a:solidFill>
@@ -8724,7 +8760,7 @@
               <a:buFont typeface="Arial" pitchFamily="34" charset="0"/>
               <a:buChar char="•"/>
             </a:pPr>
-            <a:endParaRPr lang="en-IN" sz="1400" dirty="0" smtClean="0">
+            <a:endParaRPr lang="en-IN" sz="1400" dirty="0">
               <a:solidFill>
                 <a:schemeClr val="tx1"/>
               </a:solidFill>
@@ -8736,7 +8772,7 @@
               <a:buChar char="•"/>
             </a:pPr>
             <a:r>
-              <a:rPr lang="en-IN" sz="1400" dirty="0" smtClean="0">
+              <a:rPr lang="en-IN" sz="1400" dirty="0">
                 <a:solidFill>
                   <a:schemeClr val="tx1"/>
                 </a:solidFill>
@@ -8744,91 +8780,46 @@
               <a:t> </a:t>
             </a:r>
             <a:r>
-              <a:rPr lang="en-US" sz="1400" dirty="0" smtClean="0">
+              <a:rPr lang="en-US" sz="1400" dirty="0">
                 <a:solidFill>
                   <a:schemeClr val="tx1"/>
                 </a:solidFill>
               </a:rPr>
-              <a:t>Periodic modulation of antenna elements with time sequences </a:t>
-            </a:r>
-            <a:r>
-              <a:rPr lang="en-US" sz="1400" dirty="0" smtClean="0">
+              <a:t>Periodic modulation of antenna elements with time sequences produces harmonics in the frequency domain.</a:t>
+            </a:r>
+          </a:p>
+          <a:p>
+            <a:pPr>
+              <a:buFont typeface="Arial" pitchFamily="34" charset="0"/>
+              <a:buChar char="•"/>
+            </a:pPr>
+            <a:r>
+              <a:rPr lang="en-IN" sz="1400" dirty="0">
                 <a:solidFill>
                   <a:schemeClr val="tx1"/>
                 </a:solidFill>
               </a:rPr>
-              <a:t>produces harmonics </a:t>
-            </a:r>
-            <a:r>
-              <a:rPr lang="en-US" sz="1400" dirty="0" smtClean="0">
+              <a:t> These harmonics in TMMA are known as sideband radiation.</a:t>
+            </a:r>
+            <a:endParaRPr lang="en-US" sz="1400" dirty="0">
+              <a:solidFill>
+                <a:schemeClr val="tx1"/>
+              </a:solidFill>
+            </a:endParaRPr>
+          </a:p>
+          <a:p>
+            <a:pPr>
+              <a:buFont typeface="Arial" pitchFamily="34" charset="0"/>
+              <a:buChar char="•"/>
+            </a:pPr>
+            <a:r>
+              <a:rPr lang="en-US" sz="1400" dirty="0">
                 <a:solidFill>
                   <a:schemeClr val="tx1"/>
                 </a:solidFill>
               </a:rPr>
-              <a:t>in the frequency </a:t>
-            </a:r>
-            <a:r>
-              <a:rPr lang="en-US" sz="1400" dirty="0" smtClean="0">
-                <a:solidFill>
-                  <a:schemeClr val="tx1"/>
-                </a:solidFill>
-              </a:rPr>
-              <a:t>domain.</a:t>
-            </a:r>
-          </a:p>
-          <a:p>
-            <a:pPr>
-              <a:buFont typeface="Arial" pitchFamily="34" charset="0"/>
-              <a:buChar char="•"/>
-            </a:pPr>
-            <a:r>
-              <a:rPr lang="en-IN" sz="1400" dirty="0" smtClean="0">
-                <a:solidFill>
-                  <a:schemeClr val="tx1"/>
-                </a:solidFill>
-              </a:rPr>
-              <a:t> </a:t>
-            </a:r>
-            <a:r>
-              <a:rPr lang="en-IN" sz="1400" dirty="0" smtClean="0">
-                <a:solidFill>
-                  <a:schemeClr val="tx1"/>
-                </a:solidFill>
-              </a:rPr>
-              <a:t>These harmonics in TMMA are known as sideband radiation.</a:t>
-            </a:r>
-            <a:endParaRPr lang="en-US" sz="1400" dirty="0" smtClean="0">
-              <a:solidFill>
-                <a:schemeClr val="tx1"/>
-              </a:solidFill>
-            </a:endParaRPr>
-          </a:p>
-          <a:p>
-            <a:pPr>
-              <a:buFont typeface="Arial" pitchFamily="34" charset="0"/>
-              <a:buChar char="•"/>
-            </a:pPr>
-            <a:r>
-              <a:rPr lang="en-US" sz="1400" dirty="0" smtClean="0">
-                <a:solidFill>
-                  <a:schemeClr val="tx1"/>
-                </a:solidFill>
-              </a:rPr>
-              <a:t> These sideband </a:t>
-            </a:r>
-            <a:r>
-              <a:rPr lang="en-US" sz="1400" dirty="0" smtClean="0">
-                <a:solidFill>
-                  <a:schemeClr val="tx1"/>
-                </a:solidFill>
-              </a:rPr>
-              <a:t>radiation occurs at frequencies offset from the fundamental frequency by the modulation frequency.</a:t>
-            </a:r>
-            <a:endParaRPr lang="en-US" sz="1400" dirty="0" smtClean="0">
-              <a:solidFill>
-                <a:schemeClr val="tx1"/>
-              </a:solidFill>
-            </a:endParaRPr>
+              <a:t> These sideband radiation occurs at frequencies offset from the fundamental frequency by the modulation frequency.</a:t>
+            </a:r>
           </a:p>
         </p:txBody>
       </p:sp>
@@ -8853,7 +8844,7 @@
           <a:lstStyle/>
           <a:p>
             <a:r>
-              <a:rPr lang="en-IN" dirty="0" smtClean="0"/>
+              <a:rPr lang="en-IN" dirty="0"/>
               <a:t>Theory of TMA</a:t>
             </a:r>
             <a:endParaRPr lang="en-US" dirty="0"/>
@@ -8915,34 +8906,21 @@
           <a:lstStyle/>
           <a:p>
             <a:r>
-              <a:rPr lang="en-US" sz="1400" dirty="0" smtClean="0"/>
-              <a:t>The RF switches are operated by a periodic sequence of the frequency </a:t>
-            </a:r>
-            <a:r>
-              <a:rPr lang="en-US" sz="1400" dirty="0" smtClean="0"/>
-              <a:t>f</a:t>
-            </a:r>
-            <a:r>
-              <a:rPr lang="en-US" sz="1400" baseline="-25000" dirty="0" smtClean="0"/>
+              <a:rPr lang="en-US" sz="1400" dirty="0"/>
+              <a:t>The RF switches are operated by a periodic sequence of the frequency f</a:t>
+            </a:r>
+            <a:r>
+              <a:rPr lang="en-US" sz="1400" baseline="-25000" dirty="0"/>
               <a:t>0</a:t>
             </a:r>
             <a:r>
-              <a:rPr lang="en-US" sz="1400" dirty="0" smtClean="0"/>
-              <a:t> with </a:t>
-            </a:r>
-            <a:r>
-              <a:rPr lang="en-US" sz="1400" dirty="0" smtClean="0"/>
-              <a:t>a period </a:t>
-            </a:r>
-            <a:r>
-              <a:rPr lang="en-US" sz="1400" dirty="0" smtClean="0"/>
-              <a:t>T</a:t>
-            </a:r>
-            <a:r>
-              <a:rPr lang="en-US" sz="1400" baseline="-25000" dirty="0" smtClean="0"/>
+              <a:rPr lang="en-US" sz="1400" dirty="0"/>
+              <a:t> with a period T</a:t>
+            </a:r>
+            <a:r>
+              <a:rPr lang="en-US" sz="1400" baseline="-25000" dirty="0"/>
               <a:t>0</a:t>
             </a:r>
-            <a:endParaRPr lang="en-US" sz="1400" baseline="-25000" dirty="0"/>
           </a:p>
         </p:txBody>
       </p:sp>
@@ -8997,23 +8975,23 @@
               <a:buChar char="•"/>
             </a:pPr>
             <a:r>
-              <a:rPr lang="en-US" dirty="0" smtClean="0"/>
+              <a:rPr lang="en-US" dirty="0"/>
               <a:t>To suppress this sideband radiations </a:t>
             </a:r>
             <a:r>
-              <a:rPr lang="en-US" dirty="0" err="1" smtClean="0"/>
+              <a:rPr lang="en-US" dirty="0" err="1"/>
               <a:t>nad</a:t>
             </a:r>
             <a:r>
-              <a:rPr lang="en-US" dirty="0" smtClean="0"/>
+              <a:rPr lang="en-US" dirty="0"/>
               <a:t> to </a:t>
             </a:r>
             <a:r>
-              <a:rPr lang="en-US" dirty="0" err="1" smtClean="0"/>
+              <a:rPr lang="en-US" dirty="0" err="1"/>
               <a:t>minimizze</a:t>
             </a:r>
             <a:r>
-              <a:rPr lang="en-US" dirty="0" smtClean="0"/>
+              <a:rPr lang="en-US" dirty="0"/>
               <a:t> side lobe level various optimization algorithms were introduced</a:t>
             </a:r>
           </a:p>
@@ -9023,12 +9001,8 @@
               <a:buChar char="•"/>
             </a:pPr>
             <a:r>
-              <a:rPr lang="en-IN" dirty="0" smtClean="0"/>
-              <a:t> </a:t>
-            </a:r>
-            <a:r>
-              <a:rPr lang="en-IN" dirty="0" smtClean="0"/>
-              <a:t>Simulated Annealing (SA)</a:t>
+              <a:rPr lang="en-IN" dirty="0"/>
+              <a:t> Simulated Annealing (SA)</a:t>
             </a:r>
           </a:p>
           <a:p>
@@ -9037,7 +9011,7 @@
               <a:buChar char="•"/>
             </a:pPr>
             <a:r>
-              <a:rPr lang="en-IN" dirty="0" smtClean="0"/>
+              <a:rPr lang="en-IN" dirty="0"/>
               <a:t>Genetic Algorithm (GA)</a:t>
             </a:r>
           </a:p>
@@ -9047,7 +9021,7 @@
               <a:buChar char="•"/>
             </a:pPr>
             <a:r>
-              <a:rPr lang="en-IN" dirty="0" smtClean="0"/>
+              <a:rPr lang="en-IN" dirty="0"/>
               <a:t>Differential Evolution (DE)</a:t>
             </a:r>
           </a:p>
@@ -9057,7 +9031,7 @@
               <a:buChar char="•"/>
             </a:pPr>
             <a:r>
-              <a:rPr lang="en-IN" dirty="0" smtClean="0"/>
+              <a:rPr lang="en-IN" dirty="0"/>
               <a:t>Particle Swarm Optimization (PSO)</a:t>
             </a:r>
           </a:p>
@@ -9067,7 +9041,7 @@
               <a:buChar char="•"/>
             </a:pPr>
             <a:r>
-              <a:rPr lang="en-IN" dirty="0" smtClean="0"/>
+              <a:rPr lang="en-IN" dirty="0"/>
               <a:t>Iterative Convex Algorithm</a:t>
             </a:r>
           </a:p>
@@ -9077,7 +9051,7 @@
               <a:buChar char="•"/>
             </a:pPr>
             <a:r>
-              <a:rPr lang="en-IN" dirty="0" smtClean="0"/>
+              <a:rPr lang="en-IN" dirty="0"/>
               <a:t>Two stage Convex algorithm</a:t>
             </a:r>
           </a:p>
@@ -9087,7 +9061,7 @@
               <a:buChar char="•"/>
             </a:pPr>
             <a:r>
-              <a:rPr lang="en-IN" dirty="0" smtClean="0"/>
+              <a:rPr lang="en-IN" dirty="0"/>
               <a:t>Artificial Bee Colony Differential Evolution (ABC-DE)</a:t>
             </a:r>
           </a:p>
@@ -9097,12 +9071,8 @@
               <a:buChar char="•"/>
             </a:pPr>
             <a:r>
-              <a:rPr lang="en-US" dirty="0" smtClean="0"/>
-              <a:t>Time-Modulated Antenna Arrays (TMAA) have been widely explored for various synthesis </a:t>
-            </a:r>
-            <a:r>
-              <a:rPr lang="en-US" dirty="0" smtClean="0"/>
-              <a:t>models</a:t>
+              <a:rPr lang="en-US" dirty="0"/>
+              <a:t>Time-Modulated Antenna Arrays (TMAA) have been widely explored for various synthesis models</a:t>
             </a:r>
           </a:p>
           <a:p>
@@ -9111,14 +9081,9 @@
               <a:buChar char="•"/>
             </a:pPr>
             <a:r>
-              <a:rPr lang="en-US" dirty="0" smtClean="0"/>
-              <a:t>Sum </a:t>
-            </a:r>
-            <a:r>
-              <a:rPr lang="en-US" dirty="0" smtClean="0"/>
-              <a:t>and difference pattern synthesis, </a:t>
-            </a:r>
-            <a:endParaRPr lang="en-US" dirty="0" smtClean="0"/>
+              <a:rPr lang="en-US" dirty="0"/>
+              <a:t>Sum and difference pattern synthesis, </a:t>
+            </a:r>
           </a:p>
           <a:p>
             <a:pPr marL="800100" lvl="1" indent="-342900">
@@ -9126,20 +9091,8 @@
               <a:buChar char="•"/>
             </a:pPr>
             <a:r>
-              <a:rPr lang="en-US" dirty="0" smtClean="0"/>
-              <a:t>W</a:t>
-            </a:r>
-            <a:r>
-              <a:rPr lang="en-US" dirty="0" smtClean="0"/>
-              <a:t>ireless </a:t>
-            </a:r>
-            <a:r>
-              <a:rPr lang="en-US" dirty="0" smtClean="0"/>
-              <a:t>power transfer (WPT</a:t>
-            </a:r>
-            <a:r>
-              <a:rPr lang="en-US" dirty="0" smtClean="0"/>
-              <a:t>),</a:t>
+              <a:rPr lang="en-US" dirty="0"/>
+              <a:t>Wireless power transfer (WPT),</a:t>
             </a:r>
           </a:p>
           <a:p>
@@ -9148,18 +9101,9 @@
               <a:buChar char="•"/>
             </a:pPr>
             <a:r>
-              <a:rPr lang="en-US" dirty="0" smtClean="0"/>
-              <a:t>Harmonic </a:t>
-            </a:r>
-            <a:r>
-              <a:rPr lang="en-US" dirty="0" smtClean="0"/>
-              <a:t>beam </a:t>
-            </a:r>
-            <a:r>
-              <a:rPr lang="en-US" dirty="0" smtClean="0"/>
-              <a:t>steering</a:t>
-            </a:r>
-            <a:endParaRPr lang="en-US" dirty="0" smtClean="0"/>
+              <a:rPr lang="en-US" dirty="0"/>
+              <a:t>Harmonic beam steering</a:t>
+            </a:r>
           </a:p>
           <a:p>
             <a:pPr marL="342900" indent="-342900">
@@ -9167,12 +9111,8 @@
               <a:buChar char="•"/>
             </a:pPr>
             <a:r>
-              <a:rPr lang="en-US" dirty="0" smtClean="0"/>
-              <a:t>These patterns are formed by optimizing the switch ON time of specific elements, enabling null steering for applications such as object scanning and directed power </a:t>
-            </a:r>
-            <a:r>
-              <a:rPr lang="en-US" dirty="0" smtClean="0"/>
-              <a:t>transmission\</a:t>
+              <a:rPr lang="en-US" dirty="0"/>
+              <a:t>These patterns are formed by optimizing the switch ON time of specific elements, enabling null steering for applications such as object scanning and directed power transmission\</a:t>
             </a:r>
           </a:p>
           <a:p>
@@ -9181,12 +9121,8 @@
               <a:buChar char="•"/>
             </a:pPr>
             <a:r>
-              <a:rPr lang="en-US" dirty="0" smtClean="0"/>
-              <a:t>by optimizing the switch ON time, the scanning range of TMAAs can be enhanced through null steering of harmonic beams</a:t>
-            </a:r>
-            <a:r>
-              <a:rPr lang="en-US" dirty="0" smtClean="0"/>
-              <a:t>.</a:t>
+              <a:rPr lang="en-US" dirty="0"/>
+              <a:t>by optimizing the switch ON time, the scanning range of TMAAs can be enhanced through null steering of harmonic beams.</a:t>
             </a:r>
           </a:p>
           <a:p>
@@ -9195,17 +9131,13 @@
               <a:buChar char="•"/>
             </a:pPr>
             <a:r>
-              <a:rPr lang="en-US" dirty="0" smtClean="0"/>
+              <a:rPr lang="en-US" dirty="0"/>
               <a:t>Since the normalized active time of antenna elements influences fundamental frequency radiation, while the ON-time instants control harmonic radiation, strategic optimization of switch ON instants allows for precise harmonic beam steering in desired directions.</a:t>
             </a:r>
-            <a:r>
-              <a:rPr lang="en-US" dirty="0" smtClean="0"/>
-              <a:t/>
-            </a:r>
             <a:br>
-              <a:rPr lang="en-US" dirty="0" smtClean="0"/>
+              <a:rPr lang="en-US" dirty="0"/>
             </a:br>
-            <a:endParaRPr lang="en-US" dirty="0" smtClean="0"/>
+            <a:endParaRPr lang="en-US" dirty="0"/>
           </a:p>
           <a:p>
             <a:endParaRPr lang="en-US" dirty="0"/>
@@ -9263,12 +9195,8 @@
               <a:buChar char="•"/>
             </a:pPr>
             <a:r>
-              <a:rPr lang="en-US" dirty="0" smtClean="0"/>
-              <a:t>Though many harmonics produce, the power radiated shrinks as the harmonic number improves</a:t>
-            </a:r>
-            <a:r>
-              <a:rPr lang="en-US" dirty="0" smtClean="0"/>
-              <a:t>.</a:t>
+              <a:rPr lang="en-US" dirty="0"/>
+              <a:t>Though many harmonics produce, the power radiated shrinks as the harmonic number improves.</a:t>
             </a:r>
           </a:p>
           <a:p>
@@ -9277,16 +9205,12 @@
               <a:buChar char="•"/>
             </a:pPr>
             <a:r>
-              <a:rPr lang="en-IN" dirty="0" smtClean="0"/>
+              <a:rPr lang="en-IN" dirty="0"/>
               <a:t>However, </a:t>
             </a:r>
             <a:r>
-              <a:rPr lang="en-US" dirty="0" smtClean="0"/>
-              <a:t>among the infinite harmonics produced, barely first and second harmonics radiate significant power and are generally examined for </a:t>
-            </a:r>
-            <a:r>
-              <a:rPr lang="en-US" dirty="0" smtClean="0"/>
-              <a:t>analysis.</a:t>
+              <a:rPr lang="en-US" dirty="0"/>
+              <a:t>among the infinite harmonics produced, barely first and second harmonics radiate significant power and are generally examined for analysis.</a:t>
             </a:r>
           </a:p>
           <a:p>
@@ -9295,12 +9219,8 @@
               <a:buChar char="•"/>
             </a:pPr>
             <a:r>
-              <a:rPr lang="en-US" dirty="0" smtClean="0"/>
-              <a:t>Therefore, the radiation parameters of TMAA are calculated over all the harmonic components</a:t>
-            </a:r>
-            <a:r>
-              <a:rPr lang="en-US" dirty="0" smtClean="0"/>
-              <a:t>.</a:t>
+              <a:rPr lang="en-US" dirty="0"/>
+              <a:t>Therefore, the radiation parameters of TMAA are calculated over all the harmonic components.</a:t>
             </a:r>
           </a:p>
           <a:p>
@@ -9309,7 +9229,7 @@
               <a:buChar char="•"/>
             </a:pPr>
             <a:r>
-              <a:rPr lang="en-IN" dirty="0" smtClean="0"/>
+              <a:rPr lang="en-IN" dirty="0"/>
               <a:t>Radiation characteristics of TMA is given by :</a:t>
             </a:r>
           </a:p>
@@ -9496,16 +9416,12 @@
               <a:buChar char="•"/>
             </a:pPr>
             <a:r>
-              <a:rPr lang="en-IN" sz="1400" dirty="0" smtClean="0"/>
+              <a:rPr lang="en-IN" sz="1400" dirty="0"/>
               <a:t> </a:t>
             </a:r>
             <a:r>
-              <a:rPr lang="en-US" sz="1400" dirty="0" smtClean="0"/>
-              <a:t>For a uniform linear array with spacing between elements of λ/2, the relationship between the number of beams within a given range in the elevation plane and the number of elements is stated by the following </a:t>
-            </a:r>
-            <a:r>
-              <a:rPr lang="en-US" sz="1400" dirty="0" smtClean="0"/>
-              <a:t>equation</a:t>
+              <a:rPr lang="en-US" sz="1400" dirty="0"/>
+              <a:t>For a uniform linear array with spacing between elements of λ/2, the relationship between the number of beams within a given range in the elevation plane and the number of elements is stated by the following equation</a:t>
             </a:r>
           </a:p>
           <a:p>
@@ -9513,40 +9429,40 @@
               <a:buFont typeface="Arial" pitchFamily="34" charset="0"/>
               <a:buChar char="•"/>
             </a:pPr>
-            <a:endParaRPr lang="en-IN" sz="1400" dirty="0" smtClean="0"/>
+            <a:endParaRPr lang="en-IN" sz="1400" dirty="0"/>
           </a:p>
           <a:p>
             <a:pPr>
               <a:buFont typeface="Arial" pitchFamily="34" charset="0"/>
               <a:buChar char="•"/>
             </a:pPr>
-            <a:endParaRPr lang="en-IN" sz="1400" dirty="0" smtClean="0"/>
+            <a:endParaRPr lang="en-IN" sz="1400" dirty="0"/>
           </a:p>
           <a:p>
             <a:pPr>
               <a:buFont typeface="Arial" pitchFamily="34" charset="0"/>
               <a:buChar char="•"/>
             </a:pPr>
-            <a:endParaRPr lang="en-IN" sz="1400" dirty="0" smtClean="0"/>
-          </a:p>
-          <a:p>
-            <a:r>
-              <a:rPr lang="en-IN" sz="1400" dirty="0" smtClean="0"/>
+            <a:endParaRPr lang="en-IN" sz="1400" dirty="0"/>
+          </a:p>
+          <a:p>
+            <a:r>
+              <a:rPr lang="en-IN" sz="1400" dirty="0"/>
               <a:t> where </a:t>
             </a:r>
             <a:r>
-              <a:rPr lang="en-US" sz="1400" dirty="0" smtClean="0"/>
+              <a:rPr lang="en-US" sz="1400" dirty="0"/>
               <a:t>b is the number of beams, </a:t>
             </a:r>
             <a:r>
-              <a:rPr lang="en-US" sz="1400" dirty="0" err="1" smtClean="0"/>
+              <a:rPr lang="en-US" sz="1400" dirty="0" err="1"/>
               <a:t>θr</a:t>
             </a:r>
             <a:r>
-              <a:rPr lang="en-US" sz="1400" dirty="0" smtClean="0"/>
+              <a:rPr lang="en-US" sz="1400" dirty="0"/>
               <a:t> is the range in the elevation plane and N is the number of elements of the array.</a:t>
             </a:r>
-            <a:endParaRPr lang="en-IN" sz="1400" dirty="0" smtClean="0"/>
+            <a:endParaRPr lang="en-IN" sz="1400" dirty="0"/>
           </a:p>
           <a:p>
             <a:pPr>
@@ -9554,41 +9470,36 @@
               <a:buChar char="•"/>
             </a:pPr>
             <a:r>
-              <a:rPr lang="en-IN" sz="1400" dirty="0" smtClean="0"/>
+              <a:rPr lang="en-IN" sz="1400" dirty="0"/>
               <a:t> </a:t>
             </a:r>
             <a:r>
-              <a:rPr lang="en-US" sz="1400" dirty="0" smtClean="0"/>
-              <a:t>If </a:t>
-            </a:r>
-            <a:r>
-              <a:rPr lang="en-US" sz="1400" dirty="0" smtClean="0"/>
-              <a:t>50 beams are desired to be placed between θ = 0◦ and θ = 50◦ (i.e., </a:t>
-            </a:r>
-            <a:r>
-              <a:rPr lang="en-US" sz="1400" dirty="0" err="1" smtClean="0"/>
+              <a:rPr lang="en-US" sz="1400" dirty="0"/>
+              <a:t>If 50 beams are desired to be placed between θ = 0◦ and θ = 50◦ (i.e., </a:t>
+            </a:r>
+            <a:r>
+              <a:rPr lang="en-US" sz="1400" dirty="0" err="1"/>
               <a:t>θ</a:t>
             </a:r>
             <a:r>
-              <a:rPr lang="en-US" sz="1400" baseline="-25000" dirty="0" err="1" smtClean="0"/>
+              <a:rPr lang="en-US" sz="1400" baseline="-25000" dirty="0" err="1"/>
               <a:t>r</a:t>
             </a:r>
             <a:r>
-              <a:rPr lang="en-US" sz="1400" baseline="-25000" dirty="0" smtClean="0"/>
+              <a:rPr lang="en-US" sz="1400" baseline="-25000" dirty="0"/>
               <a:t> </a:t>
             </a:r>
             <a:r>
-              <a:rPr lang="en-US" sz="1400" dirty="0" smtClean="0"/>
+              <a:rPr lang="en-US" sz="1400" dirty="0"/>
               <a:t>= 50◦), then the number of elements needed to meet those requirements is given by N = 130</a:t>
             </a:r>
-            <a:endParaRPr lang="en-US" sz="1400" dirty="0" smtClean="0"/>
           </a:p>
           <a:p>
             <a:pPr>
               <a:buFont typeface="Arial" pitchFamily="34" charset="0"/>
               <a:buChar char="•"/>
             </a:pPr>
-            <a:endParaRPr lang="en-IN" sz="1400" dirty="0" smtClean="0"/>
+            <a:endParaRPr lang="en-IN" sz="1400" dirty="0"/>
           </a:p>
         </p:txBody>
       </p:sp>
@@ -9615,45 +9526,45 @@
           <a:lstStyle/>
           <a:p>
             <a:r>
-              <a:rPr lang="en-US" sz="3200" dirty="0" smtClean="0"/>
+              <a:rPr lang="en-US" sz="3200" dirty="0"/>
               <a:t>Beam Steering for Time Modulated Arrays</a:t>
             </a:r>
           </a:p>
           <a:p>
             <a:r>
-              <a:rPr lang="en-US" sz="800" dirty="0" smtClean="0"/>
+              <a:rPr lang="en-US" sz="800" dirty="0"/>
               <a:t>Gonzalo Maldonado, Alberto Reyna, Luz. I. Balderas, Marco A. </a:t>
             </a:r>
             <a:r>
-              <a:rPr lang="en-US" sz="800" dirty="0" err="1" smtClean="0"/>
+              <a:rPr lang="en-US" sz="800" dirty="0" err="1"/>
               <a:t>Panduro</a:t>
             </a:r>
             <a:r>
-              <a:rPr lang="en-US" sz="800" dirty="0" smtClean="0"/>
+              <a:rPr lang="en-US" sz="800" dirty="0"/>
               <a:t>, </a:t>
             </a:r>
             <a:r>
-              <a:rPr lang="vi-VN" sz="800" dirty="0" smtClean="0"/>
+              <a:rPr lang="vi-VN" sz="800" dirty="0"/>
               <a:t>J</a:t>
             </a:r>
             <a:r>
-              <a:rPr lang="en-IN" sz="800" dirty="0" err="1" smtClean="0"/>
+              <a:rPr lang="en-IN" sz="800" dirty="0" err="1"/>
               <a:t>esus</a:t>
             </a:r>
             <a:r>
-              <a:rPr lang="vi-VN" sz="800" dirty="0" smtClean="0"/>
+              <a:rPr lang="vi-VN" sz="800" dirty="0"/>
               <a:t> C</a:t>
             </a:r>
             <a:r>
-              <a:rPr lang="en-IN" sz="800" dirty="0" err="1" smtClean="0"/>
+              <a:rPr lang="en-IN" sz="800" dirty="0" err="1"/>
               <a:t>ruz</a:t>
             </a:r>
             <a:r>
-              <a:rPr lang="vi-VN" sz="800" dirty="0" smtClean="0"/>
+              <a:rPr lang="vi-VN" sz="800" dirty="0"/>
               <a:t> G</a:t>
             </a:r>
             <a:r>
-              <a:rPr lang="en-IN" sz="800" dirty="0" err="1" smtClean="0"/>
+              <a:rPr lang="en-IN" sz="800" dirty="0" err="1"/>
               <a:t>arza</a:t>
             </a:r>
             <a:endParaRPr lang="en-US" sz="800" dirty="0"/>
@@ -9847,10 +9758,9 @@
           <a:lstStyle/>
           <a:p>
             <a:r>
-              <a:rPr lang="en-US" sz="1400" dirty="0" smtClean="0"/>
+              <a:rPr lang="en-US" sz="1400" dirty="0"/>
               <a:t>the beam-pointing angle for a given harmonic m can be obtained by</a:t>
             </a:r>
-            <a:endParaRPr lang="en-US" sz="1400" dirty="0"/>
           </a:p>
         </p:txBody>
       </p:sp>
@@ -10025,10 +9935,9 @@
           <a:lstStyle/>
           <a:p>
             <a:r>
-              <a:rPr lang="en-US" sz="1000" dirty="0" smtClean="0"/>
+              <a:rPr lang="en-US" sz="1000" dirty="0"/>
               <a:t>The first eight Walsh functions arranged in natural order.</a:t>
             </a:r>
-            <a:endParaRPr lang="en-US" sz="1000" dirty="0"/>
           </a:p>
         </p:txBody>
       </p:sp>
@@ -10054,29 +9963,25 @@
           <a:lstStyle/>
           <a:p>
             <a:r>
-              <a:rPr lang="en-US" sz="3200" dirty="0" smtClean="0"/>
-              <a:t>Beam-Steering in Switched 4D Arrays Based on the  Discrete Walsh </a:t>
-            </a:r>
-            <a:r>
-              <a:rPr lang="en-US" sz="3200" dirty="0" smtClean="0"/>
-              <a:t>Transform</a:t>
-            </a:r>
-          </a:p>
-          <a:p>
-            <a:r>
-              <a:rPr lang="en-US" sz="800" dirty="0" smtClean="0"/>
+              <a:rPr lang="en-US" sz="3200" dirty="0"/>
+              <a:t>Beam-Steering in Switched 4D Arrays Based on the  Discrete Walsh Transform</a:t>
+            </a:r>
+          </a:p>
+          <a:p>
+            <a:r>
+              <a:rPr lang="en-US" sz="800" dirty="0"/>
               <a:t>Roberto </a:t>
             </a:r>
             <a:r>
-              <a:rPr lang="en-US" sz="800" dirty="0" err="1" smtClean="0"/>
+              <a:rPr lang="en-US" sz="800" dirty="0" err="1"/>
               <a:t>Maneiro-Catoira</a:t>
             </a:r>
             <a:r>
-              <a:rPr lang="en-US" sz="800" dirty="0" smtClean="0"/>
+              <a:rPr lang="en-US" sz="800" dirty="0"/>
               <a:t>, </a:t>
             </a:r>
             <a:r>
-              <a:rPr lang="vi-VN" sz="800" dirty="0" smtClean="0"/>
+              <a:rPr lang="vi-VN" sz="800" dirty="0"/>
               <a:t>Marc Bernice Angoue Avele, Julio Br ́egains, Jos ́e A. Garcı ́a-Naya, and Luis Castedo</a:t>
             </a:r>
             <a:endParaRPr lang="en-US" sz="800" dirty="0"/>
@@ -10138,10 +10043,9 @@
           <a:lstStyle/>
           <a:p>
             <a:r>
-              <a:rPr lang="en-US" sz="1000" dirty="0" smtClean="0"/>
+              <a:rPr lang="en-US" sz="1000" dirty="0"/>
               <a:t>Relative power radiated pattern of TMAs designed by means of the DWT for the cases with M = 8 and M = 16.</a:t>
             </a:r>
-            <a:endParaRPr lang="en-US" sz="1000" dirty="0"/>
           </a:p>
         </p:txBody>
       </p:sp>
@@ -10442,7 +10346,7 @@
   <a:extraClrSchemeLst/>
   <a:extLst>
     <a:ext uri="{05A4C25C-085E-4340-85A3-A5531E510DB2}">
-      <thm15:themeFamily xmlns:thm15="http://schemas.microsoft.com/office/thememl/2012/main" xmlns="" name="Office Theme" id="{62F939B6-93AF-4DB8-9C6B-D6C7DFDC589F}" vid="{4A3C46E8-61CC-4603-A589-7422A47A8E4A}"/>
+      <thm15:themeFamily xmlns:thm15="http://schemas.microsoft.com/office/thememl/2012/main" name="Office Theme" id="{62F939B6-93AF-4DB8-9C6B-D6C7DFDC589F}" vid="{4A3C46E8-61CC-4603-A589-7422A47A8E4A}"/>
     </a:ext>
   </a:extLst>
 </a:theme>
@@ -10757,7 +10661,7 @@
   <a:extraClrSchemeLst/>
   <a:extLst>
     <a:ext uri="{05A4C25C-085E-4340-85A3-A5531E510DB2}">
-      <thm15:themeFamily xmlns:thm15="http://schemas.microsoft.com/office/thememl/2012/main" xmlns="" name="Office Theme" id="{2E142A2C-CD16-42D6-873A-C26D2A0506FA}" vid="{1BDDFF52-6CD6-40A5-AB3C-68EB2F1E4D0A}"/>
+      <thm15:themeFamily xmlns:thm15="http://schemas.microsoft.com/office/thememl/2012/main" name="Office Theme" id="{2E142A2C-CD16-42D6-873A-C26D2A0506FA}" vid="{1BDDFF52-6CD6-40A5-AB3C-68EB2F1E4D0A}"/>
     </a:ext>
   </a:extLst>
 </a:theme>

--- a/ppt_TMA.pptx
+++ b/ppt_TMA.pptx
@@ -5,27 +5,28 @@
     <p:sldMasterId id="2147483661" r:id="rId1"/>
   </p:sldMasterIdLst>
   <p:notesMasterIdLst>
-    <p:notesMasterId r:id="rId20"/>
+    <p:notesMasterId r:id="rId21"/>
   </p:notesMasterIdLst>
   <p:sldIdLst>
     <p:sldId id="264" r:id="rId2"/>
-    <p:sldId id="297" r:id="rId3"/>
-    <p:sldId id="303" r:id="rId4"/>
-    <p:sldId id="305" r:id="rId5"/>
-    <p:sldId id="312" r:id="rId6"/>
-    <p:sldId id="313" r:id="rId7"/>
-    <p:sldId id="306" r:id="rId8"/>
-    <p:sldId id="307" r:id="rId9"/>
-    <p:sldId id="304" r:id="rId10"/>
-    <p:sldId id="299" r:id="rId11"/>
-    <p:sldId id="300" r:id="rId12"/>
-    <p:sldId id="302" r:id="rId13"/>
-    <p:sldId id="301" r:id="rId14"/>
-    <p:sldId id="298" r:id="rId15"/>
-    <p:sldId id="309" r:id="rId16"/>
-    <p:sldId id="310" r:id="rId17"/>
-    <p:sldId id="311" r:id="rId18"/>
-    <p:sldId id="314" r:id="rId19"/>
+    <p:sldId id="305" r:id="rId3"/>
+    <p:sldId id="312" r:id="rId4"/>
+    <p:sldId id="313" r:id="rId5"/>
+    <p:sldId id="314" r:id="rId6"/>
+    <p:sldId id="315" r:id="rId7"/>
+    <p:sldId id="317" r:id="rId8"/>
+    <p:sldId id="306" r:id="rId9"/>
+    <p:sldId id="299" r:id="rId10"/>
+    <p:sldId id="300" r:id="rId11"/>
+    <p:sldId id="302" r:id="rId12"/>
+    <p:sldId id="301" r:id="rId13"/>
+    <p:sldId id="298" r:id="rId14"/>
+    <p:sldId id="309" r:id="rId15"/>
+    <p:sldId id="310" r:id="rId16"/>
+    <p:sldId id="311" r:id="rId17"/>
+    <p:sldId id="318" r:id="rId18"/>
+    <p:sldId id="321" r:id="rId19"/>
+    <p:sldId id="320" r:id="rId20"/>
   </p:sldIdLst>
   <p:sldSz cx="12192000" cy="6858000"/>
   <p:notesSz cx="6858000" cy="9144000"/>
@@ -126,7 +127,7 @@
   </p:defaultTextStyle>
   <p:extLst>
     <p:ext uri="{EFAFB233-063F-42B5-8137-9DF3F51BA10A}">
-      <p15:sldGuideLst xmlns:p15="http://schemas.microsoft.com/office/powerpoint/2012/main">
+      <p15:sldGuideLst xmlns:p15="http://schemas.microsoft.com/office/powerpoint/2012/main" xmlns="">
         <p15:guide id="1" orient="horz" pos="2160">
           <p15:clr>
             <a:srgbClr val="A4A3A4"/>
@@ -140,7 +141,7 @@
       </p15:sldGuideLst>
     </p:ext>
     <p:ext uri="{2D200454-40CA-4A62-9FC3-DE9A4176ACB9}">
-      <p15:notesGuideLst xmlns:p15="http://schemas.microsoft.com/office/powerpoint/2012/main">
+      <p15:notesGuideLst xmlns:p15="http://schemas.microsoft.com/office/powerpoint/2012/main" xmlns="">
         <p15:guide id="1" orient="horz" pos="2880">
           <p15:clr>
             <a:srgbClr val="A4A3A4"/>
@@ -240,7 +241,7 @@
             <a:fld id="{855ACD08-2315-4808-BCD4-FAC96D5952C2}" type="datetimeFigureOut">
               <a:rPr lang="en-IN" smtClean="0"/>
               <a:pPr/>
-              <a:t>11-02-2025</a:t>
+              <a:t>14-02-2025</a:t>
             </a:fld>
             <a:endParaRPr lang="en-IN"/>
           </a:p>
@@ -409,7 +410,7 @@
     </p:spTree>
     <p:extLst>
       <p:ext uri="{BB962C8B-B14F-4D97-AF65-F5344CB8AC3E}">
-        <p14:creationId xmlns:p14="http://schemas.microsoft.com/office/powerpoint/2010/main" val="1191525615"/>
+        <p14:creationId xmlns:p14="http://schemas.microsoft.com/office/powerpoint/2010/main" xmlns="" val="1191525615"/>
       </p:ext>
     </p:extLst>
   </p:cSld>
@@ -577,7 +578,7 @@
             <a:fld id="{18CA8236-C3A2-4188-8374-84A1BD839454}" type="slidenum">
               <a:rPr lang="en-IN" smtClean="0"/>
               <a:pPr/>
-              <a:t>14</a:t>
+              <a:t>13</a:t>
             </a:fld>
             <a:endParaRPr lang="en-IN"/>
           </a:p>
@@ -613,7 +614,7 @@
           <p:cNvPr id="12" name="Rectangle 11">
             <a:extLst>
               <a:ext uri="{FF2B5EF4-FFF2-40B4-BE49-F238E27FC236}">
-                <a16:creationId xmlns:a16="http://schemas.microsoft.com/office/drawing/2014/main" id="{AF68666B-80B7-5FA5-FC9F-2F928A26B010}"/>
+                <a16:creationId xmlns:a16="http://schemas.microsoft.com/office/drawing/2014/main" xmlns="" id="{AF68666B-80B7-5FA5-FC9F-2F928A26B010}"/>
               </a:ext>
             </a:extLst>
           </p:cNvPr>
@@ -668,7 +669,7 @@
           <p:cNvPr id="2" name="Title 1">
             <a:extLst>
               <a:ext uri="{FF2B5EF4-FFF2-40B4-BE49-F238E27FC236}">
-                <a16:creationId xmlns:a16="http://schemas.microsoft.com/office/drawing/2014/main" id="{44C9E92B-FE67-1F3D-DCA0-195195A4AB6A}"/>
+                <a16:creationId xmlns:a16="http://schemas.microsoft.com/office/drawing/2014/main" xmlns="" id="{44C9E92B-FE67-1F3D-DCA0-195195A4AB6A}"/>
               </a:ext>
             </a:extLst>
           </p:cNvPr>
@@ -710,7 +711,7 @@
           <p:cNvPr id="9" name="Picture Placeholder 8">
             <a:extLst>
               <a:ext uri="{FF2B5EF4-FFF2-40B4-BE49-F238E27FC236}">
-                <a16:creationId xmlns:a16="http://schemas.microsoft.com/office/drawing/2014/main" id="{BA87BAAC-9384-2363-2089-821720F16DD3}"/>
+                <a16:creationId xmlns:a16="http://schemas.microsoft.com/office/drawing/2014/main" xmlns="" id="{BA87BAAC-9384-2363-2089-821720F16DD3}"/>
               </a:ext>
             </a:extLst>
           </p:cNvPr>
@@ -740,7 +741,7 @@
           <p:cNvPr id="11" name="Straight Connector 10">
             <a:extLst>
               <a:ext uri="{FF2B5EF4-FFF2-40B4-BE49-F238E27FC236}">
-                <a16:creationId xmlns:a16="http://schemas.microsoft.com/office/drawing/2014/main" id="{0CA0C2D1-06AD-3620-044D-2EAE71AC87AC}"/>
+                <a16:creationId xmlns:a16="http://schemas.microsoft.com/office/drawing/2014/main" xmlns="" id="{0CA0C2D1-06AD-3620-044D-2EAE71AC87AC}"/>
               </a:ext>
             </a:extLst>
           </p:cNvPr>
@@ -784,7 +785,7 @@
           <p:cNvPr id="13" name="Straight Connector 12">
             <a:extLst>
               <a:ext uri="{FF2B5EF4-FFF2-40B4-BE49-F238E27FC236}">
-                <a16:creationId xmlns:a16="http://schemas.microsoft.com/office/drawing/2014/main" id="{60C99D5D-5452-4897-02A9-A1B32F0BE968}"/>
+                <a16:creationId xmlns:a16="http://schemas.microsoft.com/office/drawing/2014/main" xmlns="" id="{60C99D5D-5452-4897-02A9-A1B32F0BE968}"/>
               </a:ext>
             </a:extLst>
           </p:cNvPr>
@@ -828,7 +829,7 @@
           <p:cNvPr id="10" name="Straight Connector 9">
             <a:extLst>
               <a:ext uri="{FF2B5EF4-FFF2-40B4-BE49-F238E27FC236}">
-                <a16:creationId xmlns:a16="http://schemas.microsoft.com/office/drawing/2014/main" id="{3FB318F3-41C4-0F1C-1CBD-D5A32280E575}"/>
+                <a16:creationId xmlns:a16="http://schemas.microsoft.com/office/drawing/2014/main" xmlns="" id="{3FB318F3-41C4-0F1C-1CBD-D5A32280E575}"/>
               </a:ext>
             </a:extLst>
           </p:cNvPr>
@@ -874,7 +875,7 @@
           <p:cNvPr id="14" name="Straight Connector 13">
             <a:extLst>
               <a:ext uri="{FF2B5EF4-FFF2-40B4-BE49-F238E27FC236}">
-                <a16:creationId xmlns:a16="http://schemas.microsoft.com/office/drawing/2014/main" id="{0C43CC35-4750-6912-E49F-E917DF9AB637}"/>
+                <a16:creationId xmlns:a16="http://schemas.microsoft.com/office/drawing/2014/main" xmlns="" id="{0C43CC35-4750-6912-E49F-E917DF9AB637}"/>
               </a:ext>
             </a:extLst>
           </p:cNvPr>
@@ -920,7 +921,7 @@
           <p:cNvPr id="17" name="Text Placeholder 16">
             <a:extLst>
               <a:ext uri="{FF2B5EF4-FFF2-40B4-BE49-F238E27FC236}">
-                <a16:creationId xmlns:a16="http://schemas.microsoft.com/office/drawing/2014/main" id="{003331A5-D35A-E699-E3EA-6035EB0DCD16}"/>
+                <a16:creationId xmlns:a16="http://schemas.microsoft.com/office/drawing/2014/main" xmlns="" id="{003331A5-D35A-E699-E3EA-6035EB0DCD16}"/>
               </a:ext>
             </a:extLst>
           </p:cNvPr>
@@ -984,7 +985,7 @@
           <p:cNvPr id="18" name="Text Placeholder 16">
             <a:extLst>
               <a:ext uri="{FF2B5EF4-FFF2-40B4-BE49-F238E27FC236}">
-                <a16:creationId xmlns:a16="http://schemas.microsoft.com/office/drawing/2014/main" id="{442CA476-8654-0542-5C0B-4F439516AF31}"/>
+                <a16:creationId xmlns:a16="http://schemas.microsoft.com/office/drawing/2014/main" xmlns="" id="{442CA476-8654-0542-5C0B-4F439516AF31}"/>
               </a:ext>
             </a:extLst>
           </p:cNvPr>
@@ -1046,7 +1047,7 @@
     </p:spTree>
     <p:extLst>
       <p:ext uri="{BB962C8B-B14F-4D97-AF65-F5344CB8AC3E}">
-        <p14:creationId xmlns:p14="http://schemas.microsoft.com/office/powerpoint/2010/main" val="4172760368"/>
+        <p14:creationId xmlns:p14="http://schemas.microsoft.com/office/powerpoint/2010/main" xmlns="" val="4172760368"/>
       </p:ext>
     </p:extLst>
   </p:cSld>
@@ -1055,7 +1056,7 @@
   </p:clrMapOvr>
   <p:extLst>
     <p:ext uri="{DCECCB84-F9BA-43D5-87BE-67443E8EF086}">
-      <p15:sldGuideLst xmlns:p15="http://schemas.microsoft.com/office/powerpoint/2012/main">
+      <p15:sldGuideLst xmlns:p15="http://schemas.microsoft.com/office/powerpoint/2012/main" xmlns="">
         <p15:guide id="1" orient="horz" pos="936">
           <p15:clr>
             <a:srgbClr val="FBAE40"/>
@@ -1139,7 +1140,7 @@
           <p:cNvPr id="2" name="Title 1">
             <a:extLst>
               <a:ext uri="{FF2B5EF4-FFF2-40B4-BE49-F238E27FC236}">
-                <a16:creationId xmlns:a16="http://schemas.microsoft.com/office/drawing/2014/main" id="{00FD960C-86A7-6728-9263-973B76A8FDB9}"/>
+                <a16:creationId xmlns:a16="http://schemas.microsoft.com/office/drawing/2014/main" xmlns="" id="{00FD960C-86A7-6728-9263-973B76A8FDB9}"/>
               </a:ext>
             </a:extLst>
           </p:cNvPr>
@@ -1165,7 +1166,7 @@
     </p:spTree>
     <p:extLst>
       <p:ext uri="{BB962C8B-B14F-4D97-AF65-F5344CB8AC3E}">
-        <p14:creationId xmlns:p14="http://schemas.microsoft.com/office/powerpoint/2010/main" val="1712659131"/>
+        <p14:creationId xmlns:p14="http://schemas.microsoft.com/office/powerpoint/2010/main" xmlns="" val="1712659131"/>
       </p:ext>
     </p:extLst>
   </p:cSld>
@@ -1195,7 +1196,7 @@
     </p:spTree>
     <p:extLst>
       <p:ext uri="{BB962C8B-B14F-4D97-AF65-F5344CB8AC3E}">
-        <p14:creationId xmlns:p14="http://schemas.microsoft.com/office/powerpoint/2010/main" val="1602002997"/>
+        <p14:creationId xmlns:p14="http://schemas.microsoft.com/office/powerpoint/2010/main" xmlns="" val="1602002997"/>
       </p:ext>
     </p:extLst>
   </p:cSld>
@@ -1227,7 +1228,7 @@
           <p:cNvPr id="12" name="Rectangle 11">
             <a:extLst>
               <a:ext uri="{FF2B5EF4-FFF2-40B4-BE49-F238E27FC236}">
-                <a16:creationId xmlns:a16="http://schemas.microsoft.com/office/drawing/2014/main" id="{AF68666B-80B7-5FA5-FC9F-2F928A26B010}"/>
+                <a16:creationId xmlns:a16="http://schemas.microsoft.com/office/drawing/2014/main" xmlns="" id="{AF68666B-80B7-5FA5-FC9F-2F928A26B010}"/>
               </a:ext>
             </a:extLst>
           </p:cNvPr>
@@ -1282,7 +1283,7 @@
           <p:cNvPr id="2" name="Title 1">
             <a:extLst>
               <a:ext uri="{FF2B5EF4-FFF2-40B4-BE49-F238E27FC236}">
-                <a16:creationId xmlns:a16="http://schemas.microsoft.com/office/drawing/2014/main" id="{44C9E92B-FE67-1F3D-DCA0-195195A4AB6A}"/>
+                <a16:creationId xmlns:a16="http://schemas.microsoft.com/office/drawing/2014/main" xmlns="" id="{44C9E92B-FE67-1F3D-DCA0-195195A4AB6A}"/>
               </a:ext>
             </a:extLst>
           </p:cNvPr>
@@ -1324,7 +1325,7 @@
           <p:cNvPr id="9" name="Picture Placeholder 8">
             <a:extLst>
               <a:ext uri="{FF2B5EF4-FFF2-40B4-BE49-F238E27FC236}">
-                <a16:creationId xmlns:a16="http://schemas.microsoft.com/office/drawing/2014/main" id="{BA87BAAC-9384-2363-2089-821720F16DD3}"/>
+                <a16:creationId xmlns:a16="http://schemas.microsoft.com/office/drawing/2014/main" xmlns="" id="{BA87BAAC-9384-2363-2089-821720F16DD3}"/>
               </a:ext>
             </a:extLst>
           </p:cNvPr>
@@ -1354,7 +1355,7 @@
           <p:cNvPr id="11" name="Straight Connector 10">
             <a:extLst>
               <a:ext uri="{FF2B5EF4-FFF2-40B4-BE49-F238E27FC236}">
-                <a16:creationId xmlns:a16="http://schemas.microsoft.com/office/drawing/2014/main" id="{0CA0C2D1-06AD-3620-044D-2EAE71AC87AC}"/>
+                <a16:creationId xmlns:a16="http://schemas.microsoft.com/office/drawing/2014/main" xmlns="" id="{0CA0C2D1-06AD-3620-044D-2EAE71AC87AC}"/>
               </a:ext>
             </a:extLst>
           </p:cNvPr>
@@ -1398,7 +1399,7 @@
           <p:cNvPr id="13" name="Straight Connector 12">
             <a:extLst>
               <a:ext uri="{FF2B5EF4-FFF2-40B4-BE49-F238E27FC236}">
-                <a16:creationId xmlns:a16="http://schemas.microsoft.com/office/drawing/2014/main" id="{60C99D5D-5452-4897-02A9-A1B32F0BE968}"/>
+                <a16:creationId xmlns:a16="http://schemas.microsoft.com/office/drawing/2014/main" xmlns="" id="{60C99D5D-5452-4897-02A9-A1B32F0BE968}"/>
               </a:ext>
             </a:extLst>
           </p:cNvPr>
@@ -1442,7 +1443,7 @@
           <p:cNvPr id="10" name="Straight Connector 9">
             <a:extLst>
               <a:ext uri="{FF2B5EF4-FFF2-40B4-BE49-F238E27FC236}">
-                <a16:creationId xmlns:a16="http://schemas.microsoft.com/office/drawing/2014/main" id="{3FB318F3-41C4-0F1C-1CBD-D5A32280E575}"/>
+                <a16:creationId xmlns:a16="http://schemas.microsoft.com/office/drawing/2014/main" xmlns="" id="{3FB318F3-41C4-0F1C-1CBD-D5A32280E575}"/>
               </a:ext>
             </a:extLst>
           </p:cNvPr>
@@ -1488,7 +1489,7 @@
           <p:cNvPr id="14" name="Straight Connector 13">
             <a:extLst>
               <a:ext uri="{FF2B5EF4-FFF2-40B4-BE49-F238E27FC236}">
-                <a16:creationId xmlns:a16="http://schemas.microsoft.com/office/drawing/2014/main" id="{0C43CC35-4750-6912-E49F-E917DF9AB637}"/>
+                <a16:creationId xmlns:a16="http://schemas.microsoft.com/office/drawing/2014/main" xmlns="" id="{0C43CC35-4750-6912-E49F-E917DF9AB637}"/>
               </a:ext>
             </a:extLst>
           </p:cNvPr>
@@ -1534,7 +1535,7 @@
           <p:cNvPr id="17" name="Text Placeholder 16">
             <a:extLst>
               <a:ext uri="{FF2B5EF4-FFF2-40B4-BE49-F238E27FC236}">
-                <a16:creationId xmlns:a16="http://schemas.microsoft.com/office/drawing/2014/main" id="{003331A5-D35A-E699-E3EA-6035EB0DCD16}"/>
+                <a16:creationId xmlns:a16="http://schemas.microsoft.com/office/drawing/2014/main" xmlns="" id="{003331A5-D35A-E699-E3EA-6035EB0DCD16}"/>
               </a:ext>
             </a:extLst>
           </p:cNvPr>
@@ -1598,7 +1599,7 @@
           <p:cNvPr id="18" name="Text Placeholder 16">
             <a:extLst>
               <a:ext uri="{FF2B5EF4-FFF2-40B4-BE49-F238E27FC236}">
-                <a16:creationId xmlns:a16="http://schemas.microsoft.com/office/drawing/2014/main" id="{442CA476-8654-0542-5C0B-4F439516AF31}"/>
+                <a16:creationId xmlns:a16="http://schemas.microsoft.com/office/drawing/2014/main" xmlns="" id="{442CA476-8654-0542-5C0B-4F439516AF31}"/>
               </a:ext>
             </a:extLst>
           </p:cNvPr>
@@ -1660,7 +1661,7 @@
     </p:spTree>
     <p:extLst>
       <p:ext uri="{BB962C8B-B14F-4D97-AF65-F5344CB8AC3E}">
-        <p14:creationId xmlns:p14="http://schemas.microsoft.com/office/powerpoint/2010/main" val="2824232365"/>
+        <p14:creationId xmlns:p14="http://schemas.microsoft.com/office/powerpoint/2010/main" xmlns="" val="2824232365"/>
       </p:ext>
     </p:extLst>
   </p:cSld>
@@ -1669,7 +1670,7 @@
   </p:clrMapOvr>
   <p:extLst>
     <p:ext uri="{DCECCB84-F9BA-43D5-87BE-67443E8EF086}">
-      <p15:sldGuideLst xmlns:p15="http://schemas.microsoft.com/office/powerpoint/2012/main">
+      <p15:sldGuideLst xmlns:p15="http://schemas.microsoft.com/office/powerpoint/2012/main" xmlns="">
         <p15:guide id="1" orient="horz" pos="936">
           <p15:clr>
             <a:srgbClr val="FBAE40"/>
@@ -1756,7 +1757,449 @@
     </p:spTree>
     <p:extLst>
       <p:ext uri="{BB962C8B-B14F-4D97-AF65-F5344CB8AC3E}">
-        <p14:creationId xmlns:p14="http://schemas.microsoft.com/office/powerpoint/2010/main" val="86716632"/>
+        <p14:creationId xmlns:p14="http://schemas.microsoft.com/office/powerpoint/2010/main" xmlns="" val="86716632"/>
+      </p:ext>
+    </p:extLst>
+  </p:cSld>
+  <p:clrMapOvr>
+    <a:masterClrMapping/>
+  </p:clrMapOvr>
+</p:sldLayout>
+</file>
+
+<file path=ppt/slideLayouts/slideLayout14.xml><?xml version="1.0" encoding="utf-8"?>
+<p:sldLayout xmlns:a="http://schemas.openxmlformats.org/drawingml/2006/main" xmlns:r="http://schemas.openxmlformats.org/officeDocument/2006/relationships" xmlns:p="http://schemas.openxmlformats.org/presentationml/2006/main" type="title">
+  <p:cSld name="Title Slide">
+    <p:spTree>
+      <p:nvGrpSpPr>
+        <p:cNvPr id="1" name=""/>
+        <p:cNvGrpSpPr/>
+        <p:nvPr/>
+      </p:nvGrpSpPr>
+      <p:grpSpPr>
+        <a:xfrm>
+          <a:off x="0" y="0"/>
+          <a:ext cx="0" cy="0"/>
+          <a:chOff x="0" y="0"/>
+          <a:chExt cx="0" cy="0"/>
+        </a:xfrm>
+      </p:grpSpPr>
+      <p:sp>
+        <p:nvSpPr>
+          <p:cNvPr id="2" name="Title 1">
+            <a:extLst>
+              <a:ext uri="{FF2B5EF4-FFF2-40B4-BE49-F238E27FC236}">
+                <a16:creationId xmlns:a16="http://schemas.microsoft.com/office/drawing/2014/main" xmlns="" id="{40A0237B-97F2-76D7-E513-683C5448E34D}"/>
+              </a:ext>
+            </a:extLst>
+          </p:cNvPr>
+          <p:cNvSpPr>
+            <a:spLocks noGrp="1"/>
+          </p:cNvSpPr>
+          <p:nvPr>
+            <p:ph type="ctrTitle"/>
+          </p:nvPr>
+        </p:nvSpPr>
+        <p:spPr>
+          <a:xfrm>
+            <a:off x="1524000" y="1122363"/>
+            <a:ext cx="9144000" cy="2387600"/>
+          </a:xfrm>
+        </p:spPr>
+        <p:txBody>
+          <a:bodyPr anchor="b"/>
+          <a:lstStyle>
+            <a:lvl1pPr algn="ctr">
+              <a:defRPr sz="6000"/>
+            </a:lvl1pPr>
+          </a:lstStyle>
+          <a:p>
+            <a:r>
+              <a:rPr lang="en-US"/>
+              <a:t>Click to edit Master title style</a:t>
+            </a:r>
+            <a:endParaRPr lang="en-IN"/>
+          </a:p>
+        </p:txBody>
+      </p:sp>
+      <p:sp>
+        <p:nvSpPr>
+          <p:cNvPr id="3" name="Subtitle 2">
+            <a:extLst>
+              <a:ext uri="{FF2B5EF4-FFF2-40B4-BE49-F238E27FC236}">
+                <a16:creationId xmlns:a16="http://schemas.microsoft.com/office/drawing/2014/main" xmlns="" id="{67B7CBCD-815D-1FF2-BCE0-F23B547894F0}"/>
+              </a:ext>
+            </a:extLst>
+          </p:cNvPr>
+          <p:cNvSpPr>
+            <a:spLocks noGrp="1"/>
+          </p:cNvSpPr>
+          <p:nvPr>
+            <p:ph type="subTitle" idx="1"/>
+          </p:nvPr>
+        </p:nvSpPr>
+        <p:spPr>
+          <a:xfrm>
+            <a:off x="1524000" y="3602038"/>
+            <a:ext cx="9144000" cy="1655762"/>
+          </a:xfrm>
+        </p:spPr>
+        <p:txBody>
+          <a:bodyPr/>
+          <a:lstStyle>
+            <a:lvl1pPr marL="0" indent="0" algn="ctr">
+              <a:buNone/>
+              <a:defRPr sz="2400"/>
+            </a:lvl1pPr>
+            <a:lvl2pPr marL="457200" indent="0" algn="ctr">
+              <a:buNone/>
+              <a:defRPr sz="2000"/>
+            </a:lvl2pPr>
+            <a:lvl3pPr marL="914400" indent="0" algn="ctr">
+              <a:buNone/>
+              <a:defRPr sz="1800"/>
+            </a:lvl3pPr>
+            <a:lvl4pPr marL="1371600" indent="0" algn="ctr">
+              <a:buNone/>
+              <a:defRPr sz="1600"/>
+            </a:lvl4pPr>
+            <a:lvl5pPr marL="1828800" indent="0" algn="ctr">
+              <a:buNone/>
+              <a:defRPr sz="1600"/>
+            </a:lvl5pPr>
+            <a:lvl6pPr marL="2286000" indent="0" algn="ctr">
+              <a:buNone/>
+              <a:defRPr sz="1600"/>
+            </a:lvl6pPr>
+            <a:lvl7pPr marL="2743200" indent="0" algn="ctr">
+              <a:buNone/>
+              <a:defRPr sz="1600"/>
+            </a:lvl7pPr>
+            <a:lvl8pPr marL="3200400" indent="0" algn="ctr">
+              <a:buNone/>
+              <a:defRPr sz="1600"/>
+            </a:lvl8pPr>
+            <a:lvl9pPr marL="3657600" indent="0" algn="ctr">
+              <a:buNone/>
+              <a:defRPr sz="1600"/>
+            </a:lvl9pPr>
+          </a:lstStyle>
+          <a:p>
+            <a:r>
+              <a:rPr lang="en-US"/>
+              <a:t>Click to edit Master subtitle style</a:t>
+            </a:r>
+            <a:endParaRPr lang="en-IN"/>
+          </a:p>
+        </p:txBody>
+      </p:sp>
+      <p:sp>
+        <p:nvSpPr>
+          <p:cNvPr id="4" name="Date Placeholder 3">
+            <a:extLst>
+              <a:ext uri="{FF2B5EF4-FFF2-40B4-BE49-F238E27FC236}">
+                <a16:creationId xmlns:a16="http://schemas.microsoft.com/office/drawing/2014/main" xmlns="" id="{2D6EB6DF-5779-4487-4309-1181B887A3F7}"/>
+              </a:ext>
+            </a:extLst>
+          </p:cNvPr>
+          <p:cNvSpPr>
+            <a:spLocks noGrp="1"/>
+          </p:cNvSpPr>
+          <p:nvPr>
+            <p:ph type="dt" sz="half" idx="10"/>
+          </p:nvPr>
+        </p:nvSpPr>
+        <p:spPr/>
+        <p:txBody>
+          <a:bodyPr/>
+          <a:lstStyle/>
+          <a:p>
+            <a:fld id="{FD61B716-99D2-4A70-B0F0-038B56CCDDEF}" type="datetimeFigureOut">
+              <a:rPr lang="en-IN" smtClean="0"/>
+              <a:pPr/>
+              <a:t>14-02-2025</a:t>
+            </a:fld>
+            <a:endParaRPr lang="en-IN"/>
+          </a:p>
+        </p:txBody>
+      </p:sp>
+      <p:sp>
+        <p:nvSpPr>
+          <p:cNvPr id="5" name="Footer Placeholder 4">
+            <a:extLst>
+              <a:ext uri="{FF2B5EF4-FFF2-40B4-BE49-F238E27FC236}">
+                <a16:creationId xmlns:a16="http://schemas.microsoft.com/office/drawing/2014/main" xmlns="" id="{C4FCF3DC-5DBA-8D77-7C13-30EA7CD6143B}"/>
+              </a:ext>
+            </a:extLst>
+          </p:cNvPr>
+          <p:cNvSpPr>
+            <a:spLocks noGrp="1"/>
+          </p:cNvSpPr>
+          <p:nvPr>
+            <p:ph type="ftr" sz="quarter" idx="11"/>
+          </p:nvPr>
+        </p:nvSpPr>
+        <p:spPr>
+          <a:xfrm>
+            <a:off x="4038600" y="6356350"/>
+            <a:ext cx="4114800" cy="365125"/>
+          </a:xfrm>
+          <a:prstGeom prst="rect">
+            <a:avLst/>
+          </a:prstGeom>
+        </p:spPr>
+        <p:txBody>
+          <a:bodyPr/>
+          <a:lstStyle/>
+          <a:p>
+            <a:endParaRPr lang="en-IN"/>
+          </a:p>
+        </p:txBody>
+      </p:sp>
+      <p:sp>
+        <p:nvSpPr>
+          <p:cNvPr id="6" name="Slide Number Placeholder 5">
+            <a:extLst>
+              <a:ext uri="{FF2B5EF4-FFF2-40B4-BE49-F238E27FC236}">
+                <a16:creationId xmlns:a16="http://schemas.microsoft.com/office/drawing/2014/main" xmlns="" id="{E5DA1B52-B7A3-DED6-BBA2-877BE72C153E}"/>
+              </a:ext>
+            </a:extLst>
+          </p:cNvPr>
+          <p:cNvSpPr>
+            <a:spLocks noGrp="1"/>
+          </p:cNvSpPr>
+          <p:nvPr>
+            <p:ph type="sldNum" sz="quarter" idx="12"/>
+          </p:nvPr>
+        </p:nvSpPr>
+        <p:spPr/>
+        <p:txBody>
+          <a:bodyPr/>
+          <a:lstStyle/>
+          <a:p>
+            <a:fld id="{6513148F-BD9A-41EC-82B7-F2E71A1933B3}" type="slidenum">
+              <a:rPr lang="en-IN" smtClean="0"/>
+              <a:pPr/>
+              <a:t>‹#›</a:t>
+            </a:fld>
+            <a:endParaRPr lang="en-IN"/>
+          </a:p>
+        </p:txBody>
+      </p:sp>
+    </p:spTree>
+    <p:extLst>
+      <p:ext uri="{BB962C8B-B14F-4D97-AF65-F5344CB8AC3E}">
+        <p14:creationId xmlns:p14="http://schemas.microsoft.com/office/powerpoint/2010/main" xmlns="" val="1955372082"/>
+      </p:ext>
+    </p:extLst>
+  </p:cSld>
+  <p:clrMapOvr>
+    <a:masterClrMapping/>
+  </p:clrMapOvr>
+</p:sldLayout>
+</file>
+
+<file path=ppt/slideLayouts/slideLayout15.xml><?xml version="1.0" encoding="utf-8"?>
+<p:sldLayout xmlns:a="http://schemas.openxmlformats.org/drawingml/2006/main" xmlns:r="http://schemas.openxmlformats.org/officeDocument/2006/relationships" xmlns:p="http://schemas.openxmlformats.org/presentationml/2006/main" type="obj">
+  <p:cSld name="Title and Content">
+    <p:spTree>
+      <p:nvGrpSpPr>
+        <p:cNvPr id="1" name=""/>
+        <p:cNvGrpSpPr/>
+        <p:nvPr/>
+      </p:nvGrpSpPr>
+      <p:grpSpPr>
+        <a:xfrm>
+          <a:off x="0" y="0"/>
+          <a:ext cx="0" cy="0"/>
+          <a:chOff x="0" y="0"/>
+          <a:chExt cx="0" cy="0"/>
+        </a:xfrm>
+      </p:grpSpPr>
+      <p:sp>
+        <p:nvSpPr>
+          <p:cNvPr id="2" name="Title 1">
+            <a:extLst>
+              <a:ext uri="{FF2B5EF4-FFF2-40B4-BE49-F238E27FC236}">
+                <a16:creationId xmlns:a16="http://schemas.microsoft.com/office/drawing/2014/main" xmlns="" id="{6B7B71BD-76EA-C6DF-9B26-2FB03CE3A12E}"/>
+              </a:ext>
+            </a:extLst>
+          </p:cNvPr>
+          <p:cNvSpPr>
+            <a:spLocks noGrp="1"/>
+          </p:cNvSpPr>
+          <p:nvPr>
+            <p:ph type="title"/>
+          </p:nvPr>
+        </p:nvSpPr>
+        <p:spPr/>
+        <p:txBody>
+          <a:bodyPr/>
+          <a:lstStyle/>
+          <a:p>
+            <a:r>
+              <a:rPr lang="en-US"/>
+              <a:t>Click to edit Master title style</a:t>
+            </a:r>
+            <a:endParaRPr lang="en-IN"/>
+          </a:p>
+        </p:txBody>
+      </p:sp>
+      <p:sp>
+        <p:nvSpPr>
+          <p:cNvPr id="3" name="Content Placeholder 2">
+            <a:extLst>
+              <a:ext uri="{FF2B5EF4-FFF2-40B4-BE49-F238E27FC236}">
+                <a16:creationId xmlns:a16="http://schemas.microsoft.com/office/drawing/2014/main" xmlns="" id="{DCBC0170-D811-DEDA-0C69-A83D5BA97D70}"/>
+              </a:ext>
+            </a:extLst>
+          </p:cNvPr>
+          <p:cNvSpPr>
+            <a:spLocks noGrp="1"/>
+          </p:cNvSpPr>
+          <p:nvPr>
+            <p:ph idx="1"/>
+          </p:nvPr>
+        </p:nvSpPr>
+        <p:spPr/>
+        <p:txBody>
+          <a:bodyPr/>
+          <a:lstStyle/>
+          <a:p>
+            <a:pPr lvl="0"/>
+            <a:r>
+              <a:rPr lang="en-US"/>
+              <a:t>Click to edit Master text styles</a:t>
+            </a:r>
+          </a:p>
+          <a:p>
+            <a:pPr lvl="1"/>
+            <a:r>
+              <a:rPr lang="en-US"/>
+              <a:t>Second level</a:t>
+            </a:r>
+          </a:p>
+          <a:p>
+            <a:pPr lvl="2"/>
+            <a:r>
+              <a:rPr lang="en-US"/>
+              <a:t>Third level</a:t>
+            </a:r>
+          </a:p>
+          <a:p>
+            <a:pPr lvl="3"/>
+            <a:r>
+              <a:rPr lang="en-US"/>
+              <a:t>Fourth level</a:t>
+            </a:r>
+          </a:p>
+          <a:p>
+            <a:pPr lvl="4"/>
+            <a:r>
+              <a:rPr lang="en-US"/>
+              <a:t>Fifth level</a:t>
+            </a:r>
+            <a:endParaRPr lang="en-IN"/>
+          </a:p>
+        </p:txBody>
+      </p:sp>
+      <p:sp>
+        <p:nvSpPr>
+          <p:cNvPr id="4" name="Date Placeholder 3">
+            <a:extLst>
+              <a:ext uri="{FF2B5EF4-FFF2-40B4-BE49-F238E27FC236}">
+                <a16:creationId xmlns:a16="http://schemas.microsoft.com/office/drawing/2014/main" xmlns="" id="{807E3BB2-0F6D-F966-F6FC-4738D54A61D5}"/>
+              </a:ext>
+            </a:extLst>
+          </p:cNvPr>
+          <p:cNvSpPr>
+            <a:spLocks noGrp="1"/>
+          </p:cNvSpPr>
+          <p:nvPr>
+            <p:ph type="dt" sz="half" idx="10"/>
+          </p:nvPr>
+        </p:nvSpPr>
+        <p:spPr/>
+        <p:txBody>
+          <a:bodyPr/>
+          <a:lstStyle/>
+          <a:p>
+            <a:fld id="{FD61B716-99D2-4A70-B0F0-038B56CCDDEF}" type="datetimeFigureOut">
+              <a:rPr lang="en-IN" smtClean="0"/>
+              <a:pPr/>
+              <a:t>14-02-2025</a:t>
+            </a:fld>
+            <a:endParaRPr lang="en-IN"/>
+          </a:p>
+        </p:txBody>
+      </p:sp>
+      <p:sp>
+        <p:nvSpPr>
+          <p:cNvPr id="5" name="Footer Placeholder 4">
+            <a:extLst>
+              <a:ext uri="{FF2B5EF4-FFF2-40B4-BE49-F238E27FC236}">
+                <a16:creationId xmlns:a16="http://schemas.microsoft.com/office/drawing/2014/main" xmlns="" id="{6138E61F-56DE-E82E-A6A1-937CB2D1A79A}"/>
+              </a:ext>
+            </a:extLst>
+          </p:cNvPr>
+          <p:cNvSpPr>
+            <a:spLocks noGrp="1"/>
+          </p:cNvSpPr>
+          <p:nvPr>
+            <p:ph type="ftr" sz="quarter" idx="11"/>
+          </p:nvPr>
+        </p:nvSpPr>
+        <p:spPr>
+          <a:xfrm>
+            <a:off x="4038600" y="6356350"/>
+            <a:ext cx="4114800" cy="365125"/>
+          </a:xfrm>
+          <a:prstGeom prst="rect">
+            <a:avLst/>
+          </a:prstGeom>
+        </p:spPr>
+        <p:txBody>
+          <a:bodyPr/>
+          <a:lstStyle/>
+          <a:p>
+            <a:endParaRPr lang="en-IN"/>
+          </a:p>
+        </p:txBody>
+      </p:sp>
+      <p:sp>
+        <p:nvSpPr>
+          <p:cNvPr id="6" name="Slide Number Placeholder 5">
+            <a:extLst>
+              <a:ext uri="{FF2B5EF4-FFF2-40B4-BE49-F238E27FC236}">
+                <a16:creationId xmlns:a16="http://schemas.microsoft.com/office/drawing/2014/main" xmlns="" id="{6DD0F245-6257-AE92-DD99-702ACF661A3B}"/>
+              </a:ext>
+            </a:extLst>
+          </p:cNvPr>
+          <p:cNvSpPr>
+            <a:spLocks noGrp="1"/>
+          </p:cNvSpPr>
+          <p:nvPr>
+            <p:ph type="sldNum" sz="quarter" idx="12"/>
+          </p:nvPr>
+        </p:nvSpPr>
+        <p:spPr/>
+        <p:txBody>
+          <a:bodyPr/>
+          <a:lstStyle/>
+          <a:p>
+            <a:fld id="{6513148F-BD9A-41EC-82B7-F2E71A1933B3}" type="slidenum">
+              <a:rPr lang="en-IN" smtClean="0"/>
+              <a:pPr/>
+              <a:t>‹#›</a:t>
+            </a:fld>
+            <a:endParaRPr lang="en-IN"/>
+          </a:p>
+        </p:txBody>
+      </p:sp>
+    </p:spTree>
+    <p:extLst>
+      <p:ext uri="{BB962C8B-B14F-4D97-AF65-F5344CB8AC3E}">
+        <p14:creationId xmlns:p14="http://schemas.microsoft.com/office/powerpoint/2010/main" xmlns="" val="538831290"/>
       </p:ext>
     </p:extLst>
   </p:cSld>
@@ -1788,7 +2231,7 @@
           <p:cNvPr id="16" name="Rectangle 15">
             <a:extLst>
               <a:ext uri="{FF2B5EF4-FFF2-40B4-BE49-F238E27FC236}">
-                <a16:creationId xmlns:a16="http://schemas.microsoft.com/office/drawing/2014/main" id="{6B735EAF-8052-DDCD-6CEC-D825479BEFD3}"/>
+                <a16:creationId xmlns:a16="http://schemas.microsoft.com/office/drawing/2014/main" xmlns="" id="{6B735EAF-8052-DDCD-6CEC-D825479BEFD3}"/>
               </a:ext>
             </a:extLst>
           </p:cNvPr>
@@ -1843,7 +2286,7 @@
           <p:cNvPr id="2" name="Title 1">
             <a:extLst>
               <a:ext uri="{FF2B5EF4-FFF2-40B4-BE49-F238E27FC236}">
-                <a16:creationId xmlns:a16="http://schemas.microsoft.com/office/drawing/2014/main" id="{44C9E92B-FE67-1F3D-DCA0-195195A4AB6A}"/>
+                <a16:creationId xmlns:a16="http://schemas.microsoft.com/office/drawing/2014/main" xmlns="" id="{44C9E92B-FE67-1F3D-DCA0-195195A4AB6A}"/>
               </a:ext>
             </a:extLst>
           </p:cNvPr>
@@ -1885,7 +2328,7 @@
           <p:cNvPr id="10" name="Straight Connector 9">
             <a:extLst>
               <a:ext uri="{FF2B5EF4-FFF2-40B4-BE49-F238E27FC236}">
-                <a16:creationId xmlns:a16="http://schemas.microsoft.com/office/drawing/2014/main" id="{3FB318F3-41C4-0F1C-1CBD-D5A32280E575}"/>
+                <a16:creationId xmlns:a16="http://schemas.microsoft.com/office/drawing/2014/main" xmlns="" id="{3FB318F3-41C4-0F1C-1CBD-D5A32280E575}"/>
               </a:ext>
             </a:extLst>
           </p:cNvPr>
@@ -1931,7 +2374,7 @@
           <p:cNvPr id="14" name="Straight Connector 13">
             <a:extLst>
               <a:ext uri="{FF2B5EF4-FFF2-40B4-BE49-F238E27FC236}">
-                <a16:creationId xmlns:a16="http://schemas.microsoft.com/office/drawing/2014/main" id="{0C43CC35-4750-6912-E49F-E917DF9AB637}"/>
+                <a16:creationId xmlns:a16="http://schemas.microsoft.com/office/drawing/2014/main" xmlns="" id="{0C43CC35-4750-6912-E49F-E917DF9AB637}"/>
               </a:ext>
             </a:extLst>
           </p:cNvPr>
@@ -1977,7 +2420,7 @@
           <p:cNvPr id="7" name="Picture Placeholder 6">
             <a:extLst>
               <a:ext uri="{FF2B5EF4-FFF2-40B4-BE49-F238E27FC236}">
-                <a16:creationId xmlns:a16="http://schemas.microsoft.com/office/drawing/2014/main" id="{DCB9F921-8097-7740-47FD-1905F9FE448C}"/>
+                <a16:creationId xmlns:a16="http://schemas.microsoft.com/office/drawing/2014/main" xmlns="" id="{DCB9F921-8097-7740-47FD-1905F9FE448C}"/>
               </a:ext>
             </a:extLst>
           </p:cNvPr>
@@ -2007,7 +2450,7 @@
           <p:cNvPr id="9" name="Text Placeholder 7">
             <a:extLst>
               <a:ext uri="{FF2B5EF4-FFF2-40B4-BE49-F238E27FC236}">
-                <a16:creationId xmlns:a16="http://schemas.microsoft.com/office/drawing/2014/main" id="{DEBCBD63-480F-D96C-B0DF-94EF264BA08C}"/>
+                <a16:creationId xmlns:a16="http://schemas.microsoft.com/office/drawing/2014/main" xmlns="" id="{DEBCBD63-480F-D96C-B0DF-94EF264BA08C}"/>
               </a:ext>
             </a:extLst>
           </p:cNvPr>
@@ -2058,7 +2501,7 @@
           <p:cNvPr id="12" name="Text Placeholder 7">
             <a:extLst>
               <a:ext uri="{FF2B5EF4-FFF2-40B4-BE49-F238E27FC236}">
-                <a16:creationId xmlns:a16="http://schemas.microsoft.com/office/drawing/2014/main" id="{23F1D198-945D-C96D-60E9-C0AEC5E296ED}"/>
+                <a16:creationId xmlns:a16="http://schemas.microsoft.com/office/drawing/2014/main" xmlns="" id="{23F1D198-945D-C96D-60E9-C0AEC5E296ED}"/>
               </a:ext>
             </a:extLst>
           </p:cNvPr>
@@ -2109,7 +2552,7 @@
           <p:cNvPr id="13" name="Text Placeholder 7">
             <a:extLst>
               <a:ext uri="{FF2B5EF4-FFF2-40B4-BE49-F238E27FC236}">
-                <a16:creationId xmlns:a16="http://schemas.microsoft.com/office/drawing/2014/main" id="{BDCD9B2A-F0BB-F9DB-CC75-2EC1683475F8}"/>
+                <a16:creationId xmlns:a16="http://schemas.microsoft.com/office/drawing/2014/main" xmlns="" id="{BDCD9B2A-F0BB-F9DB-CC75-2EC1683475F8}"/>
               </a:ext>
             </a:extLst>
           </p:cNvPr>
@@ -2160,7 +2603,7 @@
           <p:cNvPr id="17" name="Text Placeholder 12">
             <a:extLst>
               <a:ext uri="{FF2B5EF4-FFF2-40B4-BE49-F238E27FC236}">
-                <a16:creationId xmlns:a16="http://schemas.microsoft.com/office/drawing/2014/main" id="{68651C4C-4AD1-19DA-CC78-BEC58707B5AD}"/>
+                <a16:creationId xmlns:a16="http://schemas.microsoft.com/office/drawing/2014/main" xmlns="" id="{68651C4C-4AD1-19DA-CC78-BEC58707B5AD}"/>
               </a:ext>
             </a:extLst>
           </p:cNvPr>
@@ -2224,7 +2667,7 @@
           <p:cNvPr id="3" name="Text Placeholder 7">
             <a:extLst>
               <a:ext uri="{FF2B5EF4-FFF2-40B4-BE49-F238E27FC236}">
-                <a16:creationId xmlns:a16="http://schemas.microsoft.com/office/drawing/2014/main" id="{12271BA1-38C2-A7FE-AC76-8EC49BFBBE35}"/>
+                <a16:creationId xmlns:a16="http://schemas.microsoft.com/office/drawing/2014/main" xmlns="" id="{12271BA1-38C2-A7FE-AC76-8EC49BFBBE35}"/>
               </a:ext>
             </a:extLst>
           </p:cNvPr>
@@ -2273,7 +2716,7 @@
     </p:spTree>
     <p:extLst>
       <p:ext uri="{BB962C8B-B14F-4D97-AF65-F5344CB8AC3E}">
-        <p14:creationId xmlns:p14="http://schemas.microsoft.com/office/powerpoint/2010/main" val="630785607"/>
+        <p14:creationId xmlns:p14="http://schemas.microsoft.com/office/powerpoint/2010/main" xmlns="" val="630785607"/>
       </p:ext>
     </p:extLst>
   </p:cSld>
@@ -2282,7 +2725,7 @@
   </p:clrMapOvr>
   <p:extLst>
     <p:ext uri="{DCECCB84-F9BA-43D5-87BE-67443E8EF086}">
-      <p15:sldGuideLst xmlns:p15="http://schemas.microsoft.com/office/powerpoint/2012/main">
+      <p15:sldGuideLst xmlns:p15="http://schemas.microsoft.com/office/powerpoint/2012/main" xmlns="">
         <p15:guide id="1" orient="horz" pos="840">
           <p15:clr>
             <a:srgbClr val="FBAE40"/>
@@ -2376,7 +2819,7 @@
           <p:cNvPr id="3" name="Rectangle 2">
             <a:extLst>
               <a:ext uri="{FF2B5EF4-FFF2-40B4-BE49-F238E27FC236}">
-                <a16:creationId xmlns:a16="http://schemas.microsoft.com/office/drawing/2014/main" id="{1E7C7D43-1CC3-3332-AEFC-59ABB023F7AC}"/>
+                <a16:creationId xmlns:a16="http://schemas.microsoft.com/office/drawing/2014/main" xmlns="" id="{1E7C7D43-1CC3-3332-AEFC-59ABB023F7AC}"/>
               </a:ext>
             </a:extLst>
           </p:cNvPr>
@@ -2431,7 +2874,7 @@
           <p:cNvPr id="2" name="Title 1">
             <a:extLst>
               <a:ext uri="{FF2B5EF4-FFF2-40B4-BE49-F238E27FC236}">
-                <a16:creationId xmlns:a16="http://schemas.microsoft.com/office/drawing/2014/main" id="{44C9E92B-FE67-1F3D-DCA0-195195A4AB6A}"/>
+                <a16:creationId xmlns:a16="http://schemas.microsoft.com/office/drawing/2014/main" xmlns="" id="{44C9E92B-FE67-1F3D-DCA0-195195A4AB6A}"/>
               </a:ext>
             </a:extLst>
           </p:cNvPr>
@@ -2473,7 +2916,7 @@
           <p:cNvPr id="10" name="Straight Connector 9">
             <a:extLst>
               <a:ext uri="{FF2B5EF4-FFF2-40B4-BE49-F238E27FC236}">
-                <a16:creationId xmlns:a16="http://schemas.microsoft.com/office/drawing/2014/main" id="{3FB318F3-41C4-0F1C-1CBD-D5A32280E575}"/>
+                <a16:creationId xmlns:a16="http://schemas.microsoft.com/office/drawing/2014/main" xmlns="" id="{3FB318F3-41C4-0F1C-1CBD-D5A32280E575}"/>
               </a:ext>
             </a:extLst>
           </p:cNvPr>
@@ -2519,7 +2962,7 @@
           <p:cNvPr id="14" name="Straight Connector 13">
             <a:extLst>
               <a:ext uri="{FF2B5EF4-FFF2-40B4-BE49-F238E27FC236}">
-                <a16:creationId xmlns:a16="http://schemas.microsoft.com/office/drawing/2014/main" id="{0C43CC35-4750-6912-E49F-E917DF9AB637}"/>
+                <a16:creationId xmlns:a16="http://schemas.microsoft.com/office/drawing/2014/main" xmlns="" id="{0C43CC35-4750-6912-E49F-E917DF9AB637}"/>
               </a:ext>
             </a:extLst>
           </p:cNvPr>
@@ -2565,7 +3008,7 @@
           <p:cNvPr id="8" name="Text Placeholder 7">
             <a:extLst>
               <a:ext uri="{FF2B5EF4-FFF2-40B4-BE49-F238E27FC236}">
-                <a16:creationId xmlns:a16="http://schemas.microsoft.com/office/drawing/2014/main" id="{CF06E8DC-A0CF-0798-ADF8-761E7E68BAC4}"/>
+                <a16:creationId xmlns:a16="http://schemas.microsoft.com/office/drawing/2014/main" xmlns="" id="{CF06E8DC-A0CF-0798-ADF8-761E7E68BAC4}"/>
               </a:ext>
             </a:extLst>
           </p:cNvPr>
@@ -2616,7 +3059,7 @@
           <p:cNvPr id="12" name="Text Placeholder 7">
             <a:extLst>
               <a:ext uri="{FF2B5EF4-FFF2-40B4-BE49-F238E27FC236}">
-                <a16:creationId xmlns:a16="http://schemas.microsoft.com/office/drawing/2014/main" id="{FCFA915D-63BE-A1E7-E7C6-A8B7F841C27B}"/>
+                <a16:creationId xmlns:a16="http://schemas.microsoft.com/office/drawing/2014/main" xmlns="" id="{FCFA915D-63BE-A1E7-E7C6-A8B7F841C27B}"/>
               </a:ext>
             </a:extLst>
           </p:cNvPr>
@@ -2667,7 +3110,7 @@
           <p:cNvPr id="15" name="Text Placeholder 7">
             <a:extLst>
               <a:ext uri="{FF2B5EF4-FFF2-40B4-BE49-F238E27FC236}">
-                <a16:creationId xmlns:a16="http://schemas.microsoft.com/office/drawing/2014/main" id="{2D2F8532-EAC1-4C87-C49E-5B099E83972D}"/>
+                <a16:creationId xmlns:a16="http://schemas.microsoft.com/office/drawing/2014/main" xmlns="" id="{2D2F8532-EAC1-4C87-C49E-5B099E83972D}"/>
               </a:ext>
             </a:extLst>
           </p:cNvPr>
@@ -2718,7 +3161,7 @@
           <p:cNvPr id="16" name="Text Placeholder 7">
             <a:extLst>
               <a:ext uri="{FF2B5EF4-FFF2-40B4-BE49-F238E27FC236}">
-                <a16:creationId xmlns:a16="http://schemas.microsoft.com/office/drawing/2014/main" id="{267078C8-F910-8FC3-7286-ADF1FB40862C}"/>
+                <a16:creationId xmlns:a16="http://schemas.microsoft.com/office/drawing/2014/main" xmlns="" id="{267078C8-F910-8FC3-7286-ADF1FB40862C}"/>
               </a:ext>
             </a:extLst>
           </p:cNvPr>
@@ -2769,7 +3212,7 @@
           <p:cNvPr id="17" name="Text Placeholder 7">
             <a:extLst>
               <a:ext uri="{FF2B5EF4-FFF2-40B4-BE49-F238E27FC236}">
-                <a16:creationId xmlns:a16="http://schemas.microsoft.com/office/drawing/2014/main" id="{2A8B99F6-09B0-9487-3A2A-0062188384B3}"/>
+                <a16:creationId xmlns:a16="http://schemas.microsoft.com/office/drawing/2014/main" xmlns="" id="{2A8B99F6-09B0-9487-3A2A-0062188384B3}"/>
               </a:ext>
             </a:extLst>
           </p:cNvPr>
@@ -2820,7 +3263,7 @@
           <p:cNvPr id="18" name="Text Placeholder 7">
             <a:extLst>
               <a:ext uri="{FF2B5EF4-FFF2-40B4-BE49-F238E27FC236}">
-                <a16:creationId xmlns:a16="http://schemas.microsoft.com/office/drawing/2014/main" id="{E2F86FE2-AC0C-C76C-B2BD-9A02FA2E0205}"/>
+                <a16:creationId xmlns:a16="http://schemas.microsoft.com/office/drawing/2014/main" xmlns="" id="{E2F86FE2-AC0C-C76C-B2BD-9A02FA2E0205}"/>
               </a:ext>
             </a:extLst>
           </p:cNvPr>
@@ -2869,7 +3312,7 @@
     </p:spTree>
     <p:extLst>
       <p:ext uri="{BB962C8B-B14F-4D97-AF65-F5344CB8AC3E}">
-        <p14:creationId xmlns:p14="http://schemas.microsoft.com/office/powerpoint/2010/main" val="1848048577"/>
+        <p14:creationId xmlns:p14="http://schemas.microsoft.com/office/powerpoint/2010/main" xmlns="" val="1848048577"/>
       </p:ext>
     </p:extLst>
   </p:cSld>
@@ -2878,7 +3321,7 @@
   </p:clrMapOvr>
   <p:extLst>
     <p:ext uri="{DCECCB84-F9BA-43D5-87BE-67443E8EF086}">
-      <p15:sldGuideLst xmlns:p15="http://schemas.microsoft.com/office/powerpoint/2012/main">
+      <p15:sldGuideLst xmlns:p15="http://schemas.microsoft.com/office/powerpoint/2012/main" xmlns="">
         <p15:guide id="1" orient="horz" pos="840">
           <p15:clr>
             <a:srgbClr val="FBAE40"/>
@@ -2977,7 +3420,7 @@
           <p:cNvPr id="2" name="Title 1">
             <a:extLst>
               <a:ext uri="{FF2B5EF4-FFF2-40B4-BE49-F238E27FC236}">
-                <a16:creationId xmlns:a16="http://schemas.microsoft.com/office/drawing/2014/main" id="{44C9E92B-FE67-1F3D-DCA0-195195A4AB6A}"/>
+                <a16:creationId xmlns:a16="http://schemas.microsoft.com/office/drawing/2014/main" xmlns="" id="{44C9E92B-FE67-1F3D-DCA0-195195A4AB6A}"/>
               </a:ext>
             </a:extLst>
           </p:cNvPr>
@@ -3019,7 +3462,7 @@
           <p:cNvPr id="10" name="Straight Connector 9">
             <a:extLst>
               <a:ext uri="{FF2B5EF4-FFF2-40B4-BE49-F238E27FC236}">
-                <a16:creationId xmlns:a16="http://schemas.microsoft.com/office/drawing/2014/main" id="{3FB318F3-41C4-0F1C-1CBD-D5A32280E575}"/>
+                <a16:creationId xmlns:a16="http://schemas.microsoft.com/office/drawing/2014/main" xmlns="" id="{3FB318F3-41C4-0F1C-1CBD-D5A32280E575}"/>
               </a:ext>
             </a:extLst>
           </p:cNvPr>
@@ -3065,7 +3508,7 @@
           <p:cNvPr id="14" name="Straight Connector 13">
             <a:extLst>
               <a:ext uri="{FF2B5EF4-FFF2-40B4-BE49-F238E27FC236}">
-                <a16:creationId xmlns:a16="http://schemas.microsoft.com/office/drawing/2014/main" id="{0C43CC35-4750-6912-E49F-E917DF9AB637}"/>
+                <a16:creationId xmlns:a16="http://schemas.microsoft.com/office/drawing/2014/main" xmlns="" id="{0C43CC35-4750-6912-E49F-E917DF9AB637}"/>
               </a:ext>
             </a:extLst>
           </p:cNvPr>
@@ -3111,7 +3554,7 @@
           <p:cNvPr id="8" name="Text Placeholder 7">
             <a:extLst>
               <a:ext uri="{FF2B5EF4-FFF2-40B4-BE49-F238E27FC236}">
-                <a16:creationId xmlns:a16="http://schemas.microsoft.com/office/drawing/2014/main" id="{CF06E8DC-A0CF-0798-ADF8-761E7E68BAC4}"/>
+                <a16:creationId xmlns:a16="http://schemas.microsoft.com/office/drawing/2014/main" xmlns="" id="{CF06E8DC-A0CF-0798-ADF8-761E7E68BAC4}"/>
               </a:ext>
             </a:extLst>
           </p:cNvPr>
@@ -3162,7 +3605,7 @@
           <p:cNvPr id="12" name="Text Placeholder 7">
             <a:extLst>
               <a:ext uri="{FF2B5EF4-FFF2-40B4-BE49-F238E27FC236}">
-                <a16:creationId xmlns:a16="http://schemas.microsoft.com/office/drawing/2014/main" id="{FCFA915D-63BE-A1E7-E7C6-A8B7F841C27B}"/>
+                <a16:creationId xmlns:a16="http://schemas.microsoft.com/office/drawing/2014/main" xmlns="" id="{FCFA915D-63BE-A1E7-E7C6-A8B7F841C27B}"/>
               </a:ext>
             </a:extLst>
           </p:cNvPr>
@@ -3213,7 +3656,7 @@
           <p:cNvPr id="16" name="Text Placeholder 7">
             <a:extLst>
               <a:ext uri="{FF2B5EF4-FFF2-40B4-BE49-F238E27FC236}">
-                <a16:creationId xmlns:a16="http://schemas.microsoft.com/office/drawing/2014/main" id="{267078C8-F910-8FC3-7286-ADF1FB40862C}"/>
+                <a16:creationId xmlns:a16="http://schemas.microsoft.com/office/drawing/2014/main" xmlns="" id="{267078C8-F910-8FC3-7286-ADF1FB40862C}"/>
               </a:ext>
             </a:extLst>
           </p:cNvPr>
@@ -3264,7 +3707,7 @@
           <p:cNvPr id="17" name="Text Placeholder 7">
             <a:extLst>
               <a:ext uri="{FF2B5EF4-FFF2-40B4-BE49-F238E27FC236}">
-                <a16:creationId xmlns:a16="http://schemas.microsoft.com/office/drawing/2014/main" id="{2A8B99F6-09B0-9487-3A2A-0062188384B3}"/>
+                <a16:creationId xmlns:a16="http://schemas.microsoft.com/office/drawing/2014/main" xmlns="" id="{2A8B99F6-09B0-9487-3A2A-0062188384B3}"/>
               </a:ext>
             </a:extLst>
           </p:cNvPr>
@@ -3315,7 +3758,7 @@
           <p:cNvPr id="7" name="Picture Placeholder 6">
             <a:extLst>
               <a:ext uri="{FF2B5EF4-FFF2-40B4-BE49-F238E27FC236}">
-                <a16:creationId xmlns:a16="http://schemas.microsoft.com/office/drawing/2014/main" id="{39F175D2-EEFE-E4BF-0E57-03025B8F8D64}"/>
+                <a16:creationId xmlns:a16="http://schemas.microsoft.com/office/drawing/2014/main" xmlns="" id="{39F175D2-EEFE-E4BF-0E57-03025B8F8D64}"/>
               </a:ext>
             </a:extLst>
           </p:cNvPr>
@@ -3345,7 +3788,7 @@
           <p:cNvPr id="15" name="Text Placeholder 12">
             <a:extLst>
               <a:ext uri="{FF2B5EF4-FFF2-40B4-BE49-F238E27FC236}">
-                <a16:creationId xmlns:a16="http://schemas.microsoft.com/office/drawing/2014/main" id="{273C4E42-511B-EB94-CA0A-051B1A4A918D}"/>
+                <a16:creationId xmlns:a16="http://schemas.microsoft.com/office/drawing/2014/main" xmlns="" id="{273C4E42-511B-EB94-CA0A-051B1A4A918D}"/>
               </a:ext>
             </a:extLst>
           </p:cNvPr>
@@ -3407,7 +3850,7 @@
     </p:spTree>
     <p:extLst>
       <p:ext uri="{BB962C8B-B14F-4D97-AF65-F5344CB8AC3E}">
-        <p14:creationId xmlns:p14="http://schemas.microsoft.com/office/powerpoint/2010/main" val="1245389909"/>
+        <p14:creationId xmlns:p14="http://schemas.microsoft.com/office/powerpoint/2010/main" xmlns="" val="1245389909"/>
       </p:ext>
     </p:extLst>
   </p:cSld>
@@ -3416,7 +3859,7 @@
   </p:clrMapOvr>
   <p:extLst>
     <p:ext uri="{DCECCB84-F9BA-43D5-87BE-67443E8EF086}">
-      <p15:sldGuideLst xmlns:p15="http://schemas.microsoft.com/office/powerpoint/2012/main">
+      <p15:sldGuideLst xmlns:p15="http://schemas.microsoft.com/office/powerpoint/2012/main" xmlns="">
         <p15:guide id="1" orient="horz" pos="840">
           <p15:clr>
             <a:srgbClr val="FBAE40"/>
@@ -3495,7 +3938,7 @@
           <p:cNvPr id="3" name="Rectangle 2">
             <a:extLst>
               <a:ext uri="{FF2B5EF4-FFF2-40B4-BE49-F238E27FC236}">
-                <a16:creationId xmlns:a16="http://schemas.microsoft.com/office/drawing/2014/main" id="{EE70AFB9-F87E-11AC-2B32-B5178FE34E78}"/>
+                <a16:creationId xmlns:a16="http://schemas.microsoft.com/office/drawing/2014/main" xmlns="" id="{EE70AFB9-F87E-11AC-2B32-B5178FE34E78}"/>
               </a:ext>
             </a:extLst>
           </p:cNvPr>
@@ -3547,7 +3990,7 @@
           <p:cNvPr id="2" name="Title 1">
             <a:extLst>
               <a:ext uri="{FF2B5EF4-FFF2-40B4-BE49-F238E27FC236}">
-                <a16:creationId xmlns:a16="http://schemas.microsoft.com/office/drawing/2014/main" id="{44C9E92B-FE67-1F3D-DCA0-195195A4AB6A}"/>
+                <a16:creationId xmlns:a16="http://schemas.microsoft.com/office/drawing/2014/main" xmlns="" id="{44C9E92B-FE67-1F3D-DCA0-195195A4AB6A}"/>
               </a:ext>
             </a:extLst>
           </p:cNvPr>
@@ -3589,7 +4032,7 @@
           <p:cNvPr id="10" name="Straight Connector 9">
             <a:extLst>
               <a:ext uri="{FF2B5EF4-FFF2-40B4-BE49-F238E27FC236}">
-                <a16:creationId xmlns:a16="http://schemas.microsoft.com/office/drawing/2014/main" id="{3FB318F3-41C4-0F1C-1CBD-D5A32280E575}"/>
+                <a16:creationId xmlns:a16="http://schemas.microsoft.com/office/drawing/2014/main" xmlns="" id="{3FB318F3-41C4-0F1C-1CBD-D5A32280E575}"/>
               </a:ext>
             </a:extLst>
           </p:cNvPr>
@@ -3635,7 +4078,7 @@
           <p:cNvPr id="14" name="Straight Connector 13">
             <a:extLst>
               <a:ext uri="{FF2B5EF4-FFF2-40B4-BE49-F238E27FC236}">
-                <a16:creationId xmlns:a16="http://schemas.microsoft.com/office/drawing/2014/main" id="{0C43CC35-4750-6912-E49F-E917DF9AB637}"/>
+                <a16:creationId xmlns:a16="http://schemas.microsoft.com/office/drawing/2014/main" xmlns="" id="{0C43CC35-4750-6912-E49F-E917DF9AB637}"/>
               </a:ext>
             </a:extLst>
           </p:cNvPr>
@@ -3681,7 +4124,7 @@
           <p:cNvPr id="8" name="Text Placeholder 7">
             <a:extLst>
               <a:ext uri="{FF2B5EF4-FFF2-40B4-BE49-F238E27FC236}">
-                <a16:creationId xmlns:a16="http://schemas.microsoft.com/office/drawing/2014/main" id="{CF06E8DC-A0CF-0798-ADF8-761E7E68BAC4}"/>
+                <a16:creationId xmlns:a16="http://schemas.microsoft.com/office/drawing/2014/main" xmlns="" id="{CF06E8DC-A0CF-0798-ADF8-761E7E68BAC4}"/>
               </a:ext>
             </a:extLst>
           </p:cNvPr>
@@ -3732,7 +4175,7 @@
           <p:cNvPr id="12" name="Text Placeholder 7">
             <a:extLst>
               <a:ext uri="{FF2B5EF4-FFF2-40B4-BE49-F238E27FC236}">
-                <a16:creationId xmlns:a16="http://schemas.microsoft.com/office/drawing/2014/main" id="{FCFA915D-63BE-A1E7-E7C6-A8B7F841C27B}"/>
+                <a16:creationId xmlns:a16="http://schemas.microsoft.com/office/drawing/2014/main" xmlns="" id="{FCFA915D-63BE-A1E7-E7C6-A8B7F841C27B}"/>
               </a:ext>
             </a:extLst>
           </p:cNvPr>
@@ -3783,7 +4226,7 @@
           <p:cNvPr id="15" name="Text Placeholder 7">
             <a:extLst>
               <a:ext uri="{FF2B5EF4-FFF2-40B4-BE49-F238E27FC236}">
-                <a16:creationId xmlns:a16="http://schemas.microsoft.com/office/drawing/2014/main" id="{2D2F8532-EAC1-4C87-C49E-5B099E83972D}"/>
+                <a16:creationId xmlns:a16="http://schemas.microsoft.com/office/drawing/2014/main" xmlns="" id="{2D2F8532-EAC1-4C87-C49E-5B099E83972D}"/>
               </a:ext>
             </a:extLst>
           </p:cNvPr>
@@ -3834,7 +4277,7 @@
           <p:cNvPr id="16" name="Text Placeholder 7">
             <a:extLst>
               <a:ext uri="{FF2B5EF4-FFF2-40B4-BE49-F238E27FC236}">
-                <a16:creationId xmlns:a16="http://schemas.microsoft.com/office/drawing/2014/main" id="{267078C8-F910-8FC3-7286-ADF1FB40862C}"/>
+                <a16:creationId xmlns:a16="http://schemas.microsoft.com/office/drawing/2014/main" xmlns="" id="{267078C8-F910-8FC3-7286-ADF1FB40862C}"/>
               </a:ext>
             </a:extLst>
           </p:cNvPr>
@@ -3885,7 +4328,7 @@
           <p:cNvPr id="17" name="Text Placeholder 7">
             <a:extLst>
               <a:ext uri="{FF2B5EF4-FFF2-40B4-BE49-F238E27FC236}">
-                <a16:creationId xmlns:a16="http://schemas.microsoft.com/office/drawing/2014/main" id="{2A8B99F6-09B0-9487-3A2A-0062188384B3}"/>
+                <a16:creationId xmlns:a16="http://schemas.microsoft.com/office/drawing/2014/main" xmlns="" id="{2A8B99F6-09B0-9487-3A2A-0062188384B3}"/>
               </a:ext>
             </a:extLst>
           </p:cNvPr>
@@ -3936,7 +4379,7 @@
           <p:cNvPr id="18" name="Text Placeholder 7">
             <a:extLst>
               <a:ext uri="{FF2B5EF4-FFF2-40B4-BE49-F238E27FC236}">
-                <a16:creationId xmlns:a16="http://schemas.microsoft.com/office/drawing/2014/main" id="{E2F86FE2-AC0C-C76C-B2BD-9A02FA2E0205}"/>
+                <a16:creationId xmlns:a16="http://schemas.microsoft.com/office/drawing/2014/main" xmlns="" id="{E2F86FE2-AC0C-C76C-B2BD-9A02FA2E0205}"/>
               </a:ext>
             </a:extLst>
           </p:cNvPr>
@@ -3985,7 +4428,7 @@
     </p:spTree>
     <p:extLst>
       <p:ext uri="{BB962C8B-B14F-4D97-AF65-F5344CB8AC3E}">
-        <p14:creationId xmlns:p14="http://schemas.microsoft.com/office/powerpoint/2010/main" val="919352225"/>
+        <p14:creationId xmlns:p14="http://schemas.microsoft.com/office/powerpoint/2010/main" xmlns="" val="919352225"/>
       </p:ext>
     </p:extLst>
   </p:cSld>
@@ -3994,7 +4437,7 @@
   </p:clrMapOvr>
   <p:extLst>
     <p:ext uri="{DCECCB84-F9BA-43D5-87BE-67443E8EF086}">
-      <p15:sldGuideLst xmlns:p15="http://schemas.microsoft.com/office/powerpoint/2012/main">
+      <p15:sldGuideLst xmlns:p15="http://schemas.microsoft.com/office/powerpoint/2012/main" xmlns="">
         <p15:guide id="1" orient="horz" pos="840">
           <p15:clr>
             <a:srgbClr val="FBAE40"/>
@@ -4093,7 +4536,7 @@
           <p:cNvPr id="4" name="Rectangle 3">
             <a:extLst>
               <a:ext uri="{FF2B5EF4-FFF2-40B4-BE49-F238E27FC236}">
-                <a16:creationId xmlns:a16="http://schemas.microsoft.com/office/drawing/2014/main" id="{9D414779-4CEE-EEAD-8A66-EE043E90B44F}"/>
+                <a16:creationId xmlns:a16="http://schemas.microsoft.com/office/drawing/2014/main" xmlns="" id="{9D414779-4CEE-EEAD-8A66-EE043E90B44F}"/>
               </a:ext>
             </a:extLst>
           </p:cNvPr>
@@ -4145,7 +4588,7 @@
           <p:cNvPr id="2" name="Title 1">
             <a:extLst>
               <a:ext uri="{FF2B5EF4-FFF2-40B4-BE49-F238E27FC236}">
-                <a16:creationId xmlns:a16="http://schemas.microsoft.com/office/drawing/2014/main" id="{44C9E92B-FE67-1F3D-DCA0-195195A4AB6A}"/>
+                <a16:creationId xmlns:a16="http://schemas.microsoft.com/office/drawing/2014/main" xmlns="" id="{44C9E92B-FE67-1F3D-DCA0-195195A4AB6A}"/>
               </a:ext>
             </a:extLst>
           </p:cNvPr>
@@ -4187,7 +4630,7 @@
           <p:cNvPr id="10" name="Straight Connector 9">
             <a:extLst>
               <a:ext uri="{FF2B5EF4-FFF2-40B4-BE49-F238E27FC236}">
-                <a16:creationId xmlns:a16="http://schemas.microsoft.com/office/drawing/2014/main" id="{3FB318F3-41C4-0F1C-1CBD-D5A32280E575}"/>
+                <a16:creationId xmlns:a16="http://schemas.microsoft.com/office/drawing/2014/main" xmlns="" id="{3FB318F3-41C4-0F1C-1CBD-D5A32280E575}"/>
               </a:ext>
             </a:extLst>
           </p:cNvPr>
@@ -4233,7 +4676,7 @@
           <p:cNvPr id="14" name="Straight Connector 13">
             <a:extLst>
               <a:ext uri="{FF2B5EF4-FFF2-40B4-BE49-F238E27FC236}">
-                <a16:creationId xmlns:a16="http://schemas.microsoft.com/office/drawing/2014/main" id="{0C43CC35-4750-6912-E49F-E917DF9AB637}"/>
+                <a16:creationId xmlns:a16="http://schemas.microsoft.com/office/drawing/2014/main" xmlns="" id="{0C43CC35-4750-6912-E49F-E917DF9AB637}"/>
               </a:ext>
             </a:extLst>
           </p:cNvPr>
@@ -4279,7 +4722,7 @@
           <p:cNvPr id="8" name="Text Placeholder 7">
             <a:extLst>
               <a:ext uri="{FF2B5EF4-FFF2-40B4-BE49-F238E27FC236}">
-                <a16:creationId xmlns:a16="http://schemas.microsoft.com/office/drawing/2014/main" id="{CF06E8DC-A0CF-0798-ADF8-761E7E68BAC4}"/>
+                <a16:creationId xmlns:a16="http://schemas.microsoft.com/office/drawing/2014/main" xmlns="" id="{CF06E8DC-A0CF-0798-ADF8-761E7E68BAC4}"/>
               </a:ext>
             </a:extLst>
           </p:cNvPr>
@@ -4330,7 +4773,7 @@
           <p:cNvPr id="15" name="Text Placeholder 7">
             <a:extLst>
               <a:ext uri="{FF2B5EF4-FFF2-40B4-BE49-F238E27FC236}">
-                <a16:creationId xmlns:a16="http://schemas.microsoft.com/office/drawing/2014/main" id="{2D2F8532-EAC1-4C87-C49E-5B099E83972D}"/>
+                <a16:creationId xmlns:a16="http://schemas.microsoft.com/office/drawing/2014/main" xmlns="" id="{2D2F8532-EAC1-4C87-C49E-5B099E83972D}"/>
               </a:ext>
             </a:extLst>
           </p:cNvPr>
@@ -4381,7 +4824,7 @@
           <p:cNvPr id="17" name="Text Placeholder 7">
             <a:extLst>
               <a:ext uri="{FF2B5EF4-FFF2-40B4-BE49-F238E27FC236}">
-                <a16:creationId xmlns:a16="http://schemas.microsoft.com/office/drawing/2014/main" id="{2A8B99F6-09B0-9487-3A2A-0062188384B3}"/>
+                <a16:creationId xmlns:a16="http://schemas.microsoft.com/office/drawing/2014/main" xmlns="" id="{2A8B99F6-09B0-9487-3A2A-0062188384B3}"/>
               </a:ext>
             </a:extLst>
           </p:cNvPr>
@@ -4432,7 +4875,7 @@
           <p:cNvPr id="18" name="Text Placeholder 7">
             <a:extLst>
               <a:ext uri="{FF2B5EF4-FFF2-40B4-BE49-F238E27FC236}">
-                <a16:creationId xmlns:a16="http://schemas.microsoft.com/office/drawing/2014/main" id="{E2F86FE2-AC0C-C76C-B2BD-9A02FA2E0205}"/>
+                <a16:creationId xmlns:a16="http://schemas.microsoft.com/office/drawing/2014/main" xmlns="" id="{E2F86FE2-AC0C-C76C-B2BD-9A02FA2E0205}"/>
               </a:ext>
             </a:extLst>
           </p:cNvPr>
@@ -4483,7 +4926,7 @@
           <p:cNvPr id="7" name="Picture Placeholder 6">
             <a:extLst>
               <a:ext uri="{FF2B5EF4-FFF2-40B4-BE49-F238E27FC236}">
-                <a16:creationId xmlns:a16="http://schemas.microsoft.com/office/drawing/2014/main" id="{34235A04-C2C9-A7DC-3FE5-1E7D27C0E13D}"/>
+                <a16:creationId xmlns:a16="http://schemas.microsoft.com/office/drawing/2014/main" xmlns="" id="{34235A04-C2C9-A7DC-3FE5-1E7D27C0E13D}"/>
               </a:ext>
             </a:extLst>
           </p:cNvPr>
@@ -4513,7 +4956,7 @@
           <p:cNvPr id="3" name="Text Placeholder 12">
             <a:extLst>
               <a:ext uri="{FF2B5EF4-FFF2-40B4-BE49-F238E27FC236}">
-                <a16:creationId xmlns:a16="http://schemas.microsoft.com/office/drawing/2014/main" id="{7104C814-4179-5378-738C-F0AEB2D153F3}"/>
+                <a16:creationId xmlns:a16="http://schemas.microsoft.com/office/drawing/2014/main" xmlns="" id="{7104C814-4179-5378-738C-F0AEB2D153F3}"/>
               </a:ext>
             </a:extLst>
           </p:cNvPr>
@@ -4575,7 +5018,7 @@
     </p:spTree>
     <p:extLst>
       <p:ext uri="{BB962C8B-B14F-4D97-AF65-F5344CB8AC3E}">
-        <p14:creationId xmlns:p14="http://schemas.microsoft.com/office/powerpoint/2010/main" val="1404326330"/>
+        <p14:creationId xmlns:p14="http://schemas.microsoft.com/office/powerpoint/2010/main" xmlns="" val="1404326330"/>
       </p:ext>
     </p:extLst>
   </p:cSld>
@@ -4584,7 +5027,7 @@
   </p:clrMapOvr>
   <p:extLst>
     <p:ext uri="{DCECCB84-F9BA-43D5-87BE-67443E8EF086}">
-      <p15:sldGuideLst xmlns:p15="http://schemas.microsoft.com/office/powerpoint/2012/main">
+      <p15:sldGuideLst xmlns:p15="http://schemas.microsoft.com/office/powerpoint/2012/main" xmlns="">
         <p15:guide id="1" orient="horz" pos="840">
           <p15:clr>
             <a:srgbClr val="FBAE40"/>
@@ -4683,7 +5126,7 @@
           <p:cNvPr id="8" name="Rectangle 7">
             <a:extLst>
               <a:ext uri="{FF2B5EF4-FFF2-40B4-BE49-F238E27FC236}">
-                <a16:creationId xmlns:a16="http://schemas.microsoft.com/office/drawing/2014/main" id="{3FB883CC-094E-7039-9807-58F11002611B}"/>
+                <a16:creationId xmlns:a16="http://schemas.microsoft.com/office/drawing/2014/main" xmlns="" id="{3FB883CC-094E-7039-9807-58F11002611B}"/>
               </a:ext>
             </a:extLst>
           </p:cNvPr>
@@ -4735,7 +5178,7 @@
           <p:cNvPr id="2" name="Title 1">
             <a:extLst>
               <a:ext uri="{FF2B5EF4-FFF2-40B4-BE49-F238E27FC236}">
-                <a16:creationId xmlns:a16="http://schemas.microsoft.com/office/drawing/2014/main" id="{44C9E92B-FE67-1F3D-DCA0-195195A4AB6A}"/>
+                <a16:creationId xmlns:a16="http://schemas.microsoft.com/office/drawing/2014/main" xmlns="" id="{44C9E92B-FE67-1F3D-DCA0-195195A4AB6A}"/>
               </a:ext>
             </a:extLst>
           </p:cNvPr>
@@ -4777,7 +5220,7 @@
           <p:cNvPr id="10" name="Straight Connector 9">
             <a:extLst>
               <a:ext uri="{FF2B5EF4-FFF2-40B4-BE49-F238E27FC236}">
-                <a16:creationId xmlns:a16="http://schemas.microsoft.com/office/drawing/2014/main" id="{3FB318F3-41C4-0F1C-1CBD-D5A32280E575}"/>
+                <a16:creationId xmlns:a16="http://schemas.microsoft.com/office/drawing/2014/main" xmlns="" id="{3FB318F3-41C4-0F1C-1CBD-D5A32280E575}"/>
               </a:ext>
             </a:extLst>
           </p:cNvPr>
@@ -4823,7 +5266,7 @@
           <p:cNvPr id="14" name="Straight Connector 13">
             <a:extLst>
               <a:ext uri="{FF2B5EF4-FFF2-40B4-BE49-F238E27FC236}">
-                <a16:creationId xmlns:a16="http://schemas.microsoft.com/office/drawing/2014/main" id="{0C43CC35-4750-6912-E49F-E917DF9AB637}"/>
+                <a16:creationId xmlns:a16="http://schemas.microsoft.com/office/drawing/2014/main" xmlns="" id="{0C43CC35-4750-6912-E49F-E917DF9AB637}"/>
               </a:ext>
             </a:extLst>
           </p:cNvPr>
@@ -4869,7 +5312,7 @@
           <p:cNvPr id="12" name="Text Placeholder 7">
             <a:extLst>
               <a:ext uri="{FF2B5EF4-FFF2-40B4-BE49-F238E27FC236}">
-                <a16:creationId xmlns:a16="http://schemas.microsoft.com/office/drawing/2014/main" id="{FCFA915D-63BE-A1E7-E7C6-A8B7F841C27B}"/>
+                <a16:creationId xmlns:a16="http://schemas.microsoft.com/office/drawing/2014/main" xmlns="" id="{FCFA915D-63BE-A1E7-E7C6-A8B7F841C27B}"/>
               </a:ext>
             </a:extLst>
           </p:cNvPr>
@@ -4920,7 +5363,7 @@
           <p:cNvPr id="15" name="Text Placeholder 7">
             <a:extLst>
               <a:ext uri="{FF2B5EF4-FFF2-40B4-BE49-F238E27FC236}">
-                <a16:creationId xmlns:a16="http://schemas.microsoft.com/office/drawing/2014/main" id="{2D2F8532-EAC1-4C87-C49E-5B099E83972D}"/>
+                <a16:creationId xmlns:a16="http://schemas.microsoft.com/office/drawing/2014/main" xmlns="" id="{2D2F8532-EAC1-4C87-C49E-5B099E83972D}"/>
               </a:ext>
             </a:extLst>
           </p:cNvPr>
@@ -4971,7 +5414,7 @@
           <p:cNvPr id="16" name="Text Placeholder 7">
             <a:extLst>
               <a:ext uri="{FF2B5EF4-FFF2-40B4-BE49-F238E27FC236}">
-                <a16:creationId xmlns:a16="http://schemas.microsoft.com/office/drawing/2014/main" id="{267078C8-F910-8FC3-7286-ADF1FB40862C}"/>
+                <a16:creationId xmlns:a16="http://schemas.microsoft.com/office/drawing/2014/main" xmlns="" id="{267078C8-F910-8FC3-7286-ADF1FB40862C}"/>
               </a:ext>
             </a:extLst>
           </p:cNvPr>
@@ -5022,7 +5465,7 @@
           <p:cNvPr id="18" name="Text Placeholder 7">
             <a:extLst>
               <a:ext uri="{FF2B5EF4-FFF2-40B4-BE49-F238E27FC236}">
-                <a16:creationId xmlns:a16="http://schemas.microsoft.com/office/drawing/2014/main" id="{E2F86FE2-AC0C-C76C-B2BD-9A02FA2E0205}"/>
+                <a16:creationId xmlns:a16="http://schemas.microsoft.com/office/drawing/2014/main" xmlns="" id="{E2F86FE2-AC0C-C76C-B2BD-9A02FA2E0205}"/>
               </a:ext>
             </a:extLst>
           </p:cNvPr>
@@ -5073,7 +5516,7 @@
           <p:cNvPr id="7" name="Picture Placeholder 6">
             <a:extLst>
               <a:ext uri="{FF2B5EF4-FFF2-40B4-BE49-F238E27FC236}">
-                <a16:creationId xmlns:a16="http://schemas.microsoft.com/office/drawing/2014/main" id="{8FDDBBAD-B928-4819-64F5-80A5AECD71CB}"/>
+                <a16:creationId xmlns:a16="http://schemas.microsoft.com/office/drawing/2014/main" xmlns="" id="{8FDDBBAD-B928-4819-64F5-80A5AECD71CB}"/>
               </a:ext>
             </a:extLst>
           </p:cNvPr>
@@ -5103,7 +5546,7 @@
           <p:cNvPr id="3" name="Text Placeholder 12">
             <a:extLst>
               <a:ext uri="{FF2B5EF4-FFF2-40B4-BE49-F238E27FC236}">
-                <a16:creationId xmlns:a16="http://schemas.microsoft.com/office/drawing/2014/main" id="{8B3586BE-78C6-E426-9F3C-F59381E5CD88}"/>
+                <a16:creationId xmlns:a16="http://schemas.microsoft.com/office/drawing/2014/main" xmlns="" id="{8B3586BE-78C6-E426-9F3C-F59381E5CD88}"/>
               </a:ext>
             </a:extLst>
           </p:cNvPr>
@@ -5165,7 +5608,7 @@
     </p:spTree>
     <p:extLst>
       <p:ext uri="{BB962C8B-B14F-4D97-AF65-F5344CB8AC3E}">
-        <p14:creationId xmlns:p14="http://schemas.microsoft.com/office/powerpoint/2010/main" val="464081889"/>
+        <p14:creationId xmlns:p14="http://schemas.microsoft.com/office/powerpoint/2010/main" xmlns="" val="464081889"/>
       </p:ext>
     </p:extLst>
   </p:cSld>
@@ -5174,7 +5617,7 @@
   </p:clrMapOvr>
   <p:extLst>
     <p:ext uri="{DCECCB84-F9BA-43D5-87BE-67443E8EF086}">
-      <p15:sldGuideLst xmlns:p15="http://schemas.microsoft.com/office/powerpoint/2012/main">
+      <p15:sldGuideLst xmlns:p15="http://schemas.microsoft.com/office/powerpoint/2012/main" xmlns="">
         <p15:guide id="1" orient="horz" pos="840">
           <p15:clr>
             <a:srgbClr val="FBAE40"/>
@@ -5258,7 +5701,7 @@
           <p:cNvPr id="3" name="Rectangle 2">
             <a:extLst>
               <a:ext uri="{FF2B5EF4-FFF2-40B4-BE49-F238E27FC236}">
-                <a16:creationId xmlns:a16="http://schemas.microsoft.com/office/drawing/2014/main" id="{25949CF9-AE80-D4A2-E0FC-126A4E8ECBCB}"/>
+                <a16:creationId xmlns:a16="http://schemas.microsoft.com/office/drawing/2014/main" xmlns="" id="{25949CF9-AE80-D4A2-E0FC-126A4E8ECBCB}"/>
               </a:ext>
             </a:extLst>
           </p:cNvPr>
@@ -5310,7 +5753,7 @@
           <p:cNvPr id="2" name="Title 1">
             <a:extLst>
               <a:ext uri="{FF2B5EF4-FFF2-40B4-BE49-F238E27FC236}">
-                <a16:creationId xmlns:a16="http://schemas.microsoft.com/office/drawing/2014/main" id="{44C9E92B-FE67-1F3D-DCA0-195195A4AB6A}"/>
+                <a16:creationId xmlns:a16="http://schemas.microsoft.com/office/drawing/2014/main" xmlns="" id="{44C9E92B-FE67-1F3D-DCA0-195195A4AB6A}"/>
               </a:ext>
             </a:extLst>
           </p:cNvPr>
@@ -5352,7 +5795,7 @@
           <p:cNvPr id="10" name="Straight Connector 9">
             <a:extLst>
               <a:ext uri="{FF2B5EF4-FFF2-40B4-BE49-F238E27FC236}">
-                <a16:creationId xmlns:a16="http://schemas.microsoft.com/office/drawing/2014/main" id="{3FB318F3-41C4-0F1C-1CBD-D5A32280E575}"/>
+                <a16:creationId xmlns:a16="http://schemas.microsoft.com/office/drawing/2014/main" xmlns="" id="{3FB318F3-41C4-0F1C-1CBD-D5A32280E575}"/>
               </a:ext>
             </a:extLst>
           </p:cNvPr>
@@ -5398,7 +5841,7 @@
           <p:cNvPr id="14" name="Straight Connector 13">
             <a:extLst>
               <a:ext uri="{FF2B5EF4-FFF2-40B4-BE49-F238E27FC236}">
-                <a16:creationId xmlns:a16="http://schemas.microsoft.com/office/drawing/2014/main" id="{0C43CC35-4750-6912-E49F-E917DF9AB637}"/>
+                <a16:creationId xmlns:a16="http://schemas.microsoft.com/office/drawing/2014/main" xmlns="" id="{0C43CC35-4750-6912-E49F-E917DF9AB637}"/>
               </a:ext>
             </a:extLst>
           </p:cNvPr>
@@ -5444,7 +5887,7 @@
           <p:cNvPr id="8" name="Text Placeholder 7">
             <a:extLst>
               <a:ext uri="{FF2B5EF4-FFF2-40B4-BE49-F238E27FC236}">
-                <a16:creationId xmlns:a16="http://schemas.microsoft.com/office/drawing/2014/main" id="{CF06E8DC-A0CF-0798-ADF8-761E7E68BAC4}"/>
+                <a16:creationId xmlns:a16="http://schemas.microsoft.com/office/drawing/2014/main" xmlns="" id="{CF06E8DC-A0CF-0798-ADF8-761E7E68BAC4}"/>
               </a:ext>
             </a:extLst>
           </p:cNvPr>
@@ -5495,7 +5938,7 @@
           <p:cNvPr id="12" name="Text Placeholder 7">
             <a:extLst>
               <a:ext uri="{FF2B5EF4-FFF2-40B4-BE49-F238E27FC236}">
-                <a16:creationId xmlns:a16="http://schemas.microsoft.com/office/drawing/2014/main" id="{FCFA915D-63BE-A1E7-E7C6-A8B7F841C27B}"/>
+                <a16:creationId xmlns:a16="http://schemas.microsoft.com/office/drawing/2014/main" xmlns="" id="{FCFA915D-63BE-A1E7-E7C6-A8B7F841C27B}"/>
               </a:ext>
             </a:extLst>
           </p:cNvPr>
@@ -5546,7 +5989,7 @@
           <p:cNvPr id="15" name="Text Placeholder 7">
             <a:extLst>
               <a:ext uri="{FF2B5EF4-FFF2-40B4-BE49-F238E27FC236}">
-                <a16:creationId xmlns:a16="http://schemas.microsoft.com/office/drawing/2014/main" id="{2D2F8532-EAC1-4C87-C49E-5B099E83972D}"/>
+                <a16:creationId xmlns:a16="http://schemas.microsoft.com/office/drawing/2014/main" xmlns="" id="{2D2F8532-EAC1-4C87-C49E-5B099E83972D}"/>
               </a:ext>
             </a:extLst>
           </p:cNvPr>
@@ -5597,7 +6040,7 @@
           <p:cNvPr id="16" name="Text Placeholder 7">
             <a:extLst>
               <a:ext uri="{FF2B5EF4-FFF2-40B4-BE49-F238E27FC236}">
-                <a16:creationId xmlns:a16="http://schemas.microsoft.com/office/drawing/2014/main" id="{267078C8-F910-8FC3-7286-ADF1FB40862C}"/>
+                <a16:creationId xmlns:a16="http://schemas.microsoft.com/office/drawing/2014/main" xmlns="" id="{267078C8-F910-8FC3-7286-ADF1FB40862C}"/>
               </a:ext>
             </a:extLst>
           </p:cNvPr>
@@ -5648,7 +6091,7 @@
           <p:cNvPr id="17" name="Text Placeholder 7">
             <a:extLst>
               <a:ext uri="{FF2B5EF4-FFF2-40B4-BE49-F238E27FC236}">
-                <a16:creationId xmlns:a16="http://schemas.microsoft.com/office/drawing/2014/main" id="{2A8B99F6-09B0-9487-3A2A-0062188384B3}"/>
+                <a16:creationId xmlns:a16="http://schemas.microsoft.com/office/drawing/2014/main" xmlns="" id="{2A8B99F6-09B0-9487-3A2A-0062188384B3}"/>
               </a:ext>
             </a:extLst>
           </p:cNvPr>
@@ -5699,7 +6142,7 @@
           <p:cNvPr id="18" name="Text Placeholder 7">
             <a:extLst>
               <a:ext uri="{FF2B5EF4-FFF2-40B4-BE49-F238E27FC236}">
-                <a16:creationId xmlns:a16="http://schemas.microsoft.com/office/drawing/2014/main" id="{E2F86FE2-AC0C-C76C-B2BD-9A02FA2E0205}"/>
+                <a16:creationId xmlns:a16="http://schemas.microsoft.com/office/drawing/2014/main" xmlns="" id="{E2F86FE2-AC0C-C76C-B2BD-9A02FA2E0205}"/>
               </a:ext>
             </a:extLst>
           </p:cNvPr>
@@ -5748,7 +6191,7 @@
     </p:spTree>
     <p:extLst>
       <p:ext uri="{BB962C8B-B14F-4D97-AF65-F5344CB8AC3E}">
-        <p14:creationId xmlns:p14="http://schemas.microsoft.com/office/powerpoint/2010/main" val="2461991912"/>
+        <p14:creationId xmlns:p14="http://schemas.microsoft.com/office/powerpoint/2010/main" xmlns="" val="2461991912"/>
       </p:ext>
     </p:extLst>
   </p:cSld>
@@ -5757,7 +6200,7 @@
   </p:clrMapOvr>
   <p:extLst>
     <p:ext uri="{DCECCB84-F9BA-43D5-87BE-67443E8EF086}">
-      <p15:sldGuideLst xmlns:p15="http://schemas.microsoft.com/office/powerpoint/2012/main">
+      <p15:sldGuideLst xmlns:p15="http://schemas.microsoft.com/office/powerpoint/2012/main" xmlns="">
         <p15:guide id="1" orient="horz" pos="840">
           <p15:clr>
             <a:srgbClr val="FBAE40"/>
@@ -5831,7 +6274,7 @@
           <p:cNvPr id="2" name="Title 1">
             <a:extLst>
               <a:ext uri="{FF2B5EF4-FFF2-40B4-BE49-F238E27FC236}">
-                <a16:creationId xmlns:a16="http://schemas.microsoft.com/office/drawing/2014/main" id="{44C9E92B-FE67-1F3D-DCA0-195195A4AB6A}"/>
+                <a16:creationId xmlns:a16="http://schemas.microsoft.com/office/drawing/2014/main" xmlns="" id="{44C9E92B-FE67-1F3D-DCA0-195195A4AB6A}"/>
               </a:ext>
             </a:extLst>
           </p:cNvPr>
@@ -5873,7 +6316,7 @@
           <p:cNvPr id="10" name="Straight Connector 9">
             <a:extLst>
               <a:ext uri="{FF2B5EF4-FFF2-40B4-BE49-F238E27FC236}">
-                <a16:creationId xmlns:a16="http://schemas.microsoft.com/office/drawing/2014/main" id="{3FB318F3-41C4-0F1C-1CBD-D5A32280E575}"/>
+                <a16:creationId xmlns:a16="http://schemas.microsoft.com/office/drawing/2014/main" xmlns="" id="{3FB318F3-41C4-0F1C-1CBD-D5A32280E575}"/>
               </a:ext>
             </a:extLst>
           </p:cNvPr>
@@ -5919,7 +6362,7 @@
           <p:cNvPr id="14" name="Straight Connector 13">
             <a:extLst>
               <a:ext uri="{FF2B5EF4-FFF2-40B4-BE49-F238E27FC236}">
-                <a16:creationId xmlns:a16="http://schemas.microsoft.com/office/drawing/2014/main" id="{0C43CC35-4750-6912-E49F-E917DF9AB637}"/>
+                <a16:creationId xmlns:a16="http://schemas.microsoft.com/office/drawing/2014/main" xmlns="" id="{0C43CC35-4750-6912-E49F-E917DF9AB637}"/>
               </a:ext>
             </a:extLst>
           </p:cNvPr>
@@ -5965,7 +6408,7 @@
           <p:cNvPr id="8" name="Text Placeholder 7">
             <a:extLst>
               <a:ext uri="{FF2B5EF4-FFF2-40B4-BE49-F238E27FC236}">
-                <a16:creationId xmlns:a16="http://schemas.microsoft.com/office/drawing/2014/main" id="{CF06E8DC-A0CF-0798-ADF8-761E7E68BAC4}"/>
+                <a16:creationId xmlns:a16="http://schemas.microsoft.com/office/drawing/2014/main" xmlns="" id="{CF06E8DC-A0CF-0798-ADF8-761E7E68BAC4}"/>
               </a:ext>
             </a:extLst>
           </p:cNvPr>
@@ -6016,7 +6459,7 @@
           <p:cNvPr id="16" name="Text Placeholder 7">
             <a:extLst>
               <a:ext uri="{FF2B5EF4-FFF2-40B4-BE49-F238E27FC236}">
-                <a16:creationId xmlns:a16="http://schemas.microsoft.com/office/drawing/2014/main" id="{267078C8-F910-8FC3-7286-ADF1FB40862C}"/>
+                <a16:creationId xmlns:a16="http://schemas.microsoft.com/office/drawing/2014/main" xmlns="" id="{267078C8-F910-8FC3-7286-ADF1FB40862C}"/>
               </a:ext>
             </a:extLst>
           </p:cNvPr>
@@ -6067,7 +6510,7 @@
           <p:cNvPr id="7" name="Picture Placeholder 6">
             <a:extLst>
               <a:ext uri="{FF2B5EF4-FFF2-40B4-BE49-F238E27FC236}">
-                <a16:creationId xmlns:a16="http://schemas.microsoft.com/office/drawing/2014/main" id="{39F175D2-EEFE-E4BF-0E57-03025B8F8D64}"/>
+                <a16:creationId xmlns:a16="http://schemas.microsoft.com/office/drawing/2014/main" xmlns="" id="{39F175D2-EEFE-E4BF-0E57-03025B8F8D64}"/>
               </a:ext>
             </a:extLst>
           </p:cNvPr>
@@ -6097,7 +6540,7 @@
           <p:cNvPr id="15" name="Text Placeholder 12">
             <a:extLst>
               <a:ext uri="{FF2B5EF4-FFF2-40B4-BE49-F238E27FC236}">
-                <a16:creationId xmlns:a16="http://schemas.microsoft.com/office/drawing/2014/main" id="{273C4E42-511B-EB94-CA0A-051B1A4A918D}"/>
+                <a16:creationId xmlns:a16="http://schemas.microsoft.com/office/drawing/2014/main" xmlns="" id="{273C4E42-511B-EB94-CA0A-051B1A4A918D}"/>
               </a:ext>
             </a:extLst>
           </p:cNvPr>
@@ -6159,7 +6602,7 @@
     </p:spTree>
     <p:extLst>
       <p:ext uri="{BB962C8B-B14F-4D97-AF65-F5344CB8AC3E}">
-        <p14:creationId xmlns:p14="http://schemas.microsoft.com/office/powerpoint/2010/main" val="1911048288"/>
+        <p14:creationId xmlns:p14="http://schemas.microsoft.com/office/powerpoint/2010/main" xmlns="" val="1911048288"/>
       </p:ext>
     </p:extLst>
   </p:cSld>
@@ -6168,7 +6611,7 @@
   </p:clrMapOvr>
   <p:extLst>
     <p:ext uri="{DCECCB84-F9BA-43D5-87BE-67443E8EF086}">
-      <p15:sldGuideLst xmlns:p15="http://schemas.microsoft.com/office/powerpoint/2012/main">
+      <p15:sldGuideLst xmlns:p15="http://schemas.microsoft.com/office/powerpoint/2012/main" xmlns="">
         <p15:guide id="1" orient="horz" pos="840">
           <p15:clr>
             <a:srgbClr val="FBAE40"/>
@@ -6252,7 +6695,7 @@
           <p:cNvPr id="2" name="Title Placeholder 1">
             <a:extLst>
               <a:ext uri="{FF2B5EF4-FFF2-40B4-BE49-F238E27FC236}">
-                <a16:creationId xmlns:a16="http://schemas.microsoft.com/office/drawing/2014/main" id="{F154C769-5B6E-5C22-9516-5D7BE462E358}"/>
+                <a16:creationId xmlns:a16="http://schemas.microsoft.com/office/drawing/2014/main" xmlns="" id="{F154C769-5B6E-5C22-9516-5D7BE462E358}"/>
               </a:ext>
             </a:extLst>
           </p:cNvPr>
@@ -6290,7 +6733,7 @@
           <p:cNvPr id="3" name="Text Placeholder 2">
             <a:extLst>
               <a:ext uri="{FF2B5EF4-FFF2-40B4-BE49-F238E27FC236}">
-                <a16:creationId xmlns:a16="http://schemas.microsoft.com/office/drawing/2014/main" id="{023190F5-D493-CE67-ED1B-D761BFA6998B}"/>
+                <a16:creationId xmlns:a16="http://schemas.microsoft.com/office/drawing/2014/main" xmlns="" id="{023190F5-D493-CE67-ED1B-D761BFA6998B}"/>
               </a:ext>
             </a:extLst>
           </p:cNvPr>
@@ -6357,7 +6800,7 @@
           <p:cNvPr id="4" name="Date Placeholder 3">
             <a:extLst>
               <a:ext uri="{FF2B5EF4-FFF2-40B4-BE49-F238E27FC236}">
-                <a16:creationId xmlns:a16="http://schemas.microsoft.com/office/drawing/2014/main" id="{5725225E-A593-BBE5-FA35-2952DE6D56A1}"/>
+                <a16:creationId xmlns:a16="http://schemas.microsoft.com/office/drawing/2014/main" xmlns="" id="{5725225E-A593-BBE5-FA35-2952DE6D56A1}"/>
               </a:ext>
             </a:extLst>
           </p:cNvPr>
@@ -6394,7 +6837,7 @@
             <a:fld id="{560812C0-D4F0-C345-96B4-1E8B918506AC}" type="datetimeFigureOut">
               <a:rPr lang="en-US" smtClean="0"/>
               <a:pPr/>
-              <a:t>2/11/2025</a:t>
+              <a:t>2/14/2025</a:t>
             </a:fld>
             <a:endParaRPr lang="en-US"/>
           </a:p>
@@ -6405,7 +6848,7 @@
           <p:cNvPr id="6" name="Slide Number Placeholder 5">
             <a:extLst>
               <a:ext uri="{FF2B5EF4-FFF2-40B4-BE49-F238E27FC236}">
-                <a16:creationId xmlns:a16="http://schemas.microsoft.com/office/drawing/2014/main" id="{BB730E95-9162-1956-4897-1AA052698F96}"/>
+                <a16:creationId xmlns:a16="http://schemas.microsoft.com/office/drawing/2014/main" xmlns="" id="{BB730E95-9162-1956-4897-1AA052698F96}"/>
               </a:ext>
             </a:extLst>
           </p:cNvPr>
@@ -6451,7 +6894,7 @@
     </p:spTree>
     <p:extLst>
       <p:ext uri="{BB962C8B-B14F-4D97-AF65-F5344CB8AC3E}">
-        <p14:creationId xmlns:p14="http://schemas.microsoft.com/office/powerpoint/2010/main" val="1679508059"/>
+        <p14:creationId xmlns:p14="http://schemas.microsoft.com/office/powerpoint/2010/main" xmlns="" val="1679508059"/>
       </p:ext>
     </p:extLst>
   </p:cSld>
@@ -6470,6 +6913,8 @@
     <p:sldLayoutId id="2147483671" r:id="rId11"/>
     <p:sldLayoutId id="2147483660" r:id="rId12"/>
     <p:sldLayoutId id="2147483674" r:id="rId13"/>
+    <p:sldLayoutId id="2147483675" r:id="rId14"/>
+    <p:sldLayoutId id="2147483676" r:id="rId15"/>
   </p:sldLayoutIdLst>
   <p:txStyles>
     <p:titleStyle>
@@ -6771,7 +7216,7 @@
   </p:txStyles>
   <p:extLst>
     <p:ext uri="{27BBF7A9-308A-43DC-89C8-2F10F3537804}">
-      <p15:sldGuideLst xmlns:p15="http://schemas.microsoft.com/office/powerpoint/2012/main">
+      <p15:sldGuideLst xmlns:p15="http://schemas.microsoft.com/office/powerpoint/2012/main" xmlns="">
         <p15:guide id="1" orient="horz" pos="2160">
           <p15:clr>
             <a:srgbClr val="F26B43"/>
@@ -6825,7 +7270,7 @@
           <p:cNvPr id="2" name="Title 1">
             <a:extLst>
               <a:ext uri="{FF2B5EF4-FFF2-40B4-BE49-F238E27FC236}">
-                <a16:creationId xmlns:a16="http://schemas.microsoft.com/office/drawing/2014/main" id="{B28536A1-1A23-FDCA-E791-278F673BA931}"/>
+                <a16:creationId xmlns:a16="http://schemas.microsoft.com/office/drawing/2014/main" xmlns="" id="{B28536A1-1A23-FDCA-E791-278F673BA931}"/>
               </a:ext>
             </a:extLst>
           </p:cNvPr>
@@ -6853,7 +7298,7 @@
           <p:cNvPr id="5" name="Text Placeholder 4">
             <a:extLst>
               <a:ext uri="{FF2B5EF4-FFF2-40B4-BE49-F238E27FC236}">
-                <a16:creationId xmlns:a16="http://schemas.microsoft.com/office/drawing/2014/main" id="{DAC5B7BB-086A-0BEE-471F-DC71F427D321}"/>
+                <a16:creationId xmlns:a16="http://schemas.microsoft.com/office/drawing/2014/main" xmlns="" id="{DAC5B7BB-086A-0BEE-471F-DC71F427D321}"/>
               </a:ext>
             </a:extLst>
           </p:cNvPr>
@@ -6881,7 +7326,7 @@
           <p:cNvPr id="3" name="Picture Placeholder 2">
             <a:extLst>
               <a:ext uri="{FF2B5EF4-FFF2-40B4-BE49-F238E27FC236}">
-                <a16:creationId xmlns:a16="http://schemas.microsoft.com/office/drawing/2014/main" id="{543F27B1-D188-639B-7828-FED7081A75BB}"/>
+                <a16:creationId xmlns:a16="http://schemas.microsoft.com/office/drawing/2014/main" xmlns="" id="{543F27B1-D188-639B-7828-FED7081A75BB}"/>
               </a:ext>
             </a:extLst>
           </p:cNvPr>
@@ -6904,184 +7349,24 @@
     </p:spTree>
     <p:extLst>
       <p:ext uri="{BB962C8B-B14F-4D97-AF65-F5344CB8AC3E}">
-        <p14:creationId xmlns:p14="http://schemas.microsoft.com/office/powerpoint/2010/main" val="979534594"/>
+        <p14:creationId xmlns:p14="http://schemas.microsoft.com/office/powerpoint/2010/main" xmlns="" val="979534594"/>
       </p:ext>
     </p:extLst>
   </p:cSld>
   <p:clrMapOvr>
     <a:masterClrMapping/>
   </p:clrMapOvr>
+  <p:timing>
+    <p:tnLst>
+      <p:par>
+        <p:cTn id="1" dur="indefinite" restart="never" nodeType="tmRoot"/>
+      </p:par>
+    </p:tnLst>
+  </p:timing>
 </p:sld>
 </file>
 
 <file path=ppt/slides/slide10.xml><?xml version="1.0" encoding="utf-8"?>
-<p:sld xmlns:a="http://schemas.openxmlformats.org/drawingml/2006/main" xmlns:r="http://schemas.openxmlformats.org/officeDocument/2006/relationships" xmlns:p="http://schemas.openxmlformats.org/presentationml/2006/main">
-  <p:cSld>
-    <p:spTree>
-      <p:nvGrpSpPr>
-        <p:cNvPr id="1" name=""/>
-        <p:cNvGrpSpPr/>
-        <p:nvPr/>
-      </p:nvGrpSpPr>
-      <p:grpSpPr>
-        <a:xfrm>
-          <a:off x="0" y="0"/>
-          <a:ext cx="0" cy="0"/>
-          <a:chOff x="0" y="0"/>
-          <a:chExt cx="0" cy="0"/>
-        </a:xfrm>
-      </p:grpSpPr>
-      <p:sp>
-        <p:nvSpPr>
-          <p:cNvPr id="9" name="Rectangle 8"/>
-          <p:cNvSpPr/>
-          <p:nvPr/>
-        </p:nvSpPr>
-        <p:spPr>
-          <a:xfrm>
-            <a:off x="322053" y="109131"/>
-            <a:ext cx="10918166" cy="369332"/>
-          </a:xfrm>
-          <a:prstGeom prst="rect">
-            <a:avLst/>
-          </a:prstGeom>
-        </p:spPr>
-        <p:txBody>
-          <a:bodyPr wrap="square">
-            <a:spAutoFit/>
-          </a:bodyPr>
-          <a:lstStyle/>
-          <a:p>
-            <a:r>
-              <a:rPr lang="en-US" dirty="0"/>
-              <a:t>Uniform Array Factor:</a:t>
-            </a:r>
-            <a:endParaRPr lang="en-US" sz="1200" dirty="0"/>
-          </a:p>
-        </p:txBody>
-      </p:sp>
-      <p:pic>
-        <p:nvPicPr>
-          <p:cNvPr id="3" name="Picture 2" descr="q1_1.PNG"/>
-          <p:cNvPicPr>
-            <a:picLocks noChangeAspect="1"/>
-          </p:cNvPicPr>
-          <p:nvPr/>
-        </p:nvPicPr>
-        <p:blipFill>
-          <a:blip r:embed="rId2"/>
-          <a:stretch>
-            <a:fillRect/>
-          </a:stretch>
-        </p:blipFill>
-        <p:spPr>
-          <a:xfrm>
-            <a:off x="155276" y="1147310"/>
-            <a:ext cx="5669833" cy="4339086"/>
-          </a:xfrm>
-          <a:prstGeom prst="rect">
-            <a:avLst/>
-          </a:prstGeom>
-        </p:spPr>
-      </p:pic>
-      <p:pic>
-        <p:nvPicPr>
-          <p:cNvPr id="4" name="Picture 3" descr="q1_2.PNG"/>
-          <p:cNvPicPr>
-            <a:picLocks noChangeAspect="1"/>
-          </p:cNvPicPr>
-          <p:nvPr/>
-        </p:nvPicPr>
-        <p:blipFill>
-          <a:blip r:embed="rId3"/>
-          <a:stretch>
-            <a:fillRect/>
-          </a:stretch>
-        </p:blipFill>
-        <p:spPr>
-          <a:xfrm>
-            <a:off x="5797916" y="1177775"/>
-            <a:ext cx="5812244" cy="4380703"/>
-          </a:xfrm>
-          <a:prstGeom prst="rect">
-            <a:avLst/>
-          </a:prstGeom>
-        </p:spPr>
-      </p:pic>
-      <p:sp>
-        <p:nvSpPr>
-          <p:cNvPr id="5" name="TextBox 4"/>
-          <p:cNvSpPr txBox="1"/>
-          <p:nvPr/>
-        </p:nvSpPr>
-        <p:spPr>
-          <a:xfrm>
-            <a:off x="543464" y="5520906"/>
-            <a:ext cx="4770407" cy="338554"/>
-          </a:xfrm>
-          <a:prstGeom prst="rect">
-            <a:avLst/>
-          </a:prstGeom>
-          <a:noFill/>
-        </p:spPr>
-        <p:txBody>
-          <a:bodyPr wrap="square" rtlCol="0">
-            <a:spAutoFit/>
-          </a:bodyPr>
-          <a:lstStyle/>
-          <a:p>
-            <a:pPr algn="ctr"/>
-            <a:r>
-              <a:rPr lang="en-US" sz="800" dirty="0">
-                <a:latin typeface="Arial" pitchFamily="34" charset="0"/>
-                <a:cs typeface="Arial" pitchFamily="34" charset="0"/>
-              </a:rPr>
-              <a:t>Fig: Array Factor for a Linear Array Antenna with 6 Elements (N = 6) and Element Spacing of Half Wavelength (d = λ/2)</a:t>
-            </a:r>
-          </a:p>
-        </p:txBody>
-      </p:sp>
-      <p:sp>
-        <p:nvSpPr>
-          <p:cNvPr id="6" name="TextBox 5"/>
-          <p:cNvSpPr txBox="1"/>
-          <p:nvPr/>
-        </p:nvSpPr>
-        <p:spPr>
-          <a:xfrm>
-            <a:off x="6294407" y="5569789"/>
-            <a:ext cx="5006196" cy="215444"/>
-          </a:xfrm>
-          <a:prstGeom prst="rect">
-            <a:avLst/>
-          </a:prstGeom>
-          <a:noFill/>
-        </p:spPr>
-        <p:txBody>
-          <a:bodyPr wrap="square" rtlCol="0">
-            <a:spAutoFit/>
-          </a:bodyPr>
-          <a:lstStyle/>
-          <a:p>
-            <a:r>
-              <a:rPr lang="en-US" sz="800" dirty="0">
-                <a:latin typeface="Arial" pitchFamily="34" charset="0"/>
-                <a:cs typeface="Arial" pitchFamily="34" charset="0"/>
-              </a:rPr>
-              <a:t>Fig: Comparison of Array Factor for a 2-element, 10-element and 8-element  Linear Array Antenna  </a:t>
-            </a:r>
-          </a:p>
-        </p:txBody>
-      </p:sp>
-    </p:spTree>
-  </p:cSld>
-  <p:clrMapOvr>
-    <a:masterClrMapping/>
-  </p:clrMapOvr>
-</p:sld>
-</file>
-
-<file path=ppt/slides/slide11.xml><?xml version="1.0" encoding="utf-8"?>
 <p:sld xmlns:a="http://schemas.openxmlformats.org/drawingml/2006/main" xmlns:r="http://schemas.openxmlformats.org/officeDocument/2006/relationships" xmlns:p="http://schemas.openxmlformats.org/presentationml/2006/main">
   <p:cSld>
     <p:spTree>
@@ -7160,10 +7445,17 @@
   <p:clrMapOvr>
     <a:masterClrMapping/>
   </p:clrMapOvr>
+  <p:timing>
+    <p:tnLst>
+      <p:par>
+        <p:cTn id="1" dur="indefinite" restart="never" nodeType="tmRoot"/>
+      </p:par>
+    </p:tnLst>
+  </p:timing>
 </p:sld>
 </file>
 
-<file path=ppt/slides/slide12.xml><?xml version="1.0" encoding="utf-8"?>
+<file path=ppt/slides/slide11.xml><?xml version="1.0" encoding="utf-8"?>
 <p:sld xmlns:a="http://schemas.openxmlformats.org/drawingml/2006/main" xmlns:r="http://schemas.openxmlformats.org/officeDocument/2006/relationships" xmlns:p="http://schemas.openxmlformats.org/presentationml/2006/main">
   <p:cSld>
     <p:spTree>
@@ -7251,10 +7543,17 @@
   <p:clrMapOvr>
     <a:masterClrMapping/>
   </p:clrMapOvr>
+  <p:timing>
+    <p:tnLst>
+      <p:par>
+        <p:cTn id="1" dur="indefinite" restart="never" nodeType="tmRoot"/>
+      </p:par>
+    </p:tnLst>
+  </p:timing>
 </p:sld>
 </file>
 
-<file path=ppt/slides/slide13.xml><?xml version="1.0" encoding="utf-8"?>
+<file path=ppt/slides/slide12.xml><?xml version="1.0" encoding="utf-8"?>
 <p:sld xmlns:a="http://schemas.openxmlformats.org/drawingml/2006/main" xmlns:r="http://schemas.openxmlformats.org/officeDocument/2006/relationships" xmlns:p="http://schemas.openxmlformats.org/presentationml/2006/main">
   <p:cSld>
     <p:spTree>
@@ -7449,7 +7748,7 @@
         </p:blipFill>
         <p:spPr>
           <a:xfrm>
-            <a:off x="6097148" y="3545840"/>
+            <a:off x="8115729" y="3588972"/>
             <a:ext cx="3676772" cy="3037840"/>
           </a:xfrm>
           <a:prstGeom prst="rect">
@@ -7481,15 +7780,55 @@
           </a:prstGeom>
         </p:spPr>
       </p:pic>
+      <p:pic>
+        <p:nvPicPr>
+          <p:cNvPr id="10" name="Picture 3"/>
+          <p:cNvPicPr>
+            <a:picLocks noChangeAspect="1" noChangeArrowheads="1"/>
+          </p:cNvPicPr>
+          <p:nvPr/>
+        </p:nvPicPr>
+        <p:blipFill>
+          <a:blip r:embed="rId7"/>
+          <a:srcRect/>
+          <a:stretch>
+            <a:fillRect/>
+          </a:stretch>
+        </p:blipFill>
+        <p:spPr bwMode="auto">
+          <a:xfrm>
+            <a:off x="4158806" y="3907765"/>
+            <a:ext cx="3897231" cy="1284377"/>
+          </a:xfrm>
+          <a:prstGeom prst="rect">
+            <a:avLst/>
+          </a:prstGeom>
+          <a:noFill/>
+          <a:ln w="9525">
+            <a:noFill/>
+            <a:miter lim="800000"/>
+            <a:headEnd/>
+            <a:tailEnd/>
+          </a:ln>
+          <a:effectLst/>
+        </p:spPr>
+      </p:pic>
     </p:spTree>
   </p:cSld>
   <p:clrMapOvr>
     <a:masterClrMapping/>
   </p:clrMapOvr>
+  <p:timing>
+    <p:tnLst>
+      <p:par>
+        <p:cTn id="1" dur="indefinite" restart="never" nodeType="tmRoot"/>
+      </p:par>
+    </p:tnLst>
+  </p:timing>
 </p:sld>
 </file>
 
-<file path=ppt/slides/slide14.xml><?xml version="1.0" encoding="utf-8"?>
+<file path=ppt/slides/slide13.xml><?xml version="1.0" encoding="utf-8"?>
 <p:sld xmlns:a="http://schemas.openxmlformats.org/drawingml/2006/main" xmlns:r="http://schemas.openxmlformats.org/officeDocument/2006/relationships" xmlns:p="http://schemas.openxmlformats.org/presentationml/2006/main">
   <p:cSld>
     <p:spTree>
@@ -7667,10 +8006,17 @@
   <p:clrMapOvr>
     <a:masterClrMapping/>
   </p:clrMapOvr>
+  <p:timing>
+    <p:tnLst>
+      <p:par>
+        <p:cTn id="1" dur="indefinite" restart="never" nodeType="tmRoot"/>
+      </p:par>
+    </p:tnLst>
+  </p:timing>
 </p:sld>
 </file>
 
-<file path=ppt/slides/slide15.xml><?xml version="1.0" encoding="utf-8"?>
+<file path=ppt/slides/slide14.xml><?xml version="1.0" encoding="utf-8"?>
 <p:sld xmlns:a="http://schemas.openxmlformats.org/drawingml/2006/main" xmlns:r="http://schemas.openxmlformats.org/officeDocument/2006/relationships" xmlns:p="http://schemas.openxmlformats.org/presentationml/2006/main">
   <p:cSld>
     <p:spTree>
@@ -7796,10 +8142,17 @@
   <p:clrMapOvr>
     <a:masterClrMapping/>
   </p:clrMapOvr>
+  <p:timing>
+    <p:tnLst>
+      <p:par>
+        <p:cTn id="1" dur="indefinite" restart="never" nodeType="tmRoot"/>
+      </p:par>
+    </p:tnLst>
+  </p:timing>
 </p:sld>
 </file>
 
-<file path=ppt/slides/slide16.xml><?xml version="1.0" encoding="utf-8"?>
+<file path=ppt/slides/slide15.xml><?xml version="1.0" encoding="utf-8"?>
 <p:sld xmlns:a="http://schemas.openxmlformats.org/drawingml/2006/main" xmlns:r="http://schemas.openxmlformats.org/officeDocument/2006/relationships" xmlns:p="http://schemas.openxmlformats.org/presentationml/2006/main">
   <p:cSld>
     <p:spTree>
@@ -7899,10 +8252,17 @@
   <p:clrMapOvr>
     <a:masterClrMapping/>
   </p:clrMapOvr>
+  <p:timing>
+    <p:tnLst>
+      <p:par>
+        <p:cTn id="1" dur="indefinite" restart="never" nodeType="tmRoot"/>
+      </p:par>
+    </p:tnLst>
+  </p:timing>
 </p:sld>
 </file>
 
-<file path=ppt/slides/slide17.xml><?xml version="1.0" encoding="utf-8"?>
+<file path=ppt/slides/slide16.xml><?xml version="1.0" encoding="utf-8"?>
 <p:sld xmlns:a="http://schemas.openxmlformats.org/drawingml/2006/main" xmlns:r="http://schemas.openxmlformats.org/officeDocument/2006/relationships" xmlns:p="http://schemas.openxmlformats.org/presentationml/2006/main">
   <p:cSld>
     <p:spTree>
@@ -8046,6 +8406,268 @@
   <p:clrMapOvr>
     <a:masterClrMapping/>
   </p:clrMapOvr>
+  <p:timing>
+    <p:tnLst>
+      <p:par>
+        <p:cTn id="1" dur="indefinite" restart="never" nodeType="tmRoot"/>
+      </p:par>
+    </p:tnLst>
+  </p:timing>
+</p:sld>
+</file>
+
+<file path=ppt/slides/slide17.xml><?xml version="1.0" encoding="utf-8"?>
+<p:sld xmlns:a="http://schemas.openxmlformats.org/drawingml/2006/main" xmlns:r="http://schemas.openxmlformats.org/officeDocument/2006/relationships" xmlns:p="http://schemas.openxmlformats.org/presentationml/2006/main">
+  <p:cSld>
+    <p:spTree>
+      <p:nvGrpSpPr>
+        <p:cNvPr id="1" name=""/>
+        <p:cNvGrpSpPr/>
+        <p:nvPr/>
+      </p:nvGrpSpPr>
+      <p:grpSpPr>
+        <a:xfrm>
+          <a:off x="0" y="0"/>
+          <a:ext cx="0" cy="0"/>
+          <a:chOff x="0" y="0"/>
+          <a:chExt cx="0" cy="0"/>
+        </a:xfrm>
+      </p:grpSpPr>
+      <p:sp>
+        <p:nvSpPr>
+          <p:cNvPr id="9" name="Rectangle 8"/>
+          <p:cNvSpPr/>
+          <p:nvPr/>
+        </p:nvSpPr>
+        <p:spPr>
+          <a:xfrm>
+            <a:off x="736120" y="509284"/>
+            <a:ext cx="10314318" cy="984885"/>
+          </a:xfrm>
+          <a:prstGeom prst="rect">
+            <a:avLst/>
+          </a:prstGeom>
+        </p:spPr>
+        <p:txBody>
+          <a:bodyPr wrap="square">
+            <a:spAutoFit/>
+          </a:bodyPr>
+          <a:lstStyle/>
+          <a:p>
+            <a:r>
+              <a:rPr lang="en-US" sz="2400" dirty="0" smtClean="0"/>
+              <a:t>Design of T/R Module for Far-Field WPT  Applications with Third Harmonic Receiver  Tracking </a:t>
+            </a:r>
+            <a:r>
+              <a:rPr lang="en-US" sz="2400" dirty="0" smtClean="0"/>
+              <a:t>System</a:t>
+            </a:r>
+          </a:p>
+          <a:p>
+            <a:r>
+              <a:rPr lang="es-ES" sz="1000" dirty="0" err="1" smtClean="0"/>
+              <a:t>Kundan</a:t>
+            </a:r>
+            <a:r>
+              <a:rPr lang="es-ES" sz="1000" dirty="0" smtClean="0"/>
+              <a:t> </a:t>
+            </a:r>
+            <a:r>
+              <a:rPr lang="es-ES" sz="1000" dirty="0" err="1" smtClean="0"/>
+              <a:t>Surse</a:t>
+            </a:r>
+            <a:r>
+              <a:rPr lang="es-ES" sz="1000" dirty="0" smtClean="0"/>
+              <a:t>, </a:t>
+            </a:r>
+            <a:r>
+              <a:rPr lang="es-ES" sz="1000" dirty="0" err="1" smtClean="0"/>
+              <a:t>Gopika</a:t>
+            </a:r>
+            <a:r>
+              <a:rPr lang="es-ES" sz="1000" dirty="0" smtClean="0"/>
+              <a:t> R</a:t>
+            </a:r>
+            <a:r>
+              <a:rPr lang="es-ES" sz="1000" dirty="0" smtClean="0"/>
+              <a:t>., </a:t>
+            </a:r>
+            <a:r>
+              <a:rPr lang="es-ES" sz="1000" dirty="0" err="1" smtClean="0"/>
+              <a:t>Chinmoy</a:t>
+            </a:r>
+            <a:r>
+              <a:rPr lang="es-ES" sz="1000" dirty="0" smtClean="0"/>
+              <a:t> </a:t>
+            </a:r>
+            <a:r>
+              <a:rPr lang="es-ES" sz="1000" dirty="0" smtClean="0"/>
+              <a:t>Saha, </a:t>
+            </a:r>
+            <a:r>
+              <a:rPr lang="es-ES" sz="1000" dirty="0" smtClean="0"/>
+              <a:t>and </a:t>
+            </a:r>
+            <a:r>
+              <a:rPr lang="es-ES" sz="1000" dirty="0" err="1" smtClean="0"/>
+              <a:t>Yahia</a:t>
+            </a:r>
+            <a:r>
+              <a:rPr lang="es-ES" sz="1000" dirty="0" smtClean="0"/>
+              <a:t> M </a:t>
+            </a:r>
+            <a:r>
+              <a:rPr lang="es-ES" sz="1000" dirty="0" err="1" smtClean="0"/>
+              <a:t>M</a:t>
+            </a:r>
+            <a:r>
+              <a:rPr lang="es-ES" sz="1000" dirty="0" smtClean="0"/>
+              <a:t> </a:t>
+            </a:r>
+            <a:r>
+              <a:rPr lang="es-ES" sz="1000" dirty="0" err="1" smtClean="0"/>
+              <a:t>Antar</a:t>
+            </a:r>
+            <a:endParaRPr lang="en-US" sz="1000" dirty="0"/>
+          </a:p>
+        </p:txBody>
+      </p:sp>
+      <p:pic>
+        <p:nvPicPr>
+          <p:cNvPr id="4099" name="Picture 3"/>
+          <p:cNvPicPr>
+            <a:picLocks noChangeAspect="1" noChangeArrowheads="1"/>
+          </p:cNvPicPr>
+          <p:nvPr/>
+        </p:nvPicPr>
+        <p:blipFill>
+          <a:blip r:embed="rId2"/>
+          <a:srcRect/>
+          <a:stretch>
+            <a:fillRect/>
+          </a:stretch>
+        </p:blipFill>
+        <p:spPr bwMode="auto">
+          <a:xfrm>
+            <a:off x="449871" y="1834204"/>
+            <a:ext cx="5458415" cy="2599754"/>
+          </a:xfrm>
+          <a:prstGeom prst="rect">
+            <a:avLst/>
+          </a:prstGeom>
+          <a:noFill/>
+          <a:ln w="9525">
+            <a:noFill/>
+            <a:miter lim="800000"/>
+            <a:headEnd/>
+            <a:tailEnd/>
+          </a:ln>
+          <a:effectLst/>
+        </p:spPr>
+      </p:pic>
+      <p:pic>
+        <p:nvPicPr>
+          <p:cNvPr id="4100" name="Picture 4"/>
+          <p:cNvPicPr>
+            <a:picLocks noChangeAspect="1" noChangeArrowheads="1"/>
+          </p:cNvPicPr>
+          <p:nvPr/>
+        </p:nvPicPr>
+        <p:blipFill>
+          <a:blip r:embed="rId3"/>
+          <a:srcRect/>
+          <a:stretch>
+            <a:fillRect/>
+          </a:stretch>
+        </p:blipFill>
+        <p:spPr bwMode="auto">
+          <a:xfrm>
+            <a:off x="5934973" y="1499306"/>
+            <a:ext cx="5038995" cy="3128476"/>
+          </a:xfrm>
+          <a:prstGeom prst="rect">
+            <a:avLst/>
+          </a:prstGeom>
+          <a:noFill/>
+          <a:ln w="9525">
+            <a:noFill/>
+            <a:miter lim="800000"/>
+            <a:headEnd/>
+            <a:tailEnd/>
+          </a:ln>
+          <a:effectLst/>
+        </p:spPr>
+      </p:pic>
+      <p:sp>
+        <p:nvSpPr>
+          <p:cNvPr id="13" name="Rectangle 12"/>
+          <p:cNvSpPr/>
+          <p:nvPr/>
+        </p:nvSpPr>
+        <p:spPr>
+          <a:xfrm>
+            <a:off x="7427343" y="4615113"/>
+            <a:ext cx="2864038" cy="215444"/>
+          </a:xfrm>
+          <a:prstGeom prst="rect">
+            <a:avLst/>
+          </a:prstGeom>
+        </p:spPr>
+        <p:txBody>
+          <a:bodyPr wrap="square">
+            <a:spAutoFit/>
+          </a:bodyPr>
+          <a:lstStyle/>
+          <a:p>
+            <a:r>
+              <a:rPr lang="en-US" sz="800" dirty="0" smtClean="0"/>
+              <a:t>Designed PCB for T/R module.</a:t>
+            </a:r>
+            <a:endParaRPr lang="en-US" sz="800" dirty="0"/>
+          </a:p>
+        </p:txBody>
+      </p:sp>
+      <p:sp>
+        <p:nvSpPr>
+          <p:cNvPr id="14" name="Rectangle 13"/>
+          <p:cNvSpPr/>
+          <p:nvPr/>
+        </p:nvSpPr>
+        <p:spPr>
+          <a:xfrm>
+            <a:off x="2340183" y="4590036"/>
+            <a:ext cx="2210862" cy="215444"/>
+          </a:xfrm>
+          <a:prstGeom prst="rect">
+            <a:avLst/>
+          </a:prstGeom>
+        </p:spPr>
+        <p:txBody>
+          <a:bodyPr wrap="none">
+            <a:spAutoFit/>
+          </a:bodyPr>
+          <a:lstStyle/>
+          <a:p>
+            <a:r>
+              <a:rPr lang="en-US" sz="800" dirty="0" smtClean="0"/>
+              <a:t>Block diagram of proposed far field WPT system.</a:t>
+            </a:r>
+            <a:endParaRPr lang="en-US" sz="800" dirty="0"/>
+          </a:p>
+        </p:txBody>
+      </p:sp>
+    </p:spTree>
+  </p:cSld>
+  <p:clrMapOvr>
+    <a:masterClrMapping/>
+  </p:clrMapOvr>
+  <p:timing>
+    <p:tnLst>
+      <p:par>
+        <p:cTn id="1" dur="indefinite" restart="never" nodeType="tmRoot"/>
+      </p:par>
+    </p:tnLst>
+  </p:timing>
 </p:sld>
 </file>
 
@@ -8066,61 +8688,1008 @@
           <a:chExt cx="0" cy="0"/>
         </a:xfrm>
       </p:grpSpPr>
-      <p:pic>
-        <p:nvPicPr>
-          <p:cNvPr id="10" name="Picture 9" descr="A grid with a spiral pattern&#10;&#10;AI-generated content may be incorrect.">
+      <p:grpSp>
+        <p:nvGrpSpPr>
+          <p:cNvPr id="2" name="Group 60">
             <a:extLst>
               <a:ext uri="{FF2B5EF4-FFF2-40B4-BE49-F238E27FC236}">
-                <a16:creationId xmlns:a16="http://schemas.microsoft.com/office/drawing/2014/main" id="{DB168B4F-9671-A8F3-F428-3F35F03A8F97}"/>
+                <a16:creationId xmlns:a16="http://schemas.microsoft.com/office/drawing/2014/main" xmlns="" id="{1EE8EFCD-D590-072C-FDB6-537DB3ED6756}"/>
               </a:ext>
             </a:extLst>
           </p:cNvPr>
-          <p:cNvPicPr>
-            <a:picLocks noChangeAspect="1"/>
-          </p:cNvPicPr>
+          <p:cNvGrpSpPr/>
           <p:nvPr/>
-        </p:nvPicPr>
-        <p:blipFill>
-          <a:blip r:embed="rId2">
-            <a:extLst>
-              <a:ext uri="{28A0092B-C50C-407E-A947-70E740481C1C}">
-                <a14:useLocalDpi xmlns:a14="http://schemas.microsoft.com/office/drawing/2010/main" val="0"/>
-              </a:ext>
-            </a:extLst>
-          </a:blip>
-          <a:stretch>
-            <a:fillRect/>
-          </a:stretch>
-        </p:blipFill>
-        <p:spPr>
-          <a:xfrm>
-            <a:off x="2280705" y="756864"/>
-            <a:ext cx="7630590" cy="5344271"/>
-          </a:xfrm>
-          <a:prstGeom prst="rect">
-            <a:avLst/>
-          </a:prstGeom>
-        </p:spPr>
-      </p:pic>
+        </p:nvGrpSpPr>
+        <p:grpSpPr>
+          <a:xfrm>
+            <a:off x="638355" y="664233"/>
+            <a:ext cx="10437963" cy="5063705"/>
+            <a:chOff x="0" y="62706"/>
+            <a:chExt cx="12192000" cy="6857999"/>
+          </a:xfrm>
+        </p:grpSpPr>
+        <p:pic>
+          <p:nvPicPr>
+            <p:cNvPr id="5" name="Picture 4">
+              <a:extLst>
+                <a:ext uri="{FF2B5EF4-FFF2-40B4-BE49-F238E27FC236}">
+                  <a16:creationId xmlns:a16="http://schemas.microsoft.com/office/drawing/2014/main" xmlns="" id="{F6921F41-510E-B570-546B-668F8F03F9A5}"/>
+                </a:ext>
+              </a:extLst>
+            </p:cNvPr>
+            <p:cNvPicPr>
+              <a:picLocks noChangeAspect="1"/>
+            </p:cNvPicPr>
+            <p:nvPr/>
+          </p:nvPicPr>
+          <p:blipFill>
+            <a:blip r:embed="rId2"/>
+            <a:stretch>
+              <a:fillRect/>
+            </a:stretch>
+          </p:blipFill>
+          <p:spPr>
+            <a:xfrm>
+              <a:off x="0" y="62706"/>
+              <a:ext cx="12192000" cy="6857999"/>
+            </a:xfrm>
+            <a:prstGeom prst="rect">
+              <a:avLst/>
+            </a:prstGeom>
+          </p:spPr>
+        </p:pic>
+        <p:sp>
+          <p:nvSpPr>
+            <p:cNvPr id="6" name="TextBox 5">
+              <a:extLst>
+                <a:ext uri="{FF2B5EF4-FFF2-40B4-BE49-F238E27FC236}">
+                  <a16:creationId xmlns:a16="http://schemas.microsoft.com/office/drawing/2014/main" xmlns="" id="{D7211CD9-FCBC-AC25-BC25-68D5D21D6E2C}"/>
+                </a:ext>
+              </a:extLst>
+            </p:cNvPr>
+            <p:cNvSpPr txBox="1"/>
+            <p:nvPr/>
+          </p:nvSpPr>
+          <p:spPr>
+            <a:xfrm>
+              <a:off x="1621003" y="4439753"/>
+              <a:ext cx="837089" cy="369332"/>
+            </a:xfrm>
+            <a:prstGeom prst="rect">
+              <a:avLst/>
+            </a:prstGeom>
+            <a:noFill/>
+            <a:ln>
+              <a:solidFill>
+                <a:schemeClr val="bg2"/>
+              </a:solidFill>
+            </a:ln>
+          </p:spPr>
+          <p:txBody>
+            <a:bodyPr wrap="none" rtlCol="0">
+              <a:spAutoFit/>
+            </a:bodyPr>
+            <a:lstStyle/>
+            <a:p>
+              <a:r>
+                <a:rPr lang="en-US" b="1" dirty="0">
+                  <a:solidFill>
+                    <a:schemeClr val="accent4"/>
+                  </a:solidFill>
+                </a:rPr>
+                <a:t>5 dBm</a:t>
+              </a:r>
+              <a:endParaRPr lang="en-IN" b="1" dirty="0">
+                <a:solidFill>
+                  <a:schemeClr val="accent4"/>
+                </a:solidFill>
+              </a:endParaRPr>
+            </a:p>
+          </p:txBody>
+        </p:sp>
+        <p:sp>
+          <p:nvSpPr>
+            <p:cNvPr id="10" name="TextBox 9">
+              <a:extLst>
+                <a:ext uri="{FF2B5EF4-FFF2-40B4-BE49-F238E27FC236}">
+                  <a16:creationId xmlns:a16="http://schemas.microsoft.com/office/drawing/2014/main" xmlns="" id="{70FA2F81-F146-64CA-6E99-4AD0239B1F3B}"/>
+                </a:ext>
+              </a:extLst>
+            </p:cNvPr>
+            <p:cNvSpPr txBox="1"/>
+            <p:nvPr/>
+          </p:nvSpPr>
+          <p:spPr>
+            <a:xfrm>
+              <a:off x="3673898" y="4457597"/>
+              <a:ext cx="902811" cy="369332"/>
+            </a:xfrm>
+            <a:prstGeom prst="rect">
+              <a:avLst/>
+            </a:prstGeom>
+            <a:noFill/>
+          </p:spPr>
+          <p:txBody>
+            <a:bodyPr wrap="none" rtlCol="0">
+              <a:spAutoFit/>
+            </a:bodyPr>
+            <a:lstStyle/>
+            <a:p>
+              <a:r>
+                <a:rPr lang="en-US" b="1" dirty="0">
+                  <a:solidFill>
+                    <a:schemeClr val="accent4"/>
+                  </a:solidFill>
+                </a:rPr>
+                <a:t>-3.2 dB</a:t>
+              </a:r>
+              <a:endParaRPr lang="en-IN" b="1" dirty="0">
+                <a:solidFill>
+                  <a:schemeClr val="accent4"/>
+                </a:solidFill>
+              </a:endParaRPr>
+            </a:p>
+          </p:txBody>
+        </p:sp>
+        <p:sp>
+          <p:nvSpPr>
+            <p:cNvPr id="11" name="TextBox 10">
+              <a:extLst>
+                <a:ext uri="{FF2B5EF4-FFF2-40B4-BE49-F238E27FC236}">
+                  <a16:creationId xmlns:a16="http://schemas.microsoft.com/office/drawing/2014/main" xmlns="" id="{3BF502AC-4919-C7A8-C91A-E0E98A1B9DCA}"/>
+                </a:ext>
+              </a:extLst>
+            </p:cNvPr>
+            <p:cNvSpPr txBox="1"/>
+            <p:nvPr/>
+          </p:nvSpPr>
+          <p:spPr>
+            <a:xfrm>
+              <a:off x="5798519" y="4439753"/>
+              <a:ext cx="947695" cy="369332"/>
+            </a:xfrm>
+            <a:prstGeom prst="rect">
+              <a:avLst/>
+            </a:prstGeom>
+            <a:noFill/>
+          </p:spPr>
+          <p:txBody>
+            <a:bodyPr wrap="none" rtlCol="0">
+              <a:spAutoFit/>
+            </a:bodyPr>
+            <a:lstStyle/>
+            <a:p>
+              <a:r>
+                <a:rPr lang="en-US" b="1" dirty="0">
+                  <a:solidFill>
+                    <a:schemeClr val="accent4"/>
+                  </a:solidFill>
+                </a:rPr>
+                <a:t>29.8 dB</a:t>
+              </a:r>
+              <a:endParaRPr lang="en-IN" b="1" dirty="0">
+                <a:solidFill>
+                  <a:schemeClr val="accent4"/>
+                </a:solidFill>
+              </a:endParaRPr>
+            </a:p>
+          </p:txBody>
+        </p:sp>
+        <p:sp>
+          <p:nvSpPr>
+            <p:cNvPr id="12" name="TextBox 11">
+              <a:extLst>
+                <a:ext uri="{FF2B5EF4-FFF2-40B4-BE49-F238E27FC236}">
+                  <a16:creationId xmlns:a16="http://schemas.microsoft.com/office/drawing/2014/main" xmlns="" id="{F48CF808-4155-844E-1A96-31547B86D373}"/>
+                </a:ext>
+              </a:extLst>
+            </p:cNvPr>
+            <p:cNvSpPr txBox="1"/>
+            <p:nvPr/>
+          </p:nvSpPr>
+          <p:spPr>
+            <a:xfrm>
+              <a:off x="7794416" y="4435978"/>
+              <a:ext cx="1071157" cy="646331"/>
+            </a:xfrm>
+            <a:prstGeom prst="rect">
+              <a:avLst/>
+            </a:prstGeom>
+            <a:noFill/>
+          </p:spPr>
+          <p:txBody>
+            <a:bodyPr wrap="square" rtlCol="0">
+              <a:spAutoFit/>
+            </a:bodyPr>
+            <a:lstStyle/>
+            <a:p>
+              <a:r>
+                <a:rPr lang="en-US" b="1" dirty="0">
+                  <a:solidFill>
+                    <a:schemeClr val="accent4"/>
+                  </a:solidFill>
+                </a:rPr>
+                <a:t>8.276 </a:t>
+              </a:r>
+            </a:p>
+            <a:p>
+              <a:r>
+                <a:rPr lang="en-US" b="1" dirty="0">
+                  <a:solidFill>
+                    <a:schemeClr val="accent4"/>
+                  </a:solidFill>
+                </a:rPr>
+                <a:t>dB</a:t>
+              </a:r>
+              <a:endParaRPr lang="en-IN" b="1" dirty="0">
+                <a:solidFill>
+                  <a:schemeClr val="accent4"/>
+                </a:solidFill>
+              </a:endParaRPr>
+            </a:p>
+          </p:txBody>
+        </p:sp>
+        <p:sp>
+          <p:nvSpPr>
+            <p:cNvPr id="24" name="TextBox 23">
+              <a:extLst>
+                <a:ext uri="{FF2B5EF4-FFF2-40B4-BE49-F238E27FC236}">
+                  <a16:creationId xmlns:a16="http://schemas.microsoft.com/office/drawing/2014/main" xmlns="" id="{ECA49BD9-2AF3-9679-8D59-591F886F591D}"/>
+                </a:ext>
+              </a:extLst>
+            </p:cNvPr>
+            <p:cNvSpPr txBox="1"/>
+            <p:nvPr/>
+          </p:nvSpPr>
+          <p:spPr>
+            <a:xfrm>
+              <a:off x="8613797" y="4457597"/>
+              <a:ext cx="631904" cy="369332"/>
+            </a:xfrm>
+            <a:prstGeom prst="rect">
+              <a:avLst/>
+            </a:prstGeom>
+            <a:noFill/>
+          </p:spPr>
+          <p:txBody>
+            <a:bodyPr wrap="none" rtlCol="0">
+              <a:spAutoFit/>
+            </a:bodyPr>
+            <a:lstStyle/>
+            <a:p>
+              <a:r>
+                <a:rPr lang="en-US" b="1" dirty="0">
+                  <a:solidFill>
+                    <a:schemeClr val="accent4"/>
+                  </a:solidFill>
+                </a:rPr>
+                <a:t>6 dB</a:t>
+              </a:r>
+              <a:endParaRPr lang="en-IN" b="1" dirty="0">
+                <a:solidFill>
+                  <a:schemeClr val="accent4"/>
+                </a:solidFill>
+              </a:endParaRPr>
+            </a:p>
+          </p:txBody>
+        </p:sp>
+        <p:cxnSp>
+          <p:nvCxnSpPr>
+            <p:cNvPr id="27" name="Straight Arrow Connector 26">
+              <a:extLst>
+                <a:ext uri="{FF2B5EF4-FFF2-40B4-BE49-F238E27FC236}">
+                  <a16:creationId xmlns:a16="http://schemas.microsoft.com/office/drawing/2014/main" xmlns="" id="{AAA4228F-9251-B133-BC31-D08E5882E02F}"/>
+                </a:ext>
+              </a:extLst>
+            </p:cNvPr>
+            <p:cNvCxnSpPr>
+              <a:cxnSpLocks/>
+            </p:cNvCxnSpPr>
+            <p:nvPr/>
+          </p:nvCxnSpPr>
+          <p:spPr>
+            <a:xfrm>
+              <a:off x="8423635" y="5140835"/>
+              <a:ext cx="507379" cy="0"/>
+            </a:xfrm>
+            <a:prstGeom prst="straightConnector1">
+              <a:avLst/>
+            </a:prstGeom>
+            <a:ln>
+              <a:headEnd type="triangle"/>
+              <a:tailEnd type="triangle"/>
+            </a:ln>
+          </p:spPr>
+          <p:style>
+            <a:lnRef idx="3">
+              <a:schemeClr val="dk1"/>
+            </a:lnRef>
+            <a:fillRef idx="0">
+              <a:schemeClr val="dk1"/>
+            </a:fillRef>
+            <a:effectRef idx="2">
+              <a:schemeClr val="dk1"/>
+            </a:effectRef>
+            <a:fontRef idx="minor">
+              <a:schemeClr val="tx1"/>
+            </a:fontRef>
+          </p:style>
+        </p:cxnSp>
+        <p:cxnSp>
+          <p:nvCxnSpPr>
+            <p:cNvPr id="31" name="Straight Arrow Connector 30">
+              <a:extLst>
+                <a:ext uri="{FF2B5EF4-FFF2-40B4-BE49-F238E27FC236}">
+                  <a16:creationId xmlns:a16="http://schemas.microsoft.com/office/drawing/2014/main" xmlns="" id="{61C93925-756C-5BB5-CFC1-1EE9F4B2623E}"/>
+                </a:ext>
+              </a:extLst>
+            </p:cNvPr>
+            <p:cNvCxnSpPr/>
+            <p:nvPr/>
+          </p:nvCxnSpPr>
+          <p:spPr>
+            <a:xfrm flipH="1" flipV="1">
+              <a:off x="8423635" y="3886592"/>
+              <a:ext cx="253689" cy="1254243"/>
+            </a:xfrm>
+            <a:prstGeom prst="straightConnector1">
+              <a:avLst/>
+            </a:prstGeom>
+            <a:ln>
+              <a:tailEnd type="triangle"/>
+            </a:ln>
+          </p:spPr>
+          <p:style>
+            <a:lnRef idx="2">
+              <a:schemeClr val="dk1"/>
+            </a:lnRef>
+            <a:fillRef idx="0">
+              <a:schemeClr val="dk1"/>
+            </a:fillRef>
+            <a:effectRef idx="1">
+              <a:schemeClr val="dk1"/>
+            </a:effectRef>
+            <a:fontRef idx="minor">
+              <a:schemeClr val="tx1"/>
+            </a:fontRef>
+          </p:style>
+        </p:cxnSp>
+        <p:sp>
+          <p:nvSpPr>
+            <p:cNvPr id="32" name="TextBox 31">
+              <a:extLst>
+                <a:ext uri="{FF2B5EF4-FFF2-40B4-BE49-F238E27FC236}">
+                  <a16:creationId xmlns:a16="http://schemas.microsoft.com/office/drawing/2014/main" xmlns="" id="{64739DAE-09A5-270F-69BB-733BEBBC32BC}"/>
+                </a:ext>
+              </a:extLst>
+            </p:cNvPr>
+            <p:cNvSpPr txBox="1"/>
+            <p:nvPr/>
+          </p:nvSpPr>
+          <p:spPr>
+            <a:xfrm>
+              <a:off x="7838798" y="3555873"/>
+              <a:ext cx="1149674" cy="369332"/>
+            </a:xfrm>
+            <a:prstGeom prst="rect">
+              <a:avLst/>
+            </a:prstGeom>
+            <a:noFill/>
+          </p:spPr>
+          <p:txBody>
+            <a:bodyPr wrap="none" rtlCol="0">
+              <a:spAutoFit/>
+            </a:bodyPr>
+            <a:lstStyle/>
+            <a:p>
+              <a:r>
+                <a:rPr lang="en-US" b="1" dirty="0">
+                  <a:solidFill>
+                    <a:schemeClr val="accent4"/>
+                  </a:solidFill>
+                </a:rPr>
+                <a:t>-46.24 dB</a:t>
+              </a:r>
+              <a:endParaRPr lang="en-IN" b="1" dirty="0">
+                <a:solidFill>
+                  <a:schemeClr val="accent4"/>
+                </a:solidFill>
+              </a:endParaRPr>
+            </a:p>
+          </p:txBody>
+        </p:sp>
+        <p:cxnSp>
+          <p:nvCxnSpPr>
+            <p:cNvPr id="34" name="Straight Arrow Connector 33">
+              <a:extLst>
+                <a:ext uri="{FF2B5EF4-FFF2-40B4-BE49-F238E27FC236}">
+                  <a16:creationId xmlns:a16="http://schemas.microsoft.com/office/drawing/2014/main" xmlns="" id="{C93BDECE-B7E3-EDAD-A209-BB4391B54CEF}"/>
+                </a:ext>
+              </a:extLst>
+            </p:cNvPr>
+            <p:cNvCxnSpPr>
+              <a:cxnSpLocks/>
+            </p:cNvCxnSpPr>
+            <p:nvPr/>
+          </p:nvCxnSpPr>
+          <p:spPr>
+            <a:xfrm flipH="1" flipV="1">
+              <a:off x="10152842" y="4850567"/>
+              <a:ext cx="603591" cy="641974"/>
+            </a:xfrm>
+            <a:prstGeom prst="straightConnector1">
+              <a:avLst/>
+            </a:prstGeom>
+            <a:ln>
+              <a:tailEnd type="triangle"/>
+            </a:ln>
+          </p:spPr>
+          <p:style>
+            <a:lnRef idx="2">
+              <a:schemeClr val="dk1"/>
+            </a:lnRef>
+            <a:fillRef idx="0">
+              <a:schemeClr val="dk1"/>
+            </a:fillRef>
+            <a:effectRef idx="1">
+              <a:schemeClr val="dk1"/>
+            </a:effectRef>
+            <a:fontRef idx="minor">
+              <a:schemeClr val="tx1"/>
+            </a:fontRef>
+          </p:style>
+        </p:cxnSp>
+        <p:sp>
+          <p:nvSpPr>
+            <p:cNvPr id="36" name="TextBox 35">
+              <a:extLst>
+                <a:ext uri="{FF2B5EF4-FFF2-40B4-BE49-F238E27FC236}">
+                  <a16:creationId xmlns:a16="http://schemas.microsoft.com/office/drawing/2014/main" xmlns="" id="{D7E25E98-FB22-255C-E9F7-F74AD4484510}"/>
+                </a:ext>
+              </a:extLst>
+            </p:cNvPr>
+            <p:cNvSpPr txBox="1"/>
+            <p:nvPr/>
+          </p:nvSpPr>
+          <p:spPr>
+            <a:xfrm>
+              <a:off x="10129595" y="5492541"/>
+              <a:ext cx="1253674" cy="369332"/>
+            </a:xfrm>
+            <a:prstGeom prst="rect">
+              <a:avLst/>
+            </a:prstGeom>
+            <a:noFill/>
+          </p:spPr>
+          <p:txBody>
+            <a:bodyPr wrap="square" rtlCol="0">
+              <a:spAutoFit/>
+            </a:bodyPr>
+            <a:lstStyle/>
+            <a:p>
+              <a:r>
+                <a:rPr lang="en-US" b="1" dirty="0">
+                  <a:solidFill>
+                    <a:srgbClr val="C00000"/>
+                  </a:solidFill>
+                </a:rPr>
+                <a:t>-0.36 dBm</a:t>
+              </a:r>
+              <a:endParaRPr lang="en-IN" b="1" dirty="0">
+                <a:solidFill>
+                  <a:srgbClr val="C00000"/>
+                </a:solidFill>
+              </a:endParaRPr>
+            </a:p>
+          </p:txBody>
+        </p:sp>
+        <p:cxnSp>
+          <p:nvCxnSpPr>
+            <p:cNvPr id="39" name="Straight Arrow Connector 38">
+              <a:extLst>
+                <a:ext uri="{FF2B5EF4-FFF2-40B4-BE49-F238E27FC236}">
+                  <a16:creationId xmlns:a16="http://schemas.microsoft.com/office/drawing/2014/main" xmlns="" id="{E44AE63F-6FF3-BACF-F2DC-63601B12C0A3}"/>
+                </a:ext>
+              </a:extLst>
+            </p:cNvPr>
+            <p:cNvCxnSpPr/>
+            <p:nvPr/>
+          </p:nvCxnSpPr>
+          <p:spPr>
+            <a:xfrm flipH="1">
+              <a:off x="10129595" y="1122948"/>
+              <a:ext cx="626838" cy="641684"/>
+            </a:xfrm>
+            <a:prstGeom prst="straightConnector1">
+              <a:avLst/>
+            </a:prstGeom>
+            <a:ln>
+              <a:tailEnd type="triangle"/>
+            </a:ln>
+          </p:spPr>
+          <p:style>
+            <a:lnRef idx="2">
+              <a:schemeClr val="dk1"/>
+            </a:lnRef>
+            <a:fillRef idx="0">
+              <a:schemeClr val="dk1"/>
+            </a:fillRef>
+            <a:effectRef idx="1">
+              <a:schemeClr val="dk1"/>
+            </a:effectRef>
+            <a:fontRef idx="minor">
+              <a:schemeClr val="tx1"/>
+            </a:fontRef>
+          </p:style>
+        </p:cxnSp>
+        <p:sp>
+          <p:nvSpPr>
+            <p:cNvPr id="40" name="TextBox 39">
+              <a:extLst>
+                <a:ext uri="{FF2B5EF4-FFF2-40B4-BE49-F238E27FC236}">
+                  <a16:creationId xmlns:a16="http://schemas.microsoft.com/office/drawing/2014/main" xmlns="" id="{D44AE44D-45F9-1CEA-DBC6-7160E3723C02}"/>
+                </a:ext>
+              </a:extLst>
+            </p:cNvPr>
+            <p:cNvSpPr txBox="1"/>
+            <p:nvPr/>
+          </p:nvSpPr>
+          <p:spPr>
+            <a:xfrm>
+              <a:off x="10220542" y="777818"/>
+              <a:ext cx="1253674" cy="369332"/>
+            </a:xfrm>
+            <a:prstGeom prst="rect">
+              <a:avLst/>
+            </a:prstGeom>
+            <a:noFill/>
+          </p:spPr>
+          <p:txBody>
+            <a:bodyPr wrap="square" rtlCol="0">
+              <a:spAutoFit/>
+            </a:bodyPr>
+            <a:lstStyle/>
+            <a:p>
+              <a:r>
+                <a:rPr lang="en-US" b="1" dirty="0">
+                  <a:solidFill>
+                    <a:schemeClr val="accent4"/>
+                  </a:solidFill>
+                </a:rPr>
+                <a:t>-36 dBm</a:t>
+              </a:r>
+              <a:endParaRPr lang="en-IN" b="1" dirty="0">
+                <a:solidFill>
+                  <a:schemeClr val="accent4"/>
+                </a:solidFill>
+              </a:endParaRPr>
+            </a:p>
+          </p:txBody>
+        </p:sp>
+        <p:sp>
+          <p:nvSpPr>
+            <p:cNvPr id="41" name="TextBox 40">
+              <a:extLst>
+                <a:ext uri="{FF2B5EF4-FFF2-40B4-BE49-F238E27FC236}">
+                  <a16:creationId xmlns:a16="http://schemas.microsoft.com/office/drawing/2014/main" xmlns="" id="{1C39AE49-ED67-FFF1-D6E4-91238B1B3044}"/>
+                </a:ext>
+              </a:extLst>
+            </p:cNvPr>
+            <p:cNvSpPr txBox="1"/>
+            <p:nvPr/>
+          </p:nvSpPr>
+          <p:spPr>
+            <a:xfrm>
+              <a:off x="8549621" y="2035832"/>
+              <a:ext cx="631904" cy="369332"/>
+            </a:xfrm>
+            <a:prstGeom prst="rect">
+              <a:avLst/>
+            </a:prstGeom>
+            <a:noFill/>
+          </p:spPr>
+          <p:txBody>
+            <a:bodyPr wrap="none" rtlCol="0">
+              <a:spAutoFit/>
+            </a:bodyPr>
+            <a:lstStyle/>
+            <a:p>
+              <a:r>
+                <a:rPr lang="en-US" b="1" dirty="0">
+                  <a:solidFill>
+                    <a:schemeClr val="accent4"/>
+                  </a:solidFill>
+                </a:rPr>
+                <a:t>6 dB</a:t>
+              </a:r>
+              <a:endParaRPr lang="en-IN" b="1" dirty="0">
+                <a:solidFill>
+                  <a:schemeClr val="accent4"/>
+                </a:solidFill>
+              </a:endParaRPr>
+            </a:p>
+          </p:txBody>
+        </p:sp>
+        <p:sp>
+          <p:nvSpPr>
+            <p:cNvPr id="42" name="TextBox 41">
+              <a:extLst>
+                <a:ext uri="{FF2B5EF4-FFF2-40B4-BE49-F238E27FC236}">
+                  <a16:creationId xmlns:a16="http://schemas.microsoft.com/office/drawing/2014/main" xmlns="" id="{A7A8C6FC-1E01-33A4-A4A0-34B8662EF6E1}"/>
+                </a:ext>
+              </a:extLst>
+            </p:cNvPr>
+            <p:cNvSpPr txBox="1"/>
+            <p:nvPr/>
+          </p:nvSpPr>
+          <p:spPr>
+            <a:xfrm>
+              <a:off x="7802301" y="2064676"/>
+              <a:ext cx="755335" cy="369332"/>
+            </a:xfrm>
+            <a:prstGeom prst="rect">
+              <a:avLst/>
+            </a:prstGeom>
+            <a:noFill/>
+          </p:spPr>
+          <p:txBody>
+            <a:bodyPr wrap="none" rtlCol="0">
+              <a:spAutoFit/>
+            </a:bodyPr>
+            <a:lstStyle/>
+            <a:p>
+              <a:r>
+                <a:rPr lang="en-US" b="1" dirty="0">
+                  <a:solidFill>
+                    <a:schemeClr val="accent4"/>
+                  </a:solidFill>
+                </a:rPr>
+                <a:t>10 dB</a:t>
+              </a:r>
+              <a:endParaRPr lang="en-IN" b="1" dirty="0">
+                <a:solidFill>
+                  <a:schemeClr val="accent4"/>
+                </a:solidFill>
+              </a:endParaRPr>
+            </a:p>
+          </p:txBody>
+        </p:sp>
+        <p:cxnSp>
+          <p:nvCxnSpPr>
+            <p:cNvPr id="43" name="Straight Arrow Connector 42">
+              <a:extLst>
+                <a:ext uri="{FF2B5EF4-FFF2-40B4-BE49-F238E27FC236}">
+                  <a16:creationId xmlns:a16="http://schemas.microsoft.com/office/drawing/2014/main" xmlns="" id="{CA45F53F-8369-F443-D8D3-2C3CF87EF4C5}"/>
+                </a:ext>
+              </a:extLst>
+            </p:cNvPr>
+            <p:cNvCxnSpPr>
+              <a:cxnSpLocks/>
+            </p:cNvCxnSpPr>
+            <p:nvPr/>
+          </p:nvCxnSpPr>
+          <p:spPr>
+            <a:xfrm>
+              <a:off x="8245642" y="1774381"/>
+              <a:ext cx="545432" cy="0"/>
+            </a:xfrm>
+            <a:prstGeom prst="straightConnector1">
+              <a:avLst/>
+            </a:prstGeom>
+            <a:ln>
+              <a:headEnd type="triangle"/>
+              <a:tailEnd type="triangle"/>
+            </a:ln>
+          </p:spPr>
+          <p:style>
+            <a:lnRef idx="3">
+              <a:schemeClr val="dk1"/>
+            </a:lnRef>
+            <a:fillRef idx="0">
+              <a:schemeClr val="dk1"/>
+            </a:fillRef>
+            <a:effectRef idx="2">
+              <a:schemeClr val="dk1"/>
+            </a:effectRef>
+            <a:fontRef idx="minor">
+              <a:schemeClr val="tx1"/>
+            </a:fontRef>
+          </p:style>
+        </p:cxnSp>
+        <p:cxnSp>
+          <p:nvCxnSpPr>
+            <p:cNvPr id="44" name="Straight Arrow Connector 43">
+              <a:extLst>
+                <a:ext uri="{FF2B5EF4-FFF2-40B4-BE49-F238E27FC236}">
+                  <a16:creationId xmlns:a16="http://schemas.microsoft.com/office/drawing/2014/main" xmlns="" id="{DD09DFA6-1724-E33B-C2BC-C6413F57FD70}"/>
+                </a:ext>
+              </a:extLst>
+            </p:cNvPr>
+            <p:cNvCxnSpPr>
+              <a:cxnSpLocks/>
+            </p:cNvCxnSpPr>
+            <p:nvPr/>
+          </p:nvCxnSpPr>
+          <p:spPr>
+            <a:xfrm>
+              <a:off x="8549621" y="1774380"/>
+              <a:ext cx="0" cy="1097958"/>
+            </a:xfrm>
+            <a:prstGeom prst="straightConnector1">
+              <a:avLst/>
+            </a:prstGeom>
+            <a:ln>
+              <a:tailEnd type="triangle"/>
+            </a:ln>
+          </p:spPr>
+          <p:style>
+            <a:lnRef idx="2">
+              <a:schemeClr val="dk1"/>
+            </a:lnRef>
+            <a:fillRef idx="0">
+              <a:schemeClr val="dk1"/>
+            </a:fillRef>
+            <a:effectRef idx="1">
+              <a:schemeClr val="dk1"/>
+            </a:effectRef>
+            <a:fontRef idx="minor">
+              <a:schemeClr val="tx1"/>
+            </a:fontRef>
+          </p:style>
+        </p:cxnSp>
+        <p:sp>
+          <p:nvSpPr>
+            <p:cNvPr id="53" name="TextBox 52">
+              <a:extLst>
+                <a:ext uri="{FF2B5EF4-FFF2-40B4-BE49-F238E27FC236}">
+                  <a16:creationId xmlns:a16="http://schemas.microsoft.com/office/drawing/2014/main" xmlns="" id="{A50D3B54-FB82-E623-6175-40C4665712BE}"/>
+                </a:ext>
+              </a:extLst>
+            </p:cNvPr>
+            <p:cNvSpPr txBox="1"/>
+            <p:nvPr/>
+          </p:nvSpPr>
+          <p:spPr>
+            <a:xfrm>
+              <a:off x="8083042" y="2868784"/>
+              <a:ext cx="1072730" cy="369332"/>
+            </a:xfrm>
+            <a:prstGeom prst="rect">
+              <a:avLst/>
+            </a:prstGeom>
+            <a:noFill/>
+          </p:spPr>
+          <p:txBody>
+            <a:bodyPr wrap="none" rtlCol="0">
+              <a:spAutoFit/>
+            </a:bodyPr>
+            <a:lstStyle/>
+            <a:p>
+              <a:r>
+                <a:rPr lang="en-US" b="1" dirty="0">
+                  <a:solidFill>
+                    <a:schemeClr val="accent4"/>
+                  </a:solidFill>
+                </a:rPr>
+                <a:t>-55.6 dB </a:t>
+              </a:r>
+              <a:endParaRPr lang="en-IN" b="1" dirty="0">
+                <a:solidFill>
+                  <a:schemeClr val="accent4"/>
+                </a:solidFill>
+              </a:endParaRPr>
+            </a:p>
+          </p:txBody>
+        </p:sp>
+        <p:sp>
+          <p:nvSpPr>
+            <p:cNvPr id="55" name="TextBox 54">
+              <a:extLst>
+                <a:ext uri="{FF2B5EF4-FFF2-40B4-BE49-F238E27FC236}">
+                  <a16:creationId xmlns:a16="http://schemas.microsoft.com/office/drawing/2014/main" xmlns="" id="{EAF94FC6-419A-65BE-CE29-C15D3394EA8F}"/>
+                </a:ext>
+              </a:extLst>
+            </p:cNvPr>
+            <p:cNvSpPr txBox="1"/>
+            <p:nvPr/>
+          </p:nvSpPr>
+          <p:spPr>
+            <a:xfrm>
+              <a:off x="6330711" y="2151404"/>
+              <a:ext cx="952304" cy="369332"/>
+            </a:xfrm>
+            <a:prstGeom prst="rect">
+              <a:avLst/>
+            </a:prstGeom>
+            <a:noFill/>
+          </p:spPr>
+          <p:txBody>
+            <a:bodyPr wrap="square" rtlCol="0">
+              <a:spAutoFit/>
+            </a:bodyPr>
+            <a:lstStyle/>
+            <a:p>
+              <a:r>
+                <a:rPr lang="en-US" b="1" dirty="0">
+                  <a:solidFill>
+                    <a:schemeClr val="accent4"/>
+                  </a:solidFill>
+                </a:rPr>
+                <a:t>25.4 dB</a:t>
+              </a:r>
+              <a:endParaRPr lang="en-IN" b="1" dirty="0">
+                <a:solidFill>
+                  <a:schemeClr val="accent4"/>
+                </a:solidFill>
+              </a:endParaRPr>
+            </a:p>
+          </p:txBody>
+        </p:sp>
+        <p:sp>
+          <p:nvSpPr>
+            <p:cNvPr id="57" name="TextBox 56">
+              <a:extLst>
+                <a:ext uri="{FF2B5EF4-FFF2-40B4-BE49-F238E27FC236}">
+                  <a16:creationId xmlns:a16="http://schemas.microsoft.com/office/drawing/2014/main" xmlns="" id="{8FC3396E-24AC-73B3-D734-C9049E9D6247}"/>
+                </a:ext>
+              </a:extLst>
+            </p:cNvPr>
+            <p:cNvSpPr txBox="1"/>
+            <p:nvPr/>
+          </p:nvSpPr>
+          <p:spPr>
+            <a:xfrm>
+              <a:off x="4712887" y="2138693"/>
+              <a:ext cx="710451" cy="369332"/>
+            </a:xfrm>
+            <a:prstGeom prst="rect">
+              <a:avLst/>
+            </a:prstGeom>
+            <a:noFill/>
+          </p:spPr>
+          <p:txBody>
+            <a:bodyPr wrap="none" rtlCol="0">
+              <a:spAutoFit/>
+            </a:bodyPr>
+            <a:lstStyle/>
+            <a:p>
+              <a:r>
+                <a:rPr lang="en-US" b="1" dirty="0">
+                  <a:solidFill>
+                    <a:schemeClr val="accent4"/>
+                  </a:solidFill>
+                </a:rPr>
+                <a:t>-3 dB</a:t>
+              </a:r>
+              <a:endParaRPr lang="en-IN" b="1" dirty="0">
+                <a:solidFill>
+                  <a:schemeClr val="accent4"/>
+                </a:solidFill>
+              </a:endParaRPr>
+            </a:p>
+          </p:txBody>
+        </p:sp>
+        <p:sp>
+          <p:nvSpPr>
+            <p:cNvPr id="58" name="TextBox 57">
+              <a:extLst>
+                <a:ext uri="{FF2B5EF4-FFF2-40B4-BE49-F238E27FC236}">
+                  <a16:creationId xmlns:a16="http://schemas.microsoft.com/office/drawing/2014/main" xmlns="" id="{E80F0E5B-89AC-6DA7-AFCB-7E06A0D403BE}"/>
+                </a:ext>
+              </a:extLst>
+            </p:cNvPr>
+            <p:cNvSpPr txBox="1"/>
+            <p:nvPr/>
+          </p:nvSpPr>
+          <p:spPr>
+            <a:xfrm>
+              <a:off x="3198715" y="2145491"/>
+              <a:ext cx="710451" cy="369332"/>
+            </a:xfrm>
+            <a:prstGeom prst="rect">
+              <a:avLst/>
+            </a:prstGeom>
+            <a:noFill/>
+          </p:spPr>
+          <p:txBody>
+            <a:bodyPr wrap="none" rtlCol="0">
+              <a:spAutoFit/>
+            </a:bodyPr>
+            <a:lstStyle/>
+            <a:p>
+              <a:r>
+                <a:rPr lang="en-US" b="1" dirty="0">
+                  <a:solidFill>
+                    <a:schemeClr val="accent4"/>
+                  </a:solidFill>
+                </a:rPr>
+                <a:t>-5 dB</a:t>
+              </a:r>
+              <a:endParaRPr lang="en-IN" b="1" dirty="0">
+                <a:solidFill>
+                  <a:schemeClr val="accent4"/>
+                </a:solidFill>
+              </a:endParaRPr>
+            </a:p>
+          </p:txBody>
+        </p:sp>
+        <p:sp>
+          <p:nvSpPr>
+            <p:cNvPr id="59" name="TextBox 58">
+              <a:extLst>
+                <a:ext uri="{FF2B5EF4-FFF2-40B4-BE49-F238E27FC236}">
+                  <a16:creationId xmlns:a16="http://schemas.microsoft.com/office/drawing/2014/main" xmlns="" id="{B4157360-3BD2-9895-3C41-D2F08856A50C}"/>
+                </a:ext>
+              </a:extLst>
+            </p:cNvPr>
+            <p:cNvSpPr txBox="1"/>
+            <p:nvPr/>
+          </p:nvSpPr>
+          <p:spPr>
+            <a:xfrm>
+              <a:off x="538157" y="2261980"/>
+              <a:ext cx="1231427" cy="369332"/>
+            </a:xfrm>
+            <a:prstGeom prst="rect">
+              <a:avLst/>
+            </a:prstGeom>
+            <a:noFill/>
+          </p:spPr>
+          <p:txBody>
+            <a:bodyPr wrap="none" rtlCol="0">
+              <a:spAutoFit/>
+            </a:bodyPr>
+            <a:lstStyle/>
+            <a:p>
+              <a:r>
+                <a:rPr lang="en-US" b="1" dirty="0">
+                  <a:solidFill>
+                    <a:srgbClr val="C00000"/>
+                  </a:solidFill>
+                </a:rPr>
+                <a:t>-58.2 dBm</a:t>
+              </a:r>
+              <a:endParaRPr lang="en-IN" b="1" dirty="0">
+                <a:solidFill>
+                  <a:srgbClr val="C00000"/>
+                </a:solidFill>
+              </a:endParaRPr>
+            </a:p>
+          </p:txBody>
+        </p:sp>
+      </p:grpSp>
     </p:spTree>
     <p:extLst>
       <p:ext uri="{BB962C8B-B14F-4D97-AF65-F5344CB8AC3E}">
-        <p14:creationId xmlns:p14="http://schemas.microsoft.com/office/powerpoint/2010/main" val="4114495748"/>
+        <p14:creationId xmlns:p14="http://schemas.microsoft.com/office/powerpoint/2010/main" xmlns="" val="3855452585"/>
       </p:ext>
     </p:extLst>
   </p:cSld>
   <p:clrMapOvr>
     <a:masterClrMapping/>
   </p:clrMapOvr>
+  <p:timing>
+    <p:tnLst>
+      <p:par>
+        <p:cTn id="1" dur="indefinite" restart="never" nodeType="tmRoot"/>
+      </p:par>
+    </p:tnLst>
+  </p:timing>
 </p:sld>
 </file>
 
-<file path=ppt/slides/slide2.xml><?xml version="1.0" encoding="utf-8"?>
+<file path=ppt/slides/slide19.xml><?xml version="1.0" encoding="utf-8"?>
 <p:sld xmlns:a="http://schemas.openxmlformats.org/drawingml/2006/main" xmlns:r="http://schemas.openxmlformats.org/officeDocument/2006/relationships" xmlns:p="http://schemas.openxmlformats.org/presentationml/2006/main">
   <p:cSld>
     <p:spTree>
       <p:nvGrpSpPr>
-        <p:cNvPr id="1" name=""/>
+        <p:cNvPr id="1" name="">
+          <a:extLst>
+            <a:ext uri="{FF2B5EF4-FFF2-40B4-BE49-F238E27FC236}">
+              <a16:creationId xmlns:a16="http://schemas.microsoft.com/office/drawing/2014/main" xmlns="" id="{72A25EFC-6ADF-A5EF-4FFE-DC965EDB8F69}"/>
+            </a:ext>
+          </a:extLst>
+        </p:cNvPr>
         <p:cNvGrpSpPr/>
         <p:nvPr/>
       </p:nvGrpSpPr>
@@ -8132,220 +9701,415 @@
           <a:chExt cx="0" cy="0"/>
         </a:xfrm>
       </p:grpSpPr>
-      <p:sp>
-        <p:nvSpPr>
-          <p:cNvPr id="9" name="Rectangle 8"/>
+      <p:cxnSp>
+        <p:nvCxnSpPr>
+          <p:cNvPr id="9" name="Connector: Elbow 8">
+            <a:extLst>
+              <a:ext uri="{FF2B5EF4-FFF2-40B4-BE49-F238E27FC236}">
+                <a16:creationId xmlns:a16="http://schemas.microsoft.com/office/drawing/2014/main" xmlns="" id="{E6296695-001E-769D-B3F5-08B2856573DA}"/>
+              </a:ext>
+            </a:extLst>
+          </p:cNvPr>
+          <p:cNvCxnSpPr>
+            <a:cxnSpLocks/>
+            <a:stCxn id="86" idx="3"/>
+            <a:endCxn id="18" idx="3"/>
+          </p:cNvCxnSpPr>
+          <p:nvPr/>
+        </p:nvCxnSpPr>
+        <p:spPr>
+          <a:xfrm flipH="1" flipV="1">
+            <a:off x="7231034" y="2000823"/>
+            <a:ext cx="2075943" cy="2993367"/>
+          </a:xfrm>
+          <a:prstGeom prst="bentConnector3">
+            <a:avLst>
+              <a:gd name="adj1" fmla="val -23659"/>
+            </a:avLst>
+          </a:prstGeom>
+          <a:ln w="19050" cap="flat" cmpd="sng" algn="ctr">
+            <a:solidFill>
+              <a:srgbClr val="00B050"/>
+            </a:solidFill>
+            <a:prstDash val="solid"/>
+            <a:round/>
+            <a:headEnd type="none" w="med" len="med"/>
+            <a:tailEnd type="arrow" w="med" len="med"/>
+          </a:ln>
+        </p:spPr>
+        <p:style>
+          <a:lnRef idx="0">
+            <a:scrgbClr r="0" g="0" b="0"/>
+          </a:lnRef>
+          <a:fillRef idx="0">
+            <a:scrgbClr r="0" g="0" b="0"/>
+          </a:fillRef>
+          <a:effectRef idx="0">
+            <a:scrgbClr r="0" g="0" b="0"/>
+          </a:effectRef>
+          <a:fontRef idx="minor">
+            <a:schemeClr val="tx1"/>
+          </a:fontRef>
+        </p:style>
+      </p:cxnSp>
+      <p:sp>
+        <p:nvSpPr>
+          <p:cNvPr id="4" name="Oval 3">
+            <a:extLst>
+              <a:ext uri="{FF2B5EF4-FFF2-40B4-BE49-F238E27FC236}">
+                <a16:creationId xmlns:a16="http://schemas.microsoft.com/office/drawing/2014/main" xmlns="" id="{0AAD9D9A-C51F-B5C4-ADCC-D8A56C7EA76D}"/>
+              </a:ext>
+            </a:extLst>
+          </p:cNvPr>
           <p:cNvSpPr/>
           <p:nvPr/>
         </p:nvSpPr>
         <p:spPr>
           <a:xfrm>
-            <a:off x="300252" y="1344153"/>
-            <a:ext cx="11586948" cy="4401205"/>
-          </a:xfrm>
-          <a:prstGeom prst="rect">
+            <a:off x="2542405" y="847188"/>
+            <a:ext cx="1324077" cy="464617"/>
+          </a:xfrm>
+          <a:prstGeom prst="ellipse">
             <a:avLst/>
           </a:prstGeom>
         </p:spPr>
-        <p:txBody>
-          <a:bodyPr wrap="square">
-            <a:spAutoFit/>
-          </a:bodyPr>
+        <p:style>
+          <a:lnRef idx="2">
+            <a:schemeClr val="accent1">
+              <a:shade val="15000"/>
+            </a:schemeClr>
+          </a:lnRef>
+          <a:fillRef idx="1">
+            <a:schemeClr val="accent1"/>
+          </a:fillRef>
+          <a:effectRef idx="0">
+            <a:schemeClr val="accent1"/>
+          </a:effectRef>
+          <a:fontRef idx="minor">
+            <a:schemeClr val="lt1"/>
+          </a:fontRef>
+        </p:style>
+        <p:txBody>
+          <a:bodyPr rtlCol="0" anchor="ctr"/>
           <a:lstStyle/>
           <a:p>
-            <a:pPr>
-              <a:buFont typeface="Arial" pitchFamily="34" charset="0"/>
-              <a:buChar char="•"/>
-            </a:pPr>
-            <a:r>
-              <a:rPr lang="en-IN" sz="1400" dirty="0"/>
-              <a:t> TMA  approach allows </a:t>
-            </a:r>
-            <a:r>
-              <a:rPr lang="en-US" sz="1400" dirty="0"/>
-              <a:t>the antenna elements to be controlled by a time-modulated circuit, which affects their radiation and frequency spectral characteristics.</a:t>
-            </a:r>
-          </a:p>
-          <a:p>
-            <a:pPr>
-              <a:buFont typeface="Arial" pitchFamily="34" charset="0"/>
-              <a:buChar char="•"/>
-            </a:pPr>
-            <a:r>
-              <a:rPr lang="en-IN" sz="1400" dirty="0"/>
-              <a:t> </a:t>
-            </a:r>
-            <a:r>
-              <a:rPr lang="en-US" sz="1400" dirty="0"/>
-              <a:t>Adjusting the time delay between elements or controlling the pulse duty cycle to manage amplitude weighting.</a:t>
-            </a:r>
-          </a:p>
-          <a:p>
-            <a:pPr>
-              <a:buFont typeface="Arial" pitchFamily="34" charset="0"/>
-              <a:buChar char="•"/>
-            </a:pPr>
-            <a:r>
-              <a:rPr lang="en-US" sz="1400" dirty="0"/>
-              <a:t> The normalized active time of antenna elements affects the radiation in fundamental frequency, and active time instants of each element affect the harmonic radiation of the TMAA.</a:t>
-            </a:r>
-          </a:p>
-          <a:p>
-            <a:pPr>
-              <a:buFont typeface="Arial" pitchFamily="34" charset="0"/>
-              <a:buChar char="•"/>
-            </a:pPr>
-            <a:r>
-              <a:rPr lang="en-US" sz="1400" dirty="0"/>
-              <a:t>Therefore, optimizing the switch ON instants of array elements steers the harmonic radiation in any desired and optimized direction.</a:t>
-            </a:r>
-          </a:p>
-          <a:p>
-            <a:pPr>
-              <a:buFont typeface="Arial" pitchFamily="34" charset="0"/>
-              <a:buChar char="•"/>
-            </a:pPr>
-            <a:r>
-              <a:rPr lang="en-IN" sz="1400" dirty="0"/>
-              <a:t> Although lower SLL level is achieved but generation of undesired harmonics </a:t>
-            </a:r>
-            <a:r>
-              <a:rPr lang="en-US" sz="1400" dirty="0"/>
-              <a:t>generated by time modulation results in significant power loss and interference.</a:t>
-            </a:r>
-          </a:p>
-          <a:p>
-            <a:pPr>
-              <a:buFont typeface="Arial" pitchFamily="34" charset="0"/>
-              <a:buChar char="•"/>
-            </a:pPr>
-            <a:r>
-              <a:rPr lang="en-IN" sz="1400" dirty="0"/>
-              <a:t> </a:t>
-            </a:r>
-            <a:r>
-              <a:rPr lang="en-US" sz="1400" dirty="0"/>
-              <a:t>The periodic modulation of antenna elements with periodic time sequences is responsible for harmonic operation in the frequency domain for the antenna array .</a:t>
-            </a:r>
-          </a:p>
-          <a:p>
-            <a:pPr>
-              <a:buFont typeface="Arial" pitchFamily="34" charset="0"/>
-              <a:buChar char="•"/>
-            </a:pPr>
-            <a:r>
-              <a:rPr lang="en-US" sz="1400" dirty="0"/>
-              <a:t> The harmonic radiation of the TMAA is known as sideband radiation, which radiates in frequency deviated from fundamental frequency by modulating frequency.</a:t>
-            </a:r>
-          </a:p>
-          <a:p>
-            <a:pPr>
-              <a:buFont typeface="Arial" pitchFamily="34" charset="0"/>
-              <a:buChar char="•"/>
-            </a:pPr>
-            <a:r>
-              <a:rPr lang="en-US" sz="1400" dirty="0"/>
-              <a:t>Optimization algorithms have been applied to TMAs:</a:t>
-            </a:r>
-          </a:p>
-          <a:p>
-            <a:pPr lvl="1">
-              <a:buFont typeface="Arial" pitchFamily="34" charset="0"/>
-              <a:buChar char="•"/>
-            </a:pPr>
-            <a:r>
-              <a:rPr lang="en-IN" sz="1400" dirty="0"/>
-              <a:t> Genetic Algorithm</a:t>
-            </a:r>
-            <a:endParaRPr lang="en-US" sz="1400" dirty="0"/>
-          </a:p>
-          <a:p>
-            <a:pPr lvl="1">
-              <a:buFont typeface="Arial" pitchFamily="34" charset="0"/>
-              <a:buChar char="•"/>
-            </a:pPr>
-            <a:r>
-              <a:rPr lang="en-IN" sz="1400" dirty="0"/>
-              <a:t> differential evolution algorithms</a:t>
-            </a:r>
-          </a:p>
-          <a:p>
-            <a:pPr lvl="1">
-              <a:buFont typeface="Arial" pitchFamily="34" charset="0"/>
-              <a:buChar char="•"/>
-            </a:pPr>
-            <a:r>
-              <a:rPr lang="en-IN" sz="1400" dirty="0"/>
-              <a:t> simulated annealing algorithms</a:t>
-            </a:r>
-          </a:p>
-          <a:p>
-            <a:pPr lvl="1">
-              <a:buFont typeface="Arial" pitchFamily="34" charset="0"/>
-              <a:buChar char="•"/>
-            </a:pPr>
-            <a:r>
-              <a:rPr lang="en-IN" sz="1400" dirty="0"/>
-              <a:t> artificial bee colony algorithms</a:t>
-            </a:r>
-          </a:p>
-          <a:p>
-            <a:pPr lvl="1">
-              <a:buFont typeface="Arial" pitchFamily="34" charset="0"/>
-              <a:buChar char="•"/>
-            </a:pPr>
-            <a:r>
-              <a:rPr lang="en-IN" sz="1400" dirty="0"/>
-              <a:t> particle swarm optimization algorithms</a:t>
-            </a:r>
-          </a:p>
-          <a:p>
-            <a:pPr lvl="2">
-              <a:buFont typeface="Arial" pitchFamily="34" charset="0"/>
-              <a:buChar char="•"/>
-            </a:pPr>
-            <a:r>
-              <a:rPr lang="en-IN" sz="1400" dirty="0"/>
-              <a:t> Wavelet mutation</a:t>
-            </a:r>
-          </a:p>
-          <a:p>
-            <a:pPr lvl="1">
-              <a:buFont typeface="Arial" pitchFamily="34" charset="0"/>
-              <a:buChar char="•"/>
-            </a:pPr>
-            <a:r>
-              <a:rPr lang="en-IN" sz="1400" dirty="0"/>
-              <a:t> </a:t>
-            </a:r>
-            <a:r>
-              <a:rPr lang="en-US" sz="1400" dirty="0"/>
-              <a:t>Iterative Convex Algorithm </a:t>
-            </a:r>
-          </a:p>
-          <a:p>
-            <a:pPr lvl="1">
-              <a:buFont typeface="Arial" pitchFamily="34" charset="0"/>
-              <a:buChar char="•"/>
-            </a:pPr>
-            <a:r>
-              <a:rPr lang="en-US" sz="1400" dirty="0"/>
-              <a:t>Two-stage Convex Algorithm</a:t>
-            </a:r>
-            <a:endParaRPr lang="en-IN" sz="1400" dirty="0"/>
-          </a:p>
-        </p:txBody>
-      </p:sp>
-      <p:sp>
-        <p:nvSpPr>
-          <p:cNvPr id="3" name="TextBox 2"/>
+            <a:pPr algn="ctr"/>
+            <a:r>
+              <a:rPr lang="en-US" sz="1000" dirty="0"/>
+              <a:t>Start</a:t>
+            </a:r>
+            <a:endParaRPr lang="en-IN" sz="1000" dirty="0"/>
+          </a:p>
+        </p:txBody>
+      </p:sp>
+      <p:cxnSp>
+        <p:nvCxnSpPr>
+          <p:cNvPr id="55" name="Straight Arrow Connector 54">
+            <a:extLst>
+              <a:ext uri="{FF2B5EF4-FFF2-40B4-BE49-F238E27FC236}">
+                <a16:creationId xmlns:a16="http://schemas.microsoft.com/office/drawing/2014/main" xmlns="" id="{A82B09B7-C23A-3A0D-5781-935D5AA7813D}"/>
+              </a:ext>
+            </a:extLst>
+          </p:cNvPr>
+          <p:cNvCxnSpPr>
+            <a:stCxn id="4" idx="4"/>
+            <a:endCxn id="4" idx="4"/>
+          </p:cNvCxnSpPr>
+          <p:nvPr/>
+        </p:nvCxnSpPr>
+        <p:spPr>
+          <a:xfrm>
+            <a:off x="3204444" y="1311805"/>
+            <a:ext cx="0" cy="0"/>
+          </a:xfrm>
+          <a:prstGeom prst="straightConnector1">
+            <a:avLst/>
+          </a:prstGeom>
+          <a:ln>
+            <a:tailEnd type="triangle"/>
+          </a:ln>
+        </p:spPr>
+        <p:style>
+          <a:lnRef idx="2">
+            <a:schemeClr val="accent1"/>
+          </a:lnRef>
+          <a:fillRef idx="0">
+            <a:schemeClr val="accent1"/>
+          </a:fillRef>
+          <a:effectRef idx="1">
+            <a:schemeClr val="accent1"/>
+          </a:effectRef>
+          <a:fontRef idx="minor">
+            <a:schemeClr val="tx1"/>
+          </a:fontRef>
+        </p:style>
+      </p:cxnSp>
+      <p:sp>
+        <p:nvSpPr>
+          <p:cNvPr id="18" name="Rectangle: Rounded Corners 17">
+            <a:extLst>
+              <a:ext uri="{FF2B5EF4-FFF2-40B4-BE49-F238E27FC236}">
+                <a16:creationId xmlns:a16="http://schemas.microsoft.com/office/drawing/2014/main" xmlns="" id="{C4D787FC-57FD-A0F8-BA80-4D2A11164F5C}"/>
+              </a:ext>
+            </a:extLst>
+          </p:cNvPr>
+          <p:cNvSpPr/>
+          <p:nvPr/>
+        </p:nvSpPr>
+        <p:spPr>
+          <a:xfrm>
+            <a:off x="4960965" y="1736828"/>
+            <a:ext cx="2270069" cy="527989"/>
+          </a:xfrm>
+          <a:prstGeom prst="roundRect">
+            <a:avLst/>
+          </a:prstGeom>
+        </p:spPr>
+        <p:style>
+          <a:lnRef idx="2">
+            <a:schemeClr val="accent1">
+              <a:shade val="15000"/>
+            </a:schemeClr>
+          </a:lnRef>
+          <a:fillRef idx="1">
+            <a:schemeClr val="accent1"/>
+          </a:fillRef>
+          <a:effectRef idx="0">
+            <a:schemeClr val="accent1"/>
+          </a:effectRef>
+          <a:fontRef idx="minor">
+            <a:schemeClr val="lt1"/>
+          </a:fontRef>
+        </p:style>
+        <p:txBody>
+          <a:bodyPr rtlCol="0" anchor="ctr"/>
+          <a:lstStyle/>
+          <a:p>
+            <a:pPr algn="ctr"/>
+            <a:r>
+              <a:rPr lang="en-US" sz="1200" dirty="0"/>
+              <a:t>Receive signal </a:t>
+            </a:r>
+            <a:r>
+              <a:rPr lang="en-US" sz="1200" dirty="0" err="1"/>
+              <a:t>wrt</a:t>
+            </a:r>
+            <a:r>
+              <a:rPr lang="en-US" sz="1200" dirty="0"/>
+              <a:t> angle shift</a:t>
+            </a:r>
+            <a:endParaRPr lang="en-IN" sz="1200" dirty="0"/>
+          </a:p>
+        </p:txBody>
+      </p:sp>
+      <p:sp>
+        <p:nvSpPr>
+          <p:cNvPr id="13" name="Rectangle: Rounded Corners 12">
+            <a:extLst>
+              <a:ext uri="{FF2B5EF4-FFF2-40B4-BE49-F238E27FC236}">
+                <a16:creationId xmlns:a16="http://schemas.microsoft.com/office/drawing/2014/main" xmlns="" id="{33932FC3-2862-23DB-AD95-C98161B89B4D}"/>
+              </a:ext>
+            </a:extLst>
+          </p:cNvPr>
+          <p:cNvSpPr/>
+          <p:nvPr/>
+        </p:nvSpPr>
+        <p:spPr>
+          <a:xfrm>
+            <a:off x="2069409" y="1736829"/>
+            <a:ext cx="2270069" cy="527989"/>
+          </a:xfrm>
+          <a:prstGeom prst="roundRect">
+            <a:avLst/>
+          </a:prstGeom>
+        </p:spPr>
+        <p:style>
+          <a:lnRef idx="2">
+            <a:schemeClr val="accent1">
+              <a:shade val="15000"/>
+            </a:schemeClr>
+          </a:lnRef>
+          <a:fillRef idx="1">
+            <a:schemeClr val="accent1"/>
+          </a:fillRef>
+          <a:effectRef idx="0">
+            <a:schemeClr val="accent1"/>
+          </a:effectRef>
+          <a:fontRef idx="minor">
+            <a:schemeClr val="lt1"/>
+          </a:fontRef>
+        </p:style>
+        <p:txBody>
+          <a:bodyPr rtlCol="0" anchor="ctr"/>
+          <a:lstStyle/>
+          <a:p>
+            <a:pPr algn="ctr"/>
+            <a:r>
+              <a:rPr lang="en-US" sz="1200" dirty="0"/>
+              <a:t>Transmit signal at each angle shift</a:t>
+            </a:r>
+            <a:endParaRPr lang="en-IN" sz="1200" dirty="0"/>
+          </a:p>
+        </p:txBody>
+      </p:sp>
+      <p:cxnSp>
+        <p:nvCxnSpPr>
+          <p:cNvPr id="15" name="Straight Arrow Connector 14">
+            <a:extLst>
+              <a:ext uri="{FF2B5EF4-FFF2-40B4-BE49-F238E27FC236}">
+                <a16:creationId xmlns:a16="http://schemas.microsoft.com/office/drawing/2014/main" xmlns="" id="{AD2AC455-02CC-743A-A353-179C87F03278}"/>
+              </a:ext>
+            </a:extLst>
+          </p:cNvPr>
+          <p:cNvCxnSpPr>
+            <a:stCxn id="4" idx="4"/>
+            <a:endCxn id="13" idx="0"/>
+          </p:cNvCxnSpPr>
+          <p:nvPr/>
+        </p:nvCxnSpPr>
+        <p:spPr>
+          <a:xfrm>
+            <a:off x="3204444" y="1311805"/>
+            <a:ext cx="0" cy="425024"/>
+          </a:xfrm>
+          <a:prstGeom prst="straightConnector1">
+            <a:avLst/>
+          </a:prstGeom>
+          <a:ln>
+            <a:tailEnd type="triangle"/>
+          </a:ln>
+        </p:spPr>
+        <p:style>
+          <a:lnRef idx="2">
+            <a:schemeClr val="accent1"/>
+          </a:lnRef>
+          <a:fillRef idx="0">
+            <a:schemeClr val="accent1"/>
+          </a:fillRef>
+          <a:effectRef idx="1">
+            <a:schemeClr val="accent1"/>
+          </a:effectRef>
+          <a:fontRef idx="minor">
+            <a:schemeClr val="tx1"/>
+          </a:fontRef>
+        </p:style>
+      </p:cxnSp>
+      <p:sp>
+        <p:nvSpPr>
+          <p:cNvPr id="29" name="Diamond 28">
+            <a:extLst>
+              <a:ext uri="{FF2B5EF4-FFF2-40B4-BE49-F238E27FC236}">
+                <a16:creationId xmlns:a16="http://schemas.microsoft.com/office/drawing/2014/main" xmlns="" id="{1933D5B7-54C1-5F7F-B00E-6FF62EBAA954}"/>
+              </a:ext>
+            </a:extLst>
+          </p:cNvPr>
+          <p:cNvSpPr/>
+          <p:nvPr/>
+        </p:nvSpPr>
+        <p:spPr>
+          <a:xfrm>
+            <a:off x="5544227" y="3513920"/>
+            <a:ext cx="1106195" cy="963157"/>
+          </a:xfrm>
+          <a:prstGeom prst="diamond">
+            <a:avLst/>
+          </a:prstGeom>
+        </p:spPr>
+        <p:style>
+          <a:lnRef idx="2">
+            <a:schemeClr val="accent1">
+              <a:shade val="15000"/>
+            </a:schemeClr>
+          </a:lnRef>
+          <a:fillRef idx="1">
+            <a:schemeClr val="accent1"/>
+          </a:fillRef>
+          <a:effectRef idx="0">
+            <a:schemeClr val="accent1"/>
+          </a:effectRef>
+          <a:fontRef idx="minor">
+            <a:schemeClr val="lt1"/>
+          </a:fontRef>
+        </p:style>
+        <p:txBody>
+          <a:bodyPr rtlCol="0" anchor="ctr"/>
+          <a:lstStyle/>
+          <a:p>
+            <a:pPr algn="ctr"/>
+            <a:r>
+              <a:rPr lang="en-US" sz="1000" dirty="0"/>
+              <a:t>Check for max power</a:t>
+            </a:r>
+            <a:endParaRPr lang="en-IN" sz="1000" dirty="0"/>
+          </a:p>
+        </p:txBody>
+      </p:sp>
+      <p:sp>
+        <p:nvSpPr>
+          <p:cNvPr id="62" name="Rectangle: Rounded Corners 61">
+            <a:extLst>
+              <a:ext uri="{FF2B5EF4-FFF2-40B4-BE49-F238E27FC236}">
+                <a16:creationId xmlns:a16="http://schemas.microsoft.com/office/drawing/2014/main" xmlns="" id="{546F1A78-7EF3-0DD8-5550-559C34A70C87}"/>
+              </a:ext>
+            </a:extLst>
+          </p:cNvPr>
+          <p:cNvSpPr/>
+          <p:nvPr/>
+        </p:nvSpPr>
+        <p:spPr>
+          <a:xfrm>
+            <a:off x="5244974" y="2625376"/>
+            <a:ext cx="1702050" cy="527985"/>
+          </a:xfrm>
+          <a:prstGeom prst="roundRect">
+            <a:avLst/>
+          </a:prstGeom>
+        </p:spPr>
+        <p:style>
+          <a:lnRef idx="2">
+            <a:schemeClr val="accent1">
+              <a:shade val="15000"/>
+            </a:schemeClr>
+          </a:lnRef>
+          <a:fillRef idx="1">
+            <a:schemeClr val="accent1"/>
+          </a:fillRef>
+          <a:effectRef idx="0">
+            <a:schemeClr val="accent1"/>
+          </a:effectRef>
+          <a:fontRef idx="minor">
+            <a:schemeClr val="lt1"/>
+          </a:fontRef>
+        </p:style>
+        <p:txBody>
+          <a:bodyPr rtlCol="0" anchor="ctr"/>
+          <a:lstStyle/>
+          <a:p>
+            <a:pPr algn="ctr"/>
+            <a:r>
+              <a:rPr lang="en-US" sz="1000" dirty="0"/>
+              <a:t>Store max power value and angle shift value</a:t>
+            </a:r>
+            <a:endParaRPr lang="en-IN" sz="1000" dirty="0"/>
+          </a:p>
+        </p:txBody>
+      </p:sp>
+      <p:sp>
+        <p:nvSpPr>
+          <p:cNvPr id="65" name="TextBox 64">
+            <a:extLst>
+              <a:ext uri="{FF2B5EF4-FFF2-40B4-BE49-F238E27FC236}">
+                <a16:creationId xmlns:a16="http://schemas.microsoft.com/office/drawing/2014/main" xmlns="" id="{13D7C795-3E94-8B95-4B19-7C30634596E5}"/>
+              </a:ext>
+            </a:extLst>
+          </p:cNvPr>
           <p:cNvSpPr txBox="1"/>
           <p:nvPr/>
         </p:nvSpPr>
         <p:spPr>
           <a:xfrm>
-            <a:off x="955040" y="558800"/>
-            <a:ext cx="4968240" cy="584775"/>
+            <a:off x="6961573" y="3629583"/>
+            <a:ext cx="590226" cy="369332"/>
           </a:xfrm>
           <a:prstGeom prst="rect">
             <a:avLst/>
@@ -8359,273 +10123,713 @@
           <a:lstStyle/>
           <a:p>
             <a:r>
-              <a:rPr lang="en-IN" sz="3200" dirty="0"/>
-              <a:t>TMA - Overview</a:t>
-            </a:r>
-            <a:endParaRPr lang="en-US" sz="3200" dirty="0"/>
-          </a:p>
-        </p:txBody>
-      </p:sp>
+              <a:rPr lang="en-US" b="1" dirty="0"/>
+              <a:t>YES</a:t>
+            </a:r>
+            <a:endParaRPr lang="en-IN" b="1" dirty="0"/>
+          </a:p>
+        </p:txBody>
+      </p:sp>
+      <p:sp>
+        <p:nvSpPr>
+          <p:cNvPr id="66" name="TextBox 65">
+            <a:extLst>
+              <a:ext uri="{FF2B5EF4-FFF2-40B4-BE49-F238E27FC236}">
+                <a16:creationId xmlns:a16="http://schemas.microsoft.com/office/drawing/2014/main" xmlns="" id="{1291E92A-DDB8-F649-2988-682DCA6A9FB7}"/>
+              </a:ext>
+            </a:extLst>
+          </p:cNvPr>
+          <p:cNvSpPr txBox="1"/>
+          <p:nvPr/>
+        </p:nvSpPr>
+        <p:spPr>
+          <a:xfrm>
+            <a:off x="5022265" y="3597419"/>
+            <a:ext cx="521297" cy="369332"/>
+          </a:xfrm>
+          <a:prstGeom prst="rect">
+            <a:avLst/>
+          </a:prstGeom>
+          <a:noFill/>
+        </p:spPr>
+        <p:txBody>
+          <a:bodyPr wrap="square" rtlCol="0">
+            <a:spAutoFit/>
+          </a:bodyPr>
+          <a:lstStyle/>
+          <a:p>
+            <a:r>
+              <a:rPr lang="en-US" b="1" dirty="0"/>
+              <a:t>NO</a:t>
+            </a:r>
+            <a:endParaRPr lang="en-IN" b="1" dirty="0"/>
+          </a:p>
+        </p:txBody>
+      </p:sp>
+      <p:cxnSp>
+        <p:nvCxnSpPr>
+          <p:cNvPr id="68" name="Connector: Elbow 67">
+            <a:extLst>
+              <a:ext uri="{FF2B5EF4-FFF2-40B4-BE49-F238E27FC236}">
+                <a16:creationId xmlns:a16="http://schemas.microsoft.com/office/drawing/2014/main" xmlns="" id="{82E2C612-37A3-8A4F-6223-025E4A69E045}"/>
+              </a:ext>
+            </a:extLst>
+          </p:cNvPr>
+          <p:cNvCxnSpPr>
+            <a:stCxn id="29" idx="1"/>
+            <a:endCxn id="13" idx="2"/>
+          </p:cNvCxnSpPr>
+          <p:nvPr/>
+        </p:nvCxnSpPr>
+        <p:spPr>
+          <a:xfrm rot="10800000">
+            <a:off x="3204445" y="2264819"/>
+            <a:ext cx="2339783" cy="1730681"/>
+          </a:xfrm>
+          <a:prstGeom prst="bentConnector2">
+            <a:avLst/>
+          </a:prstGeom>
+          <a:ln w="19050" cap="flat" cmpd="sng" algn="ctr">
+            <a:solidFill>
+              <a:srgbClr val="0070C0"/>
+            </a:solidFill>
+            <a:prstDash val="dash"/>
+            <a:round/>
+            <a:headEnd type="none" w="med" len="med"/>
+            <a:tailEnd type="none" w="med" len="med"/>
+          </a:ln>
+        </p:spPr>
+        <p:style>
+          <a:lnRef idx="0">
+            <a:scrgbClr r="0" g="0" b="0"/>
+          </a:lnRef>
+          <a:fillRef idx="0">
+            <a:scrgbClr r="0" g="0" b="0"/>
+          </a:fillRef>
+          <a:effectRef idx="0">
+            <a:scrgbClr r="0" g="0" b="0"/>
+          </a:effectRef>
+          <a:fontRef idx="minor">
+            <a:schemeClr val="tx1"/>
+          </a:fontRef>
+        </p:style>
+      </p:cxnSp>
+      <p:sp>
+        <p:nvSpPr>
+          <p:cNvPr id="70" name="Arrow: Left 69">
+            <a:extLst>
+              <a:ext uri="{FF2B5EF4-FFF2-40B4-BE49-F238E27FC236}">
+                <a16:creationId xmlns:a16="http://schemas.microsoft.com/office/drawing/2014/main" xmlns="" id="{62A78DF0-8187-8AC4-D0AC-A0D684938564}"/>
+              </a:ext>
+            </a:extLst>
+          </p:cNvPr>
+          <p:cNvSpPr/>
+          <p:nvPr/>
+        </p:nvSpPr>
+        <p:spPr>
+          <a:xfrm>
+            <a:off x="4045789" y="3942271"/>
+            <a:ext cx="697044" cy="112429"/>
+          </a:xfrm>
+          <a:prstGeom prst="leftArrow">
+            <a:avLst/>
+          </a:prstGeom>
+        </p:spPr>
+        <p:style>
+          <a:lnRef idx="2">
+            <a:schemeClr val="accent1">
+              <a:shade val="15000"/>
+            </a:schemeClr>
+          </a:lnRef>
+          <a:fillRef idx="1">
+            <a:schemeClr val="accent1"/>
+          </a:fillRef>
+          <a:effectRef idx="0">
+            <a:schemeClr val="accent1"/>
+          </a:effectRef>
+          <a:fontRef idx="minor">
+            <a:schemeClr val="lt1"/>
+          </a:fontRef>
+        </p:style>
+        <p:txBody>
+          <a:bodyPr rtlCol="0" anchor="ctr"/>
+          <a:lstStyle/>
+          <a:p>
+            <a:pPr algn="ctr"/>
+            <a:endParaRPr lang="en-IN"/>
+          </a:p>
+        </p:txBody>
+      </p:sp>
+      <p:cxnSp>
+        <p:nvCxnSpPr>
+          <p:cNvPr id="75" name="Straight Arrow Connector 74">
+            <a:extLst>
+              <a:ext uri="{FF2B5EF4-FFF2-40B4-BE49-F238E27FC236}">
+                <a16:creationId xmlns:a16="http://schemas.microsoft.com/office/drawing/2014/main" xmlns="" id="{A9979DD2-BA3F-E2A4-5C6B-68A2B6BB7EFF}"/>
+              </a:ext>
+            </a:extLst>
+          </p:cNvPr>
+          <p:cNvCxnSpPr>
+            <a:stCxn id="18" idx="2"/>
+            <a:endCxn id="62" idx="0"/>
+          </p:cNvCxnSpPr>
+          <p:nvPr/>
+        </p:nvCxnSpPr>
+        <p:spPr>
+          <a:xfrm flipH="1">
+            <a:off x="6095999" y="2264817"/>
+            <a:ext cx="1" cy="360559"/>
+          </a:xfrm>
+          <a:prstGeom prst="straightConnector1">
+            <a:avLst/>
+          </a:prstGeom>
+          <a:ln>
+            <a:tailEnd type="triangle"/>
+          </a:ln>
+        </p:spPr>
+        <p:style>
+          <a:lnRef idx="2">
+            <a:schemeClr val="accent1"/>
+          </a:lnRef>
+          <a:fillRef idx="0">
+            <a:schemeClr val="accent1"/>
+          </a:fillRef>
+          <a:effectRef idx="1">
+            <a:schemeClr val="accent1"/>
+          </a:effectRef>
+          <a:fontRef idx="minor">
+            <a:schemeClr val="tx1"/>
+          </a:fontRef>
+        </p:style>
+      </p:cxnSp>
+      <p:cxnSp>
+        <p:nvCxnSpPr>
+          <p:cNvPr id="77" name="Straight Arrow Connector 76">
+            <a:extLst>
+              <a:ext uri="{FF2B5EF4-FFF2-40B4-BE49-F238E27FC236}">
+                <a16:creationId xmlns:a16="http://schemas.microsoft.com/office/drawing/2014/main" xmlns="" id="{85A18A85-3DC9-572E-35A7-E48F6A64E6D2}"/>
+              </a:ext>
+            </a:extLst>
+          </p:cNvPr>
+          <p:cNvCxnSpPr>
+            <a:stCxn id="62" idx="2"/>
+            <a:endCxn id="29" idx="0"/>
+          </p:cNvCxnSpPr>
+          <p:nvPr/>
+        </p:nvCxnSpPr>
+        <p:spPr>
+          <a:xfrm>
+            <a:off x="6095999" y="3153361"/>
+            <a:ext cx="1326" cy="360559"/>
+          </a:xfrm>
+          <a:prstGeom prst="straightConnector1">
+            <a:avLst/>
+          </a:prstGeom>
+          <a:ln>
+            <a:tailEnd type="triangle"/>
+          </a:ln>
+        </p:spPr>
+        <p:style>
+          <a:lnRef idx="2">
+            <a:schemeClr val="accent1"/>
+          </a:lnRef>
+          <a:fillRef idx="0">
+            <a:schemeClr val="accent1"/>
+          </a:fillRef>
+          <a:effectRef idx="1">
+            <a:schemeClr val="accent1"/>
+          </a:effectRef>
+          <a:fontRef idx="minor">
+            <a:schemeClr val="tx1"/>
+          </a:fontRef>
+        </p:style>
+      </p:cxnSp>
+      <p:sp>
+        <p:nvSpPr>
+          <p:cNvPr id="81" name="Rectangle: Rounded Corners 80">
+            <a:extLst>
+              <a:ext uri="{FF2B5EF4-FFF2-40B4-BE49-F238E27FC236}">
+                <a16:creationId xmlns:a16="http://schemas.microsoft.com/office/drawing/2014/main" xmlns="" id="{DAE320C9-49C8-E8FC-7F02-5808954549FE}"/>
+              </a:ext>
+            </a:extLst>
+          </p:cNvPr>
+          <p:cNvSpPr/>
+          <p:nvPr/>
+        </p:nvSpPr>
+        <p:spPr>
+          <a:xfrm>
+            <a:off x="7862950" y="3814249"/>
+            <a:ext cx="1647730" cy="362498"/>
+          </a:xfrm>
+          <a:prstGeom prst="roundRect">
+            <a:avLst/>
+          </a:prstGeom>
+        </p:spPr>
+        <p:style>
+          <a:lnRef idx="2">
+            <a:schemeClr val="accent1">
+              <a:shade val="15000"/>
+            </a:schemeClr>
+          </a:lnRef>
+          <a:fillRef idx="1">
+            <a:schemeClr val="accent1"/>
+          </a:fillRef>
+          <a:effectRef idx="0">
+            <a:schemeClr val="accent1"/>
+          </a:effectRef>
+          <a:fontRef idx="minor">
+            <a:schemeClr val="lt1"/>
+          </a:fontRef>
+        </p:style>
+        <p:txBody>
+          <a:bodyPr rtlCol="0" anchor="ctr"/>
+          <a:lstStyle/>
+          <a:p>
+            <a:pPr algn="ctr"/>
+            <a:r>
+              <a:rPr lang="en-US" sz="1000" dirty="0"/>
+              <a:t>Update max power and angle shift value</a:t>
+            </a:r>
+            <a:endParaRPr lang="en-IN" sz="1000" dirty="0"/>
+          </a:p>
+        </p:txBody>
+      </p:sp>
+      <p:cxnSp>
+        <p:nvCxnSpPr>
+          <p:cNvPr id="83" name="Straight Arrow Connector 82">
+            <a:extLst>
+              <a:ext uri="{FF2B5EF4-FFF2-40B4-BE49-F238E27FC236}">
+                <a16:creationId xmlns:a16="http://schemas.microsoft.com/office/drawing/2014/main" xmlns="" id="{4958D107-77B8-5B39-6B57-32AE49F4E0E3}"/>
+              </a:ext>
+            </a:extLst>
+          </p:cNvPr>
+          <p:cNvCxnSpPr>
+            <a:stCxn id="29" idx="3"/>
+            <a:endCxn id="81" idx="1"/>
+          </p:cNvCxnSpPr>
+          <p:nvPr/>
+        </p:nvCxnSpPr>
+        <p:spPr>
+          <a:xfrm flipV="1">
+            <a:off x="6650422" y="3995498"/>
+            <a:ext cx="1212528" cy="1"/>
+          </a:xfrm>
+          <a:prstGeom prst="straightConnector1">
+            <a:avLst/>
+          </a:prstGeom>
+          <a:ln w="19050" cap="flat" cmpd="sng" algn="ctr">
+            <a:solidFill>
+              <a:srgbClr val="0070C0"/>
+            </a:solidFill>
+            <a:prstDash val="dash"/>
+            <a:round/>
+            <a:headEnd type="none" w="med" len="med"/>
+            <a:tailEnd type="none" w="med" len="med"/>
+          </a:ln>
+        </p:spPr>
+        <p:style>
+          <a:lnRef idx="0">
+            <a:scrgbClr r="0" g="0" b="0"/>
+          </a:lnRef>
+          <a:fillRef idx="0">
+            <a:scrgbClr r="0" g="0" b="0"/>
+          </a:fillRef>
+          <a:effectRef idx="0">
+            <a:scrgbClr r="0" g="0" b="0"/>
+          </a:effectRef>
+          <a:fontRef idx="minor">
+            <a:schemeClr val="tx1"/>
+          </a:fontRef>
+        </p:style>
+      </p:cxnSp>
+      <p:sp>
+        <p:nvSpPr>
+          <p:cNvPr id="85" name="Arrow: Right 84">
+            <a:extLst>
+              <a:ext uri="{FF2B5EF4-FFF2-40B4-BE49-F238E27FC236}">
+                <a16:creationId xmlns:a16="http://schemas.microsoft.com/office/drawing/2014/main" xmlns="" id="{2430C248-DB6D-DB77-68C9-9BA5FBB56F14}"/>
+              </a:ext>
+            </a:extLst>
+          </p:cNvPr>
+          <p:cNvSpPr/>
+          <p:nvPr/>
+        </p:nvSpPr>
+        <p:spPr>
+          <a:xfrm>
+            <a:off x="7076603" y="3925018"/>
+            <a:ext cx="462884" cy="140905"/>
+          </a:xfrm>
+          <a:prstGeom prst="rightArrow">
+            <a:avLst/>
+          </a:prstGeom>
+        </p:spPr>
+        <p:style>
+          <a:lnRef idx="2">
+            <a:schemeClr val="accent1">
+              <a:shade val="15000"/>
+            </a:schemeClr>
+          </a:lnRef>
+          <a:fillRef idx="1">
+            <a:schemeClr val="accent1"/>
+          </a:fillRef>
+          <a:effectRef idx="0">
+            <a:schemeClr val="accent1"/>
+          </a:effectRef>
+          <a:fontRef idx="minor">
+            <a:schemeClr val="lt1"/>
+          </a:fontRef>
+        </p:style>
+        <p:txBody>
+          <a:bodyPr rtlCol="0" anchor="ctr"/>
+          <a:lstStyle/>
+          <a:p>
+            <a:pPr algn="ctr"/>
+            <a:endParaRPr lang="en-IN"/>
+          </a:p>
+        </p:txBody>
+      </p:sp>
+      <p:sp>
+        <p:nvSpPr>
+          <p:cNvPr id="86" name="Rectangle: Rounded Corners 85">
+            <a:extLst>
+              <a:ext uri="{FF2B5EF4-FFF2-40B4-BE49-F238E27FC236}">
+                <a16:creationId xmlns:a16="http://schemas.microsoft.com/office/drawing/2014/main" xmlns="" id="{01D3A151-A5D2-4E72-8AFC-AF3569058138}"/>
+              </a:ext>
+            </a:extLst>
+          </p:cNvPr>
+          <p:cNvSpPr/>
+          <p:nvPr/>
+        </p:nvSpPr>
+        <p:spPr>
+          <a:xfrm>
+            <a:off x="8066652" y="4827911"/>
+            <a:ext cx="1240325" cy="332558"/>
+          </a:xfrm>
+          <a:prstGeom prst="roundRect">
+            <a:avLst/>
+          </a:prstGeom>
+        </p:spPr>
+        <p:style>
+          <a:lnRef idx="2">
+            <a:schemeClr val="accent1">
+              <a:shade val="15000"/>
+            </a:schemeClr>
+          </a:lnRef>
+          <a:fillRef idx="1">
+            <a:schemeClr val="accent1"/>
+          </a:fillRef>
+          <a:effectRef idx="0">
+            <a:schemeClr val="accent1"/>
+          </a:effectRef>
+          <a:fontRef idx="minor">
+            <a:schemeClr val="lt1"/>
+          </a:fontRef>
+        </p:style>
+        <p:txBody>
+          <a:bodyPr rtlCol="0" anchor="ctr"/>
+          <a:lstStyle/>
+          <a:p>
+            <a:pPr algn="ctr"/>
+            <a:r>
+              <a:rPr lang="en-US" sz="1000" dirty="0"/>
+              <a:t>Set the Tx </a:t>
+            </a:r>
+            <a:r>
+              <a:rPr lang="en-US" sz="1000" dirty="0" err="1"/>
+              <a:t>wrt</a:t>
+            </a:r>
+            <a:r>
+              <a:rPr lang="en-US" sz="1000" dirty="0"/>
+              <a:t> desired angle shift</a:t>
+            </a:r>
+            <a:endParaRPr lang="en-IN" sz="1000" dirty="0"/>
+          </a:p>
+        </p:txBody>
+      </p:sp>
+      <p:cxnSp>
+        <p:nvCxnSpPr>
+          <p:cNvPr id="88" name="Straight Arrow Connector 87">
+            <a:extLst>
+              <a:ext uri="{FF2B5EF4-FFF2-40B4-BE49-F238E27FC236}">
+                <a16:creationId xmlns:a16="http://schemas.microsoft.com/office/drawing/2014/main" xmlns="" id="{B55FA264-C5CF-9655-295A-FCE9CB8A42A3}"/>
+              </a:ext>
+            </a:extLst>
+          </p:cNvPr>
+          <p:cNvCxnSpPr>
+            <a:stCxn id="13" idx="3"/>
+            <a:endCxn id="18" idx="1"/>
+          </p:cNvCxnSpPr>
+          <p:nvPr/>
+        </p:nvCxnSpPr>
+        <p:spPr>
+          <a:xfrm flipV="1">
+            <a:off x="4339478" y="2000823"/>
+            <a:ext cx="621487" cy="1"/>
+          </a:xfrm>
+          <a:prstGeom prst="straightConnector1">
+            <a:avLst/>
+          </a:prstGeom>
+          <a:ln>
+            <a:tailEnd type="triangle"/>
+          </a:ln>
+        </p:spPr>
+        <p:style>
+          <a:lnRef idx="2">
+            <a:schemeClr val="accent1"/>
+          </a:lnRef>
+          <a:fillRef idx="0">
+            <a:schemeClr val="accent1"/>
+          </a:fillRef>
+          <a:effectRef idx="1">
+            <a:schemeClr val="accent1"/>
+          </a:effectRef>
+          <a:fontRef idx="minor">
+            <a:schemeClr val="tx1"/>
+          </a:fontRef>
+        </p:style>
+      </p:cxnSp>
+      <p:cxnSp>
+        <p:nvCxnSpPr>
+          <p:cNvPr id="3" name="Straight Connector 2">
+            <a:extLst>
+              <a:ext uri="{FF2B5EF4-FFF2-40B4-BE49-F238E27FC236}">
+                <a16:creationId xmlns:a16="http://schemas.microsoft.com/office/drawing/2014/main" xmlns="" id="{C043D5B4-6175-BEEC-09C3-74575B1A3D2A}"/>
+              </a:ext>
+            </a:extLst>
+          </p:cNvPr>
+          <p:cNvCxnSpPr>
+            <a:cxnSpLocks/>
+            <a:stCxn id="81" idx="2"/>
+            <a:endCxn id="86" idx="0"/>
+          </p:cNvCxnSpPr>
+          <p:nvPr/>
+        </p:nvCxnSpPr>
+        <p:spPr>
+          <a:xfrm>
+            <a:off x="8686815" y="4176747"/>
+            <a:ext cx="0" cy="651164"/>
+          </a:xfrm>
+          <a:prstGeom prst="line">
+            <a:avLst/>
+          </a:prstGeom>
+          <a:ln w="19050" cap="flat" cmpd="sng" algn="ctr">
+            <a:solidFill>
+              <a:srgbClr val="0070C0"/>
+            </a:solidFill>
+            <a:prstDash val="dash"/>
+            <a:round/>
+            <a:headEnd type="none" w="med" len="med"/>
+            <a:tailEnd type="none" w="med" len="med"/>
+          </a:ln>
+        </p:spPr>
+        <p:style>
+          <a:lnRef idx="0">
+            <a:scrgbClr r="0" g="0" b="0"/>
+          </a:lnRef>
+          <a:fillRef idx="0">
+            <a:scrgbClr r="0" g="0" b="0"/>
+          </a:fillRef>
+          <a:effectRef idx="0">
+            <a:scrgbClr r="0" g="0" b="0"/>
+          </a:effectRef>
+          <a:fontRef idx="minor">
+            <a:schemeClr val="tx1"/>
+          </a:fontRef>
+        </p:style>
+      </p:cxnSp>
+      <p:sp>
+        <p:nvSpPr>
+          <p:cNvPr id="7" name="Arrow: Down 6">
+            <a:extLst>
+              <a:ext uri="{FF2B5EF4-FFF2-40B4-BE49-F238E27FC236}">
+                <a16:creationId xmlns:a16="http://schemas.microsoft.com/office/drawing/2014/main" xmlns="" id="{61CB745F-4791-4FB1-96C1-A13F21FF5D49}"/>
+              </a:ext>
+            </a:extLst>
+          </p:cNvPr>
+          <p:cNvSpPr/>
+          <p:nvPr/>
+        </p:nvSpPr>
+        <p:spPr>
+          <a:xfrm>
+            <a:off x="8643669" y="4302970"/>
+            <a:ext cx="76166" cy="363919"/>
+          </a:xfrm>
+          <a:prstGeom prst="downArrow">
+            <a:avLst/>
+          </a:prstGeom>
+        </p:spPr>
+        <p:style>
+          <a:lnRef idx="2">
+            <a:schemeClr val="accent1">
+              <a:shade val="15000"/>
+            </a:schemeClr>
+          </a:lnRef>
+          <a:fillRef idx="1">
+            <a:schemeClr val="accent1"/>
+          </a:fillRef>
+          <a:effectRef idx="0">
+            <a:schemeClr val="accent1"/>
+          </a:effectRef>
+          <a:fontRef idx="minor">
+            <a:schemeClr val="lt1"/>
+          </a:fontRef>
+        </p:style>
+        <p:txBody>
+          <a:bodyPr rtlCol="0" anchor="ctr"/>
+          <a:lstStyle/>
+          <a:p>
+            <a:pPr algn="ctr"/>
+            <a:endParaRPr lang="en-IN"/>
+          </a:p>
+        </p:txBody>
+      </p:sp>
+      <p:cxnSp>
+        <p:nvCxnSpPr>
+          <p:cNvPr id="23" name="Straight Arrow Connector 22">
+            <a:extLst>
+              <a:ext uri="{FF2B5EF4-FFF2-40B4-BE49-F238E27FC236}">
+                <a16:creationId xmlns:a16="http://schemas.microsoft.com/office/drawing/2014/main" xmlns="" id="{CE54EEF0-323C-DFD5-B70C-949074EB9326}"/>
+              </a:ext>
+            </a:extLst>
+          </p:cNvPr>
+          <p:cNvCxnSpPr/>
+          <p:nvPr/>
+        </p:nvCxnSpPr>
+        <p:spPr>
+          <a:xfrm>
+            <a:off x="6541869" y="2264817"/>
+            <a:ext cx="0" cy="360559"/>
+          </a:xfrm>
+          <a:prstGeom prst="straightConnector1">
+            <a:avLst/>
+          </a:prstGeom>
+          <a:ln>
+            <a:solidFill>
+              <a:srgbClr val="00B050"/>
+            </a:solidFill>
+            <a:tailEnd type="triangle"/>
+          </a:ln>
+        </p:spPr>
+        <p:style>
+          <a:lnRef idx="2">
+            <a:schemeClr val="accent1"/>
+          </a:lnRef>
+          <a:fillRef idx="0">
+            <a:schemeClr val="accent1"/>
+          </a:fillRef>
+          <a:effectRef idx="1">
+            <a:schemeClr val="accent1"/>
+          </a:effectRef>
+          <a:fontRef idx="minor">
+            <a:schemeClr val="tx1"/>
+          </a:fontRef>
+        </p:style>
+      </p:cxnSp>
+      <p:cxnSp>
+        <p:nvCxnSpPr>
+          <p:cNvPr id="25" name="Straight Arrow Connector 24">
+            <a:extLst>
+              <a:ext uri="{FF2B5EF4-FFF2-40B4-BE49-F238E27FC236}">
+                <a16:creationId xmlns:a16="http://schemas.microsoft.com/office/drawing/2014/main" xmlns="" id="{420FC582-D3F3-5769-CF55-C5F81DD5AE05}"/>
+              </a:ext>
+            </a:extLst>
+          </p:cNvPr>
+          <p:cNvCxnSpPr/>
+          <p:nvPr/>
+        </p:nvCxnSpPr>
+        <p:spPr>
+          <a:xfrm>
+            <a:off x="6505655" y="3153361"/>
+            <a:ext cx="0" cy="730575"/>
+          </a:xfrm>
+          <a:prstGeom prst="straightConnector1">
+            <a:avLst/>
+          </a:prstGeom>
+          <a:ln>
+            <a:solidFill>
+              <a:srgbClr val="00B050"/>
+            </a:solidFill>
+            <a:tailEnd type="triangle"/>
+          </a:ln>
+        </p:spPr>
+        <p:style>
+          <a:lnRef idx="2">
+            <a:schemeClr val="accent1"/>
+          </a:lnRef>
+          <a:fillRef idx="0">
+            <a:schemeClr val="accent1"/>
+          </a:fillRef>
+          <a:effectRef idx="1">
+            <a:schemeClr val="accent1"/>
+          </a:effectRef>
+          <a:fontRef idx="minor">
+            <a:schemeClr val="tx1"/>
+          </a:fontRef>
+        </p:style>
+      </p:cxnSp>
+      <p:cxnSp>
+        <p:nvCxnSpPr>
+          <p:cNvPr id="27" name="Straight Arrow Connector 26">
+            <a:extLst>
+              <a:ext uri="{FF2B5EF4-FFF2-40B4-BE49-F238E27FC236}">
+                <a16:creationId xmlns:a16="http://schemas.microsoft.com/office/drawing/2014/main" xmlns="" id="{9A3A062E-03A8-BCBD-0441-2631A3250ED0}"/>
+              </a:ext>
+            </a:extLst>
+          </p:cNvPr>
+          <p:cNvCxnSpPr/>
+          <p:nvPr/>
+        </p:nvCxnSpPr>
+        <p:spPr>
+          <a:xfrm>
+            <a:off x="6505655" y="4095266"/>
+            <a:ext cx="1357295" cy="0"/>
+          </a:xfrm>
+          <a:prstGeom prst="straightConnector1">
+            <a:avLst/>
+          </a:prstGeom>
+          <a:ln>
+            <a:solidFill>
+              <a:srgbClr val="00B050"/>
+            </a:solidFill>
+            <a:tailEnd type="triangle"/>
+          </a:ln>
+        </p:spPr>
+        <p:style>
+          <a:lnRef idx="2">
+            <a:schemeClr val="accent1"/>
+          </a:lnRef>
+          <a:fillRef idx="0">
+            <a:schemeClr val="accent1"/>
+          </a:fillRef>
+          <a:effectRef idx="1">
+            <a:schemeClr val="accent1"/>
+          </a:effectRef>
+          <a:fontRef idx="minor">
+            <a:schemeClr val="tx1"/>
+          </a:fontRef>
+        </p:style>
+      </p:cxnSp>
     </p:spTree>
+    <p:extLst>
+      <p:ext uri="{BB962C8B-B14F-4D97-AF65-F5344CB8AC3E}">
+        <p14:creationId xmlns:p14="http://schemas.microsoft.com/office/powerpoint/2010/main" xmlns="" val="1281920187"/>
+      </p:ext>
+    </p:extLst>
   </p:cSld>
   <p:clrMapOvr>
     <a:masterClrMapping/>
   </p:clrMapOvr>
+  <p:timing>
+    <p:tnLst>
+      <p:par>
+        <p:cTn id="1" dur="indefinite" restart="never" nodeType="tmRoot"/>
+      </p:par>
+    </p:tnLst>
+  </p:timing>
 </p:sld>
 </file>
 
-<file path=ppt/slides/slide3.xml><?xml version="1.0" encoding="utf-8"?>
-<p:sld xmlns:a="http://schemas.openxmlformats.org/drawingml/2006/main" xmlns:r="http://schemas.openxmlformats.org/officeDocument/2006/relationships" xmlns:p="http://schemas.openxmlformats.org/presentationml/2006/main">
-  <p:cSld>
-    <p:spTree>
-      <p:nvGrpSpPr>
-        <p:cNvPr id="1" name=""/>
-        <p:cNvGrpSpPr/>
-        <p:nvPr/>
-      </p:nvGrpSpPr>
-      <p:grpSpPr>
-        <a:xfrm>
-          <a:off x="0" y="0"/>
-          <a:ext cx="0" cy="0"/>
-          <a:chOff x="0" y="0"/>
-          <a:chExt cx="0" cy="0"/>
-        </a:xfrm>
-      </p:grpSpPr>
-      <p:sp>
-        <p:nvSpPr>
-          <p:cNvPr id="9" name="Rectangle 8"/>
-          <p:cNvSpPr/>
-          <p:nvPr/>
-        </p:nvSpPr>
-        <p:spPr>
-          <a:xfrm>
-            <a:off x="381532" y="1171432"/>
-            <a:ext cx="10972800" cy="4832092"/>
-          </a:xfrm>
-          <a:prstGeom prst="rect">
-            <a:avLst/>
-          </a:prstGeom>
-        </p:spPr>
-        <p:txBody>
-          <a:bodyPr wrap="square">
-            <a:spAutoFit/>
-          </a:bodyPr>
-          <a:lstStyle/>
-          <a:p>
-            <a:pPr>
-              <a:buFont typeface="Arial" pitchFamily="34" charset="0"/>
-              <a:buChar char="•"/>
-            </a:pPr>
-            <a:r>
-              <a:rPr lang="en-US" sz="1400" dirty="0"/>
-              <a:t>TMA characteristics to reduce computational complexity:</a:t>
-            </a:r>
-          </a:p>
-          <a:p>
-            <a:pPr lvl="1">
-              <a:buFont typeface="Arial" pitchFamily="34" charset="0"/>
-              <a:buChar char="•"/>
-            </a:pPr>
-            <a:r>
-              <a:rPr lang="en-IN" sz="1400" dirty="0"/>
-              <a:t> moving phase centre modulation</a:t>
-            </a:r>
-          </a:p>
-          <a:p>
-            <a:pPr lvl="1">
-              <a:buFont typeface="Arial" pitchFamily="34" charset="0"/>
-              <a:buChar char="•"/>
-            </a:pPr>
-            <a:r>
-              <a:rPr lang="en-IN" sz="1400" dirty="0"/>
-              <a:t> sub-sectional optimized time steps</a:t>
-            </a:r>
-          </a:p>
-          <a:p>
-            <a:pPr lvl="1">
-              <a:buFont typeface="Arial" pitchFamily="34" charset="0"/>
-              <a:buChar char="•"/>
-            </a:pPr>
-            <a:r>
-              <a:rPr lang="en-IN" sz="1400" dirty="0"/>
-              <a:t> multi-frequency modulation</a:t>
-            </a:r>
-          </a:p>
-          <a:p>
-            <a:pPr>
-              <a:buFont typeface="Arial" pitchFamily="34" charset="0"/>
-              <a:buChar char="•"/>
-            </a:pPr>
-            <a:r>
-              <a:rPr lang="en-IN" sz="1400" dirty="0"/>
-              <a:t> </a:t>
-            </a:r>
-            <a:r>
-              <a:rPr lang="en-US" sz="1400" dirty="0"/>
-              <a:t>Time modulation is not limited to a particular structure like linear.</a:t>
-            </a:r>
-          </a:p>
-          <a:p>
-            <a:pPr>
-              <a:buFont typeface="Arial" pitchFamily="34" charset="0"/>
-              <a:buChar char="•"/>
-            </a:pPr>
-            <a:r>
-              <a:rPr lang="en-IN" sz="1400" dirty="0"/>
-              <a:t> In addition </a:t>
-            </a:r>
-            <a:r>
-              <a:rPr lang="en-US" sz="1400" dirty="0"/>
-              <a:t>further research has been conducted on time-modulated planar arrays , non-uniform arrays ,circular arrays , sparse arrays , and heterogeneous arrays.</a:t>
-            </a:r>
-          </a:p>
-          <a:p>
-            <a:pPr>
-              <a:buFont typeface="Arial" pitchFamily="34" charset="0"/>
-              <a:buChar char="•"/>
-            </a:pPr>
-            <a:r>
-              <a:rPr lang="en-IN" sz="1400" dirty="0"/>
-              <a:t>  </a:t>
-            </a:r>
-            <a:r>
-              <a:rPr lang="en-US" sz="1400" dirty="0"/>
-              <a:t>Research on TMAs at this stage is primarily focused on improving rectangular time-modulated signals through optimization algorithms.</a:t>
-            </a:r>
-            <a:endParaRPr lang="en-IN" sz="1400" dirty="0"/>
-          </a:p>
-          <a:p>
-            <a:pPr>
-              <a:buFont typeface="Arial" pitchFamily="34" charset="0"/>
-              <a:buChar char="•"/>
-            </a:pPr>
-            <a:r>
-              <a:rPr lang="en-IN" sz="1400" dirty="0"/>
-              <a:t>  Application scenarios of TMA:</a:t>
-            </a:r>
-          </a:p>
-          <a:p>
-            <a:pPr lvl="1">
-              <a:buFont typeface="Arial" pitchFamily="34" charset="0"/>
-              <a:buChar char="•"/>
-            </a:pPr>
-            <a:r>
-              <a:rPr lang="en-IN" sz="1400" dirty="0"/>
-              <a:t> multiple-input multiple-output (MIMO) arrays</a:t>
-            </a:r>
-          </a:p>
-          <a:p>
-            <a:pPr lvl="1">
-              <a:buFont typeface="Arial" pitchFamily="34" charset="0"/>
-              <a:buChar char="•"/>
-            </a:pPr>
-            <a:r>
-              <a:rPr lang="en-IN" sz="1400" dirty="0"/>
-              <a:t> </a:t>
-            </a:r>
-            <a:r>
-              <a:rPr lang="pt-BR" sz="1400" dirty="0"/>
-              <a:t>orbital angular momentum (OAM) arrays</a:t>
-            </a:r>
-          </a:p>
-          <a:p>
-            <a:pPr lvl="1">
-              <a:buFont typeface="Arial" pitchFamily="34" charset="0"/>
-              <a:buChar char="•"/>
-            </a:pPr>
-            <a:r>
-              <a:rPr lang="pt-BR" sz="1400" dirty="0"/>
-              <a:t> </a:t>
-            </a:r>
-            <a:r>
-              <a:rPr lang="en-US" sz="1400" dirty="0"/>
-              <a:t>direction of arrival (DOA) estimation</a:t>
-            </a:r>
-          </a:p>
-          <a:p>
-            <a:pPr lvl="1">
-              <a:buFont typeface="Arial" pitchFamily="34" charset="0"/>
-              <a:buChar char="•"/>
-            </a:pPr>
-            <a:r>
-              <a:rPr lang="en-IN" sz="1400" dirty="0"/>
-              <a:t> wireless power transmission (WPT)</a:t>
-            </a:r>
-          </a:p>
-          <a:p>
-            <a:pPr lvl="1">
-              <a:buFont typeface="Arial" pitchFamily="34" charset="0"/>
-              <a:buChar char="•"/>
-            </a:pPr>
-            <a:r>
-              <a:rPr lang="en-IN" sz="1400" dirty="0"/>
-              <a:t> secure communication</a:t>
-            </a:r>
-          </a:p>
-          <a:p>
-            <a:pPr lvl="1">
-              <a:buFont typeface="Arial" pitchFamily="34" charset="0"/>
-              <a:buChar char="•"/>
-            </a:pPr>
-            <a:r>
-              <a:rPr lang="en-IN" sz="1400" dirty="0"/>
-              <a:t> antenna array calibration</a:t>
-            </a:r>
-          </a:p>
-          <a:p>
-            <a:pPr>
-              <a:buFont typeface="Arial" pitchFamily="34" charset="0"/>
-              <a:buChar char="•"/>
-            </a:pPr>
-            <a:r>
-              <a:rPr lang="en-IN" sz="1200" dirty="0"/>
-              <a:t> </a:t>
-            </a:r>
-            <a:r>
-              <a:rPr lang="en-US" sz="1400" dirty="0"/>
-              <a:t>recent research on TMAs has combined RF switches, phase shifters, and attenuators to form time modulators, which can produce discrete time-varying amplitudes or discrete time-varying phases.</a:t>
-            </a:r>
-          </a:p>
-          <a:p>
-            <a:pPr>
-              <a:buFont typeface="Arial" pitchFamily="34" charset="0"/>
-              <a:buChar char="•"/>
-            </a:pPr>
-            <a:r>
-              <a:rPr lang="en-IN" sz="1400" dirty="0"/>
-              <a:t> </a:t>
-            </a:r>
-            <a:r>
-              <a:rPr lang="en-US" sz="1400" dirty="0"/>
-              <a:t>In 1983, Lewis et al. introduced  another technique to reduce the signal response  entering the antenna array sidelobes[5]. The essence of  Lewis’ idea is that, by moving the phase center of a  phased array antenna in the plane of the aperture,  signals radiated and received through the antenna  sidelobes can be shifted out of the pass-band of the  electronic system receiver, due to Doppler shift effect.</a:t>
-            </a:r>
-          </a:p>
-          <a:p>
-            <a:pPr>
-              <a:buFont typeface="Arial" pitchFamily="34" charset="0"/>
-              <a:buChar char="•"/>
-            </a:pPr>
-            <a:r>
-              <a:rPr lang="en-IN" sz="1400" dirty="0"/>
-              <a:t> </a:t>
-            </a:r>
-            <a:r>
-              <a:rPr lang="en-US" sz="1400" dirty="0"/>
-              <a:t>The phase center motion is achieved by illuminating  only part of the total array elements and moving the  illuminated part across the entire array electronically,  which is apparently not convenient in practical  implementation. Moreover, there were no experimental  results to verify the theory.</a:t>
-            </a:r>
-            <a:endParaRPr lang="en-IN" sz="1400" dirty="0"/>
-          </a:p>
-        </p:txBody>
-      </p:sp>
-    </p:spTree>
-  </p:cSld>
-  <p:clrMapOvr>
-    <a:masterClrMapping/>
-  </p:clrMapOvr>
-</p:sld>
-</file>
-
-<file path=ppt/slides/slide4.xml><?xml version="1.0" encoding="utf-8"?>
+<file path=ppt/slides/slide2.xml><?xml version="1.0" encoding="utf-8"?>
 <p:sld xmlns:a="http://schemas.openxmlformats.org/drawingml/2006/main" xmlns:r="http://schemas.openxmlformats.org/officeDocument/2006/relationships" xmlns:p="http://schemas.openxmlformats.org/presentationml/2006/main">
   <p:cSld>
     <p:spTree>
@@ -8659,7 +10863,7 @@
         </p:blipFill>
         <p:spPr bwMode="auto">
           <a:xfrm>
-            <a:off x="1615440" y="3285450"/>
+            <a:off x="1615440" y="3312084"/>
             <a:ext cx="4057968" cy="1337350"/>
           </a:xfrm>
           <a:prstGeom prst="rect">
@@ -8687,8 +10891,8 @@
         </p:nvSpPr>
         <p:spPr>
           <a:xfrm>
-            <a:off x="518160" y="1899920"/>
-            <a:ext cx="6217920" cy="3804100"/>
+            <a:off x="-1146739" y="0"/>
+            <a:ext cx="5546210" cy="3857967"/>
           </a:xfrm>
         </p:spPr>
         <p:txBody>
@@ -8868,7 +11072,7 @@
         </p:blipFill>
         <p:spPr bwMode="auto">
           <a:xfrm>
-            <a:off x="6461760" y="2360613"/>
+            <a:off x="6073571" y="2119073"/>
             <a:ext cx="5032693" cy="2847975"/>
           </a:xfrm>
           <a:prstGeom prst="rect">
@@ -8892,8 +11096,8 @@
         </p:nvSpPr>
         <p:spPr>
           <a:xfrm>
-            <a:off x="6502400" y="5201920"/>
-            <a:ext cx="5069840" cy="523220"/>
+            <a:off x="6053827" y="4977634"/>
+            <a:ext cx="5069840" cy="246221"/>
           </a:xfrm>
           <a:prstGeom prst="rect">
             <a:avLst/>
@@ -8905,22 +11109,52 @@
           </a:bodyPr>
           <a:lstStyle/>
           <a:p>
-            <a:r>
-              <a:rPr lang="en-US" sz="1400" dirty="0"/>
+            <a:pPr algn="ctr"/>
+            <a:r>
+              <a:rPr lang="en-US" sz="1000" dirty="0"/>
               <a:t>The RF switches are operated by a periodic sequence of the frequency f</a:t>
             </a:r>
             <a:r>
-              <a:rPr lang="en-US" sz="1400" baseline="-25000" dirty="0"/>
+              <a:rPr lang="en-US" sz="1000" baseline="-25000" dirty="0"/>
               <a:t>0</a:t>
             </a:r>
             <a:r>
-              <a:rPr lang="en-US" sz="1400" dirty="0"/>
+              <a:rPr lang="en-US" sz="1000" dirty="0"/>
               <a:t> with a period T</a:t>
             </a:r>
             <a:r>
-              <a:rPr lang="en-US" sz="1400" baseline="-25000" dirty="0"/>
+              <a:rPr lang="en-US" sz="1000" baseline="-25000" dirty="0"/>
               <a:t>0</a:t>
             </a:r>
+          </a:p>
+        </p:txBody>
+      </p:sp>
+      <p:sp>
+        <p:nvSpPr>
+          <p:cNvPr id="8" name="Rectangle 7"/>
+          <p:cNvSpPr/>
+          <p:nvPr/>
+        </p:nvSpPr>
+        <p:spPr>
+          <a:xfrm>
+            <a:off x="10416918" y="4840220"/>
+            <a:ext cx="1669047" cy="215444"/>
+          </a:xfrm>
+          <a:prstGeom prst="rect">
+            <a:avLst/>
+          </a:prstGeom>
+        </p:spPr>
+        <p:txBody>
+          <a:bodyPr wrap="none">
+            <a:spAutoFit/>
+          </a:bodyPr>
+          <a:lstStyle/>
+          <a:p>
+            <a:r>
+              <a:rPr lang="en-US" sz="800" dirty="0" smtClean="0"/>
+              <a:t>https://doi.org/10.3390/s17030590</a:t>
+            </a:r>
+            <a:endParaRPr lang="en-US" sz="800" dirty="0"/>
           </a:p>
         </p:txBody>
       </p:sp>
@@ -8929,6 +11163,648 @@
   <p:clrMapOvr>
     <a:masterClrMapping/>
   </p:clrMapOvr>
+  <p:timing>
+    <p:tnLst>
+      <p:par>
+        <p:cTn id="1" dur="indefinite" restart="never" nodeType="tmRoot"/>
+      </p:par>
+    </p:tnLst>
+  </p:timing>
+</p:sld>
+</file>
+
+<file path=ppt/slides/slide3.xml><?xml version="1.0" encoding="utf-8"?>
+<p:sld xmlns:a="http://schemas.openxmlformats.org/drawingml/2006/main" xmlns:r="http://schemas.openxmlformats.org/officeDocument/2006/relationships" xmlns:p="http://schemas.openxmlformats.org/presentationml/2006/main">
+  <p:cSld>
+    <p:spTree>
+      <p:nvGrpSpPr>
+        <p:cNvPr id="1" name=""/>
+        <p:cNvGrpSpPr/>
+        <p:nvPr/>
+      </p:nvGrpSpPr>
+      <p:grpSpPr>
+        <a:xfrm>
+          <a:off x="0" y="0"/>
+          <a:ext cx="0" cy="0"/>
+          <a:chOff x="0" y="0"/>
+          <a:chExt cx="0" cy="0"/>
+        </a:xfrm>
+      </p:grpSpPr>
+      <p:sp>
+        <p:nvSpPr>
+          <p:cNvPr id="11" name="Rectangle 10"/>
+          <p:cNvSpPr/>
+          <p:nvPr/>
+        </p:nvSpPr>
+        <p:spPr>
+          <a:xfrm>
+            <a:off x="701040" y="1412241"/>
+            <a:ext cx="10515600" cy="4185761"/>
+          </a:xfrm>
+          <a:prstGeom prst="rect">
+            <a:avLst/>
+          </a:prstGeom>
+        </p:spPr>
+        <p:txBody>
+          <a:bodyPr wrap="square">
+            <a:spAutoFit/>
+          </a:bodyPr>
+          <a:lstStyle/>
+          <a:p>
+            <a:pPr marL="342900" indent="-342900">
+              <a:buFont typeface="Arial" pitchFamily="34" charset="0"/>
+              <a:buChar char="•"/>
+            </a:pPr>
+            <a:r>
+              <a:rPr lang="en-US" sz="1400" dirty="0"/>
+              <a:t>To suppress this sideband radiations </a:t>
+            </a:r>
+            <a:r>
+              <a:rPr lang="en-US" sz="1400" dirty="0" smtClean="0"/>
+              <a:t>an</a:t>
+            </a:r>
+            <a:r>
+              <a:rPr lang="en-US" sz="1400" dirty="0" smtClean="0"/>
+              <a:t>d </a:t>
+            </a:r>
+            <a:r>
+              <a:rPr lang="en-US" sz="1400" dirty="0"/>
+              <a:t>to </a:t>
+            </a:r>
+            <a:r>
+              <a:rPr lang="en-US" sz="1400" dirty="0" smtClean="0"/>
+              <a:t>minimize </a:t>
+            </a:r>
+            <a:r>
+              <a:rPr lang="en-US" sz="1400" dirty="0"/>
+              <a:t>side lobe level various optimization algorithms were introduced</a:t>
+            </a:r>
+          </a:p>
+          <a:p>
+            <a:pPr marL="800100" lvl="1" indent="-342900">
+              <a:buFont typeface="Arial" pitchFamily="34" charset="0"/>
+              <a:buChar char="•"/>
+            </a:pPr>
+            <a:r>
+              <a:rPr lang="en-IN" sz="1400" dirty="0" smtClean="0"/>
+              <a:t>Simulated </a:t>
+            </a:r>
+            <a:r>
+              <a:rPr lang="en-IN" sz="1400" dirty="0"/>
+              <a:t>Annealing (SA)</a:t>
+            </a:r>
+          </a:p>
+          <a:p>
+            <a:pPr marL="800100" lvl="1" indent="-342900">
+              <a:buFont typeface="Arial" pitchFamily="34" charset="0"/>
+              <a:buChar char="•"/>
+            </a:pPr>
+            <a:r>
+              <a:rPr lang="en-IN" sz="1400" dirty="0"/>
+              <a:t>Genetic Algorithm (GA)</a:t>
+            </a:r>
+          </a:p>
+          <a:p>
+            <a:pPr marL="800100" lvl="1" indent="-342900">
+              <a:buFont typeface="Arial" pitchFamily="34" charset="0"/>
+              <a:buChar char="•"/>
+            </a:pPr>
+            <a:r>
+              <a:rPr lang="en-IN" sz="1400" dirty="0"/>
+              <a:t>Differential Evolution (DE)</a:t>
+            </a:r>
+          </a:p>
+          <a:p>
+            <a:pPr marL="800100" lvl="1" indent="-342900">
+              <a:buFont typeface="Arial" pitchFamily="34" charset="0"/>
+              <a:buChar char="•"/>
+            </a:pPr>
+            <a:r>
+              <a:rPr lang="en-IN" sz="1400" dirty="0"/>
+              <a:t>Particle Swarm Optimization (PSO)</a:t>
+            </a:r>
+          </a:p>
+          <a:p>
+            <a:pPr marL="800100" lvl="1" indent="-342900">
+              <a:buFont typeface="Arial" pitchFamily="34" charset="0"/>
+              <a:buChar char="•"/>
+            </a:pPr>
+            <a:r>
+              <a:rPr lang="en-IN" sz="1400" dirty="0"/>
+              <a:t>Iterative Convex Algorithm</a:t>
+            </a:r>
+          </a:p>
+          <a:p>
+            <a:pPr marL="800100" lvl="1" indent="-342900">
+              <a:buFont typeface="Arial" pitchFamily="34" charset="0"/>
+              <a:buChar char="•"/>
+            </a:pPr>
+            <a:r>
+              <a:rPr lang="en-IN" sz="1400" dirty="0"/>
+              <a:t>Two stage Convex algorithm</a:t>
+            </a:r>
+          </a:p>
+          <a:p>
+            <a:pPr marL="800100" lvl="1" indent="-342900">
+              <a:buFont typeface="Arial" pitchFamily="34" charset="0"/>
+              <a:buChar char="•"/>
+            </a:pPr>
+            <a:r>
+              <a:rPr lang="en-IN" sz="1400" dirty="0"/>
+              <a:t>Artificial Bee Colony Differential Evolution (ABC-DE)</a:t>
+            </a:r>
+          </a:p>
+          <a:p>
+            <a:pPr marL="342900" indent="-342900">
+              <a:buFont typeface="Arial" pitchFamily="34" charset="0"/>
+              <a:buChar char="•"/>
+            </a:pPr>
+            <a:r>
+              <a:rPr lang="en-US" sz="1400" dirty="0"/>
+              <a:t>Time-Modulated Antenna Arrays (TMAA) have been widely explored for various synthesis models</a:t>
+            </a:r>
+          </a:p>
+          <a:p>
+            <a:pPr marL="800100" lvl="1" indent="-342900">
+              <a:buFont typeface="Arial" pitchFamily="34" charset="0"/>
+              <a:buChar char="•"/>
+            </a:pPr>
+            <a:r>
+              <a:rPr lang="en-US" sz="1400" dirty="0"/>
+              <a:t>Sum and difference pattern synthesis, </a:t>
+            </a:r>
+          </a:p>
+          <a:p>
+            <a:pPr marL="800100" lvl="1" indent="-342900">
+              <a:buFont typeface="Arial" pitchFamily="34" charset="0"/>
+              <a:buChar char="•"/>
+            </a:pPr>
+            <a:r>
+              <a:rPr lang="en-US" sz="1400" dirty="0"/>
+              <a:t>Wireless power transfer (WPT),</a:t>
+            </a:r>
+          </a:p>
+          <a:p>
+            <a:pPr marL="800100" lvl="1" indent="-342900">
+              <a:buFont typeface="Arial" pitchFamily="34" charset="0"/>
+              <a:buChar char="•"/>
+            </a:pPr>
+            <a:r>
+              <a:rPr lang="en-US" sz="1400" dirty="0"/>
+              <a:t>Harmonic beam steering</a:t>
+            </a:r>
+          </a:p>
+          <a:p>
+            <a:pPr marL="342900" indent="-342900">
+              <a:buFont typeface="Arial" pitchFamily="34" charset="0"/>
+              <a:buChar char="•"/>
+            </a:pPr>
+            <a:r>
+              <a:rPr lang="en-US" sz="1400" dirty="0"/>
+              <a:t>These patterns are formed by optimizing the switch ON time of specific elements, enabling null steering for applications such as object scanning and directed power </a:t>
+            </a:r>
+            <a:r>
+              <a:rPr lang="en-US" sz="1400" dirty="0" smtClean="0"/>
+              <a:t>transmission.</a:t>
+            </a:r>
+            <a:endParaRPr lang="en-US" sz="1400" dirty="0"/>
+          </a:p>
+          <a:p>
+            <a:pPr marL="342900" indent="-342900">
+              <a:buFont typeface="Arial" pitchFamily="34" charset="0"/>
+              <a:buChar char="•"/>
+            </a:pPr>
+            <a:r>
+              <a:rPr lang="en-US" sz="1400" dirty="0"/>
+              <a:t>by optimizing the switch ON time, the scanning range of TMAAs can be enhanced through null steering of harmonic beams.</a:t>
+            </a:r>
+          </a:p>
+          <a:p>
+            <a:pPr marL="342900" indent="-342900">
+              <a:buFont typeface="Arial" pitchFamily="34" charset="0"/>
+              <a:buChar char="•"/>
+            </a:pPr>
+            <a:r>
+              <a:rPr lang="en-US" sz="1400" dirty="0"/>
+              <a:t>Since the normalized active time of antenna elements influences fundamental frequency radiation, while the ON-time instants control harmonic radiation, strategic optimization of switch ON instants allows for precise harmonic beam steering in desired directions.</a:t>
+            </a:r>
+            <a:br>
+              <a:rPr lang="en-US" sz="1400" dirty="0"/>
+            </a:br>
+            <a:endParaRPr lang="en-US" sz="1400" dirty="0"/>
+          </a:p>
+          <a:p>
+            <a:endParaRPr lang="en-US" sz="1400" dirty="0"/>
+          </a:p>
+        </p:txBody>
+      </p:sp>
+    </p:spTree>
+  </p:cSld>
+  <p:clrMapOvr>
+    <a:masterClrMapping/>
+  </p:clrMapOvr>
+  <p:timing>
+    <p:tnLst>
+      <p:par>
+        <p:cTn id="1" dur="indefinite" restart="never" nodeType="tmRoot"/>
+      </p:par>
+    </p:tnLst>
+  </p:timing>
+</p:sld>
+</file>
+
+<file path=ppt/slides/slide4.xml><?xml version="1.0" encoding="utf-8"?>
+<p:sld xmlns:a="http://schemas.openxmlformats.org/drawingml/2006/main" xmlns:r="http://schemas.openxmlformats.org/officeDocument/2006/relationships" xmlns:p="http://schemas.openxmlformats.org/presentationml/2006/main">
+  <p:cSld>
+    <p:spTree>
+      <p:nvGrpSpPr>
+        <p:cNvPr id="1" name=""/>
+        <p:cNvGrpSpPr/>
+        <p:nvPr/>
+      </p:nvGrpSpPr>
+      <p:grpSpPr>
+        <a:xfrm>
+          <a:off x="0" y="0"/>
+          <a:ext cx="0" cy="0"/>
+          <a:chOff x="0" y="0"/>
+          <a:chExt cx="0" cy="0"/>
+        </a:xfrm>
+      </p:grpSpPr>
+      <p:sp>
+        <p:nvSpPr>
+          <p:cNvPr id="11" name="Rectangle 10"/>
+          <p:cNvSpPr/>
+          <p:nvPr/>
+        </p:nvSpPr>
+        <p:spPr>
+          <a:xfrm>
+            <a:off x="701040" y="497841"/>
+            <a:ext cx="5052779" cy="6340197"/>
+          </a:xfrm>
+          <a:prstGeom prst="rect">
+            <a:avLst/>
+          </a:prstGeom>
+        </p:spPr>
+        <p:txBody>
+          <a:bodyPr wrap="square">
+            <a:spAutoFit/>
+          </a:bodyPr>
+          <a:lstStyle/>
+          <a:p>
+            <a:pPr marL="342900" indent="-342900">
+              <a:buFont typeface="Arial" pitchFamily="34" charset="0"/>
+              <a:buChar char="•"/>
+            </a:pPr>
+            <a:r>
+              <a:rPr lang="en-US" sz="1400" dirty="0"/>
+              <a:t>Though many harmonics produce, the power radiated shrinks as the harmonic number improves.</a:t>
+            </a:r>
+          </a:p>
+          <a:p>
+            <a:pPr marL="342900" indent="-342900">
+              <a:buFont typeface="Arial" pitchFamily="34" charset="0"/>
+              <a:buChar char="•"/>
+            </a:pPr>
+            <a:r>
+              <a:rPr lang="en-IN" sz="1400" dirty="0"/>
+              <a:t>However, </a:t>
+            </a:r>
+            <a:r>
+              <a:rPr lang="en-US" sz="1400" dirty="0"/>
+              <a:t>among the infinite harmonics produced, barely first and second harmonics radiate significant power and are generally examined for analysis.</a:t>
+            </a:r>
+          </a:p>
+          <a:p>
+            <a:pPr marL="342900" indent="-342900">
+              <a:buFont typeface="Arial" pitchFamily="34" charset="0"/>
+              <a:buChar char="•"/>
+            </a:pPr>
+            <a:r>
+              <a:rPr lang="en-US" sz="1400" dirty="0"/>
+              <a:t>Therefore, the radiation parameters of TMAA are calculated over all the harmonic components.</a:t>
+            </a:r>
+          </a:p>
+          <a:p>
+            <a:pPr marL="342900" indent="-342900">
+              <a:buFont typeface="Arial" pitchFamily="34" charset="0"/>
+              <a:buChar char="•"/>
+            </a:pPr>
+            <a:r>
+              <a:rPr lang="en-IN" sz="1400" dirty="0"/>
+              <a:t>Radiation characteristics of TMA is given by :</a:t>
+            </a:r>
+          </a:p>
+          <a:p>
+            <a:pPr marL="342900" indent="-342900">
+              <a:buFont typeface="Arial" pitchFamily="34" charset="0"/>
+              <a:buChar char="•"/>
+            </a:pPr>
+            <a:endParaRPr lang="en-IN" sz="1400" dirty="0" smtClean="0"/>
+          </a:p>
+          <a:p>
+            <a:pPr marL="342900" indent="-342900">
+              <a:buFont typeface="Arial" pitchFamily="34" charset="0"/>
+              <a:buChar char="•"/>
+            </a:pPr>
+            <a:endParaRPr lang="en-IN" sz="1400" dirty="0" smtClean="0"/>
+          </a:p>
+          <a:p>
+            <a:pPr marL="342900" indent="-342900">
+              <a:buFont typeface="Arial" pitchFamily="34" charset="0"/>
+              <a:buChar char="•"/>
+            </a:pPr>
+            <a:endParaRPr lang="en-IN" sz="1400" dirty="0" smtClean="0"/>
+          </a:p>
+          <a:p>
+            <a:pPr marL="342900" indent="-342900">
+              <a:buFont typeface="Arial" pitchFamily="34" charset="0"/>
+              <a:buChar char="•"/>
+            </a:pPr>
+            <a:endParaRPr lang="en-IN" sz="1400" dirty="0" smtClean="0"/>
+          </a:p>
+          <a:p>
+            <a:pPr marL="342900" indent="-342900">
+              <a:buFont typeface="Arial" pitchFamily="34" charset="0"/>
+              <a:buChar char="•"/>
+            </a:pPr>
+            <a:endParaRPr lang="en-IN" sz="1400" dirty="0" smtClean="0"/>
+          </a:p>
+          <a:p>
+            <a:pPr marL="342900" indent="-342900">
+              <a:buFont typeface="Arial" pitchFamily="34" charset="0"/>
+              <a:buChar char="•"/>
+            </a:pPr>
+            <a:endParaRPr lang="en-IN" sz="1400" dirty="0" smtClean="0"/>
+          </a:p>
+          <a:p>
+            <a:pPr marL="342900" indent="-342900">
+              <a:buFont typeface="Arial" pitchFamily="34" charset="0"/>
+              <a:buChar char="•"/>
+            </a:pPr>
+            <a:endParaRPr lang="en-IN" sz="1400" dirty="0" smtClean="0"/>
+          </a:p>
+          <a:p>
+            <a:pPr marL="342900" indent="-342900">
+              <a:buFont typeface="Arial" pitchFamily="34" charset="0"/>
+              <a:buChar char="•"/>
+            </a:pPr>
+            <a:endParaRPr lang="en-IN" sz="1400" dirty="0" smtClean="0"/>
+          </a:p>
+          <a:p>
+            <a:pPr marL="342900" indent="-342900">
+              <a:buFont typeface="Arial" pitchFamily="34" charset="0"/>
+              <a:buChar char="•"/>
+            </a:pPr>
+            <a:endParaRPr lang="en-IN" sz="1400" dirty="0" smtClean="0"/>
+          </a:p>
+          <a:p>
+            <a:pPr marL="342900" indent="-342900">
+              <a:buFont typeface="Arial" pitchFamily="34" charset="0"/>
+              <a:buChar char="•"/>
+            </a:pPr>
+            <a:endParaRPr lang="en-IN" sz="1400" dirty="0" smtClean="0"/>
+          </a:p>
+          <a:p>
+            <a:pPr marL="342900" indent="-342900">
+              <a:buFont typeface="Arial" pitchFamily="34" charset="0"/>
+              <a:buChar char="•"/>
+            </a:pPr>
+            <a:endParaRPr lang="en-IN" sz="1400" dirty="0" smtClean="0"/>
+          </a:p>
+          <a:p>
+            <a:pPr marL="342900" indent="-342900">
+              <a:buFont typeface="Arial" pitchFamily="34" charset="0"/>
+              <a:buChar char="•"/>
+            </a:pPr>
+            <a:r>
+              <a:rPr lang="en-US" sz="1400" dirty="0" smtClean="0"/>
+              <a:t>The </a:t>
+            </a:r>
+            <a:r>
+              <a:rPr lang="en-US" sz="1400" dirty="0" smtClean="0"/>
+              <a:t>total radiated power of a time-modulated linear antenna array is the sum of power in fundamental radiation and harmonic radiation</a:t>
+            </a:r>
+            <a:endParaRPr lang="en-IN" sz="1400" dirty="0" smtClean="0"/>
+          </a:p>
+          <a:p>
+            <a:pPr marL="342900" indent="-342900">
+              <a:buFont typeface="Arial" pitchFamily="34" charset="0"/>
+              <a:buChar char="•"/>
+            </a:pPr>
+            <a:endParaRPr lang="en-IN" sz="1400" dirty="0" smtClean="0"/>
+          </a:p>
+          <a:p>
+            <a:pPr marL="342900" indent="-342900">
+              <a:buFont typeface="Arial" pitchFamily="34" charset="0"/>
+              <a:buChar char="•"/>
+            </a:pPr>
+            <a:endParaRPr lang="en-IN" sz="1400" dirty="0" smtClean="0"/>
+          </a:p>
+          <a:p>
+            <a:pPr marL="342900" indent="-342900">
+              <a:buFont typeface="Arial" pitchFamily="34" charset="0"/>
+              <a:buChar char="•"/>
+            </a:pPr>
+            <a:endParaRPr lang="en-IN" sz="1400" dirty="0" smtClean="0"/>
+          </a:p>
+          <a:p>
+            <a:pPr marL="342900" indent="-342900">
+              <a:buFont typeface="Arial" pitchFamily="34" charset="0"/>
+              <a:buChar char="•"/>
+            </a:pPr>
+            <a:endParaRPr lang="en-IN" sz="1400" dirty="0" smtClean="0"/>
+          </a:p>
+          <a:p>
+            <a:pPr marL="342900" indent="-342900">
+              <a:buFont typeface="Arial" pitchFamily="34" charset="0"/>
+              <a:buChar char="•"/>
+            </a:pPr>
+            <a:endParaRPr lang="en-IN" sz="1400" dirty="0" smtClean="0"/>
+          </a:p>
+          <a:p>
+            <a:pPr marL="342900" indent="-342900">
+              <a:buFont typeface="Arial" pitchFamily="34" charset="0"/>
+              <a:buChar char="•"/>
+            </a:pPr>
+            <a:endParaRPr lang="en-IN" sz="1400" dirty="0" smtClean="0"/>
+          </a:p>
+          <a:p>
+            <a:pPr marL="342900" indent="-342900">
+              <a:buFont typeface="Arial" pitchFamily="34" charset="0"/>
+              <a:buChar char="•"/>
+            </a:pPr>
+            <a:endParaRPr lang="en-US" sz="1400" dirty="0"/>
+          </a:p>
+        </p:txBody>
+      </p:sp>
+      <p:pic>
+        <p:nvPicPr>
+          <p:cNvPr id="6146" name="Picture 2"/>
+          <p:cNvPicPr>
+            <a:picLocks noChangeAspect="1" noChangeArrowheads="1"/>
+          </p:cNvPicPr>
+          <p:nvPr/>
+        </p:nvPicPr>
+        <p:blipFill>
+          <a:blip r:embed="rId2" cstate="print"/>
+          <a:srcRect/>
+          <a:stretch>
+            <a:fillRect/>
+          </a:stretch>
+        </p:blipFill>
+        <p:spPr bwMode="auto">
+          <a:xfrm>
+            <a:off x="1478945" y="2405191"/>
+            <a:ext cx="2920527" cy="490396"/>
+          </a:xfrm>
+          <a:prstGeom prst="rect">
+            <a:avLst/>
+          </a:prstGeom>
+          <a:noFill/>
+          <a:ln w="9525">
+            <a:noFill/>
+            <a:miter lim="800000"/>
+            <a:headEnd/>
+            <a:tailEnd/>
+          </a:ln>
+          <a:effectLst/>
+        </p:spPr>
+      </p:pic>
+      <p:pic>
+        <p:nvPicPr>
+          <p:cNvPr id="6147" name="Picture 3"/>
+          <p:cNvPicPr>
+            <a:picLocks noChangeAspect="1" noChangeArrowheads="1"/>
+          </p:cNvPicPr>
+          <p:nvPr/>
+        </p:nvPicPr>
+        <p:blipFill>
+          <a:blip r:embed="rId3" cstate="print"/>
+          <a:srcRect/>
+          <a:stretch>
+            <a:fillRect/>
+          </a:stretch>
+        </p:blipFill>
+        <p:spPr bwMode="auto">
+          <a:xfrm>
+            <a:off x="2121141" y="3085151"/>
+            <a:ext cx="1795252" cy="555262"/>
+          </a:xfrm>
+          <a:prstGeom prst="rect">
+            <a:avLst/>
+          </a:prstGeom>
+          <a:noFill/>
+          <a:ln w="9525">
+            <a:noFill/>
+            <a:miter lim="800000"/>
+            <a:headEnd/>
+            <a:tailEnd/>
+          </a:ln>
+          <a:effectLst/>
+        </p:spPr>
+      </p:pic>
+      <p:pic>
+        <p:nvPicPr>
+          <p:cNvPr id="6148" name="Picture 4"/>
+          <p:cNvPicPr>
+            <a:picLocks noChangeAspect="1" noChangeArrowheads="1"/>
+          </p:cNvPicPr>
+          <p:nvPr/>
+        </p:nvPicPr>
+        <p:blipFill>
+          <a:blip r:embed="rId4"/>
+          <a:srcRect/>
+          <a:stretch>
+            <a:fillRect/>
+          </a:stretch>
+        </p:blipFill>
+        <p:spPr bwMode="auto">
+          <a:xfrm>
+            <a:off x="2558403" y="3902818"/>
+            <a:ext cx="926669" cy="260229"/>
+          </a:xfrm>
+          <a:prstGeom prst="rect">
+            <a:avLst/>
+          </a:prstGeom>
+          <a:noFill/>
+          <a:ln w="9525">
+            <a:noFill/>
+            <a:miter lim="800000"/>
+            <a:headEnd/>
+            <a:tailEnd/>
+          </a:ln>
+          <a:effectLst/>
+        </p:spPr>
+      </p:pic>
+      <p:pic>
+        <p:nvPicPr>
+          <p:cNvPr id="7" name="Picture 6" descr="power_percentage_per_harmonics_tau_vary_delay_vary.png"/>
+          <p:cNvPicPr>
+            <a:picLocks noChangeAspect="1"/>
+          </p:cNvPicPr>
+          <p:nvPr/>
+        </p:nvPicPr>
+        <p:blipFill>
+          <a:blip r:embed="rId5"/>
+          <a:stretch>
+            <a:fillRect/>
+          </a:stretch>
+        </p:blipFill>
+        <p:spPr>
+          <a:xfrm>
+            <a:off x="6077268" y="1366870"/>
+            <a:ext cx="4528954" cy="3840163"/>
+          </a:xfrm>
+          <a:prstGeom prst="rect">
+            <a:avLst/>
+          </a:prstGeom>
+        </p:spPr>
+      </p:pic>
+      <p:pic>
+        <p:nvPicPr>
+          <p:cNvPr id="5122" name="Picture 2"/>
+          <p:cNvPicPr>
+            <a:picLocks noChangeAspect="1" noChangeArrowheads="1"/>
+          </p:cNvPicPr>
+          <p:nvPr/>
+        </p:nvPicPr>
+        <p:blipFill>
+          <a:blip r:embed="rId6"/>
+          <a:srcRect/>
+          <a:stretch>
+            <a:fillRect/>
+          </a:stretch>
+        </p:blipFill>
+        <p:spPr bwMode="auto">
+          <a:xfrm>
+            <a:off x="2365705" y="5354826"/>
+            <a:ext cx="1421291" cy="732368"/>
+          </a:xfrm>
+          <a:prstGeom prst="rect">
+            <a:avLst/>
+          </a:prstGeom>
+          <a:noFill/>
+          <a:ln w="9525">
+            <a:noFill/>
+            <a:miter lim="800000"/>
+            <a:headEnd/>
+            <a:tailEnd/>
+          </a:ln>
+          <a:effectLst/>
+        </p:spPr>
+      </p:pic>
+    </p:spTree>
+  </p:cSld>
+  <p:clrMapOvr>
+    <a:masterClrMapping/>
+  </p:clrMapOvr>
+  <p:timing>
+    <p:tnLst>
+      <p:par>
+        <p:cTn id="1" dur="indefinite" restart="never" nodeType="tmRoot"/>
+      </p:par>
+    </p:tnLst>
+  </p:timing>
 </p:sld>
 </file>
 
@@ -8957,8 +11833,8 @@
         </p:nvSpPr>
         <p:spPr>
           <a:xfrm>
-            <a:off x="701040" y="497841"/>
-            <a:ext cx="10515600" cy="6186309"/>
+            <a:off x="295597" y="2067848"/>
+            <a:ext cx="5673881" cy="2677656"/>
           </a:xfrm>
           <a:prstGeom prst="rect">
             <a:avLst/>
@@ -8975,24 +11851,12 @@
               <a:buChar char="•"/>
             </a:pPr>
             <a:r>
-              <a:rPr lang="en-US" dirty="0"/>
-              <a:t>To suppress this sideband radiations </a:t>
-            </a:r>
-            <a:r>
-              <a:rPr lang="en-US" dirty="0" err="1"/>
-              <a:t>nad</a:t>
-            </a:r>
-            <a:r>
-              <a:rPr lang="en-US" dirty="0"/>
-              <a:t> to </a:t>
-            </a:r>
-            <a:r>
-              <a:rPr lang="en-US" dirty="0" err="1"/>
-              <a:t>minimizze</a:t>
-            </a:r>
-            <a:r>
-              <a:rPr lang="en-US" dirty="0"/>
-              <a:t> side lobe level various optimization algorithms were introduced</a:t>
+              <a:rPr lang="en-US" sz="1400" dirty="0" smtClean="0"/>
+              <a:t>The conventional switching sequences are employed on </a:t>
+            </a:r>
+            <a:r>
+              <a:rPr lang="en-US" sz="1400" dirty="0" smtClean="0"/>
+              <a:t>TMAA</a:t>
             </a:r>
           </a:p>
           <a:p>
@@ -9001,9 +11865,50 @@
               <a:buChar char="•"/>
             </a:pPr>
             <a:r>
-              <a:rPr lang="en-IN" dirty="0"/>
-              <a:t> Simulated Annealing (SA)</a:t>
-            </a:r>
+              <a:rPr lang="en-US" sz="1400" dirty="0" smtClean="0"/>
+              <a:t>Variable Aperture Size (VAS</a:t>
+            </a:r>
+            <a:r>
+              <a:rPr lang="en-US" sz="1400" dirty="0" smtClean="0"/>
+              <a:t>)</a:t>
+            </a:r>
+          </a:p>
+          <a:p>
+            <a:pPr marL="1257300" lvl="2" indent="-342900">
+              <a:buFont typeface="Arial" pitchFamily="34" charset="0"/>
+              <a:buChar char="•"/>
+            </a:pPr>
+            <a:r>
+              <a:rPr lang="en-US" sz="1200" dirty="0" smtClean="0"/>
+              <a:t>Center </a:t>
+            </a:r>
+            <a:r>
+              <a:rPr lang="en-US" sz="1200" dirty="0" smtClean="0"/>
+              <a:t>elements are ON </a:t>
+            </a:r>
+            <a:r>
+              <a:rPr lang="en-US" sz="1200" dirty="0" smtClean="0"/>
+              <a:t>always</a:t>
+            </a:r>
+          </a:p>
+          <a:p>
+            <a:pPr marL="1257300" lvl="2" indent="-342900">
+              <a:buFont typeface="Arial" pitchFamily="34" charset="0"/>
+              <a:buChar char="•"/>
+            </a:pPr>
+            <a:r>
+              <a:rPr lang="en-IN" sz="1200" dirty="0" smtClean="0"/>
+              <a:t>Array behaves as the aperture is shrinking and expanding </a:t>
+            </a:r>
+            <a:r>
+              <a:rPr lang="en-IN" sz="1200" dirty="0" err="1" smtClean="0"/>
+              <a:t>wrt</a:t>
+            </a:r>
+            <a:r>
+              <a:rPr lang="en-IN" sz="1200" dirty="0" smtClean="0"/>
+              <a:t> modulation instant</a:t>
+            </a:r>
+            <a:endParaRPr lang="en-US" sz="1200" dirty="0" smtClean="0"/>
           </a:p>
           <a:p>
             <a:pPr marL="800100" lvl="1" indent="-342900">
@@ -9011,9 +11916,46 @@
               <a:buChar char="•"/>
             </a:pPr>
             <a:r>
-              <a:rPr lang="en-IN" dirty="0"/>
-              <a:t>Genetic Algorithm (GA)</a:t>
-            </a:r>
+              <a:rPr lang="en-US" sz="1400" dirty="0" smtClean="0"/>
+              <a:t>Unidirectional Phase Center Motion (UPCM</a:t>
+            </a:r>
+            <a:r>
+              <a:rPr lang="en-US" sz="1400" dirty="0" smtClean="0"/>
+              <a:t>)</a:t>
+            </a:r>
+          </a:p>
+          <a:p>
+            <a:pPr marL="1257300" lvl="2" indent="-342900">
+              <a:buFont typeface="Arial" pitchFamily="34" charset="0"/>
+              <a:buChar char="•"/>
+            </a:pPr>
+            <a:r>
+              <a:rPr lang="en-US" sz="1200" dirty="0" smtClean="0"/>
+              <a:t>M number of elements are activated in an array of N(N &gt; M) </a:t>
+            </a:r>
+            <a:r>
+              <a:rPr lang="en-US" sz="1200" dirty="0" smtClean="0"/>
+              <a:t>elements</a:t>
+            </a:r>
+          </a:p>
+          <a:p>
+            <a:pPr marL="1257300" lvl="2" indent="-342900">
+              <a:buFont typeface="Arial" pitchFamily="34" charset="0"/>
+              <a:buChar char="•"/>
+            </a:pPr>
+            <a:r>
+              <a:rPr lang="en-US" sz="1200" dirty="0" smtClean="0"/>
+              <a:t>The phase center of ON elements moves </a:t>
+            </a:r>
+            <a:r>
+              <a:rPr lang="en-US" sz="1200" dirty="0" smtClean="0"/>
+              <a:t>unidirectional </a:t>
+            </a:r>
+            <a:r>
+              <a:rPr lang="en-US" sz="1200" dirty="0" smtClean="0"/>
+              <a:t>from left to right over a modulating period</a:t>
+            </a:r>
+            <a:endParaRPr lang="en-US" sz="1200" dirty="0" smtClean="0"/>
           </a:p>
           <a:p>
             <a:pPr marL="800100" lvl="1" indent="-342900">
@@ -9021,126 +11963,126 @@
               <a:buChar char="•"/>
             </a:pPr>
             <a:r>
-              <a:rPr lang="en-IN" dirty="0"/>
-              <a:t>Differential Evolution (DE)</a:t>
-            </a:r>
-          </a:p>
-          <a:p>
-            <a:pPr marL="800100" lvl="1" indent="-342900">
+              <a:rPr lang="en-US" sz="1400" dirty="0" smtClean="0"/>
+              <a:t>Bidirectional Phase Center Motion (BPCM</a:t>
+            </a:r>
+            <a:r>
+              <a:rPr lang="en-US" sz="1400" dirty="0" smtClean="0"/>
+              <a:t>)</a:t>
+            </a:r>
+          </a:p>
+          <a:p>
+            <a:pPr marL="1257300" lvl="2" indent="-342900">
               <a:buFont typeface="Arial" pitchFamily="34" charset="0"/>
               <a:buChar char="•"/>
             </a:pPr>
             <a:r>
-              <a:rPr lang="en-IN" dirty="0"/>
-              <a:t>Particle Swarm Optimization (PSO)</a:t>
-            </a:r>
-          </a:p>
-          <a:p>
-            <a:pPr marL="800100" lvl="1" indent="-342900">
-              <a:buFont typeface="Arial" pitchFamily="34" charset="0"/>
-              <a:buChar char="•"/>
-            </a:pPr>
-            <a:r>
-              <a:rPr lang="en-IN" dirty="0"/>
-              <a:t>Iterative Convex Algorithm</a:t>
-            </a:r>
-          </a:p>
-          <a:p>
-            <a:pPr marL="800100" lvl="1" indent="-342900">
-              <a:buFont typeface="Arial" pitchFamily="34" charset="0"/>
-              <a:buChar char="•"/>
-            </a:pPr>
-            <a:r>
-              <a:rPr lang="en-IN" dirty="0"/>
-              <a:t>Two stage Convex algorithm</a:t>
-            </a:r>
-          </a:p>
-          <a:p>
-            <a:pPr marL="800100" lvl="1" indent="-342900">
-              <a:buFont typeface="Arial" pitchFamily="34" charset="0"/>
-              <a:buChar char="•"/>
-            </a:pPr>
-            <a:r>
-              <a:rPr lang="en-IN" dirty="0"/>
-              <a:t>Artificial Bee Colony Differential Evolution (ABC-DE)</a:t>
-            </a:r>
-          </a:p>
-          <a:p>
-            <a:pPr marL="342900" indent="-342900">
-              <a:buFont typeface="Arial" pitchFamily="34" charset="0"/>
-              <a:buChar char="•"/>
-            </a:pPr>
-            <a:r>
-              <a:rPr lang="en-US" dirty="0"/>
-              <a:t>Time-Modulated Antenna Arrays (TMAA) have been widely explored for various synthesis models</a:t>
-            </a:r>
-          </a:p>
-          <a:p>
-            <a:pPr marL="800100" lvl="1" indent="-342900">
-              <a:buFont typeface="Arial" pitchFamily="34" charset="0"/>
-              <a:buChar char="•"/>
-            </a:pPr>
-            <a:r>
-              <a:rPr lang="en-US" dirty="0"/>
-              <a:t>Sum and difference pattern synthesis, </a:t>
-            </a:r>
-          </a:p>
-          <a:p>
-            <a:pPr marL="800100" lvl="1" indent="-342900">
-              <a:buFont typeface="Arial" pitchFamily="34" charset="0"/>
-              <a:buChar char="•"/>
-            </a:pPr>
-            <a:r>
-              <a:rPr lang="en-US" dirty="0"/>
-              <a:t>Wireless power transfer (WPT),</a:t>
-            </a:r>
-          </a:p>
-          <a:p>
-            <a:pPr marL="800100" lvl="1" indent="-342900">
-              <a:buFont typeface="Arial" pitchFamily="34" charset="0"/>
-              <a:buChar char="•"/>
-            </a:pPr>
-            <a:r>
-              <a:rPr lang="en-US" dirty="0"/>
-              <a:t>Harmonic beam steering</a:t>
-            </a:r>
-          </a:p>
-          <a:p>
-            <a:pPr marL="342900" indent="-342900">
-              <a:buFont typeface="Arial" pitchFamily="34" charset="0"/>
-              <a:buChar char="•"/>
-            </a:pPr>
-            <a:r>
-              <a:rPr lang="en-US" dirty="0"/>
-              <a:t>These patterns are formed by optimizing the switch ON time of specific elements, enabling null steering for applications such as object scanning and directed power transmission\</a:t>
-            </a:r>
-          </a:p>
-          <a:p>
-            <a:pPr marL="342900" indent="-342900">
-              <a:buFont typeface="Arial" pitchFamily="34" charset="0"/>
-              <a:buChar char="•"/>
-            </a:pPr>
-            <a:r>
-              <a:rPr lang="en-US" dirty="0"/>
-              <a:t>by optimizing the switch ON time, the scanning range of TMAAs can be enhanced through null steering of harmonic beams.</a:t>
-            </a:r>
-          </a:p>
-          <a:p>
-            <a:pPr marL="342900" indent="-342900">
-              <a:buFont typeface="Arial" pitchFamily="34" charset="0"/>
-              <a:buChar char="•"/>
-            </a:pPr>
-            <a:r>
-              <a:rPr lang="en-US" dirty="0"/>
-              <a:t>Since the normalized active time of antenna elements influences fundamental frequency radiation, while the ON-time instants control harmonic radiation, strategic optimization of switch ON instants allows for precise harmonic beam steering in desired directions.</a:t>
-            </a:r>
-            <a:br>
-              <a:rPr lang="en-US" dirty="0"/>
-            </a:br>
-            <a:endParaRPr lang="en-US" dirty="0"/>
-          </a:p>
-          <a:p>
-            <a:endParaRPr lang="en-US" dirty="0"/>
+              <a:rPr lang="en-US" sz="1200" dirty="0" smtClean="0"/>
+              <a:t>M active elements moves </a:t>
+            </a:r>
+            <a:r>
+              <a:rPr lang="en-US" sz="1200" dirty="0" smtClean="0"/>
+              <a:t>bidirectional </a:t>
+            </a:r>
+            <a:r>
+              <a:rPr lang="en-US" sz="1200" dirty="0" smtClean="0"/>
+              <a:t>from left to right to left over a modulating period.</a:t>
+            </a:r>
+            <a:endParaRPr lang="en-US" sz="1200" dirty="0"/>
+          </a:p>
+        </p:txBody>
+      </p:sp>
+      <p:pic>
+        <p:nvPicPr>
+          <p:cNvPr id="1026" name="Picture 2"/>
+          <p:cNvPicPr>
+            <a:picLocks noChangeAspect="1" noChangeArrowheads="1"/>
+          </p:cNvPicPr>
+          <p:nvPr/>
+        </p:nvPicPr>
+        <p:blipFill>
+          <a:blip r:embed="rId2"/>
+          <a:srcRect/>
+          <a:stretch>
+            <a:fillRect/>
+          </a:stretch>
+        </p:blipFill>
+        <p:spPr bwMode="auto">
+          <a:xfrm>
+            <a:off x="6081622" y="919497"/>
+            <a:ext cx="5117711" cy="4714809"/>
+          </a:xfrm>
+          <a:prstGeom prst="rect">
+            <a:avLst/>
+          </a:prstGeom>
+          <a:noFill/>
+          <a:ln w="9525">
+            <a:noFill/>
+            <a:miter lim="800000"/>
+            <a:headEnd/>
+            <a:tailEnd/>
+          </a:ln>
+          <a:effectLst/>
+        </p:spPr>
+      </p:pic>
+      <p:sp>
+        <p:nvSpPr>
+          <p:cNvPr id="8" name="Rectangle 7"/>
+          <p:cNvSpPr/>
+          <p:nvPr/>
+        </p:nvSpPr>
+        <p:spPr>
+          <a:xfrm>
+            <a:off x="5687683" y="5693282"/>
+            <a:ext cx="6096000" cy="400110"/>
+          </a:xfrm>
+          <a:prstGeom prst="rect">
+            <a:avLst/>
+          </a:prstGeom>
+        </p:spPr>
+        <p:txBody>
+          <a:bodyPr>
+            <a:spAutoFit/>
+          </a:bodyPr>
+          <a:lstStyle/>
+          <a:p>
+            <a:pPr algn="ctr"/>
+            <a:r>
+              <a:rPr lang="en-US" sz="1000" dirty="0" smtClean="0"/>
+              <a:t>(a) Variable Aperture Size (VAS), (b) Unidirectional Phase Center Motion (UPCM), and (c) Bidirectional Phase Center Motion (BPCM)</a:t>
+            </a:r>
+            <a:endParaRPr lang="en-US" sz="1000" dirty="0"/>
+          </a:p>
+        </p:txBody>
+      </p:sp>
+      <p:sp>
+        <p:nvSpPr>
+          <p:cNvPr id="9" name="Rectangle 8"/>
+          <p:cNvSpPr/>
+          <p:nvPr/>
+        </p:nvSpPr>
+        <p:spPr>
+          <a:xfrm>
+            <a:off x="9816483" y="5521875"/>
+            <a:ext cx="2244525" cy="215444"/>
+          </a:xfrm>
+          <a:prstGeom prst="rect">
+            <a:avLst/>
+          </a:prstGeom>
+        </p:spPr>
+        <p:txBody>
+          <a:bodyPr wrap="none">
+            <a:spAutoFit/>
+          </a:bodyPr>
+          <a:lstStyle/>
+          <a:p>
+            <a:r>
+              <a:rPr lang="en-US" sz="800" dirty="0" smtClean="0">
+                <a:hlinkClick r:id="rId3"/>
+              </a:rPr>
+              <a:t>https://doi.org/10.1080/02564602.2022.2055669</a:t>
+            </a:r>
+            <a:endParaRPr lang="en-US" sz="800" dirty="0"/>
           </a:p>
         </p:txBody>
       </p:sp>
@@ -9149,6 +12091,13 @@
   <p:clrMapOvr>
     <a:masterClrMapping/>
   </p:clrMapOvr>
+  <p:timing>
+    <p:tnLst>
+      <p:par>
+        <p:cTn id="1" dur="indefinite" restart="never" nodeType="tmRoot"/>
+      </p:par>
+    </p:tnLst>
+  </p:timing>
 </p:sld>
 </file>
 
@@ -9177,8 +12126,8 @@
         </p:nvSpPr>
         <p:spPr>
           <a:xfrm>
-            <a:off x="701040" y="497841"/>
-            <a:ext cx="10515600" cy="1754326"/>
+            <a:off x="278345" y="2179991"/>
+            <a:ext cx="5587618" cy="2708434"/>
           </a:xfrm>
           <a:prstGeom prst="rect">
             <a:avLst/>
@@ -9195,8 +12144,12 @@
               <a:buChar char="•"/>
             </a:pPr>
             <a:r>
-              <a:rPr lang="en-US" dirty="0"/>
-              <a:t>Though many harmonics produce, the power radiated shrinks as the harmonic number improves.</a:t>
+              <a:rPr lang="en-US" sz="1400" dirty="0" smtClean="0"/>
+              <a:t>In TMAA design, the focus is highly on radiation pattern synthesis. However, it suffered from energy inefficiency and reduced Signal-to-Noise (SNR) at the receiver due to the sharp change of pulse amplitude during ON to OFF state and OFF to ON state of RF switches. Therefore, high-speed RF switches operated by timing pulse sequences are used to transition antenna elements state</a:t>
+            </a:r>
+            <a:r>
+              <a:rPr lang="en-US" sz="1400" dirty="0" smtClean="0"/>
+              <a:t>.</a:t>
             </a:r>
           </a:p>
           <a:p>
@@ -9205,46 +12158,110 @@
               <a:buChar char="•"/>
             </a:pPr>
             <a:r>
-              <a:rPr lang="en-IN" dirty="0"/>
-              <a:t>However, </a:t>
-            </a:r>
-            <a:r>
-              <a:rPr lang="en-US" dirty="0"/>
-              <a:t>among the infinite harmonics produced, barely first and second harmonics radiate significant power and are generally examined for analysis.</a:t>
-            </a:r>
-          </a:p>
-          <a:p>
-            <a:pPr marL="342900" indent="-342900">
+              <a:rPr lang="en-US" sz="1400" dirty="0" smtClean="0"/>
+              <a:t>Various time pulse shapes are utilized to reduce the power </a:t>
+            </a:r>
+            <a:r>
+              <a:rPr lang="en-US" sz="1400" dirty="0" smtClean="0"/>
+              <a:t>loss</a:t>
+            </a:r>
+          </a:p>
+          <a:p>
+            <a:pPr marL="800100" lvl="1" indent="-342900">
               <a:buFont typeface="Arial" pitchFamily="34" charset="0"/>
               <a:buChar char="•"/>
             </a:pPr>
             <a:r>
-              <a:rPr lang="en-US" dirty="0"/>
-              <a:t>Therefore, the radiation parameters of TMAA are calculated over all the harmonic components.</a:t>
-            </a:r>
-          </a:p>
-          <a:p>
-            <a:pPr marL="342900" indent="-342900">
+              <a:rPr lang="en-US" sz="1200" dirty="0" smtClean="0"/>
+              <a:t>R</a:t>
+            </a:r>
+            <a:r>
+              <a:rPr lang="en-US" sz="1200" dirty="0" smtClean="0"/>
+              <a:t>ectangular </a:t>
+            </a:r>
+            <a:r>
+              <a:rPr lang="en-US" sz="1200" dirty="0" smtClean="0"/>
+              <a:t>timing </a:t>
+            </a:r>
+            <a:r>
+              <a:rPr lang="en-US" sz="1200" dirty="0" smtClean="0"/>
+              <a:t>pulse</a:t>
+            </a:r>
+          </a:p>
+          <a:p>
+            <a:pPr marL="800100" lvl="1" indent="-342900">
               <a:buFont typeface="Arial" pitchFamily="34" charset="0"/>
               <a:buChar char="•"/>
             </a:pPr>
             <a:r>
-              <a:rPr lang="en-IN" dirty="0"/>
-              <a:t>Radiation characteristics of TMA is given by :</a:t>
-            </a:r>
-          </a:p>
-          <a:p>
-            <a:pPr marL="342900" indent="-342900">
+              <a:rPr lang="en-US" sz="1200" dirty="0" smtClean="0"/>
+              <a:t>Trapezoidal,</a:t>
+            </a:r>
+          </a:p>
+          <a:p>
+            <a:pPr marL="800100" lvl="1" indent="-342900">
               <a:buFont typeface="Arial" pitchFamily="34" charset="0"/>
               <a:buChar char="•"/>
             </a:pPr>
-            <a:endParaRPr lang="en-US" dirty="0"/>
+            <a:r>
+              <a:rPr lang="en-US" sz="1200" dirty="0" smtClean="0"/>
+              <a:t>Time-domain </a:t>
+            </a:r>
+            <a:r>
+              <a:rPr lang="en-US" sz="1200" dirty="0" smtClean="0"/>
+              <a:t>raised cosine (TDRC), </a:t>
+            </a:r>
+            <a:endParaRPr lang="en-US" sz="1200" dirty="0" smtClean="0"/>
+          </a:p>
+          <a:p>
+            <a:pPr marL="800100" lvl="1" indent="-342900">
+              <a:buFont typeface="Arial" pitchFamily="34" charset="0"/>
+              <a:buChar char="•"/>
+            </a:pPr>
+            <a:r>
+              <a:rPr lang="en-US" sz="1200" dirty="0" smtClean="0"/>
+              <a:t>T</a:t>
+            </a:r>
+            <a:r>
+              <a:rPr lang="en-US" sz="1200" dirty="0" smtClean="0"/>
+              <a:t>riangular,</a:t>
+            </a:r>
+          </a:p>
+          <a:p>
+            <a:pPr marL="800100" lvl="1" indent="-342900">
+              <a:buFont typeface="Arial" pitchFamily="34" charset="0"/>
+              <a:buChar char="•"/>
+            </a:pPr>
+            <a:r>
+              <a:rPr lang="en-US" sz="1200" dirty="0" smtClean="0"/>
+              <a:t>Pure </a:t>
+            </a:r>
+            <a:r>
+              <a:rPr lang="en-US" sz="1200" dirty="0" smtClean="0"/>
+              <a:t>sinusoidal sum-of-weighted cosines (SWC), and </a:t>
+            </a:r>
+            <a:endParaRPr lang="en-US" sz="1200" dirty="0" smtClean="0"/>
+          </a:p>
+          <a:p>
+            <a:pPr marL="800100" lvl="1" indent="-342900">
+              <a:buFont typeface="Arial" pitchFamily="34" charset="0"/>
+              <a:buChar char="•"/>
+            </a:pPr>
+            <a:r>
+              <a:rPr lang="en-US" sz="1200" dirty="0" smtClean="0"/>
+              <a:t>Nyquist </a:t>
+            </a:r>
+            <a:r>
+              <a:rPr lang="en-US" sz="1200" dirty="0" smtClean="0"/>
+              <a:t>pulses</a:t>
+            </a:r>
+            <a:endParaRPr lang="en-US" sz="1200" dirty="0"/>
           </a:p>
         </p:txBody>
       </p:sp>
       <p:pic>
         <p:nvPicPr>
-          <p:cNvPr id="6146" name="Picture 2"/>
+          <p:cNvPr id="2050" name="Picture 2"/>
           <p:cNvPicPr>
             <a:picLocks noChangeAspect="1" noChangeArrowheads="1"/>
           </p:cNvPicPr>
@@ -9259,8 +12276,8 @@
         </p:blipFill>
         <p:spPr bwMode="auto">
           <a:xfrm>
-            <a:off x="762953" y="2214503"/>
-            <a:ext cx="4672647" cy="784601"/>
+            <a:off x="6064370" y="1729650"/>
+            <a:ext cx="5107827" cy="3489331"/>
           </a:xfrm>
           <a:prstGeom prst="rect">
             <a:avLst/>
@@ -9275,101 +12292,47 @@
           <a:effectLst/>
         </p:spPr>
       </p:pic>
-      <p:pic>
-        <p:nvPicPr>
-          <p:cNvPr id="6147" name="Picture 3"/>
-          <p:cNvPicPr>
-            <a:picLocks noChangeAspect="1" noChangeArrowheads="1"/>
-          </p:cNvPicPr>
+      <p:sp>
+        <p:nvSpPr>
+          <p:cNvPr id="6" name="Rectangle 5"/>
+          <p:cNvSpPr/>
           <p:nvPr/>
-        </p:nvPicPr>
-        <p:blipFill>
-          <a:blip r:embed="rId3"/>
-          <a:srcRect/>
-          <a:stretch>
-            <a:fillRect/>
-          </a:stretch>
-        </p:blipFill>
-        <p:spPr bwMode="auto">
-          <a:xfrm>
-            <a:off x="965200" y="3606752"/>
-            <a:ext cx="2758440" cy="853171"/>
+        </p:nvSpPr>
+        <p:spPr>
+          <a:xfrm>
+            <a:off x="8121387" y="5271542"/>
+            <a:ext cx="1335622" cy="246221"/>
           </a:xfrm>
           <a:prstGeom prst="rect">
             <a:avLst/>
           </a:prstGeom>
-          <a:noFill/>
-          <a:ln w="9525">
-            <a:noFill/>
-            <a:miter lim="800000"/>
-            <a:headEnd/>
-            <a:tailEnd/>
-          </a:ln>
-          <a:effectLst/>
-        </p:spPr>
-      </p:pic>
-      <p:pic>
-        <p:nvPicPr>
-          <p:cNvPr id="6148" name="Picture 4"/>
-          <p:cNvPicPr>
-            <a:picLocks noChangeAspect="1" noChangeArrowheads="1"/>
-          </p:cNvPicPr>
-          <p:nvPr/>
-        </p:nvPicPr>
-        <p:blipFill>
-          <a:blip r:embed="rId4"/>
-          <a:srcRect/>
-          <a:stretch>
-            <a:fillRect/>
-          </a:stretch>
-        </p:blipFill>
-        <p:spPr bwMode="auto">
-          <a:xfrm>
-            <a:off x="1290320" y="5270465"/>
-            <a:ext cx="1309370" cy="367700"/>
-          </a:xfrm>
-          <a:prstGeom prst="rect">
-            <a:avLst/>
-          </a:prstGeom>
-          <a:noFill/>
-          <a:ln w="9525">
-            <a:noFill/>
-            <a:miter lim="800000"/>
-            <a:headEnd/>
-            <a:tailEnd/>
-          </a:ln>
-          <a:effectLst/>
-        </p:spPr>
-      </p:pic>
-      <p:pic>
-        <p:nvPicPr>
-          <p:cNvPr id="7" name="Picture 6" descr="power_percentage_per_harmonics_tau_vary_delay_vary.png"/>
-          <p:cNvPicPr>
-            <a:picLocks noChangeAspect="1"/>
-          </p:cNvPicPr>
-          <p:nvPr/>
-        </p:nvPicPr>
-        <p:blipFill>
-          <a:blip r:embed="rId5"/>
-          <a:stretch>
-            <a:fillRect/>
-          </a:stretch>
-        </p:blipFill>
-        <p:spPr>
-          <a:xfrm>
-            <a:off x="5965123" y="1996598"/>
-            <a:ext cx="4528954" cy="3840163"/>
-          </a:xfrm>
-          <a:prstGeom prst="rect">
-            <a:avLst/>
-          </a:prstGeom>
-        </p:spPr>
-      </p:pic>
+        </p:spPr>
+        <p:txBody>
+          <a:bodyPr wrap="none">
+            <a:spAutoFit/>
+          </a:bodyPr>
+          <a:lstStyle/>
+          <a:p>
+            <a:r>
+              <a:rPr lang="en-US" sz="1000" dirty="0" smtClean="0"/>
+              <a:t>Time-sequence pulses</a:t>
+            </a:r>
+            <a:endParaRPr lang="en-US" sz="1000" dirty="0"/>
+          </a:p>
+        </p:txBody>
+      </p:sp>
     </p:spTree>
   </p:cSld>
   <p:clrMapOvr>
     <a:masterClrMapping/>
   </p:clrMapOvr>
+  <p:timing>
+    <p:tnLst>
+      <p:par>
+        <p:cTn id="1" dur="indefinite" restart="never" nodeType="tmRoot"/>
+      </p:par>
+    </p:tnLst>
+  </p:timing>
 </p:sld>
 </file>
 
@@ -9390,190 +12353,9 @@
           <a:chExt cx="0" cy="0"/>
         </a:xfrm>
       </p:grpSpPr>
-      <p:sp>
-        <p:nvSpPr>
-          <p:cNvPr id="9" name="Rectangle 8"/>
-          <p:cNvSpPr/>
-          <p:nvPr/>
-        </p:nvSpPr>
-        <p:spPr>
-          <a:xfrm>
-            <a:off x="279932" y="1059672"/>
-            <a:ext cx="10972800" cy="2031325"/>
-          </a:xfrm>
-          <a:prstGeom prst="rect">
-            <a:avLst/>
-          </a:prstGeom>
-        </p:spPr>
-        <p:txBody>
-          <a:bodyPr wrap="square">
-            <a:spAutoFit/>
-          </a:bodyPr>
-          <a:lstStyle/>
-          <a:p>
-            <a:pPr>
-              <a:buFont typeface="Arial" pitchFamily="34" charset="0"/>
-              <a:buChar char="•"/>
-            </a:pPr>
-            <a:r>
-              <a:rPr lang="en-IN" sz="1400" dirty="0"/>
-              <a:t> </a:t>
-            </a:r>
-            <a:r>
-              <a:rPr lang="en-US" sz="1400" dirty="0"/>
-              <a:t>For a uniform linear array with spacing between elements of λ/2, the relationship between the number of beams within a given range in the elevation plane and the number of elements is stated by the following equation</a:t>
-            </a:r>
-          </a:p>
-          <a:p>
-            <a:pPr>
-              <a:buFont typeface="Arial" pitchFamily="34" charset="0"/>
-              <a:buChar char="•"/>
-            </a:pPr>
-            <a:endParaRPr lang="en-IN" sz="1400" dirty="0"/>
-          </a:p>
-          <a:p>
-            <a:pPr>
-              <a:buFont typeface="Arial" pitchFamily="34" charset="0"/>
-              <a:buChar char="•"/>
-            </a:pPr>
-            <a:endParaRPr lang="en-IN" sz="1400" dirty="0"/>
-          </a:p>
-          <a:p>
-            <a:pPr>
-              <a:buFont typeface="Arial" pitchFamily="34" charset="0"/>
-              <a:buChar char="•"/>
-            </a:pPr>
-            <a:endParaRPr lang="en-IN" sz="1400" dirty="0"/>
-          </a:p>
-          <a:p>
-            <a:r>
-              <a:rPr lang="en-IN" sz="1400" dirty="0"/>
-              <a:t> where </a:t>
-            </a:r>
-            <a:r>
-              <a:rPr lang="en-US" sz="1400" dirty="0"/>
-              <a:t>b is the number of beams, </a:t>
-            </a:r>
-            <a:r>
-              <a:rPr lang="en-US" sz="1400" dirty="0" err="1"/>
-              <a:t>θr</a:t>
-            </a:r>
-            <a:r>
-              <a:rPr lang="en-US" sz="1400" dirty="0"/>
-              <a:t> is the range in the elevation plane and N is the number of elements of the array.</a:t>
-            </a:r>
-            <a:endParaRPr lang="en-IN" sz="1400" dirty="0"/>
-          </a:p>
-          <a:p>
-            <a:pPr>
-              <a:buFont typeface="Arial" pitchFamily="34" charset="0"/>
-              <a:buChar char="•"/>
-            </a:pPr>
-            <a:r>
-              <a:rPr lang="en-IN" sz="1400" dirty="0"/>
-              <a:t> </a:t>
-            </a:r>
-            <a:r>
-              <a:rPr lang="en-US" sz="1400" dirty="0"/>
-              <a:t>If 50 beams are desired to be placed between θ = 0◦ and θ = 50◦ (i.e., </a:t>
-            </a:r>
-            <a:r>
-              <a:rPr lang="en-US" sz="1400" dirty="0" err="1"/>
-              <a:t>θ</a:t>
-            </a:r>
-            <a:r>
-              <a:rPr lang="en-US" sz="1400" baseline="-25000" dirty="0" err="1"/>
-              <a:t>r</a:t>
-            </a:r>
-            <a:r>
-              <a:rPr lang="en-US" sz="1400" baseline="-25000" dirty="0"/>
-              <a:t> </a:t>
-            </a:r>
-            <a:r>
-              <a:rPr lang="en-US" sz="1400" dirty="0"/>
-              <a:t>= 50◦), then the number of elements needed to meet those requirements is given by N = 130</a:t>
-            </a:r>
-          </a:p>
-          <a:p>
-            <a:pPr>
-              <a:buFont typeface="Arial" pitchFamily="34" charset="0"/>
-              <a:buChar char="•"/>
-            </a:pPr>
-            <a:endParaRPr lang="en-IN" sz="1400" dirty="0"/>
-          </a:p>
-        </p:txBody>
-      </p:sp>
-      <p:sp>
-        <p:nvSpPr>
-          <p:cNvPr id="3" name="TextBox 2"/>
-          <p:cNvSpPr txBox="1"/>
-          <p:nvPr/>
-        </p:nvSpPr>
-        <p:spPr>
-          <a:xfrm>
-            <a:off x="375920" y="426720"/>
-            <a:ext cx="9489440" cy="707886"/>
-          </a:xfrm>
-          <a:prstGeom prst="rect">
-            <a:avLst/>
-          </a:prstGeom>
-          <a:noFill/>
-        </p:spPr>
-        <p:txBody>
-          <a:bodyPr wrap="square" rtlCol="0">
-            <a:spAutoFit/>
-          </a:bodyPr>
-          <a:lstStyle/>
-          <a:p>
-            <a:r>
-              <a:rPr lang="en-US" sz="3200" dirty="0"/>
-              <a:t>Beam Steering for Time Modulated Arrays</a:t>
-            </a:r>
-          </a:p>
-          <a:p>
-            <a:r>
-              <a:rPr lang="en-US" sz="800" dirty="0"/>
-              <a:t>Gonzalo Maldonado, Alberto Reyna, Luz. I. Balderas, Marco A. </a:t>
-            </a:r>
-            <a:r>
-              <a:rPr lang="en-US" sz="800" dirty="0" err="1"/>
-              <a:t>Panduro</a:t>
-            </a:r>
-            <a:r>
-              <a:rPr lang="en-US" sz="800" dirty="0"/>
-              <a:t>, </a:t>
-            </a:r>
-            <a:r>
-              <a:rPr lang="vi-VN" sz="800" dirty="0"/>
-              <a:t>J</a:t>
-            </a:r>
-            <a:r>
-              <a:rPr lang="en-IN" sz="800" dirty="0" err="1"/>
-              <a:t>esus</a:t>
-            </a:r>
-            <a:r>
-              <a:rPr lang="vi-VN" sz="800" dirty="0"/>
-              <a:t> C</a:t>
-            </a:r>
-            <a:r>
-              <a:rPr lang="en-IN" sz="800" dirty="0" err="1"/>
-              <a:t>ruz</a:t>
-            </a:r>
-            <a:r>
-              <a:rPr lang="vi-VN" sz="800" dirty="0"/>
-              <a:t> G</a:t>
-            </a:r>
-            <a:r>
-              <a:rPr lang="en-IN" sz="800" dirty="0" err="1"/>
-              <a:t>arza</a:t>
-            </a:r>
-            <a:endParaRPr lang="en-US" sz="800" dirty="0"/>
-          </a:p>
-        </p:txBody>
-      </p:sp>
       <p:pic>
         <p:nvPicPr>
-          <p:cNvPr id="2050" name="Picture 2"/>
+          <p:cNvPr id="3074" name="Picture 2"/>
           <p:cNvPicPr>
             <a:picLocks noChangeAspect="1" noChangeArrowheads="1"/>
           </p:cNvPicPr>
@@ -9588,8 +12370,8 @@
         </p:blipFill>
         <p:spPr bwMode="auto">
           <a:xfrm>
-            <a:off x="3590608" y="1510665"/>
-            <a:ext cx="1495425" cy="666750"/>
+            <a:off x="5599083" y="1031516"/>
+            <a:ext cx="5962650" cy="4984750"/>
           </a:xfrm>
           <a:prstGeom prst="rect">
             <a:avLst/>
@@ -9604,138 +12386,6 @@
           <a:effectLst/>
         </p:spPr>
       </p:pic>
-      <p:pic>
-        <p:nvPicPr>
-          <p:cNvPr id="2051" name="Picture 3"/>
-          <p:cNvPicPr>
-            <a:picLocks noChangeAspect="1" noChangeArrowheads="1"/>
-          </p:cNvPicPr>
-          <p:nvPr/>
-        </p:nvPicPr>
-        <p:blipFill>
-          <a:blip r:embed="rId3"/>
-          <a:srcRect/>
-          <a:stretch>
-            <a:fillRect/>
-          </a:stretch>
-        </p:blipFill>
-        <p:spPr bwMode="auto">
-          <a:xfrm>
-            <a:off x="3618865" y="2997835"/>
-            <a:ext cx="3714750" cy="2752725"/>
-          </a:xfrm>
-          <a:prstGeom prst="rect">
-            <a:avLst/>
-          </a:prstGeom>
-          <a:noFill/>
-          <a:ln w="9525">
-            <a:noFill/>
-            <a:miter lim="800000"/>
-            <a:headEnd/>
-            <a:tailEnd/>
-          </a:ln>
-          <a:effectLst/>
-        </p:spPr>
-      </p:pic>
-      <p:pic>
-        <p:nvPicPr>
-          <p:cNvPr id="2052" name="Picture 4"/>
-          <p:cNvPicPr>
-            <a:picLocks noChangeAspect="1" noChangeArrowheads="1"/>
-          </p:cNvPicPr>
-          <p:nvPr/>
-        </p:nvPicPr>
-        <p:blipFill>
-          <a:blip r:embed="rId4"/>
-          <a:srcRect/>
-          <a:stretch>
-            <a:fillRect/>
-          </a:stretch>
-        </p:blipFill>
-        <p:spPr bwMode="auto">
-          <a:xfrm>
-            <a:off x="274003" y="3836670"/>
-            <a:ext cx="3190875" cy="647700"/>
-          </a:xfrm>
-          <a:prstGeom prst="rect">
-            <a:avLst/>
-          </a:prstGeom>
-          <a:noFill/>
-          <a:ln w="9525">
-            <a:noFill/>
-            <a:miter lim="800000"/>
-            <a:headEnd/>
-            <a:tailEnd/>
-          </a:ln>
-          <a:effectLst/>
-        </p:spPr>
-      </p:pic>
-      <p:pic>
-        <p:nvPicPr>
-          <p:cNvPr id="2053" name="Picture 5"/>
-          <p:cNvPicPr>
-            <a:picLocks noChangeAspect="1" noChangeArrowheads="1"/>
-          </p:cNvPicPr>
-          <p:nvPr/>
-        </p:nvPicPr>
-        <p:blipFill>
-          <a:blip r:embed="rId5"/>
-          <a:srcRect/>
-          <a:stretch>
-            <a:fillRect/>
-          </a:stretch>
-        </p:blipFill>
-        <p:spPr bwMode="auto">
-          <a:xfrm>
-            <a:off x="7401888" y="3027680"/>
-            <a:ext cx="3743823" cy="2763520"/>
-          </a:xfrm>
-          <a:prstGeom prst="rect">
-            <a:avLst/>
-          </a:prstGeom>
-          <a:noFill/>
-          <a:ln w="9525">
-            <a:noFill/>
-            <a:miter lim="800000"/>
-            <a:headEnd/>
-            <a:tailEnd/>
-          </a:ln>
-          <a:effectLst/>
-        </p:spPr>
-      </p:pic>
-      <p:pic>
-        <p:nvPicPr>
-          <p:cNvPr id="2054" name="Picture 6"/>
-          <p:cNvPicPr>
-            <a:picLocks noChangeAspect="1" noChangeArrowheads="1"/>
-          </p:cNvPicPr>
-          <p:nvPr/>
-        </p:nvPicPr>
-        <p:blipFill>
-          <a:blip r:embed="rId6"/>
-          <a:srcRect/>
-          <a:stretch>
-            <a:fillRect/>
-          </a:stretch>
-        </p:blipFill>
-        <p:spPr bwMode="auto">
-          <a:xfrm>
-            <a:off x="191770" y="4661440"/>
-            <a:ext cx="3415030" cy="477298"/>
-          </a:xfrm>
-          <a:prstGeom prst="rect">
-            <a:avLst/>
-          </a:prstGeom>
-          <a:noFill/>
-          <a:ln w="9525">
-            <a:noFill/>
-            <a:miter lim="800000"/>
-            <a:headEnd/>
-            <a:tailEnd/>
-          </a:ln>
-          <a:effectLst/>
-        </p:spPr>
-      </p:pic>
       <p:sp>
         <p:nvSpPr>
           <p:cNvPr id="10" name="Rectangle 9"/>
@@ -9744,8 +12394,8 @@
         </p:nvSpPr>
         <p:spPr>
           <a:xfrm>
-            <a:off x="497840" y="3169921"/>
-            <a:ext cx="2854960" cy="523220"/>
+            <a:off x="537714" y="2458854"/>
+            <a:ext cx="5216105" cy="1384995"/>
           </a:xfrm>
           <a:prstGeom prst="rect">
             <a:avLst/>
@@ -9757,10 +12407,118 @@
           </a:bodyPr>
           <a:lstStyle/>
           <a:p>
-            <a:r>
-              <a:rPr lang="en-US" sz="1400" dirty="0"/>
-              <a:t>the beam-pointing angle for a given harmonic m can be obtained by</a:t>
-            </a:r>
+            <a:pPr>
+              <a:buFont typeface="Arial" pitchFamily="34" charset="0"/>
+              <a:buChar char="•"/>
+            </a:pPr>
+            <a:r>
+              <a:rPr lang="en-US" sz="1400" dirty="0" smtClean="0"/>
+              <a:t> In multiple time modulation frequency </a:t>
+            </a:r>
+            <a:r>
+              <a:rPr lang="en-US" sz="1400" dirty="0" smtClean="0"/>
+              <a:t>(MTMF), </a:t>
+            </a:r>
+            <a:r>
+              <a:rPr lang="en-US" sz="1400" dirty="0" smtClean="0"/>
+              <a:t>each antenna element has its time modulating switching </a:t>
+            </a:r>
+            <a:r>
+              <a:rPr lang="en-US" sz="1400" dirty="0" smtClean="0"/>
+              <a:t>period </a:t>
+            </a:r>
+            <a:r>
+              <a:rPr lang="en-US" sz="1400" dirty="0" err="1" smtClean="0"/>
+              <a:t>T</a:t>
+            </a:r>
+            <a:r>
+              <a:rPr lang="en-US" sz="1400" baseline="-25000" dirty="0" err="1" smtClean="0"/>
+              <a:t>p,n</a:t>
+            </a:r>
+            <a:r>
+              <a:rPr lang="en-US" sz="1400" baseline="-25000" dirty="0" smtClean="0"/>
+              <a:t> </a:t>
+            </a:r>
+            <a:endParaRPr lang="en-US" sz="1400" dirty="0" smtClean="0"/>
+          </a:p>
+          <a:p>
+            <a:pPr>
+              <a:buFont typeface="Arial" pitchFamily="34" charset="0"/>
+              <a:buChar char="•"/>
+            </a:pPr>
+            <a:r>
+              <a:rPr lang="en-US" sz="1400" dirty="0" smtClean="0"/>
+              <a:t>The </a:t>
+            </a:r>
+            <a:r>
+              <a:rPr lang="en-US" sz="1400" dirty="0" smtClean="0"/>
+              <a:t>SBLs in STMF are superposed because all the time modulating switchers have the same time modulating frequency, whereas the SBLs in MTMF are not superposed because each element has the corresponding time modulating </a:t>
+            </a:r>
+            <a:r>
+              <a:rPr lang="en-US" sz="1400" dirty="0" smtClean="0"/>
+              <a:t>frequency</a:t>
+            </a:r>
+            <a:endParaRPr lang="en-US" sz="1400" baseline="-25000" dirty="0"/>
+          </a:p>
+        </p:txBody>
+      </p:sp>
+      <p:sp>
+        <p:nvSpPr>
+          <p:cNvPr id="11" name="Rectangle 10"/>
+          <p:cNvSpPr/>
+          <p:nvPr/>
+        </p:nvSpPr>
+        <p:spPr>
+          <a:xfrm>
+            <a:off x="6880664" y="5987534"/>
+            <a:ext cx="2861681" cy="246221"/>
+          </a:xfrm>
+          <a:prstGeom prst="rect">
+            <a:avLst/>
+          </a:prstGeom>
+        </p:spPr>
+        <p:txBody>
+          <a:bodyPr wrap="none">
+            <a:spAutoFit/>
+          </a:bodyPr>
+          <a:lstStyle/>
+          <a:p>
+            <a:r>
+              <a:rPr lang="en-US" sz="1000" dirty="0" smtClean="0"/>
+              <a:t>Illustration of SBL suppression in TMLA with MTMF.</a:t>
+            </a:r>
+            <a:endParaRPr lang="en-US" sz="1000" dirty="0"/>
+          </a:p>
+        </p:txBody>
+      </p:sp>
+      <p:sp>
+        <p:nvSpPr>
+          <p:cNvPr id="12" name="Rectangle 11"/>
+          <p:cNvSpPr/>
+          <p:nvPr/>
+        </p:nvSpPr>
+        <p:spPr>
+          <a:xfrm>
+            <a:off x="10229631" y="5953028"/>
+            <a:ext cx="1455848" cy="230832"/>
+          </a:xfrm>
+          <a:prstGeom prst="rect">
+            <a:avLst/>
+          </a:prstGeom>
+        </p:spPr>
+        <p:txBody>
+          <a:bodyPr wrap="none">
+            <a:spAutoFit/>
+          </a:bodyPr>
+          <a:lstStyle/>
+          <a:p>
+            <a:r>
+              <a:rPr lang="en-US" sz="900" u="sng" dirty="0" smtClean="0">
+                <a:hlinkClick r:id="rId3"/>
+              </a:rPr>
+              <a:t>10.5772/intechopen.92100</a:t>
+            </a:r>
+            <a:endParaRPr lang="en-US" sz="900" dirty="0"/>
           </a:p>
         </p:txBody>
       </p:sp>
@@ -9769,6 +12527,13 @@
   <p:clrMapOvr>
     <a:masterClrMapping/>
   </p:clrMapOvr>
+  <p:timing>
+    <p:tnLst>
+      <p:par>
+        <p:cTn id="1" dur="indefinite" restart="never" nodeType="tmRoot"/>
+      </p:par>
+    </p:tnLst>
+  </p:timing>
 </p:sld>
 </file>
 
@@ -9789,9 +12554,190 @@
           <a:chExt cx="0" cy="0"/>
         </a:xfrm>
       </p:grpSpPr>
+      <p:sp>
+        <p:nvSpPr>
+          <p:cNvPr id="9" name="Rectangle 8"/>
+          <p:cNvSpPr/>
+          <p:nvPr/>
+        </p:nvSpPr>
+        <p:spPr>
+          <a:xfrm>
+            <a:off x="279932" y="1059672"/>
+            <a:ext cx="10972800" cy="2031325"/>
+          </a:xfrm>
+          <a:prstGeom prst="rect">
+            <a:avLst/>
+          </a:prstGeom>
+        </p:spPr>
+        <p:txBody>
+          <a:bodyPr wrap="square">
+            <a:spAutoFit/>
+          </a:bodyPr>
+          <a:lstStyle/>
+          <a:p>
+            <a:pPr>
+              <a:buFont typeface="Arial" pitchFamily="34" charset="0"/>
+              <a:buChar char="•"/>
+            </a:pPr>
+            <a:r>
+              <a:rPr lang="en-IN" sz="1400" dirty="0"/>
+              <a:t> </a:t>
+            </a:r>
+            <a:r>
+              <a:rPr lang="en-US" sz="1400" dirty="0"/>
+              <a:t>For a uniform linear array with spacing between elements of λ/2, the relationship between the number of beams within a given range in the elevation plane and the number of elements is stated by the following equation</a:t>
+            </a:r>
+          </a:p>
+          <a:p>
+            <a:pPr>
+              <a:buFont typeface="Arial" pitchFamily="34" charset="0"/>
+              <a:buChar char="•"/>
+            </a:pPr>
+            <a:endParaRPr lang="en-IN" sz="1400" dirty="0"/>
+          </a:p>
+          <a:p>
+            <a:pPr>
+              <a:buFont typeface="Arial" pitchFamily="34" charset="0"/>
+              <a:buChar char="•"/>
+            </a:pPr>
+            <a:endParaRPr lang="en-IN" sz="1400" dirty="0"/>
+          </a:p>
+          <a:p>
+            <a:pPr>
+              <a:buFont typeface="Arial" pitchFamily="34" charset="0"/>
+              <a:buChar char="•"/>
+            </a:pPr>
+            <a:endParaRPr lang="en-IN" sz="1400" dirty="0"/>
+          </a:p>
+          <a:p>
+            <a:r>
+              <a:rPr lang="en-IN" sz="1400" dirty="0"/>
+              <a:t> where </a:t>
+            </a:r>
+            <a:r>
+              <a:rPr lang="en-US" sz="1400" dirty="0"/>
+              <a:t>b is the number of beams, </a:t>
+            </a:r>
+            <a:r>
+              <a:rPr lang="en-US" sz="1400" dirty="0" err="1"/>
+              <a:t>θr</a:t>
+            </a:r>
+            <a:r>
+              <a:rPr lang="en-US" sz="1400" dirty="0"/>
+              <a:t> is the range in the elevation plane and N is the number of elements of the array.</a:t>
+            </a:r>
+            <a:endParaRPr lang="en-IN" sz="1400" dirty="0"/>
+          </a:p>
+          <a:p>
+            <a:pPr>
+              <a:buFont typeface="Arial" pitchFamily="34" charset="0"/>
+              <a:buChar char="•"/>
+            </a:pPr>
+            <a:r>
+              <a:rPr lang="en-IN" sz="1400" dirty="0"/>
+              <a:t> </a:t>
+            </a:r>
+            <a:r>
+              <a:rPr lang="en-US" sz="1400" dirty="0"/>
+              <a:t>If 50 beams are desired to be placed between θ = 0◦ and θ = 50◦ (i.e., </a:t>
+            </a:r>
+            <a:r>
+              <a:rPr lang="en-US" sz="1400" dirty="0" err="1"/>
+              <a:t>θ</a:t>
+            </a:r>
+            <a:r>
+              <a:rPr lang="en-US" sz="1400" baseline="-25000" dirty="0" err="1"/>
+              <a:t>r</a:t>
+            </a:r>
+            <a:r>
+              <a:rPr lang="en-US" sz="1400" baseline="-25000" dirty="0"/>
+              <a:t> </a:t>
+            </a:r>
+            <a:r>
+              <a:rPr lang="en-US" sz="1400" dirty="0"/>
+              <a:t>= 50◦), then the number of elements needed to meet those requirements is given by N = 130</a:t>
+            </a:r>
+          </a:p>
+          <a:p>
+            <a:pPr>
+              <a:buFont typeface="Arial" pitchFamily="34" charset="0"/>
+              <a:buChar char="•"/>
+            </a:pPr>
+            <a:endParaRPr lang="en-IN" sz="1400" dirty="0"/>
+          </a:p>
+        </p:txBody>
+      </p:sp>
+      <p:sp>
+        <p:nvSpPr>
+          <p:cNvPr id="3" name="TextBox 2"/>
+          <p:cNvSpPr txBox="1"/>
+          <p:nvPr/>
+        </p:nvSpPr>
+        <p:spPr>
+          <a:xfrm>
+            <a:off x="375920" y="426720"/>
+            <a:ext cx="9489440" cy="707886"/>
+          </a:xfrm>
+          <a:prstGeom prst="rect">
+            <a:avLst/>
+          </a:prstGeom>
+          <a:noFill/>
+        </p:spPr>
+        <p:txBody>
+          <a:bodyPr wrap="square" rtlCol="0">
+            <a:spAutoFit/>
+          </a:bodyPr>
+          <a:lstStyle/>
+          <a:p>
+            <a:r>
+              <a:rPr lang="en-US" sz="3200" dirty="0"/>
+              <a:t>Beam Steering for Time Modulated Arrays</a:t>
+            </a:r>
+          </a:p>
+          <a:p>
+            <a:r>
+              <a:rPr lang="en-US" sz="800" dirty="0"/>
+              <a:t>Gonzalo Maldonado, Alberto Reyna, Luz. I. Balderas, Marco A. </a:t>
+            </a:r>
+            <a:r>
+              <a:rPr lang="en-US" sz="800" dirty="0" err="1"/>
+              <a:t>Panduro</a:t>
+            </a:r>
+            <a:r>
+              <a:rPr lang="en-US" sz="800" dirty="0"/>
+              <a:t>, </a:t>
+            </a:r>
+            <a:r>
+              <a:rPr lang="vi-VN" sz="800" dirty="0"/>
+              <a:t>J</a:t>
+            </a:r>
+            <a:r>
+              <a:rPr lang="en-IN" sz="800" dirty="0" err="1"/>
+              <a:t>esus</a:t>
+            </a:r>
+            <a:r>
+              <a:rPr lang="vi-VN" sz="800" dirty="0"/>
+              <a:t> C</a:t>
+            </a:r>
+            <a:r>
+              <a:rPr lang="en-IN" sz="800" dirty="0" err="1"/>
+              <a:t>ruz</a:t>
+            </a:r>
+            <a:r>
+              <a:rPr lang="vi-VN" sz="800" dirty="0"/>
+              <a:t> G</a:t>
+            </a:r>
+            <a:r>
+              <a:rPr lang="en-IN" sz="800" dirty="0" err="1"/>
+              <a:t>arza</a:t>
+            </a:r>
+            <a:endParaRPr lang="en-US" sz="800" dirty="0"/>
+          </a:p>
+        </p:txBody>
+      </p:sp>
       <p:pic>
         <p:nvPicPr>
-          <p:cNvPr id="1026" name="Picture 2"/>
+          <p:cNvPr id="2050" name="Picture 2"/>
           <p:cNvPicPr>
             <a:picLocks noChangeAspect="1" noChangeArrowheads="1"/>
           </p:cNvPicPr>
@@ -9806,8 +12752,8 @@
         </p:blipFill>
         <p:spPr bwMode="auto">
           <a:xfrm>
-            <a:off x="555624" y="1048703"/>
-            <a:ext cx="5327439" cy="4539297"/>
+            <a:off x="3590608" y="1510665"/>
+            <a:ext cx="1495425" cy="666750"/>
           </a:xfrm>
           <a:prstGeom prst="rect">
             <a:avLst/>
@@ -9824,7 +12770,7 @@
       </p:pic>
       <p:pic>
         <p:nvPicPr>
-          <p:cNvPr id="1027" name="Picture 3"/>
+          <p:cNvPr id="2051" name="Picture 3"/>
           <p:cNvPicPr>
             <a:picLocks noChangeAspect="1" noChangeArrowheads="1"/>
           </p:cNvPicPr>
@@ -9839,8 +12785,8 @@
         </p:blipFill>
         <p:spPr bwMode="auto">
           <a:xfrm>
-            <a:off x="5872480" y="1047750"/>
-            <a:ext cx="6088429" cy="4606227"/>
+            <a:off x="3618865" y="2997835"/>
+            <a:ext cx="3714750" cy="2752725"/>
           </a:xfrm>
           <a:prstGeom prst="rect">
             <a:avLst/>
@@ -9855,11 +12801,145 @@
           <a:effectLst/>
         </p:spPr>
       </p:pic>
+      <p:pic>
+        <p:nvPicPr>
+          <p:cNvPr id="2052" name="Picture 4"/>
+          <p:cNvPicPr>
+            <a:picLocks noChangeAspect="1" noChangeArrowheads="1"/>
+          </p:cNvPicPr>
+          <p:nvPr/>
+        </p:nvPicPr>
+        <p:blipFill>
+          <a:blip r:embed="rId4"/>
+          <a:srcRect/>
+          <a:stretch>
+            <a:fillRect/>
+          </a:stretch>
+        </p:blipFill>
+        <p:spPr bwMode="auto">
+          <a:xfrm>
+            <a:off x="274003" y="3836670"/>
+            <a:ext cx="3190875" cy="647700"/>
+          </a:xfrm>
+          <a:prstGeom prst="rect">
+            <a:avLst/>
+          </a:prstGeom>
+          <a:noFill/>
+          <a:ln w="9525">
+            <a:noFill/>
+            <a:miter lim="800000"/>
+            <a:headEnd/>
+            <a:tailEnd/>
+          </a:ln>
+          <a:effectLst/>
+        </p:spPr>
+      </p:pic>
+      <p:pic>
+        <p:nvPicPr>
+          <p:cNvPr id="2053" name="Picture 5"/>
+          <p:cNvPicPr>
+            <a:picLocks noChangeAspect="1" noChangeArrowheads="1"/>
+          </p:cNvPicPr>
+          <p:nvPr/>
+        </p:nvPicPr>
+        <p:blipFill>
+          <a:blip r:embed="rId5"/>
+          <a:srcRect/>
+          <a:stretch>
+            <a:fillRect/>
+          </a:stretch>
+        </p:blipFill>
+        <p:spPr bwMode="auto">
+          <a:xfrm>
+            <a:off x="7401888" y="3027680"/>
+            <a:ext cx="3743823" cy="2763520"/>
+          </a:xfrm>
+          <a:prstGeom prst="rect">
+            <a:avLst/>
+          </a:prstGeom>
+          <a:noFill/>
+          <a:ln w="9525">
+            <a:noFill/>
+            <a:miter lim="800000"/>
+            <a:headEnd/>
+            <a:tailEnd/>
+          </a:ln>
+          <a:effectLst/>
+        </p:spPr>
+      </p:pic>
+      <p:pic>
+        <p:nvPicPr>
+          <p:cNvPr id="2054" name="Picture 6"/>
+          <p:cNvPicPr>
+            <a:picLocks noChangeAspect="1" noChangeArrowheads="1"/>
+          </p:cNvPicPr>
+          <p:nvPr/>
+        </p:nvPicPr>
+        <p:blipFill>
+          <a:blip r:embed="rId6"/>
+          <a:srcRect/>
+          <a:stretch>
+            <a:fillRect/>
+          </a:stretch>
+        </p:blipFill>
+        <p:spPr bwMode="auto">
+          <a:xfrm>
+            <a:off x="191770" y="4661440"/>
+            <a:ext cx="3415030" cy="477298"/>
+          </a:xfrm>
+          <a:prstGeom prst="rect">
+            <a:avLst/>
+          </a:prstGeom>
+          <a:noFill/>
+          <a:ln w="9525">
+            <a:noFill/>
+            <a:miter lim="800000"/>
+            <a:headEnd/>
+            <a:tailEnd/>
+          </a:ln>
+          <a:effectLst/>
+        </p:spPr>
+      </p:pic>
+      <p:sp>
+        <p:nvSpPr>
+          <p:cNvPr id="10" name="Rectangle 9"/>
+          <p:cNvSpPr/>
+          <p:nvPr/>
+        </p:nvSpPr>
+        <p:spPr>
+          <a:xfrm>
+            <a:off x="497840" y="3169921"/>
+            <a:ext cx="2854960" cy="523220"/>
+          </a:xfrm>
+          <a:prstGeom prst="rect">
+            <a:avLst/>
+          </a:prstGeom>
+        </p:spPr>
+        <p:txBody>
+          <a:bodyPr wrap="square">
+            <a:spAutoFit/>
+          </a:bodyPr>
+          <a:lstStyle/>
+          <a:p>
+            <a:r>
+              <a:rPr lang="en-US" sz="1400" dirty="0"/>
+              <a:t>the beam-pointing angle for a given harmonic m can be obtained by</a:t>
+            </a:r>
+          </a:p>
+        </p:txBody>
+      </p:sp>
     </p:spTree>
   </p:cSld>
   <p:clrMapOvr>
     <a:masterClrMapping/>
   </p:clrMapOvr>
+  <p:timing>
+    <p:tnLst>
+      <p:par>
+        <p:cTn id="1" dur="indefinite" restart="never" nodeType="tmRoot"/>
+      </p:par>
+    </p:tnLst>
+  </p:timing>
 </p:sld>
 </file>
 
@@ -9880,171 +12960,144 @@
           <a:chExt cx="0" cy="0"/>
         </a:xfrm>
       </p:grpSpPr>
+      <p:sp>
+        <p:nvSpPr>
+          <p:cNvPr id="9" name="Rectangle 8"/>
+          <p:cNvSpPr/>
+          <p:nvPr/>
+        </p:nvSpPr>
+        <p:spPr>
+          <a:xfrm>
+            <a:off x="322053" y="109131"/>
+            <a:ext cx="10918166" cy="369332"/>
+          </a:xfrm>
+          <a:prstGeom prst="rect">
+            <a:avLst/>
+          </a:prstGeom>
+        </p:spPr>
+        <p:txBody>
+          <a:bodyPr wrap="square">
+            <a:spAutoFit/>
+          </a:bodyPr>
+          <a:lstStyle/>
+          <a:p>
+            <a:r>
+              <a:rPr lang="en-US" dirty="0"/>
+              <a:t>Uniform Array Factor:</a:t>
+            </a:r>
+            <a:endParaRPr lang="en-US" sz="1200" dirty="0"/>
+          </a:p>
+        </p:txBody>
+      </p:sp>
       <p:pic>
         <p:nvPicPr>
-          <p:cNvPr id="2" name="Picture 2"/>
+          <p:cNvPr id="3" name="Picture 2" descr="q1_1.PNG"/>
           <p:cNvPicPr>
-            <a:picLocks noChangeAspect="1" noChangeArrowheads="1"/>
+            <a:picLocks noChangeAspect="1"/>
           </p:cNvPicPr>
           <p:nvPr/>
         </p:nvPicPr>
         <p:blipFill>
           <a:blip r:embed="rId2"/>
-          <a:srcRect/>
           <a:stretch>
             <a:fillRect/>
           </a:stretch>
         </p:blipFill>
-        <p:spPr bwMode="auto">
-          <a:xfrm>
-            <a:off x="6990080" y="290830"/>
-            <a:ext cx="3090863" cy="5703006"/>
+        <p:spPr>
+          <a:xfrm>
+            <a:off x="155276" y="1147310"/>
+            <a:ext cx="5669833" cy="4339086"/>
           </a:xfrm>
           <a:prstGeom prst="rect">
             <a:avLst/>
           </a:prstGeom>
-          <a:noFill/>
-          <a:ln w="9525">
-            <a:noFill/>
-            <a:miter lim="800000"/>
-            <a:headEnd/>
-            <a:tailEnd/>
-          </a:ln>
-          <a:effectLst/>
         </p:spPr>
       </p:pic>
-      <p:sp>
-        <p:nvSpPr>
-          <p:cNvPr id="8" name="Rectangle 7"/>
-          <p:cNvSpPr/>
-          <p:nvPr/>
-        </p:nvSpPr>
-        <p:spPr>
-          <a:xfrm>
-            <a:off x="6882052" y="6139934"/>
-            <a:ext cx="3145413" cy="246221"/>
-          </a:xfrm>
-          <a:prstGeom prst="rect">
-            <a:avLst/>
-          </a:prstGeom>
-        </p:spPr>
-        <p:txBody>
-          <a:bodyPr wrap="none">
-            <a:spAutoFit/>
-          </a:bodyPr>
-          <a:lstStyle/>
-          <a:p>
-            <a:r>
-              <a:rPr lang="en-US" sz="1000" dirty="0"/>
-              <a:t>The first eight Walsh functions arranged in natural order.</a:t>
-            </a:r>
-          </a:p>
-        </p:txBody>
-      </p:sp>
-      <p:sp>
-        <p:nvSpPr>
-          <p:cNvPr id="9" name="Rectangle 8"/>
-          <p:cNvSpPr/>
-          <p:nvPr/>
-        </p:nvSpPr>
-        <p:spPr>
-          <a:xfrm>
-            <a:off x="264160" y="220395"/>
-            <a:ext cx="7020560" cy="1200329"/>
-          </a:xfrm>
-          <a:prstGeom prst="rect">
-            <a:avLst/>
-          </a:prstGeom>
-        </p:spPr>
-        <p:txBody>
-          <a:bodyPr wrap="square">
-            <a:spAutoFit/>
-          </a:bodyPr>
-          <a:lstStyle/>
-          <a:p>
-            <a:r>
-              <a:rPr lang="en-US" sz="3200" dirty="0"/>
-              <a:t>Beam-Steering in Switched 4D Arrays Based on the  Discrete Walsh Transform</a:t>
-            </a:r>
-          </a:p>
-          <a:p>
-            <a:r>
-              <a:rPr lang="en-US" sz="800" dirty="0"/>
-              <a:t>Roberto </a:t>
-            </a:r>
-            <a:r>
-              <a:rPr lang="en-US" sz="800" dirty="0" err="1"/>
-              <a:t>Maneiro-Catoira</a:t>
-            </a:r>
-            <a:r>
-              <a:rPr lang="en-US" sz="800" dirty="0"/>
-              <a:t>, </a:t>
-            </a:r>
-            <a:r>
-              <a:rPr lang="vi-VN" sz="800" dirty="0"/>
-              <a:t>Marc Bernice Angoue Avele, Julio Br ́egains, Jos ́e A. Garcı ́a-Naya, and Luis Castedo</a:t>
-            </a:r>
-            <a:endParaRPr lang="en-US" sz="800" dirty="0"/>
-          </a:p>
-        </p:txBody>
-      </p:sp>
       <p:pic>
         <p:nvPicPr>
-          <p:cNvPr id="10" name="Picture 2"/>
+          <p:cNvPr id="4" name="Picture 3" descr="q1_2.PNG"/>
           <p:cNvPicPr>
-            <a:picLocks noChangeAspect="1" noChangeArrowheads="1"/>
+            <a:picLocks noChangeAspect="1"/>
           </p:cNvPicPr>
           <p:nvPr/>
         </p:nvPicPr>
         <p:blipFill>
           <a:blip r:embed="rId3"/>
-          <a:srcRect/>
           <a:stretch>
             <a:fillRect/>
           </a:stretch>
         </p:blipFill>
-        <p:spPr bwMode="auto">
-          <a:xfrm>
-            <a:off x="668339" y="1746885"/>
-            <a:ext cx="5712142" cy="3632700"/>
+        <p:spPr>
+          <a:xfrm>
+            <a:off x="5797916" y="1177775"/>
+            <a:ext cx="5812244" cy="4380703"/>
+          </a:xfrm>
+          <a:prstGeom prst="rect">
+            <a:avLst/>
+          </a:prstGeom>
+        </p:spPr>
+      </p:pic>
+      <p:sp>
+        <p:nvSpPr>
+          <p:cNvPr id="5" name="TextBox 4"/>
+          <p:cNvSpPr txBox="1"/>
+          <p:nvPr/>
+        </p:nvSpPr>
+        <p:spPr>
+          <a:xfrm>
+            <a:off x="543464" y="5520906"/>
+            <a:ext cx="4770407" cy="338554"/>
           </a:xfrm>
           <a:prstGeom prst="rect">
             <a:avLst/>
           </a:prstGeom>
           <a:noFill/>
-          <a:ln w="9525">
-            <a:noFill/>
-            <a:miter lim="800000"/>
-            <a:headEnd/>
-            <a:tailEnd/>
-          </a:ln>
-          <a:effectLst/>
-        </p:spPr>
-      </p:pic>
-      <p:sp>
-        <p:nvSpPr>
-          <p:cNvPr id="11" name="Rectangle 10"/>
-          <p:cNvSpPr/>
+        </p:spPr>
+        <p:txBody>
+          <a:bodyPr wrap="square" rtlCol="0">
+            <a:spAutoFit/>
+          </a:bodyPr>
+          <a:lstStyle/>
+          <a:p>
+            <a:pPr algn="ctr"/>
+            <a:r>
+              <a:rPr lang="en-US" sz="800" dirty="0">
+                <a:latin typeface="Arial" pitchFamily="34" charset="0"/>
+                <a:cs typeface="Arial" pitchFamily="34" charset="0"/>
+              </a:rPr>
+              <a:t>Fig: Array Factor for a Linear Array Antenna with 6 Elements (N = 6) and Element Spacing of Half Wavelength (d = λ/2)</a:t>
+            </a:r>
+          </a:p>
+        </p:txBody>
+      </p:sp>
+      <p:sp>
+        <p:nvSpPr>
+          <p:cNvPr id="6" name="TextBox 5"/>
+          <p:cNvSpPr txBox="1"/>
           <p:nvPr/>
         </p:nvSpPr>
         <p:spPr>
           <a:xfrm>
-            <a:off x="762000" y="5259755"/>
-            <a:ext cx="6096000" cy="246221"/>
+            <a:off x="6294407" y="5569789"/>
+            <a:ext cx="5006196" cy="215444"/>
           </a:xfrm>
           <a:prstGeom prst="rect">
             <a:avLst/>
           </a:prstGeom>
-        </p:spPr>
-        <p:txBody>
-          <a:bodyPr>
+          <a:noFill/>
+        </p:spPr>
+        <p:txBody>
+          <a:bodyPr wrap="square" rtlCol="0">
             <a:spAutoFit/>
           </a:bodyPr>
           <a:lstStyle/>
           <a:p>
             <a:r>
-              <a:rPr lang="en-US" sz="1000" dirty="0"/>
-              <a:t>Relative power radiated pattern of TMAs designed by means of the DWT for the cases with M = 8 and M = 16.</a:t>
+              <a:rPr lang="en-US" sz="800" dirty="0">
+                <a:latin typeface="Arial" pitchFamily="34" charset="0"/>
+                <a:cs typeface="Arial" pitchFamily="34" charset="0"/>
+              </a:rPr>
+              <a:t>Fig: Comparison of Array Factor for a 2-element, 10-element and 8-element  Linear Array Antenna  </a:t>
             </a:r>
           </a:p>
         </p:txBody>
@@ -10054,6 +13107,13 @@
   <p:clrMapOvr>
     <a:masterClrMapping/>
   </p:clrMapOvr>
+  <p:timing>
+    <p:tnLst>
+      <p:par>
+        <p:cTn id="1" dur="indefinite" restart="never" nodeType="tmRoot"/>
+      </p:par>
+    </p:tnLst>
+  </p:timing>
 </p:sld>
 </file>
 
@@ -10346,7 +13406,7 @@
   <a:extraClrSchemeLst/>
   <a:extLst>
     <a:ext uri="{05A4C25C-085E-4340-85A3-A5531E510DB2}">
-      <thm15:themeFamily xmlns:thm15="http://schemas.microsoft.com/office/thememl/2012/main" name="Office Theme" id="{62F939B6-93AF-4DB8-9C6B-D6C7DFDC589F}" vid="{4A3C46E8-61CC-4603-A589-7422A47A8E4A}"/>
+      <thm15:themeFamily xmlns:thm15="http://schemas.microsoft.com/office/thememl/2012/main" xmlns="" name="Office Theme" id="{62F939B6-93AF-4DB8-9C6B-D6C7DFDC589F}" vid="{4A3C46E8-61CC-4603-A589-7422A47A8E4A}"/>
     </a:ext>
   </a:extLst>
 </a:theme>
@@ -10661,7 +13721,7 @@
   <a:extraClrSchemeLst/>
   <a:extLst>
     <a:ext uri="{05A4C25C-085E-4340-85A3-A5531E510DB2}">
-      <thm15:themeFamily xmlns:thm15="http://schemas.microsoft.com/office/thememl/2012/main" name="Office Theme" id="{2E142A2C-CD16-42D6-873A-C26D2A0506FA}" vid="{1BDDFF52-6CD6-40A5-AB3C-68EB2F1E4D0A}"/>
+      <thm15:themeFamily xmlns:thm15="http://schemas.microsoft.com/office/thememl/2012/main" xmlns="" name="Office Theme" id="{2E142A2C-CD16-42D6-873A-C26D2A0506FA}" vid="{1BDDFF52-6CD6-40A5-AB3C-68EB2F1E4D0A}"/>
     </a:ext>
   </a:extLst>
 </a:theme>
